--- a/Convectional Neural Networks Poster.pptx
+++ b/Convectional Neural Networks Poster.pptx
@@ -403,11 +403,11 @@
         </c:dLbls>
         <c:gapWidth val="80"/>
         <c:overlap val="25"/>
-        <c:axId val="-337005328"/>
-        <c:axId val="-337037168"/>
+        <c:axId val="-1684773792"/>
+        <c:axId val="-1781934064"/>
       </c:barChart>
       <c:catAx>
-        <c:axId val="-337005328"/>
+        <c:axId val="-1684773792"/>
         <c:scaling>
           <c:orientation val="minMax"/>
         </c:scaling>
@@ -450,7 +450,7 @@
             <a:endParaRPr lang="en-US"/>
           </a:p>
         </c:txPr>
-        <c:crossAx val="-337037168"/>
+        <c:crossAx val="-1781934064"/>
         <c:crosses val="autoZero"/>
         <c:auto val="1"/>
         <c:lblAlgn val="ctr"/>
@@ -458,7 +458,7 @@
         <c:noMultiLvlLbl val="0"/>
       </c:catAx>
       <c:valAx>
-        <c:axId val="-337037168"/>
+        <c:axId val="-1781934064"/>
         <c:scaling>
           <c:orientation val="minMax"/>
         </c:scaling>
@@ -509,7 +509,7 @@
             <a:endParaRPr lang="en-US"/>
           </a:p>
         </c:txPr>
-        <c:crossAx val="-337005328"/>
+        <c:crossAx val="-1684773792"/>
         <c:crosses val="autoZero"/>
         <c:crossBetween val="between"/>
       </c:valAx>
@@ -4865,7 +4865,7 @@
           <a:p>
             <a:fld id="{F1C0B079-A316-4C9B-B165-DF9EA8325D2C}" type="datetimeFigureOut">
               <a:rPr lang="en-US" smtClean="0"/>
-              <a:t>5/24/17</a:t>
+              <a:t>5/26/17</a:t>
             </a:fld>
             <a:endParaRPr lang="en-US"/>
           </a:p>
@@ -5030,7 +5030,7 @@
           <a:p>
             <a:fld id="{38F28AB8-57D1-494F-9851-055AD867E790}" type="datetimeFigureOut">
               <a:rPr lang="en-US" smtClean="0"/>
-              <a:t>5/24/17</a:t>
+              <a:t>5/26/17</a:t>
             </a:fld>
             <a:endParaRPr lang="en-US"/>
           </a:p>
@@ -8578,7 +8578,7 @@
           <a:p>
             <a:fld id="{ECAA57DF-1C19-4726-AB84-014692BAD8F5}" type="datetimeFigureOut">
               <a:rPr lang="en-US" smtClean="0"/>
-              <a:t>5/24/17</a:t>
+              <a:t>5/26/17</a:t>
             </a:fld>
             <a:endParaRPr lang="en-US"/>
           </a:p>
@@ -8917,7 +8917,7 @@
             <a:fld id="{ECAA57DF-1C19-4726-AB84-014692BAD8F5}" type="datetimeFigureOut">
               <a:rPr lang="en-US" smtClean="0"/>
               <a:pPr/>
-              <a:t>5/24/17</a:t>
+              <a:t>5/26/17</a:t>
             </a:fld>
             <a:endParaRPr lang="en-US"/>
           </a:p>
@@ -10154,14 +10154,14 @@
           </a:effectLst>
           <a:extLst>
             <a:ext uri="{909E8E84-426E-40dd-AFC4-6F175D3DCCD1}">
-              <a14:hiddenFill xmlns="" xmlns:a14="http://schemas.microsoft.com/office/drawing/2010/main">
+              <a14:hiddenFill xmlns:a14="http://schemas.microsoft.com/office/drawing/2010/main" xmlns="">
                 <a:solidFill>
                   <a:srgbClr val="FFFFFF"/>
                 </a:solidFill>
               </a14:hiddenFill>
             </a:ext>
             <a:ext uri="{91240B29-F687-4f45-9708-019B960494DF}">
-              <a14:hiddenLine xmlns="" xmlns:a14="http://schemas.microsoft.com/office/drawing/2010/main" w="9525">
+              <a14:hiddenLine xmlns:a14="http://schemas.microsoft.com/office/drawing/2010/main" xmlns="" w="9525">
                 <a:solidFill>
                   <a:srgbClr val="000000"/>
                 </a:solidFill>
@@ -10206,14 +10206,14 @@
           </a:ln>
           <a:extLst>
             <a:ext uri="{909E8E84-426E-40dd-AFC4-6F175D3DCCD1}">
-              <a14:hiddenFill xmlns:a14="http://schemas.microsoft.com/office/drawing/2010/main" xmlns="">
+              <a14:hiddenFill xmlns="" xmlns:a14="http://schemas.microsoft.com/office/drawing/2010/main">
                 <a:solidFill>
                   <a:srgbClr val="FFFFFF"/>
                 </a:solidFill>
               </a14:hiddenFill>
             </a:ext>
             <a:ext uri="{91240B29-F687-4f45-9708-019B960494DF}">
-              <a14:hiddenLine xmlns:a14="http://schemas.microsoft.com/office/drawing/2010/main" xmlns="" w="9525">
+              <a14:hiddenLine xmlns="" xmlns:a14="http://schemas.microsoft.com/office/drawing/2010/main" w="9525">
                 <a:solidFill>
                   <a:srgbClr val="000000"/>
                 </a:solidFill>
@@ -10361,7 +10361,7 @@
             <a:effectLst/>
             <a:extLst>
               <a:ext uri="{AF507438-7753-43e0-B8FC-AC1667EBCBE1}">
-                <a14:hiddenEffects xmlns:a14="http://schemas.microsoft.com/office/drawing/2010/main" xmlns="">
+                <a14:hiddenEffects xmlns="" xmlns:a14="http://schemas.microsoft.com/office/drawing/2010/main">
                   <a:effectLst>
                     <a:outerShdw dist="35921" dir="2700000" algn="ctr" rotWithShape="0">
                       <a:schemeClr val="bg2"/>
@@ -10437,7 +10437,7 @@
             <a:effectLst/>
             <a:extLst>
               <a:ext uri="{AF507438-7753-43e0-B8FC-AC1667EBCBE1}">
-                <a14:hiddenEffects xmlns:a14="http://schemas.microsoft.com/office/drawing/2010/main" xmlns="">
+                <a14:hiddenEffects xmlns="" xmlns:a14="http://schemas.microsoft.com/office/drawing/2010/main">
                   <a:effectLst>
                     <a:outerShdw dist="35921" dir="2700000" algn="ctr" rotWithShape="0">
                       <a:schemeClr val="bg2"/>
@@ -10513,7 +10513,7 @@
             <a:effectLst/>
             <a:extLst>
               <a:ext uri="{AF507438-7753-43e0-B8FC-AC1667EBCBE1}">
-                <a14:hiddenEffects xmlns:a14="http://schemas.microsoft.com/office/drawing/2010/main" xmlns="">
+                <a14:hiddenEffects xmlns="" xmlns:a14="http://schemas.microsoft.com/office/drawing/2010/main">
                   <a:effectLst>
                     <a:outerShdw dist="35921" dir="2700000" algn="ctr" rotWithShape="0">
                       <a:schemeClr val="bg2"/>
@@ -10587,7 +10587,7 @@
             <a:effectLst/>
             <a:extLst>
               <a:ext uri="{AF507438-7753-43e0-B8FC-AC1667EBCBE1}">
-                <a14:hiddenEffects xmlns:a14="http://schemas.microsoft.com/office/drawing/2010/main" xmlns="">
+                <a14:hiddenEffects xmlns="" xmlns:a14="http://schemas.microsoft.com/office/drawing/2010/main">
                   <a:effectLst>
                     <a:outerShdw dist="35921" dir="2700000" algn="ctr" rotWithShape="0">
                       <a:schemeClr val="bg2"/>
@@ -10661,7 +10661,7 @@
             <a:effectLst/>
             <a:extLst>
               <a:ext uri="{AF507438-7753-43e0-B8FC-AC1667EBCBE1}">
-                <a14:hiddenEffects xmlns:a14="http://schemas.microsoft.com/office/drawing/2010/main" xmlns="">
+                <a14:hiddenEffects xmlns="" xmlns:a14="http://schemas.microsoft.com/office/drawing/2010/main">
                   <a:effectLst>
                     <a:outerShdw dist="35921" dir="2700000" algn="ctr" rotWithShape="0">
                       <a:schemeClr val="bg2"/>
@@ -10735,7 +10735,7 @@
             <a:effectLst/>
             <a:extLst>
               <a:ext uri="{AF507438-7753-43e0-B8FC-AC1667EBCBE1}">
-                <a14:hiddenEffects xmlns:a14="http://schemas.microsoft.com/office/drawing/2010/main" xmlns="">
+                <a14:hiddenEffects xmlns="" xmlns:a14="http://schemas.microsoft.com/office/drawing/2010/main">
                   <a:effectLst>
                     <a:outerShdw dist="35921" dir="2700000" algn="ctr" rotWithShape="0">
                       <a:schemeClr val="bg2"/>
@@ -10809,7 +10809,7 @@
             <a:effectLst/>
             <a:extLst>
               <a:ext uri="{AF507438-7753-43e0-B8FC-AC1667EBCBE1}">
-                <a14:hiddenEffects xmlns:a14="http://schemas.microsoft.com/office/drawing/2010/main" xmlns="">
+                <a14:hiddenEffects xmlns="" xmlns:a14="http://schemas.microsoft.com/office/drawing/2010/main">
                   <a:effectLst>
                     <a:outerShdw dist="35921" dir="2700000" algn="ctr" rotWithShape="0">
                       <a:schemeClr val="bg2"/>
@@ -10883,7 +10883,7 @@
             <a:effectLst/>
             <a:extLst>
               <a:ext uri="{AF507438-7753-43e0-B8FC-AC1667EBCBE1}">
-                <a14:hiddenEffects xmlns:a14="http://schemas.microsoft.com/office/drawing/2010/main" xmlns="">
+                <a14:hiddenEffects xmlns="" xmlns:a14="http://schemas.microsoft.com/office/drawing/2010/main">
                   <a:effectLst>
                     <a:outerShdw dist="35921" dir="2700000" algn="ctr" rotWithShape="0">
                       <a:schemeClr val="bg2"/>
@@ -10957,7 +10957,7 @@
             <a:effectLst/>
             <a:extLst>
               <a:ext uri="{AF507438-7753-43e0-B8FC-AC1667EBCBE1}">
-                <a14:hiddenEffects xmlns:a14="http://schemas.microsoft.com/office/drawing/2010/main" xmlns="">
+                <a14:hiddenEffects xmlns="" xmlns:a14="http://schemas.microsoft.com/office/drawing/2010/main">
                   <a:effectLst>
                     <a:outerShdw dist="35921" dir="2700000" algn="ctr" rotWithShape="0">
                       <a:schemeClr val="bg2"/>
@@ -11031,7 +11031,7 @@
             <a:effectLst/>
             <a:extLst>
               <a:ext uri="{AF507438-7753-43e0-B8FC-AC1667EBCBE1}">
-                <a14:hiddenEffects xmlns:a14="http://schemas.microsoft.com/office/drawing/2010/main" xmlns="">
+                <a14:hiddenEffects xmlns="" xmlns:a14="http://schemas.microsoft.com/office/drawing/2010/main">
                   <a:effectLst>
                     <a:outerShdw dist="35921" dir="2700000" algn="ctr" rotWithShape="0">
                       <a:schemeClr val="bg2"/>
@@ -11105,7 +11105,7 @@
             <a:effectLst/>
             <a:extLst>
               <a:ext uri="{AF507438-7753-43e0-B8FC-AC1667EBCBE1}">
-                <a14:hiddenEffects xmlns:a14="http://schemas.microsoft.com/office/drawing/2010/main" xmlns="">
+                <a14:hiddenEffects xmlns="" xmlns:a14="http://schemas.microsoft.com/office/drawing/2010/main">
                   <a:effectLst>
                     <a:outerShdw dist="35921" dir="2700000" algn="ctr" rotWithShape="0">
                       <a:schemeClr val="bg2"/>
@@ -11181,7 +11181,7 @@
             <a:effectLst/>
             <a:extLst>
               <a:ext uri="{AF507438-7753-43e0-B8FC-AC1667EBCBE1}">
-                <a14:hiddenEffects xmlns:a14="http://schemas.microsoft.com/office/drawing/2010/main" xmlns="">
+                <a14:hiddenEffects xmlns="" xmlns:a14="http://schemas.microsoft.com/office/drawing/2010/main">
                   <a:effectLst>
                     <a:outerShdw dist="35921" dir="2700000" algn="ctr" rotWithShape="0">
                       <a:schemeClr val="bg2"/>
@@ -11260,7 +11260,7 @@
             <a:effectLst/>
             <a:extLst>
               <a:ext uri="{AF507438-7753-43e0-B8FC-AC1667EBCBE1}">
-                <a14:hiddenEffects xmlns:a14="http://schemas.microsoft.com/office/drawing/2010/main" xmlns="">
+                <a14:hiddenEffects xmlns="" xmlns:a14="http://schemas.microsoft.com/office/drawing/2010/main">
                   <a:effectLst>
                     <a:outerShdw dist="35921" dir="2700000" algn="ctr" rotWithShape="0">
                       <a:schemeClr val="bg2"/>
@@ -11303,7 +11303,7 @@
             <a:effectLst/>
             <a:extLst>
               <a:ext uri="{AF507438-7753-43e0-B8FC-AC1667EBCBE1}">
-                <a14:hiddenEffects xmlns:a14="http://schemas.microsoft.com/office/drawing/2010/main" xmlns="">
+                <a14:hiddenEffects xmlns="" xmlns:a14="http://schemas.microsoft.com/office/drawing/2010/main">
                   <a:effectLst>
                     <a:outerShdw dist="35921" dir="2700000" algn="ctr" rotWithShape="0">
                       <a:schemeClr val="bg2"/>
@@ -11346,7 +11346,7 @@
             <a:effectLst/>
             <a:extLst>
               <a:ext uri="{AF507438-7753-43e0-B8FC-AC1667EBCBE1}">
-                <a14:hiddenEffects xmlns:a14="http://schemas.microsoft.com/office/drawing/2010/main" xmlns="">
+                <a14:hiddenEffects xmlns="" xmlns:a14="http://schemas.microsoft.com/office/drawing/2010/main">
                   <a:effectLst>
                     <a:outerShdw dist="35921" dir="2700000" algn="ctr" rotWithShape="0">
                       <a:schemeClr val="bg2"/>
@@ -11389,7 +11389,7 @@
             <a:effectLst/>
             <a:extLst>
               <a:ext uri="{AF507438-7753-43e0-B8FC-AC1667EBCBE1}">
-                <a14:hiddenEffects xmlns:a14="http://schemas.microsoft.com/office/drawing/2010/main" xmlns="">
+                <a14:hiddenEffects xmlns="" xmlns:a14="http://schemas.microsoft.com/office/drawing/2010/main">
                   <a:effectLst>
                     <a:outerShdw dist="35921" dir="2700000" algn="ctr" rotWithShape="0">
                       <a:schemeClr val="bg2"/>
@@ -11432,7 +11432,7 @@
             <a:effectLst/>
             <a:extLst>
               <a:ext uri="{AF507438-7753-43e0-B8FC-AC1667EBCBE1}">
-                <a14:hiddenEffects xmlns:a14="http://schemas.microsoft.com/office/drawing/2010/main" xmlns="">
+                <a14:hiddenEffects xmlns="" xmlns:a14="http://schemas.microsoft.com/office/drawing/2010/main">
                   <a:effectLst>
                     <a:outerShdw dist="35921" dir="2700000" algn="ctr" rotWithShape="0">
                       <a:schemeClr val="bg2"/>
@@ -11475,7 +11475,7 @@
             <a:effectLst/>
             <a:extLst>
               <a:ext uri="{AF507438-7753-43e0-B8FC-AC1667EBCBE1}">
-                <a14:hiddenEffects xmlns:a14="http://schemas.microsoft.com/office/drawing/2010/main" xmlns="">
+                <a14:hiddenEffects xmlns="" xmlns:a14="http://schemas.microsoft.com/office/drawing/2010/main">
                   <a:effectLst>
                     <a:outerShdw dist="35921" dir="2700000" algn="ctr" rotWithShape="0">
                       <a:schemeClr val="bg2"/>
@@ -11518,7 +11518,7 @@
             <a:effectLst/>
             <a:extLst>
               <a:ext uri="{AF507438-7753-43e0-B8FC-AC1667EBCBE1}">
-                <a14:hiddenEffects xmlns:a14="http://schemas.microsoft.com/office/drawing/2010/main" xmlns="">
+                <a14:hiddenEffects xmlns="" xmlns:a14="http://schemas.microsoft.com/office/drawing/2010/main">
                   <a:effectLst>
                     <a:outerShdw dist="35921" dir="2700000" algn="ctr" rotWithShape="0">
                       <a:schemeClr val="bg2"/>
@@ -11561,7 +11561,7 @@
             <a:effectLst/>
             <a:extLst>
               <a:ext uri="{AF507438-7753-43e0-B8FC-AC1667EBCBE1}">
-                <a14:hiddenEffects xmlns:a14="http://schemas.microsoft.com/office/drawing/2010/main" xmlns="">
+                <a14:hiddenEffects xmlns="" xmlns:a14="http://schemas.microsoft.com/office/drawing/2010/main">
                   <a:effectLst>
                     <a:outerShdw dist="35921" dir="2700000" algn="ctr" rotWithShape="0">
                       <a:schemeClr val="bg2"/>
@@ -11604,7 +11604,7 @@
             <a:effectLst/>
             <a:extLst>
               <a:ext uri="{AF507438-7753-43e0-B8FC-AC1667EBCBE1}">
-                <a14:hiddenEffects xmlns:a14="http://schemas.microsoft.com/office/drawing/2010/main" xmlns="">
+                <a14:hiddenEffects xmlns="" xmlns:a14="http://schemas.microsoft.com/office/drawing/2010/main">
                   <a:effectLst>
                     <a:outerShdw dist="35921" dir="2700000" algn="ctr" rotWithShape="0">
                       <a:schemeClr val="bg2"/>
@@ -11647,7 +11647,7 @@
             <a:effectLst/>
             <a:extLst>
               <a:ext uri="{AF507438-7753-43e0-B8FC-AC1667EBCBE1}">
-                <a14:hiddenEffects xmlns:a14="http://schemas.microsoft.com/office/drawing/2010/main" xmlns="">
+                <a14:hiddenEffects xmlns="" xmlns:a14="http://schemas.microsoft.com/office/drawing/2010/main">
                   <a:effectLst>
                     <a:outerShdw dist="35921" dir="2700000" algn="ctr" rotWithShape="0">
                       <a:schemeClr val="bg2"/>
@@ -11690,7 +11690,7 @@
             <a:effectLst/>
             <a:extLst>
               <a:ext uri="{AF507438-7753-43e0-B8FC-AC1667EBCBE1}">
-                <a14:hiddenEffects xmlns:a14="http://schemas.microsoft.com/office/drawing/2010/main" xmlns="">
+                <a14:hiddenEffects xmlns="" xmlns:a14="http://schemas.microsoft.com/office/drawing/2010/main">
                   <a:effectLst>
                     <a:outerShdw dist="35921" dir="2700000" algn="ctr" rotWithShape="0">
                       <a:schemeClr val="bg2"/>
@@ -11733,7 +11733,7 @@
             <a:effectLst/>
             <a:extLst>
               <a:ext uri="{AF507438-7753-43e0-B8FC-AC1667EBCBE1}">
-                <a14:hiddenEffects xmlns:a14="http://schemas.microsoft.com/office/drawing/2010/main" xmlns="">
+                <a14:hiddenEffects xmlns="" xmlns:a14="http://schemas.microsoft.com/office/drawing/2010/main">
                   <a:effectLst>
                     <a:outerShdw dist="35921" dir="2700000" algn="ctr" rotWithShape="0">
                       <a:schemeClr val="bg2"/>
@@ -11776,7 +11776,7 @@
             <a:effectLst/>
             <a:extLst>
               <a:ext uri="{AF507438-7753-43e0-B8FC-AC1667EBCBE1}">
-                <a14:hiddenEffects xmlns:a14="http://schemas.microsoft.com/office/drawing/2010/main" xmlns="">
+                <a14:hiddenEffects xmlns="" xmlns:a14="http://schemas.microsoft.com/office/drawing/2010/main">
                   <a:effectLst>
                     <a:outerShdw dist="35921" dir="2700000" algn="ctr" rotWithShape="0">
                       <a:schemeClr val="bg2"/>
@@ -11819,7 +11819,7 @@
             <a:effectLst/>
             <a:extLst>
               <a:ext uri="{AF507438-7753-43e0-B8FC-AC1667EBCBE1}">
-                <a14:hiddenEffects xmlns:a14="http://schemas.microsoft.com/office/drawing/2010/main" xmlns="">
+                <a14:hiddenEffects xmlns="" xmlns:a14="http://schemas.microsoft.com/office/drawing/2010/main">
                   <a:effectLst>
                     <a:outerShdw dist="35921" dir="2700000" algn="ctr" rotWithShape="0">
                       <a:schemeClr val="bg2"/>
@@ -11862,7 +11862,7 @@
             <a:effectLst/>
             <a:extLst>
               <a:ext uri="{AF507438-7753-43e0-B8FC-AC1667EBCBE1}">
-                <a14:hiddenEffects xmlns:a14="http://schemas.microsoft.com/office/drawing/2010/main" xmlns="">
+                <a14:hiddenEffects xmlns="" xmlns:a14="http://schemas.microsoft.com/office/drawing/2010/main">
                   <a:effectLst>
                     <a:outerShdw dist="35921" dir="2700000" algn="ctr" rotWithShape="0">
                       <a:schemeClr val="bg2"/>
@@ -11905,7 +11905,7 @@
             <a:effectLst/>
             <a:extLst>
               <a:ext uri="{AF507438-7753-43e0-B8FC-AC1667EBCBE1}">
-                <a14:hiddenEffects xmlns:a14="http://schemas.microsoft.com/office/drawing/2010/main" xmlns="">
+                <a14:hiddenEffects xmlns="" xmlns:a14="http://schemas.microsoft.com/office/drawing/2010/main">
                   <a:effectLst>
                     <a:outerShdw dist="35921" dir="2700000" algn="ctr" rotWithShape="0">
                       <a:schemeClr val="bg2"/>
@@ -11948,7 +11948,7 @@
             <a:effectLst/>
             <a:extLst>
               <a:ext uri="{AF507438-7753-43e0-B8FC-AC1667EBCBE1}">
-                <a14:hiddenEffects xmlns:a14="http://schemas.microsoft.com/office/drawing/2010/main" xmlns="">
+                <a14:hiddenEffects xmlns="" xmlns:a14="http://schemas.microsoft.com/office/drawing/2010/main">
                   <a:effectLst>
                     <a:outerShdw dist="35921" dir="2700000" algn="ctr" rotWithShape="0">
                       <a:schemeClr val="bg2"/>
@@ -11991,7 +11991,7 @@
             <a:effectLst/>
             <a:extLst>
               <a:ext uri="{AF507438-7753-43e0-B8FC-AC1667EBCBE1}">
-                <a14:hiddenEffects xmlns:a14="http://schemas.microsoft.com/office/drawing/2010/main" xmlns="">
+                <a14:hiddenEffects xmlns="" xmlns:a14="http://schemas.microsoft.com/office/drawing/2010/main">
                   <a:effectLst>
                     <a:outerShdw dist="35921" dir="2700000" algn="ctr" rotWithShape="0">
                       <a:schemeClr val="bg2"/>
@@ -12034,7 +12034,7 @@
             <a:effectLst/>
             <a:extLst>
               <a:ext uri="{AF507438-7753-43e0-B8FC-AC1667EBCBE1}">
-                <a14:hiddenEffects xmlns:a14="http://schemas.microsoft.com/office/drawing/2010/main" xmlns="">
+                <a14:hiddenEffects xmlns="" xmlns:a14="http://schemas.microsoft.com/office/drawing/2010/main">
                   <a:effectLst>
                     <a:outerShdw dist="35921" dir="2700000" algn="ctr" rotWithShape="0">
                       <a:schemeClr val="bg2"/>
@@ -12077,7 +12077,7 @@
             <a:effectLst/>
             <a:extLst>
               <a:ext uri="{AF507438-7753-43e0-B8FC-AC1667EBCBE1}">
-                <a14:hiddenEffects xmlns:a14="http://schemas.microsoft.com/office/drawing/2010/main" xmlns="">
+                <a14:hiddenEffects xmlns="" xmlns:a14="http://schemas.microsoft.com/office/drawing/2010/main">
                   <a:effectLst>
                     <a:outerShdw dist="35921" dir="2700000" algn="ctr" rotWithShape="0">
                       <a:schemeClr val="bg2"/>
@@ -12120,7 +12120,7 @@
             <a:effectLst/>
             <a:extLst>
               <a:ext uri="{AF507438-7753-43e0-B8FC-AC1667EBCBE1}">
-                <a14:hiddenEffects xmlns:a14="http://schemas.microsoft.com/office/drawing/2010/main" xmlns="">
+                <a14:hiddenEffects xmlns="" xmlns:a14="http://schemas.microsoft.com/office/drawing/2010/main">
                   <a:effectLst>
                     <a:outerShdw dist="35921" dir="2700000" algn="ctr" rotWithShape="0">
                       <a:schemeClr val="bg2"/>
@@ -12163,7 +12163,7 @@
             <a:effectLst/>
             <a:extLst>
               <a:ext uri="{AF507438-7753-43e0-B8FC-AC1667EBCBE1}">
-                <a14:hiddenEffects xmlns:a14="http://schemas.microsoft.com/office/drawing/2010/main" xmlns="">
+                <a14:hiddenEffects xmlns="" xmlns:a14="http://schemas.microsoft.com/office/drawing/2010/main">
                   <a:effectLst>
                     <a:outerShdw dist="35921" dir="2700000" algn="ctr" rotWithShape="0">
                       <a:schemeClr val="bg2"/>
@@ -12206,7 +12206,7 @@
             <a:effectLst/>
             <a:extLst>
               <a:ext uri="{AF507438-7753-43e0-B8FC-AC1667EBCBE1}">
-                <a14:hiddenEffects xmlns:a14="http://schemas.microsoft.com/office/drawing/2010/main" xmlns="">
+                <a14:hiddenEffects xmlns="" xmlns:a14="http://schemas.microsoft.com/office/drawing/2010/main">
                   <a:effectLst>
                     <a:outerShdw dist="35921" dir="2700000" algn="ctr" rotWithShape="0">
                       <a:schemeClr val="bg2"/>
@@ -12249,7 +12249,7 @@
             <a:effectLst/>
             <a:extLst>
               <a:ext uri="{AF507438-7753-43e0-B8FC-AC1667EBCBE1}">
-                <a14:hiddenEffects xmlns:a14="http://schemas.microsoft.com/office/drawing/2010/main" xmlns="">
+                <a14:hiddenEffects xmlns="" xmlns:a14="http://schemas.microsoft.com/office/drawing/2010/main">
                   <a:effectLst>
                     <a:outerShdw dist="35921" dir="2700000" algn="ctr" rotWithShape="0">
                       <a:schemeClr val="bg2"/>
@@ -12292,7 +12292,7 @@
             <a:effectLst/>
             <a:extLst>
               <a:ext uri="{AF507438-7753-43e0-B8FC-AC1667EBCBE1}">
-                <a14:hiddenEffects xmlns:a14="http://schemas.microsoft.com/office/drawing/2010/main" xmlns="">
+                <a14:hiddenEffects xmlns="" xmlns:a14="http://schemas.microsoft.com/office/drawing/2010/main">
                   <a:effectLst>
                     <a:outerShdw dist="35921" dir="2700000" algn="ctr" rotWithShape="0">
                       <a:schemeClr val="bg2"/>
@@ -12335,7 +12335,7 @@
             <a:effectLst/>
             <a:extLst>
               <a:ext uri="{AF507438-7753-43e0-B8FC-AC1667EBCBE1}">
-                <a14:hiddenEffects xmlns:a14="http://schemas.microsoft.com/office/drawing/2010/main" xmlns="">
+                <a14:hiddenEffects xmlns="" xmlns:a14="http://schemas.microsoft.com/office/drawing/2010/main">
                   <a:effectLst>
                     <a:outerShdw dist="35921" dir="2700000" algn="ctr" rotWithShape="0">
                       <a:schemeClr val="bg2"/>
@@ -12378,7 +12378,7 @@
             <a:effectLst/>
             <a:extLst>
               <a:ext uri="{AF507438-7753-43e0-B8FC-AC1667EBCBE1}">
-                <a14:hiddenEffects xmlns:a14="http://schemas.microsoft.com/office/drawing/2010/main" xmlns="">
+                <a14:hiddenEffects xmlns="" xmlns:a14="http://schemas.microsoft.com/office/drawing/2010/main">
                   <a:effectLst>
                     <a:outerShdw dist="35921" dir="2700000" algn="ctr" rotWithShape="0">
                       <a:schemeClr val="bg2"/>
@@ -12421,7 +12421,7 @@
             <a:effectLst/>
             <a:extLst>
               <a:ext uri="{AF507438-7753-43e0-B8FC-AC1667EBCBE1}">
-                <a14:hiddenEffects xmlns:a14="http://schemas.microsoft.com/office/drawing/2010/main" xmlns="">
+                <a14:hiddenEffects xmlns="" xmlns:a14="http://schemas.microsoft.com/office/drawing/2010/main">
                   <a:effectLst>
                     <a:outerShdw dist="35921" dir="2700000" algn="ctr" rotWithShape="0">
                       <a:schemeClr val="bg2"/>
@@ -12464,7 +12464,7 @@
             <a:effectLst/>
             <a:extLst>
               <a:ext uri="{AF507438-7753-43e0-B8FC-AC1667EBCBE1}">
-                <a14:hiddenEffects xmlns:a14="http://schemas.microsoft.com/office/drawing/2010/main" xmlns="">
+                <a14:hiddenEffects xmlns="" xmlns:a14="http://schemas.microsoft.com/office/drawing/2010/main">
                   <a:effectLst>
                     <a:outerShdw dist="35921" dir="2700000" algn="ctr" rotWithShape="0">
                       <a:schemeClr val="bg2"/>
@@ -12507,7 +12507,7 @@
             <a:effectLst/>
             <a:extLst>
               <a:ext uri="{AF507438-7753-43e0-B8FC-AC1667EBCBE1}">
-                <a14:hiddenEffects xmlns:a14="http://schemas.microsoft.com/office/drawing/2010/main" xmlns="">
+                <a14:hiddenEffects xmlns="" xmlns:a14="http://schemas.microsoft.com/office/drawing/2010/main">
                   <a:effectLst>
                     <a:outerShdw dist="35921" dir="2700000" algn="ctr" rotWithShape="0">
                       <a:schemeClr val="bg2"/>
@@ -12550,7 +12550,7 @@
             <a:effectLst/>
             <a:extLst>
               <a:ext uri="{AF507438-7753-43e0-B8FC-AC1667EBCBE1}">
-                <a14:hiddenEffects xmlns:a14="http://schemas.microsoft.com/office/drawing/2010/main" xmlns="">
+                <a14:hiddenEffects xmlns="" xmlns:a14="http://schemas.microsoft.com/office/drawing/2010/main">
                   <a:effectLst>
                     <a:outerShdw dist="35921" dir="2700000" algn="ctr" rotWithShape="0">
                       <a:schemeClr val="bg2"/>
@@ -12588,7 +12588,7 @@
             <a:effectLst/>
             <a:extLst>
               <a:ext uri="{AF507438-7753-43e0-B8FC-AC1667EBCBE1}">
-                <a14:hiddenEffects xmlns:a14="http://schemas.microsoft.com/office/drawing/2010/main" xmlns="">
+                <a14:hiddenEffects xmlns="" xmlns:a14="http://schemas.microsoft.com/office/drawing/2010/main">
                   <a:effectLst>
                     <a:outerShdw dist="35921" dir="2700000" algn="ctr" rotWithShape="0">
                       <a:schemeClr val="bg2"/>
@@ -12662,7 +12662,7 @@
             <a:effectLst/>
             <a:extLst>
               <a:ext uri="{AF507438-7753-43e0-B8FC-AC1667EBCBE1}">
-                <a14:hiddenEffects xmlns:a14="http://schemas.microsoft.com/office/drawing/2010/main" xmlns="">
+                <a14:hiddenEffects xmlns="" xmlns:a14="http://schemas.microsoft.com/office/drawing/2010/main">
                   <a:effectLst>
                     <a:outerShdw dist="35921" dir="2700000" algn="ctr" rotWithShape="0">
                       <a:schemeClr val="bg2"/>
@@ -12736,7 +12736,7 @@
             <a:effectLst/>
             <a:extLst>
               <a:ext uri="{AF507438-7753-43e0-B8FC-AC1667EBCBE1}">
-                <a14:hiddenEffects xmlns:a14="http://schemas.microsoft.com/office/drawing/2010/main" xmlns="">
+                <a14:hiddenEffects xmlns="" xmlns:a14="http://schemas.microsoft.com/office/drawing/2010/main">
                   <a:effectLst>
                     <a:outerShdw dist="35921" dir="2700000" algn="ctr" rotWithShape="0">
                       <a:schemeClr val="bg2"/>
@@ -12810,7 +12810,7 @@
             <a:effectLst/>
             <a:extLst>
               <a:ext uri="{AF507438-7753-43e0-B8FC-AC1667EBCBE1}">
-                <a14:hiddenEffects xmlns:a14="http://schemas.microsoft.com/office/drawing/2010/main" xmlns="">
+                <a14:hiddenEffects xmlns="" xmlns:a14="http://schemas.microsoft.com/office/drawing/2010/main">
                   <a:effectLst>
                     <a:outerShdw dist="35921" dir="2700000" algn="ctr" rotWithShape="0">
                       <a:schemeClr val="bg2"/>
@@ -13018,7 +13018,7 @@
             <a:effectLst/>
             <a:extLst>
               <a:ext uri="{AF507438-7753-43e0-B8FC-AC1667EBCBE1}">
-                <a14:hiddenEffects xmlns:a14="http://schemas.microsoft.com/office/drawing/2010/main" xmlns="">
+                <a14:hiddenEffects xmlns="" xmlns:a14="http://schemas.microsoft.com/office/drawing/2010/main">
                   <a:effectLst>
                     <a:outerShdw dist="35921" dir="2700000" algn="ctr" rotWithShape="0">
                       <a:schemeClr val="bg2"/>
@@ -13173,7 +13173,7 @@
             <a:effectLst/>
             <a:extLst>
               <a:ext uri="{AF507438-7753-43e0-B8FC-AC1667EBCBE1}">
-                <a14:hiddenEffects xmlns:a14="http://schemas.microsoft.com/office/drawing/2010/main" xmlns="">
+                <a14:hiddenEffects xmlns="" xmlns:a14="http://schemas.microsoft.com/office/drawing/2010/main">
                   <a:effectLst>
                     <a:outerShdw dist="35921" dir="2700000" algn="ctr" rotWithShape="0">
                       <a:schemeClr val="bg2"/>
@@ -13247,7 +13247,7 @@
             <a:effectLst/>
             <a:extLst>
               <a:ext uri="{AF507438-7753-43e0-B8FC-AC1667EBCBE1}">
-                <a14:hiddenEffects xmlns:a14="http://schemas.microsoft.com/office/drawing/2010/main" xmlns="">
+                <a14:hiddenEffects xmlns="" xmlns:a14="http://schemas.microsoft.com/office/drawing/2010/main">
                   <a:effectLst>
                     <a:outerShdw dist="35921" dir="2700000" algn="ctr" rotWithShape="0">
                       <a:schemeClr val="bg2"/>
@@ -13388,7 +13388,7 @@
             <a:effectLst/>
             <a:extLst>
               <a:ext uri="{AF507438-7753-43e0-B8FC-AC1667EBCBE1}">
-                <a14:hiddenEffects xmlns:a14="http://schemas.microsoft.com/office/drawing/2010/main" xmlns="">
+                <a14:hiddenEffects xmlns="" xmlns:a14="http://schemas.microsoft.com/office/drawing/2010/main">
                   <a:effectLst>
                     <a:outerShdw dist="35921" dir="2700000" algn="ctr" rotWithShape="0">
                       <a:schemeClr val="bg2"/>
@@ -13431,7 +13431,7 @@
             <a:effectLst/>
             <a:extLst>
               <a:ext uri="{AF507438-7753-43e0-B8FC-AC1667EBCBE1}">
-                <a14:hiddenEffects xmlns:a14="http://schemas.microsoft.com/office/drawing/2010/main" xmlns="">
+                <a14:hiddenEffects xmlns="" xmlns:a14="http://schemas.microsoft.com/office/drawing/2010/main">
                   <a:effectLst>
                     <a:outerShdw dist="35921" dir="2700000" algn="ctr" rotWithShape="0">
                       <a:schemeClr val="bg2"/>
@@ -13474,7 +13474,7 @@
             <a:effectLst/>
             <a:extLst>
               <a:ext uri="{AF507438-7753-43e0-B8FC-AC1667EBCBE1}">
-                <a14:hiddenEffects xmlns:a14="http://schemas.microsoft.com/office/drawing/2010/main" xmlns="">
+                <a14:hiddenEffects xmlns="" xmlns:a14="http://schemas.microsoft.com/office/drawing/2010/main">
                   <a:effectLst>
                     <a:outerShdw dist="35921" dir="2700000" algn="ctr" rotWithShape="0">
                       <a:schemeClr val="bg2"/>
@@ -13517,7 +13517,7 @@
             <a:effectLst/>
             <a:extLst>
               <a:ext uri="{AF507438-7753-43e0-B8FC-AC1667EBCBE1}">
-                <a14:hiddenEffects xmlns:a14="http://schemas.microsoft.com/office/drawing/2010/main" xmlns="">
+                <a14:hiddenEffects xmlns="" xmlns:a14="http://schemas.microsoft.com/office/drawing/2010/main">
                   <a:effectLst>
                     <a:outerShdw dist="35921" dir="2700000" algn="ctr" rotWithShape="0">
                       <a:schemeClr val="bg2"/>
@@ -14136,41 +14136,6 @@
       </p:grpSpPr>
       <p:sp>
         <p:nvSpPr>
-          <p:cNvPr id="14" name="Content Placeholder 13"/>
-          <p:cNvSpPr>
-            <a:spLocks noGrp="1"/>
-          </p:cNvSpPr>
-          <p:nvPr>
-            <p:ph sz="quarter" idx="27"/>
-          </p:nvPr>
-        </p:nvSpPr>
-        <p:spPr/>
-        <p:txBody>
-          <a:bodyPr/>
-          <a:lstStyle/>
-          <a:p>
-            <a:r>
-              <a:rPr lang="en-US" dirty="0"/>
-              <a:t>Created synthetic data by shuffling the ingredient list for each recipe (while retaining the same title) to try and combat dependencies on ingredient </a:t>
-            </a:r>
-            <a:r>
-              <a:rPr lang="en-US" dirty="0" smtClean="0"/>
-              <a:t>order</a:t>
-            </a:r>
-          </a:p>
-          <a:p>
-            <a:r>
-              <a:rPr lang="en-US" dirty="0"/>
-              <a:t>Prepended the title of the recipe to the beginning of the recipe (within brackets) and tab-separated it from the ingredient list, which is comma separated</a:t>
-            </a:r>
-          </a:p>
-          <a:p>
-            <a:endParaRPr lang="en-US" dirty="0"/>
-          </a:p>
-        </p:txBody>
-      </p:sp>
-      <p:sp>
-        <p:nvSpPr>
           <p:cNvPr id="5" name="Rectangle 4"/>
           <p:cNvSpPr/>
           <p:nvPr/>
@@ -14297,15 +14262,7 @@
                   <a:schemeClr val="bg1"/>
                 </a:solidFill>
               </a:rPr>
-              <a:t>-Hwan Kim, Craig Ng</a:t>
-            </a:r>
-            <a:r>
-              <a:rPr lang="en-US" dirty="0" smtClean="0">
-                <a:solidFill>
-                  <a:schemeClr val="bg1"/>
-                </a:solidFill>
-              </a:rPr>
-              <a:t> | </a:t>
+              <a:t>-Hwan Kim, Craig Ng | </a:t>
             </a:r>
             <a:r>
               <a:rPr lang="en-US" dirty="0" err="1">
@@ -14353,6 +14310,10 @@
           </p:nvPr>
         </p:nvSpPr>
         <p:spPr>
+          <a:xfrm>
+            <a:off x="457202" y="5669280"/>
+            <a:ext cx="12801600" cy="1280160"/>
+          </a:xfrm>
           <a:solidFill>
             <a:srgbClr val="520063"/>
           </a:solidFill>
@@ -14380,8 +14341,8 @@
         </p:nvSpPr>
         <p:spPr>
           <a:xfrm>
-            <a:off x="1143000" y="7114032"/>
-            <a:ext cx="12801600" cy="12653564"/>
+            <a:off x="457202" y="7323040"/>
+            <a:ext cx="12801600" cy="8898601"/>
           </a:xfrm>
         </p:spPr>
         <p:txBody>
@@ -14389,1597 +14350,47 @@
           <a:lstStyle/>
           <a:p>
             <a:r>
-              <a:rPr lang="en-US" sz="2800" dirty="0" smtClean="0"/>
-              <a:t>Problem: build a model that can creatively generate new recipes</a:t>
-            </a:r>
-          </a:p>
-          <a:p>
-            <a:r>
-              <a:rPr lang="en-US" sz="2800" dirty="0" smtClean="0"/>
-              <a:t>Difficulty: models are good at copying, but they are not good at generating</a:t>
-            </a:r>
-          </a:p>
-          <a:p>
-            <a:r>
-              <a:rPr lang="en-US" sz="2800" dirty="0" smtClean="0"/>
-              <a:t>Other approaches: other models have too many different types of recipes (e.g., savory and dessert), char-level generation, but haven’t tried word- or ingredient-level</a:t>
-            </a:r>
-            <a:endParaRPr lang="en-US" sz="2800" dirty="0"/>
-          </a:p>
-        </p:txBody>
-      </p:sp>
-      <p:sp>
-        <p:nvSpPr>
-          <p:cNvPr id="68" name="Text Placeholder 67"/>
-          <p:cNvSpPr>
-            <a:spLocks noGrp="1"/>
-          </p:cNvSpPr>
-          <p:nvPr>
-            <p:ph type="body" sz="quarter" idx="37"/>
-          </p:nvPr>
-        </p:nvSpPr>
-        <p:spPr>
-          <a:xfrm>
-            <a:off x="1143000" y="20323674"/>
-            <a:ext cx="12801600" cy="1280160"/>
-          </a:xfrm>
-          <a:solidFill>
-            <a:srgbClr val="520063"/>
-          </a:solidFill>
-        </p:spPr>
-        <p:txBody>
-          <a:bodyPr/>
-          <a:lstStyle/>
-          <a:p>
-            <a:r>
-              <a:rPr lang="en-US" dirty="0"/>
-              <a:t>Dataset</a:t>
-            </a:r>
-          </a:p>
-        </p:txBody>
-      </p:sp>
-      <p:sp>
-        <p:nvSpPr>
-          <p:cNvPr id="11" name="Content Placeholder 10"/>
-          <p:cNvSpPr>
-            <a:spLocks noGrp="1"/>
-          </p:cNvSpPr>
-          <p:nvPr>
-            <p:ph sz="quarter" idx="38"/>
-          </p:nvPr>
-        </p:nvSpPr>
-        <p:spPr>
-          <a:xfrm>
-            <a:off x="1143000" y="21695274"/>
-            <a:ext cx="12801600" cy="9933822"/>
-          </a:xfrm>
-          <a:solidFill>
-            <a:srgbClr val="E8E8E8"/>
-          </a:solidFill>
-        </p:spPr>
-        <p:txBody>
-          <a:bodyPr>
-            <a:normAutofit/>
-          </a:bodyPr>
-          <a:lstStyle/>
-          <a:p>
-            <a:r>
-              <a:rPr lang="en-US" dirty="0" smtClean="0"/>
-              <a:t>Pulled 90k recipes from </a:t>
-            </a:r>
-            <a:r>
-              <a:rPr lang="en-US" dirty="0" err="1" smtClean="0"/>
-              <a:t>Yummly</a:t>
-            </a:r>
-            <a:r>
-              <a:rPr lang="en-US" dirty="0" smtClean="0"/>
-              <a:t> (a recipe repository) using their API and using ‘cookie’ as the search parameter</a:t>
-            </a:r>
-          </a:p>
-          <a:p>
-            <a:r>
-              <a:rPr lang="en-US" dirty="0" smtClean="0"/>
-              <a:t>Removed any recipes that didn’t have cookie in the title</a:t>
-            </a:r>
-          </a:p>
-          <a:p>
-            <a:r>
-              <a:rPr lang="en-US" dirty="0"/>
-              <a:t>Created a dictionary of </a:t>
-            </a:r>
-            <a:r>
-              <a:rPr lang="en-US" dirty="0" smtClean="0"/>
-              <a:t>words by looking at the term frequency matrix of the corpus and removing any words that appeared less than 100 times (retaining 85% of the original corpus)</a:t>
-            </a:r>
-          </a:p>
-          <a:p>
-            <a:r>
-              <a:rPr lang="en-US" dirty="0" smtClean="0"/>
-              <a:t>Inspected the final dictionary and removed any words that were instructions or were unrelated to cookies</a:t>
-            </a:r>
-          </a:p>
-        </p:txBody>
-      </p:sp>
-      <p:sp>
-        <p:nvSpPr>
-          <p:cNvPr id="9" name="Text Placeholder 8"/>
-          <p:cNvSpPr>
-            <a:spLocks noGrp="1"/>
-          </p:cNvSpPr>
-          <p:nvPr>
-            <p:ph type="body" sz="quarter" idx="21"/>
-          </p:nvPr>
-        </p:nvSpPr>
-        <p:spPr>
-          <a:solidFill>
-            <a:srgbClr val="520063"/>
-          </a:solidFill>
-        </p:spPr>
-        <p:txBody>
-          <a:bodyPr/>
-          <a:lstStyle/>
-          <a:p>
-            <a:r>
-              <a:rPr lang="en-US" dirty="0"/>
-              <a:t>Technical Approach</a:t>
-            </a:r>
-          </a:p>
-        </p:txBody>
-      </p:sp>
-      <p:grpSp>
-        <p:nvGrpSpPr>
-          <p:cNvPr id="7" name="Group 6" descr="Title Picture Lineup" title="SmartArt"/>
-          <p:cNvGrpSpPr/>
-          <p:nvPr/>
-        </p:nvGrpSpPr>
-        <p:grpSpPr>
-          <a:xfrm>
-            <a:off x="15560461" y="10846881"/>
-            <a:ext cx="9144567" cy="3884091"/>
-            <a:chOff x="15560461" y="10846881"/>
-            <a:chExt cx="9144567" cy="3884091"/>
-          </a:xfrm>
-        </p:grpSpPr>
-        <p:sp>
-          <p:nvSpPr>
-            <p:cNvPr id="8" name="Straight Connector 7"/>
-            <p:cNvSpPr/>
-            <p:nvPr/>
-          </p:nvSpPr>
-          <p:spPr>
-            <a:xfrm>
-              <a:off x="15560461" y="11235290"/>
-              <a:ext cx="0" cy="3495682"/>
-            </a:xfrm>
-            <a:prstGeom prst="line">
-              <a:avLst/>
-            </a:prstGeom>
-          </p:spPr>
-          <p:style>
-            <a:lnRef idx="2">
-              <a:schemeClr val="accent1">
-                <a:hueOff val="0"/>
-                <a:satOff val="0"/>
-                <a:lumOff val="0"/>
-                <a:alphaOff val="0"/>
-              </a:schemeClr>
-            </a:lnRef>
-            <a:fillRef idx="1">
-              <a:schemeClr val="lt1">
-                <a:alpha val="90000"/>
-                <a:hueOff val="0"/>
-                <a:satOff val="0"/>
-                <a:lumOff val="0"/>
-                <a:alphaOff val="0"/>
-              </a:schemeClr>
-            </a:fillRef>
-            <a:effectRef idx="0">
-              <a:schemeClr val="lt1">
-                <a:alpha val="90000"/>
-                <a:hueOff val="0"/>
-                <a:satOff val="0"/>
-                <a:lumOff val="0"/>
-                <a:alphaOff val="0"/>
-              </a:schemeClr>
-            </a:effectRef>
-            <a:fontRef idx="minor">
-              <a:schemeClr val="dk1">
-                <a:hueOff val="0"/>
-                <a:satOff val="0"/>
-                <a:lumOff val="0"/>
-                <a:alphaOff val="0"/>
-              </a:schemeClr>
-            </a:fontRef>
-          </p:style>
-        </p:sp>
-        <p:sp>
-          <p:nvSpPr>
-            <p:cNvPr id="10" name="Rectangle 9" descr="Stack of file folders and papers with pen on top." title="Sample Picture"/>
-            <p:cNvSpPr/>
-            <p:nvPr/>
-          </p:nvSpPr>
-          <p:spPr>
-            <a:xfrm>
-              <a:off x="15657563" y="11351812"/>
-              <a:ext cx="1838534" cy="1573057"/>
-            </a:xfrm>
-            <a:prstGeom prst="rect">
-              <a:avLst/>
-            </a:prstGeom>
-            <a:blipFill>
-              <a:blip r:embed="rId2" cstate="print">
-                <a:extLst>
-                  <a:ext uri="{28A0092B-C50C-407E-A947-70E740481C1C}">
-                    <a14:useLocalDpi xmlns:a14="http://schemas.microsoft.com/office/drawing/2010/main" val="0"/>
-                  </a:ext>
-                </a:extLst>
-              </a:blip>
-              <a:srcRect/>
-              <a:stretch>
-                <a:fillRect/>
-              </a:stretch>
-            </a:blipFill>
-          </p:spPr>
-          <p:style>
-            <a:lnRef idx="2">
-              <a:schemeClr val="lt1">
-                <a:hueOff val="0"/>
-                <a:satOff val="0"/>
-                <a:lumOff val="0"/>
-                <a:alphaOff val="0"/>
-              </a:schemeClr>
-            </a:lnRef>
-            <a:fillRef idx="1">
-              <a:scrgbClr r="0" g="0" b="0"/>
-            </a:fillRef>
-            <a:effectRef idx="0">
-              <a:schemeClr val="accent1">
-                <a:hueOff val="0"/>
-                <a:satOff val="0"/>
-                <a:lumOff val="0"/>
-                <a:alphaOff val="0"/>
-              </a:schemeClr>
-            </a:effectRef>
-            <a:fontRef idx="minor">
-              <a:schemeClr val="lt1"/>
-            </a:fontRef>
-          </p:style>
-        </p:sp>
-        <p:sp>
-          <p:nvSpPr>
-            <p:cNvPr id="12" name="Freeform 11"/>
-            <p:cNvSpPr/>
-            <p:nvPr/>
-          </p:nvSpPr>
-          <p:spPr>
-            <a:xfrm>
-              <a:off x="15657563" y="12924870"/>
-              <a:ext cx="1838534" cy="1806102"/>
-            </a:xfrm>
-            <a:custGeom>
-              <a:avLst/>
-              <a:gdLst>
-                <a:gd name="connsiteX0" fmla="*/ 0 w 1838534"/>
-                <a:gd name="connsiteY0" fmla="*/ 0 h 1806102"/>
-                <a:gd name="connsiteX1" fmla="*/ 1838534 w 1838534"/>
-                <a:gd name="connsiteY1" fmla="*/ 0 h 1806102"/>
-                <a:gd name="connsiteX2" fmla="*/ 1838534 w 1838534"/>
-                <a:gd name="connsiteY2" fmla="*/ 1806102 h 1806102"/>
-                <a:gd name="connsiteX3" fmla="*/ 0 w 1838534"/>
-                <a:gd name="connsiteY3" fmla="*/ 1806102 h 1806102"/>
-                <a:gd name="connsiteX4" fmla="*/ 0 w 1838534"/>
-                <a:gd name="connsiteY4" fmla="*/ 0 h 1806102"/>
-              </a:gdLst>
-              <a:ahLst/>
-              <a:cxnLst>
-                <a:cxn ang="0">
-                  <a:pos x="connsiteX0" y="connsiteY0"/>
-                </a:cxn>
-                <a:cxn ang="0">
-                  <a:pos x="connsiteX1" y="connsiteY1"/>
-                </a:cxn>
-                <a:cxn ang="0">
-                  <a:pos x="connsiteX2" y="connsiteY2"/>
-                </a:cxn>
-                <a:cxn ang="0">
-                  <a:pos x="connsiteX3" y="connsiteY3"/>
-                </a:cxn>
-                <a:cxn ang="0">
-                  <a:pos x="connsiteX4" y="connsiteY4"/>
-                </a:cxn>
-              </a:cxnLst>
-              <a:rect l="l" t="t" r="r" b="b"/>
-              <a:pathLst>
-                <a:path w="1838534" h="1806102">
-                  <a:moveTo>
-                    <a:pt x="0" y="0"/>
-                  </a:moveTo>
-                  <a:lnTo>
-                    <a:pt x="1838534" y="0"/>
-                  </a:lnTo>
-                  <a:lnTo>
-                    <a:pt x="1838534" y="1806102"/>
-                  </a:lnTo>
-                  <a:lnTo>
-                    <a:pt x="0" y="1806102"/>
-                  </a:lnTo>
-                  <a:lnTo>
-                    <a:pt x="0" y="0"/>
-                  </a:lnTo>
-                  <a:close/>
-                </a:path>
-              </a:pathLst>
-            </a:custGeom>
-          </p:spPr>
-          <p:style>
-            <a:lnRef idx="0">
-              <a:schemeClr val="dk1">
-                <a:alpha val="0"/>
-                <a:hueOff val="0"/>
-                <a:satOff val="0"/>
-                <a:lumOff val="0"/>
-                <a:alphaOff val="0"/>
-              </a:schemeClr>
-            </a:lnRef>
-            <a:fillRef idx="0">
-              <a:schemeClr val="lt1">
-                <a:alpha val="0"/>
-                <a:hueOff val="0"/>
-                <a:satOff val="0"/>
-                <a:lumOff val="0"/>
-                <a:alphaOff val="0"/>
-              </a:schemeClr>
-            </a:fillRef>
-            <a:effectRef idx="0">
-              <a:schemeClr val="lt1">
-                <a:alpha val="0"/>
-                <a:hueOff val="0"/>
-                <a:satOff val="0"/>
-                <a:lumOff val="0"/>
-                <a:alphaOff val="0"/>
-              </a:schemeClr>
-            </a:effectRef>
-            <a:fontRef idx="minor">
-              <a:schemeClr val="tx1">
-                <a:hueOff val="0"/>
-                <a:satOff val="0"/>
-                <a:lumOff val="0"/>
-                <a:alphaOff val="0"/>
-              </a:schemeClr>
-            </a:fontRef>
-          </p:style>
-          <p:txBody>
-            <a:bodyPr spcFirstLastPara="0" vert="horz" wrap="square" lIns="58420" tIns="58420" rIns="58420" bIns="58420" numCol="1" spcCol="1270" anchor="t" anchorCtr="0">
-              <a:noAutofit/>
-            </a:bodyPr>
-            <a:lstStyle/>
-            <a:p>
-              <a:pPr lvl="0" algn="ctr" defTabSz="1022350">
-                <a:lnSpc>
-                  <a:spcPct val="90000"/>
-                </a:lnSpc>
-                <a:spcBef>
-                  <a:spcPct val="0"/>
-                </a:spcBef>
-                <a:spcAft>
-                  <a:spcPct val="35000"/>
-                </a:spcAft>
-              </a:pPr>
-              <a:r>
-                <a:rPr lang="en-US" sz="2300" kern="1200" dirty="0" smtClean="0"/>
-                <a:t>Preprocess the data</a:t>
-              </a:r>
-              <a:endParaRPr lang="en-US" sz="2300" kern="1200" dirty="0"/>
-            </a:p>
-          </p:txBody>
-        </p:sp>
-        <p:sp>
-          <p:nvSpPr>
-            <p:cNvPr id="13" name="Freeform 12"/>
-            <p:cNvSpPr/>
-            <p:nvPr/>
-          </p:nvSpPr>
-          <p:spPr>
-            <a:xfrm>
-              <a:off x="15560461" y="10846881"/>
-              <a:ext cx="1942046" cy="388409"/>
-            </a:xfrm>
-            <a:custGeom>
-              <a:avLst/>
-              <a:gdLst>
-                <a:gd name="connsiteX0" fmla="*/ 0 w 1942046"/>
-                <a:gd name="connsiteY0" fmla="*/ 0 h 388409"/>
-                <a:gd name="connsiteX1" fmla="*/ 1942046 w 1942046"/>
-                <a:gd name="connsiteY1" fmla="*/ 0 h 388409"/>
-                <a:gd name="connsiteX2" fmla="*/ 1942046 w 1942046"/>
-                <a:gd name="connsiteY2" fmla="*/ 388409 h 388409"/>
-                <a:gd name="connsiteX3" fmla="*/ 0 w 1942046"/>
-                <a:gd name="connsiteY3" fmla="*/ 388409 h 388409"/>
-                <a:gd name="connsiteX4" fmla="*/ 0 w 1942046"/>
-                <a:gd name="connsiteY4" fmla="*/ 0 h 388409"/>
-              </a:gdLst>
-              <a:ahLst/>
-              <a:cxnLst>
-                <a:cxn ang="0">
-                  <a:pos x="connsiteX0" y="connsiteY0"/>
-                </a:cxn>
-                <a:cxn ang="0">
-                  <a:pos x="connsiteX1" y="connsiteY1"/>
-                </a:cxn>
-                <a:cxn ang="0">
-                  <a:pos x="connsiteX2" y="connsiteY2"/>
-                </a:cxn>
-                <a:cxn ang="0">
-                  <a:pos x="connsiteX3" y="connsiteY3"/>
-                </a:cxn>
-                <a:cxn ang="0">
-                  <a:pos x="connsiteX4" y="connsiteY4"/>
-                </a:cxn>
-              </a:cxnLst>
-              <a:rect l="l" t="t" r="r" b="b"/>
-              <a:pathLst>
-                <a:path w="1942046" h="388409">
-                  <a:moveTo>
-                    <a:pt x="0" y="0"/>
-                  </a:moveTo>
-                  <a:lnTo>
-                    <a:pt x="1942046" y="0"/>
-                  </a:lnTo>
-                  <a:lnTo>
-                    <a:pt x="1942046" y="388409"/>
-                  </a:lnTo>
-                  <a:lnTo>
-                    <a:pt x="0" y="388409"/>
-                  </a:lnTo>
-                  <a:lnTo>
-                    <a:pt x="0" y="0"/>
-                  </a:lnTo>
-                  <a:close/>
-                </a:path>
-              </a:pathLst>
-            </a:custGeom>
-          </p:spPr>
-          <p:style>
-            <a:lnRef idx="2">
-              <a:schemeClr val="accent1">
-                <a:hueOff val="0"/>
-                <a:satOff val="0"/>
-                <a:lumOff val="0"/>
-                <a:alphaOff val="0"/>
-              </a:schemeClr>
-            </a:lnRef>
-            <a:fillRef idx="1">
-              <a:schemeClr val="accent1">
-                <a:hueOff val="0"/>
-                <a:satOff val="0"/>
-                <a:lumOff val="0"/>
-                <a:alphaOff val="0"/>
-              </a:schemeClr>
-            </a:fillRef>
-            <a:effectRef idx="0">
-              <a:schemeClr val="accent1">
-                <a:hueOff val="0"/>
-                <a:satOff val="0"/>
-                <a:lumOff val="0"/>
-                <a:alphaOff val="0"/>
-              </a:schemeClr>
-            </a:effectRef>
-            <a:fontRef idx="minor">
-              <a:schemeClr val="lt1"/>
-            </a:fontRef>
-          </p:style>
-          <p:txBody>
-            <a:bodyPr spcFirstLastPara="0" vert="horz" wrap="square" lIns="53340" tIns="53340" rIns="53340" bIns="53340" numCol="1" spcCol="1270" anchor="ctr" anchorCtr="0">
-              <a:noAutofit/>
-            </a:bodyPr>
-            <a:lstStyle/>
-            <a:p>
-              <a:pPr lvl="0" algn="ctr" defTabSz="933450">
-                <a:lnSpc>
-                  <a:spcPct val="90000"/>
-                </a:lnSpc>
-                <a:spcBef>
-                  <a:spcPct val="0"/>
-                </a:spcBef>
-                <a:spcAft>
-                  <a:spcPct val="35000"/>
-                </a:spcAft>
-              </a:pPr>
-              <a:r>
-                <a:rPr lang="en-US" sz="2100" kern="1200" dirty="0"/>
-                <a:t>Step 1</a:t>
-              </a:r>
-            </a:p>
-          </p:txBody>
-        </p:sp>
-        <p:sp>
-          <p:nvSpPr>
-            <p:cNvPr id="16" name="Straight Connector 15"/>
-            <p:cNvSpPr/>
-            <p:nvPr/>
-          </p:nvSpPr>
-          <p:spPr>
-            <a:xfrm>
-              <a:off x="17961301" y="11235290"/>
-              <a:ext cx="0" cy="3495682"/>
-            </a:xfrm>
-            <a:prstGeom prst="line">
-              <a:avLst/>
-            </a:prstGeom>
-          </p:spPr>
-          <p:style>
-            <a:lnRef idx="2">
-              <a:schemeClr val="accent1">
-                <a:hueOff val="0"/>
-                <a:satOff val="0"/>
-                <a:lumOff val="0"/>
-                <a:alphaOff val="0"/>
-              </a:schemeClr>
-            </a:lnRef>
-            <a:fillRef idx="1">
-              <a:schemeClr val="lt1">
-                <a:alpha val="90000"/>
-                <a:hueOff val="0"/>
-                <a:satOff val="0"/>
-                <a:lumOff val="0"/>
-                <a:alphaOff val="0"/>
-              </a:schemeClr>
-            </a:fillRef>
-            <a:effectRef idx="0">
-              <a:schemeClr val="lt1">
-                <a:alpha val="90000"/>
-                <a:hueOff val="0"/>
-                <a:satOff val="0"/>
-                <a:lumOff val="0"/>
-                <a:alphaOff val="0"/>
-              </a:schemeClr>
-            </a:effectRef>
-            <a:fontRef idx="minor">
-              <a:schemeClr val="dk1">
-                <a:hueOff val="0"/>
-                <a:satOff val="0"/>
-                <a:lumOff val="0"/>
-                <a:alphaOff val="0"/>
-              </a:schemeClr>
-            </a:fontRef>
-          </p:style>
-        </p:sp>
-        <p:sp>
-          <p:nvSpPr>
-            <p:cNvPr id="20" name="Rectangle 19" descr="Four people having a discussion in office with large windows." title="Sample Picture"/>
-            <p:cNvSpPr/>
-            <p:nvPr/>
-          </p:nvSpPr>
-          <p:spPr>
-            <a:xfrm>
-              <a:off x="18058404" y="11351812"/>
-              <a:ext cx="1838534" cy="1573057"/>
-            </a:xfrm>
-            <a:prstGeom prst="rect">
-              <a:avLst/>
-            </a:prstGeom>
-            <a:blipFill>
-              <a:blip r:embed="rId3" cstate="print">
-                <a:extLst>
-                  <a:ext uri="{28A0092B-C50C-407E-A947-70E740481C1C}">
-                    <a14:useLocalDpi xmlns:a14="http://schemas.microsoft.com/office/drawing/2010/main" val="0"/>
-                  </a:ext>
-                </a:extLst>
-              </a:blip>
-              <a:srcRect/>
-              <a:stretch>
-                <a:fillRect/>
-              </a:stretch>
-            </a:blipFill>
-          </p:spPr>
-          <p:style>
-            <a:lnRef idx="2">
-              <a:schemeClr val="lt1">
-                <a:hueOff val="0"/>
-                <a:satOff val="0"/>
-                <a:lumOff val="0"/>
-                <a:alphaOff val="0"/>
-              </a:schemeClr>
-            </a:lnRef>
-            <a:fillRef idx="1">
-              <a:scrgbClr r="0" g="0" b="0"/>
-            </a:fillRef>
-            <a:effectRef idx="0">
-              <a:schemeClr val="accent1">
-                <a:hueOff val="0"/>
-                <a:satOff val="0"/>
-                <a:lumOff val="0"/>
-                <a:alphaOff val="0"/>
-              </a:schemeClr>
-            </a:effectRef>
-            <a:fontRef idx="minor">
-              <a:schemeClr val="lt1"/>
-            </a:fontRef>
-          </p:style>
-        </p:sp>
-        <p:sp>
-          <p:nvSpPr>
-            <p:cNvPr id="28" name="Freeform 27"/>
-            <p:cNvSpPr/>
-            <p:nvPr/>
-          </p:nvSpPr>
-          <p:spPr>
-            <a:xfrm>
-              <a:off x="18058404" y="12924870"/>
-              <a:ext cx="1838534" cy="1806102"/>
-            </a:xfrm>
-            <a:custGeom>
-              <a:avLst/>
-              <a:gdLst>
-                <a:gd name="connsiteX0" fmla="*/ 0 w 1838534"/>
-                <a:gd name="connsiteY0" fmla="*/ 0 h 1806102"/>
-                <a:gd name="connsiteX1" fmla="*/ 1838534 w 1838534"/>
-                <a:gd name="connsiteY1" fmla="*/ 0 h 1806102"/>
-                <a:gd name="connsiteX2" fmla="*/ 1838534 w 1838534"/>
-                <a:gd name="connsiteY2" fmla="*/ 1806102 h 1806102"/>
-                <a:gd name="connsiteX3" fmla="*/ 0 w 1838534"/>
-                <a:gd name="connsiteY3" fmla="*/ 1806102 h 1806102"/>
-                <a:gd name="connsiteX4" fmla="*/ 0 w 1838534"/>
-                <a:gd name="connsiteY4" fmla="*/ 0 h 1806102"/>
-              </a:gdLst>
-              <a:ahLst/>
-              <a:cxnLst>
-                <a:cxn ang="0">
-                  <a:pos x="connsiteX0" y="connsiteY0"/>
-                </a:cxn>
-                <a:cxn ang="0">
-                  <a:pos x="connsiteX1" y="connsiteY1"/>
-                </a:cxn>
-                <a:cxn ang="0">
-                  <a:pos x="connsiteX2" y="connsiteY2"/>
-                </a:cxn>
-                <a:cxn ang="0">
-                  <a:pos x="connsiteX3" y="connsiteY3"/>
-                </a:cxn>
-                <a:cxn ang="0">
-                  <a:pos x="connsiteX4" y="connsiteY4"/>
-                </a:cxn>
-              </a:cxnLst>
-              <a:rect l="l" t="t" r="r" b="b"/>
-              <a:pathLst>
-                <a:path w="1838534" h="1806102">
-                  <a:moveTo>
-                    <a:pt x="0" y="0"/>
-                  </a:moveTo>
-                  <a:lnTo>
-                    <a:pt x="1838534" y="0"/>
-                  </a:lnTo>
-                  <a:lnTo>
-                    <a:pt x="1838534" y="1806102"/>
-                  </a:lnTo>
-                  <a:lnTo>
-                    <a:pt x="0" y="1806102"/>
-                  </a:lnTo>
-                  <a:lnTo>
-                    <a:pt x="0" y="0"/>
-                  </a:lnTo>
-                  <a:close/>
-                </a:path>
-              </a:pathLst>
-            </a:custGeom>
-          </p:spPr>
-          <p:style>
-            <a:lnRef idx="0">
-              <a:schemeClr val="dk1">
-                <a:alpha val="0"/>
-                <a:hueOff val="0"/>
-                <a:satOff val="0"/>
-                <a:lumOff val="0"/>
-                <a:alphaOff val="0"/>
-              </a:schemeClr>
-            </a:lnRef>
-            <a:fillRef idx="0">
-              <a:schemeClr val="lt1">
-                <a:alpha val="0"/>
-                <a:hueOff val="0"/>
-                <a:satOff val="0"/>
-                <a:lumOff val="0"/>
-                <a:alphaOff val="0"/>
-              </a:schemeClr>
-            </a:fillRef>
-            <a:effectRef idx="0">
-              <a:schemeClr val="lt1">
-                <a:alpha val="0"/>
-                <a:hueOff val="0"/>
-                <a:satOff val="0"/>
-                <a:lumOff val="0"/>
-                <a:alphaOff val="0"/>
-              </a:schemeClr>
-            </a:effectRef>
-            <a:fontRef idx="minor">
-              <a:schemeClr val="tx1">
-                <a:hueOff val="0"/>
-                <a:satOff val="0"/>
-                <a:lumOff val="0"/>
-                <a:alphaOff val="0"/>
-              </a:schemeClr>
-            </a:fontRef>
-          </p:style>
-          <p:txBody>
-            <a:bodyPr spcFirstLastPara="0" vert="horz" wrap="square" lIns="58420" tIns="58420" rIns="58420" bIns="58420" numCol="1" spcCol="1270" anchor="t" anchorCtr="0">
-              <a:noAutofit/>
-            </a:bodyPr>
-            <a:lstStyle/>
-            <a:p>
-              <a:pPr lvl="0" algn="ctr" defTabSz="1022350">
-                <a:lnSpc>
-                  <a:spcPct val="90000"/>
-                </a:lnSpc>
-                <a:spcBef>
-                  <a:spcPct val="0"/>
-                </a:spcBef>
-                <a:spcAft>
-                  <a:spcPct val="35000"/>
-                </a:spcAft>
-              </a:pPr>
-              <a:r>
-                <a:rPr lang="en-US" sz="2300" kern="1200" dirty="0" smtClean="0"/>
-                <a:t>Prepend the titles</a:t>
-              </a:r>
-              <a:endParaRPr lang="en-US" sz="2300" kern="1200" dirty="0"/>
-            </a:p>
-          </p:txBody>
-        </p:sp>
-        <p:sp>
-          <p:nvSpPr>
-            <p:cNvPr id="29" name="Freeform 28"/>
-            <p:cNvSpPr/>
-            <p:nvPr/>
-          </p:nvSpPr>
-          <p:spPr>
-            <a:xfrm>
-              <a:off x="17961301" y="10846881"/>
-              <a:ext cx="1942046" cy="388409"/>
-            </a:xfrm>
-            <a:custGeom>
-              <a:avLst/>
-              <a:gdLst>
-                <a:gd name="connsiteX0" fmla="*/ 0 w 1942046"/>
-                <a:gd name="connsiteY0" fmla="*/ 0 h 388409"/>
-                <a:gd name="connsiteX1" fmla="*/ 1942046 w 1942046"/>
-                <a:gd name="connsiteY1" fmla="*/ 0 h 388409"/>
-                <a:gd name="connsiteX2" fmla="*/ 1942046 w 1942046"/>
-                <a:gd name="connsiteY2" fmla="*/ 388409 h 388409"/>
-                <a:gd name="connsiteX3" fmla="*/ 0 w 1942046"/>
-                <a:gd name="connsiteY3" fmla="*/ 388409 h 388409"/>
-                <a:gd name="connsiteX4" fmla="*/ 0 w 1942046"/>
-                <a:gd name="connsiteY4" fmla="*/ 0 h 388409"/>
-              </a:gdLst>
-              <a:ahLst/>
-              <a:cxnLst>
-                <a:cxn ang="0">
-                  <a:pos x="connsiteX0" y="connsiteY0"/>
-                </a:cxn>
-                <a:cxn ang="0">
-                  <a:pos x="connsiteX1" y="connsiteY1"/>
-                </a:cxn>
-                <a:cxn ang="0">
-                  <a:pos x="connsiteX2" y="connsiteY2"/>
-                </a:cxn>
-                <a:cxn ang="0">
-                  <a:pos x="connsiteX3" y="connsiteY3"/>
-                </a:cxn>
-                <a:cxn ang="0">
-                  <a:pos x="connsiteX4" y="connsiteY4"/>
-                </a:cxn>
-              </a:cxnLst>
-              <a:rect l="l" t="t" r="r" b="b"/>
-              <a:pathLst>
-                <a:path w="1942046" h="388409">
-                  <a:moveTo>
-                    <a:pt x="0" y="0"/>
-                  </a:moveTo>
-                  <a:lnTo>
-                    <a:pt x="1942046" y="0"/>
-                  </a:lnTo>
-                  <a:lnTo>
-                    <a:pt x="1942046" y="388409"/>
-                  </a:lnTo>
-                  <a:lnTo>
-                    <a:pt x="0" y="388409"/>
-                  </a:lnTo>
-                  <a:lnTo>
-                    <a:pt x="0" y="0"/>
-                  </a:lnTo>
-                  <a:close/>
-                </a:path>
-              </a:pathLst>
-            </a:custGeom>
-          </p:spPr>
-          <p:style>
-            <a:lnRef idx="2">
-              <a:schemeClr val="accent1">
-                <a:hueOff val="0"/>
-                <a:satOff val="0"/>
-                <a:lumOff val="0"/>
-                <a:alphaOff val="0"/>
-              </a:schemeClr>
-            </a:lnRef>
-            <a:fillRef idx="1">
-              <a:schemeClr val="accent1">
-                <a:hueOff val="0"/>
-                <a:satOff val="0"/>
-                <a:lumOff val="0"/>
-                <a:alphaOff val="0"/>
-              </a:schemeClr>
-            </a:fillRef>
-            <a:effectRef idx="0">
-              <a:schemeClr val="accent1">
-                <a:hueOff val="0"/>
-                <a:satOff val="0"/>
-                <a:lumOff val="0"/>
-                <a:alphaOff val="0"/>
-              </a:schemeClr>
-            </a:effectRef>
-            <a:fontRef idx="minor">
-              <a:schemeClr val="lt1"/>
-            </a:fontRef>
-          </p:style>
-          <p:txBody>
-            <a:bodyPr spcFirstLastPara="0" vert="horz" wrap="square" lIns="53340" tIns="53340" rIns="53340" bIns="53340" numCol="1" spcCol="1270" anchor="ctr" anchorCtr="0">
-              <a:noAutofit/>
-            </a:bodyPr>
-            <a:lstStyle/>
-            <a:p>
-              <a:pPr lvl="0" algn="ctr" defTabSz="933450">
-                <a:lnSpc>
-                  <a:spcPct val="90000"/>
-                </a:lnSpc>
-                <a:spcBef>
-                  <a:spcPct val="0"/>
-                </a:spcBef>
-                <a:spcAft>
-                  <a:spcPct val="35000"/>
-                </a:spcAft>
-              </a:pPr>
-              <a:r>
-                <a:rPr lang="en-US" sz="2100" kern="1200" dirty="0"/>
-                <a:t>Step 2</a:t>
-              </a:r>
-            </a:p>
-          </p:txBody>
-        </p:sp>
-        <p:sp>
-          <p:nvSpPr>
-            <p:cNvPr id="30" name="Straight Connector 29"/>
-            <p:cNvSpPr/>
-            <p:nvPr/>
-          </p:nvSpPr>
-          <p:spPr>
-            <a:xfrm>
-              <a:off x="20362142" y="11235290"/>
-              <a:ext cx="0" cy="3495682"/>
-            </a:xfrm>
-            <a:prstGeom prst="line">
-              <a:avLst/>
-            </a:prstGeom>
-          </p:spPr>
-          <p:style>
-            <a:lnRef idx="2">
-              <a:schemeClr val="accent1">
-                <a:hueOff val="0"/>
-                <a:satOff val="0"/>
-                <a:lumOff val="0"/>
-                <a:alphaOff val="0"/>
-              </a:schemeClr>
-            </a:lnRef>
-            <a:fillRef idx="1">
-              <a:schemeClr val="lt1">
-                <a:alpha val="90000"/>
-                <a:hueOff val="0"/>
-                <a:satOff val="0"/>
-                <a:lumOff val="0"/>
-                <a:alphaOff val="0"/>
-              </a:schemeClr>
-            </a:fillRef>
-            <a:effectRef idx="0">
-              <a:schemeClr val="lt1">
-                <a:alpha val="90000"/>
-                <a:hueOff val="0"/>
-                <a:satOff val="0"/>
-                <a:lumOff val="0"/>
-                <a:alphaOff val="0"/>
-              </a:schemeClr>
-            </a:effectRef>
-            <a:fontRef idx="minor">
-              <a:schemeClr val="dk1">
-                <a:hueOff val="0"/>
-                <a:satOff val="0"/>
-                <a:lumOff val="0"/>
-                <a:alphaOff val="0"/>
-              </a:schemeClr>
-            </a:fontRef>
-          </p:style>
-        </p:sp>
-        <p:sp>
-          <p:nvSpPr>
-            <p:cNvPr id="31" name="Rectangle 30" descr="Close up of students studying in library." title="Sample Picture"/>
-            <p:cNvSpPr/>
-            <p:nvPr/>
-          </p:nvSpPr>
-          <p:spPr>
-            <a:xfrm>
-              <a:off x="20459244" y="11351812"/>
-              <a:ext cx="1838534" cy="1573057"/>
-            </a:xfrm>
-            <a:prstGeom prst="rect">
-              <a:avLst/>
-            </a:prstGeom>
-            <a:blipFill>
-              <a:blip r:embed="rId4" cstate="print">
-                <a:extLst>
-                  <a:ext uri="{28A0092B-C50C-407E-A947-70E740481C1C}">
-                    <a14:useLocalDpi xmlns:a14="http://schemas.microsoft.com/office/drawing/2010/main" val="0"/>
-                  </a:ext>
-                </a:extLst>
-              </a:blip>
-              <a:srcRect/>
-              <a:stretch>
-                <a:fillRect/>
-              </a:stretch>
-            </a:blipFill>
-          </p:spPr>
-          <p:style>
-            <a:lnRef idx="2">
-              <a:schemeClr val="lt1">
-                <a:hueOff val="0"/>
-                <a:satOff val="0"/>
-                <a:lumOff val="0"/>
-                <a:alphaOff val="0"/>
-              </a:schemeClr>
-            </a:lnRef>
-            <a:fillRef idx="1">
-              <a:scrgbClr r="0" g="0" b="0"/>
-            </a:fillRef>
-            <a:effectRef idx="0">
-              <a:schemeClr val="accent1">
-                <a:hueOff val="0"/>
-                <a:satOff val="0"/>
-                <a:lumOff val="0"/>
-                <a:alphaOff val="0"/>
-              </a:schemeClr>
-            </a:effectRef>
-            <a:fontRef idx="minor">
-              <a:schemeClr val="lt1"/>
-            </a:fontRef>
-          </p:style>
-        </p:sp>
-        <p:sp>
-          <p:nvSpPr>
-            <p:cNvPr id="32" name="Freeform 31"/>
-            <p:cNvSpPr/>
-            <p:nvPr/>
-          </p:nvSpPr>
-          <p:spPr>
-            <a:xfrm>
-              <a:off x="20459244" y="12924870"/>
-              <a:ext cx="1838534" cy="1806102"/>
-            </a:xfrm>
-            <a:custGeom>
-              <a:avLst/>
-              <a:gdLst>
-                <a:gd name="connsiteX0" fmla="*/ 0 w 1838534"/>
-                <a:gd name="connsiteY0" fmla="*/ 0 h 1806102"/>
-                <a:gd name="connsiteX1" fmla="*/ 1838534 w 1838534"/>
-                <a:gd name="connsiteY1" fmla="*/ 0 h 1806102"/>
-                <a:gd name="connsiteX2" fmla="*/ 1838534 w 1838534"/>
-                <a:gd name="connsiteY2" fmla="*/ 1806102 h 1806102"/>
-                <a:gd name="connsiteX3" fmla="*/ 0 w 1838534"/>
-                <a:gd name="connsiteY3" fmla="*/ 1806102 h 1806102"/>
-                <a:gd name="connsiteX4" fmla="*/ 0 w 1838534"/>
-                <a:gd name="connsiteY4" fmla="*/ 0 h 1806102"/>
-              </a:gdLst>
-              <a:ahLst/>
-              <a:cxnLst>
-                <a:cxn ang="0">
-                  <a:pos x="connsiteX0" y="connsiteY0"/>
-                </a:cxn>
-                <a:cxn ang="0">
-                  <a:pos x="connsiteX1" y="connsiteY1"/>
-                </a:cxn>
-                <a:cxn ang="0">
-                  <a:pos x="connsiteX2" y="connsiteY2"/>
-                </a:cxn>
-                <a:cxn ang="0">
-                  <a:pos x="connsiteX3" y="connsiteY3"/>
-                </a:cxn>
-                <a:cxn ang="0">
-                  <a:pos x="connsiteX4" y="connsiteY4"/>
-                </a:cxn>
-              </a:cxnLst>
-              <a:rect l="l" t="t" r="r" b="b"/>
-              <a:pathLst>
-                <a:path w="1838534" h="1806102">
-                  <a:moveTo>
-                    <a:pt x="0" y="0"/>
-                  </a:moveTo>
-                  <a:lnTo>
-                    <a:pt x="1838534" y="0"/>
-                  </a:lnTo>
-                  <a:lnTo>
-                    <a:pt x="1838534" y="1806102"/>
-                  </a:lnTo>
-                  <a:lnTo>
-                    <a:pt x="0" y="1806102"/>
-                  </a:lnTo>
-                  <a:lnTo>
-                    <a:pt x="0" y="0"/>
-                  </a:lnTo>
-                  <a:close/>
-                </a:path>
-              </a:pathLst>
-            </a:custGeom>
-          </p:spPr>
-          <p:style>
-            <a:lnRef idx="0">
-              <a:schemeClr val="dk1">
-                <a:alpha val="0"/>
-                <a:hueOff val="0"/>
-                <a:satOff val="0"/>
-                <a:lumOff val="0"/>
-                <a:alphaOff val="0"/>
-              </a:schemeClr>
-            </a:lnRef>
-            <a:fillRef idx="0">
-              <a:schemeClr val="lt1">
-                <a:alpha val="0"/>
-                <a:hueOff val="0"/>
-                <a:satOff val="0"/>
-                <a:lumOff val="0"/>
-                <a:alphaOff val="0"/>
-              </a:schemeClr>
-            </a:fillRef>
-            <a:effectRef idx="0">
-              <a:schemeClr val="lt1">
-                <a:alpha val="0"/>
-                <a:hueOff val="0"/>
-                <a:satOff val="0"/>
-                <a:lumOff val="0"/>
-                <a:alphaOff val="0"/>
-              </a:schemeClr>
-            </a:effectRef>
-            <a:fontRef idx="minor">
-              <a:schemeClr val="tx1">
-                <a:hueOff val="0"/>
-                <a:satOff val="0"/>
-                <a:lumOff val="0"/>
-                <a:alphaOff val="0"/>
-              </a:schemeClr>
-            </a:fontRef>
-          </p:style>
-          <p:txBody>
-            <a:bodyPr spcFirstLastPara="0" vert="horz" wrap="square" lIns="58420" tIns="58420" rIns="58420" bIns="58420" numCol="1" spcCol="1270" anchor="t" anchorCtr="0">
-              <a:noAutofit/>
-            </a:bodyPr>
-            <a:lstStyle/>
-            <a:p>
-              <a:pPr lvl="0" algn="ctr" defTabSz="1022350">
-                <a:lnSpc>
-                  <a:spcPct val="90000"/>
-                </a:lnSpc>
-                <a:spcBef>
-                  <a:spcPct val="0"/>
-                </a:spcBef>
-                <a:spcAft>
-                  <a:spcPct val="35000"/>
-                </a:spcAft>
-              </a:pPr>
-              <a:r>
-                <a:rPr lang="en-US" sz="2300" kern="1200" dirty="0" smtClean="0"/>
-                <a:t>Create synthetic observations by shuffling </a:t>
-              </a:r>
-              <a:r>
-                <a:rPr lang="en-US" sz="2300" kern="1200" dirty="0" err="1" smtClean="0"/>
-                <a:t>ing</a:t>
-              </a:r>
-              <a:endParaRPr lang="en-US" sz="2300" kern="1200" dirty="0"/>
-            </a:p>
-          </p:txBody>
-        </p:sp>
-        <p:sp>
-          <p:nvSpPr>
-            <p:cNvPr id="33" name="Freeform 32"/>
-            <p:cNvSpPr/>
-            <p:nvPr/>
-          </p:nvSpPr>
-          <p:spPr>
-            <a:xfrm>
-              <a:off x="20362142" y="10846881"/>
-              <a:ext cx="1942046" cy="388409"/>
-            </a:xfrm>
-            <a:custGeom>
-              <a:avLst/>
-              <a:gdLst>
-                <a:gd name="connsiteX0" fmla="*/ 0 w 1942046"/>
-                <a:gd name="connsiteY0" fmla="*/ 0 h 388409"/>
-                <a:gd name="connsiteX1" fmla="*/ 1942046 w 1942046"/>
-                <a:gd name="connsiteY1" fmla="*/ 0 h 388409"/>
-                <a:gd name="connsiteX2" fmla="*/ 1942046 w 1942046"/>
-                <a:gd name="connsiteY2" fmla="*/ 388409 h 388409"/>
-                <a:gd name="connsiteX3" fmla="*/ 0 w 1942046"/>
-                <a:gd name="connsiteY3" fmla="*/ 388409 h 388409"/>
-                <a:gd name="connsiteX4" fmla="*/ 0 w 1942046"/>
-                <a:gd name="connsiteY4" fmla="*/ 0 h 388409"/>
-              </a:gdLst>
-              <a:ahLst/>
-              <a:cxnLst>
-                <a:cxn ang="0">
-                  <a:pos x="connsiteX0" y="connsiteY0"/>
-                </a:cxn>
-                <a:cxn ang="0">
-                  <a:pos x="connsiteX1" y="connsiteY1"/>
-                </a:cxn>
-                <a:cxn ang="0">
-                  <a:pos x="connsiteX2" y="connsiteY2"/>
-                </a:cxn>
-                <a:cxn ang="0">
-                  <a:pos x="connsiteX3" y="connsiteY3"/>
-                </a:cxn>
-                <a:cxn ang="0">
-                  <a:pos x="connsiteX4" y="connsiteY4"/>
-                </a:cxn>
-              </a:cxnLst>
-              <a:rect l="l" t="t" r="r" b="b"/>
-              <a:pathLst>
-                <a:path w="1942046" h="388409">
-                  <a:moveTo>
-                    <a:pt x="0" y="0"/>
-                  </a:moveTo>
-                  <a:lnTo>
-                    <a:pt x="1942046" y="0"/>
-                  </a:lnTo>
-                  <a:lnTo>
-                    <a:pt x="1942046" y="388409"/>
-                  </a:lnTo>
-                  <a:lnTo>
-                    <a:pt x="0" y="388409"/>
-                  </a:lnTo>
-                  <a:lnTo>
-                    <a:pt x="0" y="0"/>
-                  </a:lnTo>
-                  <a:close/>
-                </a:path>
-              </a:pathLst>
-            </a:custGeom>
-          </p:spPr>
-          <p:style>
-            <a:lnRef idx="2">
-              <a:schemeClr val="accent1">
-                <a:hueOff val="0"/>
-                <a:satOff val="0"/>
-                <a:lumOff val="0"/>
-                <a:alphaOff val="0"/>
-              </a:schemeClr>
-            </a:lnRef>
-            <a:fillRef idx="1">
-              <a:schemeClr val="accent1">
-                <a:hueOff val="0"/>
-                <a:satOff val="0"/>
-                <a:lumOff val="0"/>
-                <a:alphaOff val="0"/>
-              </a:schemeClr>
-            </a:fillRef>
-            <a:effectRef idx="0">
-              <a:schemeClr val="accent1">
-                <a:hueOff val="0"/>
-                <a:satOff val="0"/>
-                <a:lumOff val="0"/>
-                <a:alphaOff val="0"/>
-              </a:schemeClr>
-            </a:effectRef>
-            <a:fontRef idx="minor">
-              <a:schemeClr val="lt1"/>
-            </a:fontRef>
-          </p:style>
-          <p:txBody>
-            <a:bodyPr spcFirstLastPara="0" vert="horz" wrap="square" lIns="53340" tIns="53340" rIns="53340" bIns="53340" numCol="1" spcCol="1270" anchor="ctr" anchorCtr="0">
-              <a:noAutofit/>
-            </a:bodyPr>
-            <a:lstStyle/>
-            <a:p>
-              <a:pPr lvl="0" algn="ctr" defTabSz="933450">
-                <a:lnSpc>
-                  <a:spcPct val="90000"/>
-                </a:lnSpc>
-                <a:spcBef>
-                  <a:spcPct val="0"/>
-                </a:spcBef>
-                <a:spcAft>
-                  <a:spcPct val="35000"/>
-                </a:spcAft>
-              </a:pPr>
-              <a:r>
-                <a:rPr lang="en-US" sz="2100" kern="1200" dirty="0"/>
-                <a:t>Step 3</a:t>
-              </a:r>
-            </a:p>
-          </p:txBody>
-        </p:sp>
-        <p:sp>
-          <p:nvSpPr>
-            <p:cNvPr id="34" name="Straight Connector 33"/>
-            <p:cNvSpPr/>
-            <p:nvPr/>
-          </p:nvSpPr>
-          <p:spPr>
-            <a:xfrm>
-              <a:off x="22762982" y="11235290"/>
-              <a:ext cx="0" cy="3495682"/>
-            </a:xfrm>
-            <a:prstGeom prst="line">
-              <a:avLst/>
-            </a:prstGeom>
-          </p:spPr>
-          <p:style>
-            <a:lnRef idx="2">
-              <a:schemeClr val="accent1">
-                <a:hueOff val="0"/>
-                <a:satOff val="0"/>
-                <a:lumOff val="0"/>
-                <a:alphaOff val="0"/>
-              </a:schemeClr>
-            </a:lnRef>
-            <a:fillRef idx="1">
-              <a:schemeClr val="lt1">
-                <a:alpha val="90000"/>
-                <a:hueOff val="0"/>
-                <a:satOff val="0"/>
-                <a:lumOff val="0"/>
-                <a:alphaOff val="0"/>
-              </a:schemeClr>
-            </a:fillRef>
-            <a:effectRef idx="0">
-              <a:schemeClr val="lt1">
-                <a:alpha val="90000"/>
-                <a:hueOff val="0"/>
-                <a:satOff val="0"/>
-                <a:lumOff val="0"/>
-                <a:alphaOff val="0"/>
-              </a:schemeClr>
-            </a:effectRef>
-            <a:fontRef idx="minor">
-              <a:schemeClr val="dk1">
-                <a:hueOff val="0"/>
-                <a:satOff val="0"/>
-                <a:lumOff val="0"/>
-                <a:alphaOff val="0"/>
-              </a:schemeClr>
-            </a:fontRef>
-          </p:style>
-        </p:sp>
-        <p:sp>
-          <p:nvSpPr>
-            <p:cNvPr id="35" name="Rectangle 34" descr="Closeup of gloved hand picking up a glass beaker." title="Sample Picture"/>
-            <p:cNvSpPr/>
-            <p:nvPr/>
-          </p:nvSpPr>
-          <p:spPr>
-            <a:xfrm>
-              <a:off x="22860085" y="11351812"/>
-              <a:ext cx="1838534" cy="1573057"/>
-            </a:xfrm>
-            <a:prstGeom prst="rect">
-              <a:avLst/>
-            </a:prstGeom>
-            <a:blipFill>
-              <a:blip r:embed="rId5" cstate="print">
-                <a:extLst>
-                  <a:ext uri="{28A0092B-C50C-407E-A947-70E740481C1C}">
-                    <a14:useLocalDpi xmlns:a14="http://schemas.microsoft.com/office/drawing/2010/main" val="0"/>
-                  </a:ext>
-                </a:extLst>
-              </a:blip>
-              <a:srcRect/>
-              <a:stretch>
-                <a:fillRect/>
-              </a:stretch>
-            </a:blipFill>
-          </p:spPr>
-          <p:style>
-            <a:lnRef idx="2">
-              <a:schemeClr val="lt1">
-                <a:hueOff val="0"/>
-                <a:satOff val="0"/>
-                <a:lumOff val="0"/>
-                <a:alphaOff val="0"/>
-              </a:schemeClr>
-            </a:lnRef>
-            <a:fillRef idx="1">
-              <a:scrgbClr r="0" g="0" b="0"/>
-            </a:fillRef>
-            <a:effectRef idx="0">
-              <a:schemeClr val="accent1">
-                <a:hueOff val="0"/>
-                <a:satOff val="0"/>
-                <a:lumOff val="0"/>
-                <a:alphaOff val="0"/>
-              </a:schemeClr>
-            </a:effectRef>
-            <a:fontRef idx="minor">
-              <a:schemeClr val="lt1"/>
-            </a:fontRef>
-          </p:style>
-        </p:sp>
-        <p:sp>
-          <p:nvSpPr>
-            <p:cNvPr id="36" name="Freeform 35"/>
-            <p:cNvSpPr/>
-            <p:nvPr/>
-          </p:nvSpPr>
-          <p:spPr>
-            <a:xfrm>
-              <a:off x="22860085" y="12924870"/>
-              <a:ext cx="1838534" cy="1806102"/>
-            </a:xfrm>
-            <a:custGeom>
-              <a:avLst/>
-              <a:gdLst>
-                <a:gd name="connsiteX0" fmla="*/ 0 w 1838534"/>
-                <a:gd name="connsiteY0" fmla="*/ 0 h 1806102"/>
-                <a:gd name="connsiteX1" fmla="*/ 1838534 w 1838534"/>
-                <a:gd name="connsiteY1" fmla="*/ 0 h 1806102"/>
-                <a:gd name="connsiteX2" fmla="*/ 1838534 w 1838534"/>
-                <a:gd name="connsiteY2" fmla="*/ 1806102 h 1806102"/>
-                <a:gd name="connsiteX3" fmla="*/ 0 w 1838534"/>
-                <a:gd name="connsiteY3" fmla="*/ 1806102 h 1806102"/>
-                <a:gd name="connsiteX4" fmla="*/ 0 w 1838534"/>
-                <a:gd name="connsiteY4" fmla="*/ 0 h 1806102"/>
-              </a:gdLst>
-              <a:ahLst/>
-              <a:cxnLst>
-                <a:cxn ang="0">
-                  <a:pos x="connsiteX0" y="connsiteY0"/>
-                </a:cxn>
-                <a:cxn ang="0">
-                  <a:pos x="connsiteX1" y="connsiteY1"/>
-                </a:cxn>
-                <a:cxn ang="0">
-                  <a:pos x="connsiteX2" y="connsiteY2"/>
-                </a:cxn>
-                <a:cxn ang="0">
-                  <a:pos x="connsiteX3" y="connsiteY3"/>
-                </a:cxn>
-                <a:cxn ang="0">
-                  <a:pos x="connsiteX4" y="connsiteY4"/>
-                </a:cxn>
-              </a:cxnLst>
-              <a:rect l="l" t="t" r="r" b="b"/>
-              <a:pathLst>
-                <a:path w="1838534" h="1806102">
-                  <a:moveTo>
-                    <a:pt x="0" y="0"/>
-                  </a:moveTo>
-                  <a:lnTo>
-                    <a:pt x="1838534" y="0"/>
-                  </a:lnTo>
-                  <a:lnTo>
-                    <a:pt x="1838534" y="1806102"/>
-                  </a:lnTo>
-                  <a:lnTo>
-                    <a:pt x="0" y="1806102"/>
-                  </a:lnTo>
-                  <a:lnTo>
-                    <a:pt x="0" y="0"/>
-                  </a:lnTo>
-                  <a:close/>
-                </a:path>
-              </a:pathLst>
-            </a:custGeom>
-          </p:spPr>
-          <p:style>
-            <a:lnRef idx="0">
-              <a:schemeClr val="dk1">
-                <a:alpha val="0"/>
-                <a:hueOff val="0"/>
-                <a:satOff val="0"/>
-                <a:lumOff val="0"/>
-                <a:alphaOff val="0"/>
-              </a:schemeClr>
-            </a:lnRef>
-            <a:fillRef idx="0">
-              <a:schemeClr val="lt1">
-                <a:alpha val="0"/>
-                <a:hueOff val="0"/>
-                <a:satOff val="0"/>
-                <a:lumOff val="0"/>
-                <a:alphaOff val="0"/>
-              </a:schemeClr>
-            </a:fillRef>
-            <a:effectRef idx="0">
-              <a:schemeClr val="lt1">
-                <a:alpha val="0"/>
-                <a:hueOff val="0"/>
-                <a:satOff val="0"/>
-                <a:lumOff val="0"/>
-                <a:alphaOff val="0"/>
-              </a:schemeClr>
-            </a:effectRef>
-            <a:fontRef idx="minor">
-              <a:schemeClr val="tx1">
-                <a:hueOff val="0"/>
-                <a:satOff val="0"/>
-                <a:lumOff val="0"/>
-                <a:alphaOff val="0"/>
-              </a:schemeClr>
-            </a:fontRef>
-          </p:style>
-          <p:txBody>
-            <a:bodyPr spcFirstLastPara="0" vert="horz" wrap="square" lIns="58420" tIns="58420" rIns="58420" bIns="58420" numCol="1" spcCol="1270" anchor="t" anchorCtr="0">
-              <a:noAutofit/>
-            </a:bodyPr>
-            <a:lstStyle/>
-            <a:p>
-              <a:pPr lvl="0" algn="ctr" defTabSz="1022350">
-                <a:lnSpc>
-                  <a:spcPct val="90000"/>
-                </a:lnSpc>
-                <a:spcBef>
-                  <a:spcPct val="0"/>
-                </a:spcBef>
-                <a:spcAft>
-                  <a:spcPct val="35000"/>
-                </a:spcAft>
-              </a:pPr>
-              <a:r>
-                <a:rPr lang="en-US" sz="2300" kern="1200" dirty="0" smtClean="0"/>
-                <a:t>Train model on the processed data</a:t>
-              </a:r>
-              <a:endParaRPr lang="en-US" sz="2300" kern="1200" dirty="0"/>
-            </a:p>
-          </p:txBody>
-        </p:sp>
-        <p:sp>
-          <p:nvSpPr>
-            <p:cNvPr id="37" name="Freeform 36"/>
-            <p:cNvSpPr/>
-            <p:nvPr/>
-          </p:nvSpPr>
-          <p:spPr>
-            <a:xfrm>
-              <a:off x="22762982" y="10846881"/>
-              <a:ext cx="1942046" cy="388409"/>
-            </a:xfrm>
-            <a:custGeom>
-              <a:avLst/>
-              <a:gdLst>
-                <a:gd name="connsiteX0" fmla="*/ 0 w 1942046"/>
-                <a:gd name="connsiteY0" fmla="*/ 0 h 388409"/>
-                <a:gd name="connsiteX1" fmla="*/ 1942046 w 1942046"/>
-                <a:gd name="connsiteY1" fmla="*/ 0 h 388409"/>
-                <a:gd name="connsiteX2" fmla="*/ 1942046 w 1942046"/>
-                <a:gd name="connsiteY2" fmla="*/ 388409 h 388409"/>
-                <a:gd name="connsiteX3" fmla="*/ 0 w 1942046"/>
-                <a:gd name="connsiteY3" fmla="*/ 388409 h 388409"/>
-                <a:gd name="connsiteX4" fmla="*/ 0 w 1942046"/>
-                <a:gd name="connsiteY4" fmla="*/ 0 h 388409"/>
-              </a:gdLst>
-              <a:ahLst/>
-              <a:cxnLst>
-                <a:cxn ang="0">
-                  <a:pos x="connsiteX0" y="connsiteY0"/>
-                </a:cxn>
-                <a:cxn ang="0">
-                  <a:pos x="connsiteX1" y="connsiteY1"/>
-                </a:cxn>
-                <a:cxn ang="0">
-                  <a:pos x="connsiteX2" y="connsiteY2"/>
-                </a:cxn>
-                <a:cxn ang="0">
-                  <a:pos x="connsiteX3" y="connsiteY3"/>
-                </a:cxn>
-                <a:cxn ang="0">
-                  <a:pos x="connsiteX4" y="connsiteY4"/>
-                </a:cxn>
-              </a:cxnLst>
-              <a:rect l="l" t="t" r="r" b="b"/>
-              <a:pathLst>
-                <a:path w="1942046" h="388409">
-                  <a:moveTo>
-                    <a:pt x="0" y="0"/>
-                  </a:moveTo>
-                  <a:lnTo>
-                    <a:pt x="1942046" y="0"/>
-                  </a:lnTo>
-                  <a:lnTo>
-                    <a:pt x="1942046" y="388409"/>
-                  </a:lnTo>
-                  <a:lnTo>
-                    <a:pt x="0" y="388409"/>
-                  </a:lnTo>
-                  <a:lnTo>
-                    <a:pt x="0" y="0"/>
-                  </a:lnTo>
-                  <a:close/>
-                </a:path>
-              </a:pathLst>
-            </a:custGeom>
-          </p:spPr>
-          <p:style>
-            <a:lnRef idx="2">
-              <a:schemeClr val="accent1">
-                <a:hueOff val="0"/>
-                <a:satOff val="0"/>
-                <a:lumOff val="0"/>
-                <a:alphaOff val="0"/>
-              </a:schemeClr>
-            </a:lnRef>
-            <a:fillRef idx="1">
-              <a:schemeClr val="accent1">
-                <a:hueOff val="0"/>
-                <a:satOff val="0"/>
-                <a:lumOff val="0"/>
-                <a:alphaOff val="0"/>
-              </a:schemeClr>
-            </a:fillRef>
-            <a:effectRef idx="0">
-              <a:schemeClr val="accent1">
-                <a:hueOff val="0"/>
-                <a:satOff val="0"/>
-                <a:lumOff val="0"/>
-                <a:alphaOff val="0"/>
-              </a:schemeClr>
-            </a:effectRef>
-            <a:fontRef idx="minor">
-              <a:schemeClr val="lt1"/>
-            </a:fontRef>
-          </p:style>
-          <p:txBody>
-            <a:bodyPr spcFirstLastPara="0" vert="horz" wrap="square" lIns="53340" tIns="53340" rIns="53340" bIns="53340" numCol="1" spcCol="1270" anchor="ctr" anchorCtr="0">
-              <a:noAutofit/>
-            </a:bodyPr>
-            <a:lstStyle/>
-            <a:p>
-              <a:pPr lvl="0" algn="ctr" defTabSz="933450">
-                <a:lnSpc>
-                  <a:spcPct val="90000"/>
-                </a:lnSpc>
-                <a:spcBef>
-                  <a:spcPct val="0"/>
-                </a:spcBef>
-                <a:spcAft>
-                  <a:spcPct val="35000"/>
-                </a:spcAft>
-              </a:pPr>
-              <a:r>
-                <a:rPr lang="en-US" sz="2100" kern="1200" dirty="0"/>
-                <a:t>Step 4</a:t>
-              </a:r>
-            </a:p>
-          </p:txBody>
-        </p:sp>
-      </p:grpSp>
-      <p:sp>
-        <p:nvSpPr>
-          <p:cNvPr id="17" name="Content Placeholder 16"/>
-          <p:cNvSpPr>
-            <a:spLocks noGrp="1"/>
-          </p:cNvSpPr>
-          <p:nvPr>
-            <p:ph sz="quarter" idx="30"/>
-          </p:nvPr>
-        </p:nvSpPr>
-        <p:spPr>
-          <a:xfrm>
-            <a:off x="15499080" y="17338340"/>
-            <a:ext cx="12801600" cy="7296912"/>
-          </a:xfrm>
-        </p:spPr>
-        <p:txBody>
-          <a:bodyPr/>
-          <a:lstStyle/>
-          <a:p>
-            <a:r>
-              <a:rPr lang="en-US" dirty="0"/>
-              <a:t>Justify why your approach is reasonable compared to alternate approaches</a:t>
-            </a:r>
-          </a:p>
-          <a:p>
-            <a:endParaRPr lang="en-US" dirty="0"/>
+              <a:rPr lang="en-US" sz="3200" b="1" dirty="0" smtClean="0"/>
+              <a:t>Problem</a:t>
+            </a:r>
+            <a:r>
+              <a:rPr lang="en-US" sz="3200" b="1" dirty="0" smtClean="0"/>
+              <a:t>: </a:t>
+            </a:r>
+            <a:r>
+              <a:rPr lang="en-US" sz="3200" dirty="0" smtClean="0"/>
+              <a:t>Most people lack the cooking experience to be creative and experiment with different food combinations, but with the help of machine learning (and a lot of data), a model can generate new recipes for them to try. </a:t>
+            </a:r>
+          </a:p>
+          <a:p>
+            <a:r>
+              <a:rPr lang="en-US" sz="3200" b="1" dirty="0" smtClean="0"/>
+              <a:t>Difficulty</a:t>
+            </a:r>
+            <a:r>
+              <a:rPr lang="en-US" sz="3200" b="1" dirty="0" smtClean="0"/>
+              <a:t>: </a:t>
+            </a:r>
+            <a:r>
+              <a:rPr lang="en-US" sz="3200" dirty="0" smtClean="0"/>
+              <a:t>Current machine learning models are effective at copying and regurgitating inputs, but they are less effective at generating original output from those inputs.</a:t>
+            </a:r>
+            <a:endParaRPr lang="en-US" sz="3200" dirty="0" smtClean="0"/>
+          </a:p>
+          <a:p>
+            <a:r>
+              <a:rPr lang="en-US" sz="3200" b="1" dirty="0" smtClean="0"/>
+              <a:t>Other approaches</a:t>
+            </a:r>
+            <a:r>
+              <a:rPr lang="en-US" sz="3200" b="1" dirty="0" smtClean="0"/>
+              <a:t>:</a:t>
+            </a:r>
+            <a:r>
+              <a:rPr lang="en-US" sz="3200" dirty="0" smtClean="0"/>
+              <a:t> Others have tried to train models on a very general set of recipes that include multiple types of food that include both savory and sweet recipes. However, with a set that broad, the model may become confused because a common ingredient like salt appears in recipes as varied as cakes, burgers and pizzas. In addition, most have trained models including both directions and ingredients, which adds to the complexity and the models tending to learn format rather than content. Finally, most models have utilized character-level generation, which is the most granular and difficult level of generation with regard to text.</a:t>
+            </a:r>
+            <a:endParaRPr lang="en-US" sz="3200" dirty="0"/>
           </a:p>
         </p:txBody>
       </p:sp>
@@ -15994,6 +14405,10 @@
           </p:nvPr>
         </p:nvSpPr>
         <p:spPr>
+          <a:xfrm>
+            <a:off x="30749964" y="5669280"/>
+            <a:ext cx="12801600" cy="1219200"/>
+          </a:xfrm>
           <a:solidFill>
             <a:srgbClr val="520063"/>
           </a:solidFill>
@@ -16019,7 +14434,12 @@
             <p:ph sz="quarter" idx="33"/>
           </p:nvPr>
         </p:nvSpPr>
-        <p:spPr/>
+        <p:spPr>
+          <a:xfrm>
+            <a:off x="30749964" y="14914834"/>
+            <a:ext cx="12801600" cy="4538610"/>
+          </a:xfrm>
+        </p:spPr>
         <p:txBody>
           <a:bodyPr/>
           <a:lstStyle/>
@@ -16075,6 +14495,10 @@
           </p:nvPr>
         </p:nvSpPr>
         <p:spPr>
+          <a:xfrm>
+            <a:off x="30749964" y="19767596"/>
+            <a:ext cx="12801600" cy="1219200"/>
+          </a:xfrm>
           <a:solidFill>
             <a:srgbClr val="520063"/>
           </a:solidFill>
@@ -16102,6 +14526,10 @@
           </p:nvPr>
         </p:nvSpPr>
         <p:spPr>
+          <a:xfrm>
+            <a:off x="30749964" y="21212348"/>
+            <a:ext cx="12801600" cy="4344786"/>
+          </a:xfrm>
           <a:solidFill>
             <a:srgbClr val="E8E8E8"/>
           </a:solidFill>
@@ -16112,14 +14540,42 @@
           <a:p>
             <a:r>
               <a:rPr lang="en-US" dirty="0"/>
-              <a:t>Brief summary of what you discovered based on results</a:t>
-            </a:r>
+              <a:t>Brief summary of what you discovered based on </a:t>
+            </a:r>
+            <a:r>
+              <a:rPr lang="en-US" dirty="0" smtClean="0"/>
+              <a:t>results</a:t>
+            </a:r>
+          </a:p>
+          <a:p>
+            <a:pPr lvl="1"/>
+            <a:endParaRPr lang="en-US" dirty="0"/>
           </a:p>
           <a:p>
             <a:r>
               <a:rPr lang="en-US" dirty="0"/>
-              <a:t>Limitations of approach</a:t>
-            </a:r>
+              <a:t>Limitations of </a:t>
+            </a:r>
+            <a:r>
+              <a:rPr lang="en-US" dirty="0" smtClean="0"/>
+              <a:t>approach</a:t>
+            </a:r>
+          </a:p>
+          <a:p>
+            <a:pPr lvl="1"/>
+            <a:r>
+              <a:rPr lang="en-US" dirty="0" smtClean="0"/>
+              <a:t>Limited to dictionary based on </a:t>
+            </a:r>
+            <a:r>
+              <a:rPr lang="en-US" dirty="0" err="1" smtClean="0"/>
+              <a:t>Yummly</a:t>
+            </a:r>
+            <a:r>
+              <a:rPr lang="en-US" dirty="0" smtClean="0"/>
+              <a:t> API pull, so there could be other ingredients not included</a:t>
+            </a:r>
+            <a:endParaRPr lang="en-US" dirty="0"/>
           </a:p>
           <a:p>
             <a:r>
@@ -16140,6 +14596,10 @@
           </p:nvPr>
         </p:nvSpPr>
         <p:spPr>
+          <a:xfrm>
+            <a:off x="30749964" y="25722072"/>
+            <a:ext cx="12801600" cy="1219200"/>
+          </a:xfrm>
           <a:solidFill>
             <a:srgbClr val="520063"/>
           </a:solidFill>
@@ -16166,6 +14626,10 @@
           </p:nvPr>
         </p:nvSpPr>
         <p:spPr>
+          <a:xfrm>
+            <a:off x="30749964" y="27166824"/>
+            <a:ext cx="12801600" cy="4462272"/>
+          </a:xfrm>
           <a:solidFill>
             <a:srgbClr val="E8E8E8"/>
           </a:solidFill>
@@ -16175,9 +14639,13 @@
           <a:lstStyle/>
           <a:p>
             <a:r>
-              <a:rPr lang="en-US" dirty="0"/>
-              <a:t>Include print and electronic sources in alphabetical order</a:t>
-            </a:r>
+              <a:rPr lang="en-US" dirty="0" err="1" smtClean="0"/>
+              <a:t>Karpathy</a:t>
+            </a:r>
+            <a:endParaRPr lang="en-US" dirty="0" smtClean="0"/>
+          </a:p>
+          <a:p>
+            <a:endParaRPr lang="en-US" dirty="0"/>
           </a:p>
         </p:txBody>
       </p:sp>
@@ -16190,7 +14658,7 @@
           <p:nvPr/>
         </p:nvPicPr>
         <p:blipFill rotWithShape="1">
-          <a:blip r:embed="rId6">
+          <a:blip r:embed="rId2">
             <a:extLst>
               <a:ext uri="{28A0092B-C50C-407E-A947-70E740481C1C}">
                 <a14:useLocalDpi xmlns:a14="http://schemas.microsoft.com/office/drawing/2010/main" val="0"/>
@@ -16214,14 +14682,14 @@
           </a:ln>
           <a:extLst>
             <a:ext uri="{909E8E84-426E-40dd-AFC4-6F175D3DCCD1}">
-              <a14:hiddenFill xmlns:a14="http://schemas.microsoft.com/office/drawing/2010/main" xmlns="">
+              <a14:hiddenFill xmlns="" xmlns:a14="http://schemas.microsoft.com/office/drawing/2010/main">
                 <a:solidFill>
                   <a:srgbClr val="FFFFFF"/>
                 </a:solidFill>
               </a14:hiddenFill>
             </a:ext>
             <a:ext uri="{91240B29-F687-4f45-9708-019B960494DF}">
-              <a14:hiddenLine xmlns:a14="http://schemas.microsoft.com/office/drawing/2010/main" xmlns="" w="9525">
+              <a14:hiddenLine xmlns="" xmlns:a14="http://schemas.microsoft.com/office/drawing/2010/main" w="9525">
                 <a:solidFill>
                   <a:srgbClr val="000000"/>
                 </a:solidFill>
@@ -16233,3792 +14701,6 @@
           </a:extLst>
         </p:spPr>
       </p:pic>
-      <p:grpSp>
-        <p:nvGrpSpPr>
-          <p:cNvPr id="98" name="Group 97"/>
-          <p:cNvGrpSpPr/>
-          <p:nvPr/>
-        </p:nvGrpSpPr>
-        <p:grpSpPr>
-          <a:xfrm>
-            <a:off x="15765296" y="19626016"/>
-            <a:ext cx="12924375" cy="8774747"/>
-            <a:chOff x="3276600" y="1600200"/>
-            <a:chExt cx="2895600" cy="1965910"/>
-          </a:xfrm>
-        </p:grpSpPr>
-        <p:sp>
-          <p:nvSpPr>
-            <p:cNvPr id="99" name="Oval 98"/>
-            <p:cNvSpPr/>
-            <p:nvPr/>
-          </p:nvSpPr>
-          <p:spPr bwMode="auto">
-            <a:xfrm>
-              <a:off x="3430927" y="1918267"/>
-              <a:ext cx="254454" cy="254454"/>
-            </a:xfrm>
-            <a:prstGeom prst="ellipse">
-              <a:avLst/>
-            </a:prstGeom>
-            <a:solidFill>
-              <a:srgbClr val="00B050"/>
-            </a:solidFill>
-            <a:ln w="12700" cap="sq" cmpd="sng" algn="ctr">
-              <a:solidFill>
-                <a:srgbClr val="00B050"/>
-              </a:solidFill>
-              <a:prstDash val="solid"/>
-              <a:round/>
-              <a:headEnd type="none" w="sm" len="sm"/>
-              <a:tailEnd type="none" w="sm" len="sm"/>
-            </a:ln>
-            <a:effectLst/>
-            <a:extLst>
-              <a:ext uri="{AF507438-7753-43e0-B8FC-AC1667EBCBE1}">
-                <a14:hiddenEffects xmlns:a14="http://schemas.microsoft.com/office/drawing/2010/main" xmlns="">
-                  <a:effectLst>
-                    <a:outerShdw dist="35921" dir="2700000" algn="ctr" rotWithShape="0">
-                      <a:schemeClr val="bg2"/>
-                    </a:outerShdw>
-                  </a:effectLst>
-                </a14:hiddenEffects>
-              </a:ext>
-            </a:extLst>
-          </p:spPr>
-          <p:txBody>
-            <a:bodyPr vert="horz" wrap="square" lIns="91440" tIns="45720" rIns="91440" bIns="45720" numCol="1" rtlCol="0" anchor="t" anchorCtr="0" compatLnSpc="1">
-              <a:prstTxWarp prst="textNoShape">
-                <a:avLst/>
-              </a:prstTxWarp>
-            </a:bodyPr>
-            <a:lstStyle/>
-            <a:p>
-              <a:pPr marL="0" marR="0" indent="0" algn="l" defTabSz="914400" rtl="0" eaLnBrk="0" fontAlgn="base" latinLnBrk="0" hangingPunct="0">
-                <a:lnSpc>
-                  <a:spcPct val="100000"/>
-                </a:lnSpc>
-                <a:spcBef>
-                  <a:spcPct val="0"/>
-                </a:spcBef>
-                <a:spcAft>
-                  <a:spcPct val="0"/>
-                </a:spcAft>
-                <a:buClrTx/>
-                <a:buSzTx/>
-                <a:buFontTx/>
-                <a:buNone/>
-                <a:tabLst/>
-              </a:pPr>
-              <a:endParaRPr kumimoji="1" lang="en-US" sz="1000" b="0" i="0" u="none" strike="noStrike" cap="none" normalizeH="0" baseline="0">
-                <a:ln>
-                  <a:noFill/>
-                </a:ln>
-                <a:solidFill>
-                  <a:schemeClr val="tx1"/>
-                </a:solidFill>
-                <a:effectLst/>
-                <a:latin typeface="Arial" charset="0"/>
-              </a:endParaRPr>
-            </a:p>
-          </p:txBody>
-        </p:sp>
-        <p:sp>
-          <p:nvSpPr>
-            <p:cNvPr id="100" name="Oval 99"/>
-            <p:cNvSpPr/>
-            <p:nvPr/>
-          </p:nvSpPr>
-          <p:spPr bwMode="auto">
-            <a:xfrm>
-              <a:off x="3430927" y="2849459"/>
-              <a:ext cx="254454" cy="254454"/>
-            </a:xfrm>
-            <a:prstGeom prst="ellipse">
-              <a:avLst/>
-            </a:prstGeom>
-            <a:solidFill>
-              <a:srgbClr val="00B050"/>
-            </a:solidFill>
-            <a:ln w="12700" cap="sq" cmpd="sng" algn="ctr">
-              <a:solidFill>
-                <a:srgbClr val="00B050"/>
-              </a:solidFill>
-              <a:prstDash val="solid"/>
-              <a:round/>
-              <a:headEnd type="none" w="sm" len="sm"/>
-              <a:tailEnd type="none" w="sm" len="sm"/>
-            </a:ln>
-            <a:effectLst/>
-            <a:extLst>
-              <a:ext uri="{AF507438-7753-43e0-B8FC-AC1667EBCBE1}">
-                <a14:hiddenEffects xmlns:a14="http://schemas.microsoft.com/office/drawing/2010/main" xmlns="">
-                  <a:effectLst>
-                    <a:outerShdw dist="35921" dir="2700000" algn="ctr" rotWithShape="0">
-                      <a:schemeClr val="bg2"/>
-                    </a:outerShdw>
-                  </a:effectLst>
-                </a14:hiddenEffects>
-              </a:ext>
-            </a:extLst>
-          </p:spPr>
-          <p:txBody>
-            <a:bodyPr vert="horz" wrap="square" lIns="91440" tIns="45720" rIns="91440" bIns="45720" numCol="1" rtlCol="0" anchor="t" anchorCtr="0" compatLnSpc="1">
-              <a:prstTxWarp prst="textNoShape">
-                <a:avLst/>
-              </a:prstTxWarp>
-            </a:bodyPr>
-            <a:lstStyle/>
-            <a:p>
-              <a:pPr marL="0" marR="0" indent="0" algn="l" defTabSz="914400" rtl="0" eaLnBrk="0" fontAlgn="base" latinLnBrk="0" hangingPunct="0">
-                <a:lnSpc>
-                  <a:spcPct val="100000"/>
-                </a:lnSpc>
-                <a:spcBef>
-                  <a:spcPct val="0"/>
-                </a:spcBef>
-                <a:spcAft>
-                  <a:spcPct val="0"/>
-                </a:spcAft>
-                <a:buClrTx/>
-                <a:buSzTx/>
-                <a:buFontTx/>
-                <a:buNone/>
-                <a:tabLst/>
-              </a:pPr>
-              <a:endParaRPr kumimoji="1" lang="en-US" sz="1000" b="0" i="0" u="none" strike="noStrike" cap="none" normalizeH="0" baseline="0">
-                <a:ln>
-                  <a:noFill/>
-                </a:ln>
-                <a:solidFill>
-                  <a:schemeClr val="tx1"/>
-                </a:solidFill>
-                <a:effectLst/>
-                <a:latin typeface="Arial" charset="0"/>
-              </a:endParaRPr>
-            </a:p>
-          </p:txBody>
-        </p:sp>
-        <p:sp>
-          <p:nvSpPr>
-            <p:cNvPr id="101" name="Oval 100"/>
-            <p:cNvSpPr/>
-            <p:nvPr/>
-          </p:nvSpPr>
-          <p:spPr bwMode="auto">
-            <a:xfrm>
-              <a:off x="3430927" y="2384766"/>
-              <a:ext cx="254454" cy="254454"/>
-            </a:xfrm>
-            <a:prstGeom prst="ellipse">
-              <a:avLst/>
-            </a:prstGeom>
-            <a:solidFill>
-              <a:srgbClr val="00B050"/>
-            </a:solidFill>
-            <a:ln w="12700" cap="sq" cmpd="sng" algn="ctr">
-              <a:solidFill>
-                <a:srgbClr val="00B050"/>
-              </a:solidFill>
-              <a:prstDash val="solid"/>
-              <a:round/>
-              <a:headEnd type="none" w="sm" len="sm"/>
-              <a:tailEnd type="none" w="sm" len="sm"/>
-            </a:ln>
-            <a:effectLst/>
-            <a:extLst>
-              <a:ext uri="{AF507438-7753-43e0-B8FC-AC1667EBCBE1}">
-                <a14:hiddenEffects xmlns:a14="http://schemas.microsoft.com/office/drawing/2010/main" xmlns="">
-                  <a:effectLst>
-                    <a:outerShdw dist="35921" dir="2700000" algn="ctr" rotWithShape="0">
-                      <a:schemeClr val="bg2"/>
-                    </a:outerShdw>
-                  </a:effectLst>
-                </a14:hiddenEffects>
-              </a:ext>
-            </a:extLst>
-          </p:spPr>
-          <p:txBody>
-            <a:bodyPr vert="horz" wrap="square" lIns="91440" tIns="45720" rIns="91440" bIns="45720" numCol="1" rtlCol="0" anchor="t" anchorCtr="0" compatLnSpc="1">
-              <a:prstTxWarp prst="textNoShape">
-                <a:avLst/>
-              </a:prstTxWarp>
-            </a:bodyPr>
-            <a:lstStyle/>
-            <a:p>
-              <a:pPr marL="0" marR="0" indent="0" algn="l" defTabSz="914400" rtl="0" eaLnBrk="0" fontAlgn="base" latinLnBrk="0" hangingPunct="0">
-                <a:lnSpc>
-                  <a:spcPct val="100000"/>
-                </a:lnSpc>
-                <a:spcBef>
-                  <a:spcPct val="0"/>
-                </a:spcBef>
-                <a:spcAft>
-                  <a:spcPct val="0"/>
-                </a:spcAft>
-                <a:buClrTx/>
-                <a:buSzTx/>
-                <a:buFontTx/>
-                <a:buNone/>
-                <a:tabLst/>
-              </a:pPr>
-              <a:endParaRPr kumimoji="1" lang="en-US" sz="1000" b="0" i="0" u="none" strike="noStrike" cap="none" normalizeH="0" baseline="0">
-                <a:ln>
-                  <a:noFill/>
-                </a:ln>
-                <a:solidFill>
-                  <a:schemeClr val="tx1"/>
-                </a:solidFill>
-                <a:effectLst/>
-                <a:latin typeface="Arial" charset="0"/>
-              </a:endParaRPr>
-            </a:p>
-          </p:txBody>
-        </p:sp>
-        <p:sp>
-          <p:nvSpPr>
-            <p:cNvPr id="102" name="Oval 101"/>
-            <p:cNvSpPr/>
-            <p:nvPr/>
-          </p:nvSpPr>
-          <p:spPr bwMode="auto">
-            <a:xfrm>
-              <a:off x="4195190" y="1664716"/>
-              <a:ext cx="254454" cy="254454"/>
-            </a:xfrm>
-            <a:prstGeom prst="ellipse">
-              <a:avLst/>
-            </a:prstGeom>
-            <a:solidFill>
-              <a:schemeClr val="accent1"/>
-            </a:solidFill>
-            <a:ln w="12700" cap="sq" cmpd="sng" algn="ctr">
-              <a:noFill/>
-              <a:prstDash val="solid"/>
-              <a:round/>
-              <a:headEnd type="none" w="sm" len="sm"/>
-              <a:tailEnd type="none" w="sm" len="sm"/>
-            </a:ln>
-            <a:effectLst/>
-            <a:extLst>
-              <a:ext uri="{AF507438-7753-43e0-B8FC-AC1667EBCBE1}">
-                <a14:hiddenEffects xmlns:a14="http://schemas.microsoft.com/office/drawing/2010/main" xmlns="">
-                  <a:effectLst>
-                    <a:outerShdw dist="35921" dir="2700000" algn="ctr" rotWithShape="0">
-                      <a:schemeClr val="bg2"/>
-                    </a:outerShdw>
-                  </a:effectLst>
-                </a14:hiddenEffects>
-              </a:ext>
-            </a:extLst>
-          </p:spPr>
-          <p:txBody>
-            <a:bodyPr vert="horz" wrap="square" lIns="91440" tIns="45720" rIns="91440" bIns="45720" numCol="1" rtlCol="0" anchor="t" anchorCtr="0" compatLnSpc="1">
-              <a:prstTxWarp prst="textNoShape">
-                <a:avLst/>
-              </a:prstTxWarp>
-            </a:bodyPr>
-            <a:lstStyle/>
-            <a:p>
-              <a:pPr marL="0" marR="0" indent="0" algn="l" defTabSz="914400" rtl="0" eaLnBrk="0" fontAlgn="base" latinLnBrk="0" hangingPunct="0">
-                <a:lnSpc>
-                  <a:spcPct val="100000"/>
-                </a:lnSpc>
-                <a:spcBef>
-                  <a:spcPct val="0"/>
-                </a:spcBef>
-                <a:spcAft>
-                  <a:spcPct val="0"/>
-                </a:spcAft>
-                <a:buClrTx/>
-                <a:buSzTx/>
-                <a:buFontTx/>
-                <a:buNone/>
-                <a:tabLst/>
-              </a:pPr>
-              <a:endParaRPr kumimoji="1" lang="en-US" sz="1000" b="0" i="0" u="none" strike="noStrike" cap="none" normalizeH="0" baseline="0">
-                <a:ln>
-                  <a:noFill/>
-                </a:ln>
-                <a:solidFill>
-                  <a:schemeClr val="tx1"/>
-                </a:solidFill>
-                <a:effectLst/>
-                <a:latin typeface="Arial" charset="0"/>
-              </a:endParaRPr>
-            </a:p>
-          </p:txBody>
-        </p:sp>
-        <p:sp>
-          <p:nvSpPr>
-            <p:cNvPr id="103" name="Oval 102"/>
-            <p:cNvSpPr/>
-            <p:nvPr/>
-          </p:nvSpPr>
-          <p:spPr bwMode="auto">
-            <a:xfrm>
-              <a:off x="4195190" y="2595908"/>
-              <a:ext cx="254454" cy="254454"/>
-            </a:xfrm>
-            <a:prstGeom prst="ellipse">
-              <a:avLst/>
-            </a:prstGeom>
-            <a:solidFill>
-              <a:schemeClr val="accent1"/>
-            </a:solidFill>
-            <a:ln w="12700" cap="sq" cmpd="sng" algn="ctr">
-              <a:noFill/>
-              <a:prstDash val="solid"/>
-              <a:round/>
-              <a:headEnd type="none" w="sm" len="sm"/>
-              <a:tailEnd type="none" w="sm" len="sm"/>
-            </a:ln>
-            <a:effectLst/>
-            <a:extLst>
-              <a:ext uri="{AF507438-7753-43e0-B8FC-AC1667EBCBE1}">
-                <a14:hiddenEffects xmlns:a14="http://schemas.microsoft.com/office/drawing/2010/main" xmlns="">
-                  <a:effectLst>
-                    <a:outerShdw dist="35921" dir="2700000" algn="ctr" rotWithShape="0">
-                      <a:schemeClr val="bg2"/>
-                    </a:outerShdw>
-                  </a:effectLst>
-                </a14:hiddenEffects>
-              </a:ext>
-            </a:extLst>
-          </p:spPr>
-          <p:txBody>
-            <a:bodyPr vert="horz" wrap="square" lIns="91440" tIns="45720" rIns="91440" bIns="45720" numCol="1" rtlCol="0" anchor="t" anchorCtr="0" compatLnSpc="1">
-              <a:prstTxWarp prst="textNoShape">
-                <a:avLst/>
-              </a:prstTxWarp>
-            </a:bodyPr>
-            <a:lstStyle/>
-            <a:p>
-              <a:pPr marL="0" marR="0" indent="0" algn="l" defTabSz="914400" rtl="0" eaLnBrk="0" fontAlgn="base" latinLnBrk="0" hangingPunct="0">
-                <a:lnSpc>
-                  <a:spcPct val="100000"/>
-                </a:lnSpc>
-                <a:spcBef>
-                  <a:spcPct val="0"/>
-                </a:spcBef>
-                <a:spcAft>
-                  <a:spcPct val="0"/>
-                </a:spcAft>
-                <a:buClrTx/>
-                <a:buSzTx/>
-                <a:buFontTx/>
-                <a:buNone/>
-                <a:tabLst/>
-              </a:pPr>
-              <a:endParaRPr kumimoji="1" lang="en-US" sz="1000" b="0" i="0" u="none" strike="noStrike" cap="none" normalizeH="0" baseline="0">
-                <a:ln>
-                  <a:noFill/>
-                </a:ln>
-                <a:solidFill>
-                  <a:schemeClr val="tx1"/>
-                </a:solidFill>
-                <a:effectLst/>
-                <a:latin typeface="Arial" charset="0"/>
-              </a:endParaRPr>
-            </a:p>
-          </p:txBody>
-        </p:sp>
-        <p:sp>
-          <p:nvSpPr>
-            <p:cNvPr id="104" name="Oval 103"/>
-            <p:cNvSpPr/>
-            <p:nvPr/>
-          </p:nvSpPr>
-          <p:spPr bwMode="auto">
-            <a:xfrm>
-              <a:off x="4195190" y="2131214"/>
-              <a:ext cx="254454" cy="254454"/>
-            </a:xfrm>
-            <a:prstGeom prst="ellipse">
-              <a:avLst/>
-            </a:prstGeom>
-            <a:solidFill>
-              <a:schemeClr val="accent1"/>
-            </a:solidFill>
-            <a:ln w="12700" cap="sq" cmpd="sng" algn="ctr">
-              <a:noFill/>
-              <a:prstDash val="solid"/>
-              <a:round/>
-              <a:headEnd type="none" w="sm" len="sm"/>
-              <a:tailEnd type="none" w="sm" len="sm"/>
-            </a:ln>
-            <a:effectLst/>
-            <a:extLst>
-              <a:ext uri="{AF507438-7753-43e0-B8FC-AC1667EBCBE1}">
-                <a14:hiddenEffects xmlns:a14="http://schemas.microsoft.com/office/drawing/2010/main" xmlns="">
-                  <a:effectLst>
-                    <a:outerShdw dist="35921" dir="2700000" algn="ctr" rotWithShape="0">
-                      <a:schemeClr val="bg2"/>
-                    </a:outerShdw>
-                  </a:effectLst>
-                </a14:hiddenEffects>
-              </a:ext>
-            </a:extLst>
-          </p:spPr>
-          <p:txBody>
-            <a:bodyPr vert="horz" wrap="square" lIns="91440" tIns="45720" rIns="91440" bIns="45720" numCol="1" rtlCol="0" anchor="t" anchorCtr="0" compatLnSpc="1">
-              <a:prstTxWarp prst="textNoShape">
-                <a:avLst/>
-              </a:prstTxWarp>
-            </a:bodyPr>
-            <a:lstStyle/>
-            <a:p>
-              <a:pPr marL="0" marR="0" indent="0" algn="l" defTabSz="914400" rtl="0" eaLnBrk="0" fontAlgn="base" latinLnBrk="0" hangingPunct="0">
-                <a:lnSpc>
-                  <a:spcPct val="100000"/>
-                </a:lnSpc>
-                <a:spcBef>
-                  <a:spcPct val="0"/>
-                </a:spcBef>
-                <a:spcAft>
-                  <a:spcPct val="0"/>
-                </a:spcAft>
-                <a:buClrTx/>
-                <a:buSzTx/>
-                <a:buFontTx/>
-                <a:buNone/>
-                <a:tabLst/>
-              </a:pPr>
-              <a:endParaRPr kumimoji="1" lang="en-US" sz="1000" b="0" i="0" u="none" strike="noStrike" cap="none" normalizeH="0" baseline="0">
-                <a:ln>
-                  <a:noFill/>
-                </a:ln>
-                <a:solidFill>
-                  <a:schemeClr val="tx1"/>
-                </a:solidFill>
-                <a:effectLst/>
-                <a:latin typeface="Arial" charset="0"/>
-              </a:endParaRPr>
-            </a:p>
-          </p:txBody>
-        </p:sp>
-        <p:sp>
-          <p:nvSpPr>
-            <p:cNvPr id="106" name="Oval 105"/>
-            <p:cNvSpPr/>
-            <p:nvPr/>
-          </p:nvSpPr>
-          <p:spPr bwMode="auto">
-            <a:xfrm>
-              <a:off x="4194288" y="3060601"/>
-              <a:ext cx="254454" cy="254454"/>
-            </a:xfrm>
-            <a:prstGeom prst="ellipse">
-              <a:avLst/>
-            </a:prstGeom>
-            <a:solidFill>
-              <a:schemeClr val="accent1"/>
-            </a:solidFill>
-            <a:ln w="12700" cap="sq" cmpd="sng" algn="ctr">
-              <a:noFill/>
-              <a:prstDash val="solid"/>
-              <a:round/>
-              <a:headEnd type="none" w="sm" len="sm"/>
-              <a:tailEnd type="none" w="sm" len="sm"/>
-            </a:ln>
-            <a:effectLst/>
-            <a:extLst>
-              <a:ext uri="{AF507438-7753-43e0-B8FC-AC1667EBCBE1}">
-                <a14:hiddenEffects xmlns:a14="http://schemas.microsoft.com/office/drawing/2010/main" xmlns="">
-                  <a:effectLst>
-                    <a:outerShdw dist="35921" dir="2700000" algn="ctr" rotWithShape="0">
-                      <a:schemeClr val="bg2"/>
-                    </a:outerShdw>
-                  </a:effectLst>
-                </a14:hiddenEffects>
-              </a:ext>
-            </a:extLst>
-          </p:spPr>
-          <p:txBody>
-            <a:bodyPr vert="horz" wrap="square" lIns="91440" tIns="45720" rIns="91440" bIns="45720" numCol="1" rtlCol="0" anchor="t" anchorCtr="0" compatLnSpc="1">
-              <a:prstTxWarp prst="textNoShape">
-                <a:avLst/>
-              </a:prstTxWarp>
-            </a:bodyPr>
-            <a:lstStyle/>
-            <a:p>
-              <a:pPr marL="0" marR="0" indent="0" algn="l" defTabSz="914400" rtl="0" eaLnBrk="0" fontAlgn="base" latinLnBrk="0" hangingPunct="0">
-                <a:lnSpc>
-                  <a:spcPct val="100000"/>
-                </a:lnSpc>
-                <a:spcBef>
-                  <a:spcPct val="0"/>
-                </a:spcBef>
-                <a:spcAft>
-                  <a:spcPct val="0"/>
-                </a:spcAft>
-                <a:buClrTx/>
-                <a:buSzTx/>
-                <a:buFontTx/>
-                <a:buNone/>
-                <a:tabLst/>
-              </a:pPr>
-              <a:endParaRPr kumimoji="1" lang="en-US" sz="1000" b="0" i="0" u="none" strike="noStrike" cap="none" normalizeH="0" baseline="0">
-                <a:ln>
-                  <a:noFill/>
-                </a:ln>
-                <a:solidFill>
-                  <a:schemeClr val="tx1"/>
-                </a:solidFill>
-                <a:effectLst/>
-                <a:latin typeface="Arial" charset="0"/>
-              </a:endParaRPr>
-            </a:p>
-          </p:txBody>
-        </p:sp>
-        <p:sp>
-          <p:nvSpPr>
-            <p:cNvPr id="107" name="Oval 106"/>
-            <p:cNvSpPr/>
-            <p:nvPr/>
-          </p:nvSpPr>
-          <p:spPr bwMode="auto">
-            <a:xfrm>
-              <a:off x="5017202" y="1663813"/>
-              <a:ext cx="254454" cy="254454"/>
-            </a:xfrm>
-            <a:prstGeom prst="ellipse">
-              <a:avLst/>
-            </a:prstGeom>
-            <a:solidFill>
-              <a:schemeClr val="accent1"/>
-            </a:solidFill>
-            <a:ln w="12700" cap="sq" cmpd="sng" algn="ctr">
-              <a:noFill/>
-              <a:prstDash val="solid"/>
-              <a:round/>
-              <a:headEnd type="none" w="sm" len="sm"/>
-              <a:tailEnd type="none" w="sm" len="sm"/>
-            </a:ln>
-            <a:effectLst/>
-            <a:extLst>
-              <a:ext uri="{AF507438-7753-43e0-B8FC-AC1667EBCBE1}">
-                <a14:hiddenEffects xmlns:a14="http://schemas.microsoft.com/office/drawing/2010/main" xmlns="">
-                  <a:effectLst>
-                    <a:outerShdw dist="35921" dir="2700000" algn="ctr" rotWithShape="0">
-                      <a:schemeClr val="bg2"/>
-                    </a:outerShdw>
-                  </a:effectLst>
-                </a14:hiddenEffects>
-              </a:ext>
-            </a:extLst>
-          </p:spPr>
-          <p:txBody>
-            <a:bodyPr vert="horz" wrap="square" lIns="91440" tIns="45720" rIns="91440" bIns="45720" numCol="1" rtlCol="0" anchor="t" anchorCtr="0" compatLnSpc="1">
-              <a:prstTxWarp prst="textNoShape">
-                <a:avLst/>
-              </a:prstTxWarp>
-            </a:bodyPr>
-            <a:lstStyle/>
-            <a:p>
-              <a:pPr marL="0" marR="0" indent="0" algn="l" defTabSz="914400" rtl="0" eaLnBrk="0" fontAlgn="base" latinLnBrk="0" hangingPunct="0">
-                <a:lnSpc>
-                  <a:spcPct val="100000"/>
-                </a:lnSpc>
-                <a:spcBef>
-                  <a:spcPct val="0"/>
-                </a:spcBef>
-                <a:spcAft>
-                  <a:spcPct val="0"/>
-                </a:spcAft>
-                <a:buClrTx/>
-                <a:buSzTx/>
-                <a:buFontTx/>
-                <a:buNone/>
-                <a:tabLst/>
-              </a:pPr>
-              <a:endParaRPr kumimoji="1" lang="en-US" sz="1000" b="0" i="0" u="none" strike="noStrike" cap="none" normalizeH="0" baseline="0">
-                <a:ln>
-                  <a:noFill/>
-                </a:ln>
-                <a:solidFill>
-                  <a:schemeClr val="tx1"/>
-                </a:solidFill>
-                <a:effectLst/>
-                <a:latin typeface="Arial" charset="0"/>
-              </a:endParaRPr>
-            </a:p>
-          </p:txBody>
-        </p:sp>
-        <p:sp>
-          <p:nvSpPr>
-            <p:cNvPr id="108" name="Oval 107"/>
-            <p:cNvSpPr/>
-            <p:nvPr/>
-          </p:nvSpPr>
-          <p:spPr bwMode="auto">
-            <a:xfrm>
-              <a:off x="5017202" y="2595006"/>
-              <a:ext cx="254454" cy="254454"/>
-            </a:xfrm>
-            <a:prstGeom prst="ellipse">
-              <a:avLst/>
-            </a:prstGeom>
-            <a:solidFill>
-              <a:schemeClr val="accent1"/>
-            </a:solidFill>
-            <a:ln w="12700" cap="sq" cmpd="sng" algn="ctr">
-              <a:noFill/>
-              <a:prstDash val="solid"/>
-              <a:round/>
-              <a:headEnd type="none" w="sm" len="sm"/>
-              <a:tailEnd type="none" w="sm" len="sm"/>
-            </a:ln>
-            <a:effectLst/>
-            <a:extLst>
-              <a:ext uri="{AF507438-7753-43e0-B8FC-AC1667EBCBE1}">
-                <a14:hiddenEffects xmlns:a14="http://schemas.microsoft.com/office/drawing/2010/main" xmlns="">
-                  <a:effectLst>
-                    <a:outerShdw dist="35921" dir="2700000" algn="ctr" rotWithShape="0">
-                      <a:schemeClr val="bg2"/>
-                    </a:outerShdw>
-                  </a:effectLst>
-                </a14:hiddenEffects>
-              </a:ext>
-            </a:extLst>
-          </p:spPr>
-          <p:txBody>
-            <a:bodyPr vert="horz" wrap="square" lIns="91440" tIns="45720" rIns="91440" bIns="45720" numCol="1" rtlCol="0" anchor="t" anchorCtr="0" compatLnSpc="1">
-              <a:prstTxWarp prst="textNoShape">
-                <a:avLst/>
-              </a:prstTxWarp>
-            </a:bodyPr>
-            <a:lstStyle/>
-            <a:p>
-              <a:pPr marL="0" marR="0" indent="0" algn="l" defTabSz="914400" rtl="0" eaLnBrk="0" fontAlgn="base" latinLnBrk="0" hangingPunct="0">
-                <a:lnSpc>
-                  <a:spcPct val="100000"/>
-                </a:lnSpc>
-                <a:spcBef>
-                  <a:spcPct val="0"/>
-                </a:spcBef>
-                <a:spcAft>
-                  <a:spcPct val="0"/>
-                </a:spcAft>
-                <a:buClrTx/>
-                <a:buSzTx/>
-                <a:buFontTx/>
-                <a:buNone/>
-                <a:tabLst/>
-              </a:pPr>
-              <a:endParaRPr kumimoji="1" lang="en-US" sz="1000" b="0" i="0" u="none" strike="noStrike" cap="none" normalizeH="0" baseline="0">
-                <a:ln>
-                  <a:noFill/>
-                </a:ln>
-                <a:solidFill>
-                  <a:schemeClr val="tx1"/>
-                </a:solidFill>
-                <a:effectLst/>
-                <a:latin typeface="Arial" charset="0"/>
-              </a:endParaRPr>
-            </a:p>
-          </p:txBody>
-        </p:sp>
-        <p:sp>
-          <p:nvSpPr>
-            <p:cNvPr id="109" name="Oval 108"/>
-            <p:cNvSpPr/>
-            <p:nvPr/>
-          </p:nvSpPr>
-          <p:spPr bwMode="auto">
-            <a:xfrm>
-              <a:off x="5017202" y="2130312"/>
-              <a:ext cx="254454" cy="254454"/>
-            </a:xfrm>
-            <a:prstGeom prst="ellipse">
-              <a:avLst/>
-            </a:prstGeom>
-            <a:solidFill>
-              <a:schemeClr val="accent1"/>
-            </a:solidFill>
-            <a:ln w="12700" cap="sq" cmpd="sng" algn="ctr">
-              <a:noFill/>
-              <a:prstDash val="solid"/>
-              <a:round/>
-              <a:headEnd type="none" w="sm" len="sm"/>
-              <a:tailEnd type="none" w="sm" len="sm"/>
-            </a:ln>
-            <a:effectLst/>
-            <a:extLst>
-              <a:ext uri="{AF507438-7753-43e0-B8FC-AC1667EBCBE1}">
-                <a14:hiddenEffects xmlns:a14="http://schemas.microsoft.com/office/drawing/2010/main" xmlns="">
-                  <a:effectLst>
-                    <a:outerShdw dist="35921" dir="2700000" algn="ctr" rotWithShape="0">
-                      <a:schemeClr val="bg2"/>
-                    </a:outerShdw>
-                  </a:effectLst>
-                </a14:hiddenEffects>
-              </a:ext>
-            </a:extLst>
-          </p:spPr>
-          <p:txBody>
-            <a:bodyPr vert="horz" wrap="square" lIns="91440" tIns="45720" rIns="91440" bIns="45720" numCol="1" rtlCol="0" anchor="t" anchorCtr="0" compatLnSpc="1">
-              <a:prstTxWarp prst="textNoShape">
-                <a:avLst/>
-              </a:prstTxWarp>
-            </a:bodyPr>
-            <a:lstStyle/>
-            <a:p>
-              <a:pPr marL="0" marR="0" indent="0" algn="l" defTabSz="914400" rtl="0" eaLnBrk="0" fontAlgn="base" latinLnBrk="0" hangingPunct="0">
-                <a:lnSpc>
-                  <a:spcPct val="100000"/>
-                </a:lnSpc>
-                <a:spcBef>
-                  <a:spcPct val="0"/>
-                </a:spcBef>
-                <a:spcAft>
-                  <a:spcPct val="0"/>
-                </a:spcAft>
-                <a:buClrTx/>
-                <a:buSzTx/>
-                <a:buFontTx/>
-                <a:buNone/>
-                <a:tabLst/>
-              </a:pPr>
-              <a:endParaRPr kumimoji="1" lang="en-US" sz="1000" b="0" i="0" u="none" strike="noStrike" cap="none" normalizeH="0" baseline="0">
-                <a:ln>
-                  <a:noFill/>
-                </a:ln>
-                <a:solidFill>
-                  <a:schemeClr val="tx1"/>
-                </a:solidFill>
-                <a:effectLst/>
-                <a:latin typeface="Arial" charset="0"/>
-              </a:endParaRPr>
-            </a:p>
-          </p:txBody>
-        </p:sp>
-        <p:sp>
-          <p:nvSpPr>
-            <p:cNvPr id="110" name="Oval 109"/>
-            <p:cNvSpPr/>
-            <p:nvPr/>
-          </p:nvSpPr>
-          <p:spPr bwMode="auto">
-            <a:xfrm>
-              <a:off x="5016300" y="3059699"/>
-              <a:ext cx="254454" cy="254454"/>
-            </a:xfrm>
-            <a:prstGeom prst="ellipse">
-              <a:avLst/>
-            </a:prstGeom>
-            <a:solidFill>
-              <a:schemeClr val="accent1"/>
-            </a:solidFill>
-            <a:ln w="12700" cap="sq" cmpd="sng" algn="ctr">
-              <a:noFill/>
-              <a:prstDash val="solid"/>
-              <a:round/>
-              <a:headEnd type="none" w="sm" len="sm"/>
-              <a:tailEnd type="none" w="sm" len="sm"/>
-            </a:ln>
-            <a:effectLst/>
-            <a:extLst>
-              <a:ext uri="{AF507438-7753-43e0-B8FC-AC1667EBCBE1}">
-                <a14:hiddenEffects xmlns:a14="http://schemas.microsoft.com/office/drawing/2010/main" xmlns="">
-                  <a:effectLst>
-                    <a:outerShdw dist="35921" dir="2700000" algn="ctr" rotWithShape="0">
-                      <a:schemeClr val="bg2"/>
-                    </a:outerShdw>
-                  </a:effectLst>
-                </a14:hiddenEffects>
-              </a:ext>
-            </a:extLst>
-          </p:spPr>
-          <p:txBody>
-            <a:bodyPr vert="horz" wrap="square" lIns="91440" tIns="45720" rIns="91440" bIns="45720" numCol="1" rtlCol="0" anchor="t" anchorCtr="0" compatLnSpc="1">
-              <a:prstTxWarp prst="textNoShape">
-                <a:avLst/>
-              </a:prstTxWarp>
-            </a:bodyPr>
-            <a:lstStyle/>
-            <a:p>
-              <a:pPr marL="0" marR="0" indent="0" algn="l" defTabSz="914400" rtl="0" eaLnBrk="0" fontAlgn="base" latinLnBrk="0" hangingPunct="0">
-                <a:lnSpc>
-                  <a:spcPct val="100000"/>
-                </a:lnSpc>
-                <a:spcBef>
-                  <a:spcPct val="0"/>
-                </a:spcBef>
-                <a:spcAft>
-                  <a:spcPct val="0"/>
-                </a:spcAft>
-                <a:buClrTx/>
-                <a:buSzTx/>
-                <a:buFontTx/>
-                <a:buNone/>
-                <a:tabLst/>
-              </a:pPr>
-              <a:endParaRPr kumimoji="1" lang="en-US" sz="1000" b="0" i="0" u="none" strike="noStrike" cap="none" normalizeH="0" baseline="0">
-                <a:ln>
-                  <a:noFill/>
-                </a:ln>
-                <a:solidFill>
-                  <a:schemeClr val="tx1"/>
-                </a:solidFill>
-                <a:effectLst/>
-                <a:latin typeface="Arial" charset="0"/>
-              </a:endParaRPr>
-            </a:p>
-          </p:txBody>
-        </p:sp>
-        <p:sp>
-          <p:nvSpPr>
-            <p:cNvPr id="111" name="Oval 110"/>
-            <p:cNvSpPr/>
-            <p:nvPr/>
-          </p:nvSpPr>
-          <p:spPr bwMode="auto">
-            <a:xfrm>
-              <a:off x="5763419" y="1947896"/>
-              <a:ext cx="254454" cy="254454"/>
-            </a:xfrm>
-            <a:prstGeom prst="ellipse">
-              <a:avLst/>
-            </a:prstGeom>
-            <a:solidFill>
-              <a:srgbClr val="FF0000"/>
-            </a:solidFill>
-            <a:ln w="12700" cap="sq" cmpd="sng" algn="ctr">
-              <a:solidFill>
-                <a:srgbClr val="FF0000"/>
-              </a:solidFill>
-              <a:prstDash val="solid"/>
-              <a:round/>
-              <a:headEnd type="none" w="sm" len="sm"/>
-              <a:tailEnd type="none" w="sm" len="sm"/>
-            </a:ln>
-            <a:effectLst/>
-            <a:extLst>
-              <a:ext uri="{AF507438-7753-43e0-B8FC-AC1667EBCBE1}">
-                <a14:hiddenEffects xmlns:a14="http://schemas.microsoft.com/office/drawing/2010/main" xmlns="">
-                  <a:effectLst>
-                    <a:outerShdw dist="35921" dir="2700000" algn="ctr" rotWithShape="0">
-                      <a:schemeClr val="bg2"/>
-                    </a:outerShdw>
-                  </a:effectLst>
-                </a14:hiddenEffects>
-              </a:ext>
-            </a:extLst>
-          </p:spPr>
-          <p:txBody>
-            <a:bodyPr vert="horz" wrap="square" lIns="91440" tIns="45720" rIns="91440" bIns="45720" numCol="1" rtlCol="0" anchor="t" anchorCtr="0" compatLnSpc="1">
-              <a:prstTxWarp prst="textNoShape">
-                <a:avLst/>
-              </a:prstTxWarp>
-            </a:bodyPr>
-            <a:lstStyle/>
-            <a:p>
-              <a:pPr marL="0" marR="0" indent="0" algn="l" defTabSz="914400" rtl="0" eaLnBrk="0" fontAlgn="base" latinLnBrk="0" hangingPunct="0">
-                <a:lnSpc>
-                  <a:spcPct val="100000"/>
-                </a:lnSpc>
-                <a:spcBef>
-                  <a:spcPct val="0"/>
-                </a:spcBef>
-                <a:spcAft>
-                  <a:spcPct val="0"/>
-                </a:spcAft>
-                <a:buClrTx/>
-                <a:buSzTx/>
-                <a:buFontTx/>
-                <a:buNone/>
-                <a:tabLst/>
-              </a:pPr>
-              <a:endParaRPr kumimoji="1" lang="en-US" sz="1000" b="0" i="0" u="none" strike="noStrike" cap="none" normalizeH="0" baseline="0">
-                <a:ln>
-                  <a:noFill/>
-                </a:ln>
-                <a:solidFill>
-                  <a:schemeClr val="tx1"/>
-                </a:solidFill>
-                <a:effectLst/>
-                <a:latin typeface="Arial" charset="0"/>
-              </a:endParaRPr>
-            </a:p>
-          </p:txBody>
-        </p:sp>
-        <p:cxnSp>
-          <p:nvCxnSpPr>
-            <p:cNvPr id="112" name="Straight Connector 111"/>
-            <p:cNvCxnSpPr>
-              <a:stCxn id="99" idx="6"/>
-              <a:endCxn id="102" idx="2"/>
-            </p:cNvCxnSpPr>
-            <p:nvPr/>
-          </p:nvCxnSpPr>
-          <p:spPr bwMode="auto">
-            <a:xfrm flipV="1">
-              <a:off x="3685381" y="1791942"/>
-              <a:ext cx="509810" cy="253552"/>
-            </a:xfrm>
-            <a:prstGeom prst="line">
-              <a:avLst/>
-            </a:prstGeom>
-            <a:solidFill>
-              <a:schemeClr val="accent1"/>
-            </a:solidFill>
-            <a:ln w="12700" cap="sq" cmpd="sng" algn="ctr">
-              <a:solidFill>
-                <a:schemeClr val="tx1"/>
-              </a:solidFill>
-              <a:prstDash val="solid"/>
-              <a:round/>
-              <a:headEnd type="none" w="sm" len="sm"/>
-              <a:tailEnd type="none" w="sm" len="sm"/>
-            </a:ln>
-            <a:effectLst/>
-            <a:extLst>
-              <a:ext uri="{AF507438-7753-43e0-B8FC-AC1667EBCBE1}">
-                <a14:hiddenEffects xmlns:a14="http://schemas.microsoft.com/office/drawing/2010/main" xmlns="">
-                  <a:effectLst>
-                    <a:outerShdw dist="35921" dir="2700000" algn="ctr" rotWithShape="0">
-                      <a:schemeClr val="bg2"/>
-                    </a:outerShdw>
-                  </a:effectLst>
-                </a14:hiddenEffects>
-              </a:ext>
-            </a:extLst>
-          </p:spPr>
-        </p:cxnSp>
-        <p:cxnSp>
-          <p:nvCxnSpPr>
-            <p:cNvPr id="113" name="Straight Connector 112"/>
-            <p:cNvCxnSpPr>
-              <a:stCxn id="99" idx="6"/>
-              <a:endCxn id="104" idx="2"/>
-            </p:cNvCxnSpPr>
-            <p:nvPr/>
-          </p:nvCxnSpPr>
-          <p:spPr bwMode="auto">
-            <a:xfrm>
-              <a:off x="3685381" y="2045494"/>
-              <a:ext cx="509810" cy="212947"/>
-            </a:xfrm>
-            <a:prstGeom prst="line">
-              <a:avLst/>
-            </a:prstGeom>
-            <a:solidFill>
-              <a:schemeClr val="accent1"/>
-            </a:solidFill>
-            <a:ln w="12700" cap="sq" cmpd="sng" algn="ctr">
-              <a:solidFill>
-                <a:schemeClr val="tx1"/>
-              </a:solidFill>
-              <a:prstDash val="solid"/>
-              <a:round/>
-              <a:headEnd type="none" w="sm" len="sm"/>
-              <a:tailEnd type="none" w="sm" len="sm"/>
-            </a:ln>
-            <a:effectLst/>
-            <a:extLst>
-              <a:ext uri="{AF507438-7753-43e0-B8FC-AC1667EBCBE1}">
-                <a14:hiddenEffects xmlns:a14="http://schemas.microsoft.com/office/drawing/2010/main" xmlns="">
-                  <a:effectLst>
-                    <a:outerShdw dist="35921" dir="2700000" algn="ctr" rotWithShape="0">
-                      <a:schemeClr val="bg2"/>
-                    </a:outerShdw>
-                  </a:effectLst>
-                </a14:hiddenEffects>
-              </a:ext>
-            </a:extLst>
-          </p:spPr>
-        </p:cxnSp>
-        <p:cxnSp>
-          <p:nvCxnSpPr>
-            <p:cNvPr id="114" name="Straight Connector 113"/>
-            <p:cNvCxnSpPr>
-              <a:stCxn id="99" idx="6"/>
-              <a:endCxn id="103" idx="2"/>
-            </p:cNvCxnSpPr>
-            <p:nvPr/>
-          </p:nvCxnSpPr>
-          <p:spPr bwMode="auto">
-            <a:xfrm>
-              <a:off x="3685381" y="2045494"/>
-              <a:ext cx="509810" cy="677641"/>
-            </a:xfrm>
-            <a:prstGeom prst="line">
-              <a:avLst/>
-            </a:prstGeom>
-            <a:solidFill>
-              <a:schemeClr val="accent1"/>
-            </a:solidFill>
-            <a:ln w="12700" cap="sq" cmpd="sng" algn="ctr">
-              <a:solidFill>
-                <a:schemeClr val="tx1"/>
-              </a:solidFill>
-              <a:prstDash val="solid"/>
-              <a:round/>
-              <a:headEnd type="none" w="sm" len="sm"/>
-              <a:tailEnd type="none" w="sm" len="sm"/>
-            </a:ln>
-            <a:effectLst/>
-            <a:extLst>
-              <a:ext uri="{AF507438-7753-43e0-B8FC-AC1667EBCBE1}">
-                <a14:hiddenEffects xmlns:a14="http://schemas.microsoft.com/office/drawing/2010/main" xmlns="">
-                  <a:effectLst>
-                    <a:outerShdw dist="35921" dir="2700000" algn="ctr" rotWithShape="0">
-                      <a:schemeClr val="bg2"/>
-                    </a:outerShdw>
-                  </a:effectLst>
-                </a14:hiddenEffects>
-              </a:ext>
-            </a:extLst>
-          </p:spPr>
-        </p:cxnSp>
-        <p:cxnSp>
-          <p:nvCxnSpPr>
-            <p:cNvPr id="115" name="Straight Connector 114"/>
-            <p:cNvCxnSpPr>
-              <a:stCxn id="99" idx="6"/>
-              <a:endCxn id="106" idx="2"/>
-            </p:cNvCxnSpPr>
-            <p:nvPr/>
-          </p:nvCxnSpPr>
-          <p:spPr bwMode="auto">
-            <a:xfrm>
-              <a:off x="3685381" y="2045494"/>
-              <a:ext cx="508907" cy="1142334"/>
-            </a:xfrm>
-            <a:prstGeom prst="line">
-              <a:avLst/>
-            </a:prstGeom>
-            <a:solidFill>
-              <a:schemeClr val="accent1"/>
-            </a:solidFill>
-            <a:ln w="12700" cap="sq" cmpd="sng" algn="ctr">
-              <a:solidFill>
-                <a:schemeClr val="tx1"/>
-              </a:solidFill>
-              <a:prstDash val="solid"/>
-              <a:round/>
-              <a:headEnd type="none" w="sm" len="sm"/>
-              <a:tailEnd type="none" w="sm" len="sm"/>
-            </a:ln>
-            <a:effectLst/>
-            <a:extLst>
-              <a:ext uri="{AF507438-7753-43e0-B8FC-AC1667EBCBE1}">
-                <a14:hiddenEffects xmlns:a14="http://schemas.microsoft.com/office/drawing/2010/main" xmlns="">
-                  <a:effectLst>
-                    <a:outerShdw dist="35921" dir="2700000" algn="ctr" rotWithShape="0">
-                      <a:schemeClr val="bg2"/>
-                    </a:outerShdw>
-                  </a:effectLst>
-                </a14:hiddenEffects>
-              </a:ext>
-            </a:extLst>
-          </p:spPr>
-        </p:cxnSp>
-        <p:cxnSp>
-          <p:nvCxnSpPr>
-            <p:cNvPr id="116" name="Straight Connector 115"/>
-            <p:cNvCxnSpPr>
-              <a:stCxn id="101" idx="6"/>
-              <a:endCxn id="102" idx="2"/>
-            </p:cNvCxnSpPr>
-            <p:nvPr/>
-          </p:nvCxnSpPr>
-          <p:spPr bwMode="auto">
-            <a:xfrm flipV="1">
-              <a:off x="3685381" y="1791942"/>
-              <a:ext cx="509810" cy="720050"/>
-            </a:xfrm>
-            <a:prstGeom prst="line">
-              <a:avLst/>
-            </a:prstGeom>
-            <a:solidFill>
-              <a:schemeClr val="accent1"/>
-            </a:solidFill>
-            <a:ln w="12700" cap="sq" cmpd="sng" algn="ctr">
-              <a:solidFill>
-                <a:schemeClr val="tx1"/>
-              </a:solidFill>
-              <a:prstDash val="solid"/>
-              <a:round/>
-              <a:headEnd type="none" w="sm" len="sm"/>
-              <a:tailEnd type="none" w="sm" len="sm"/>
-            </a:ln>
-            <a:effectLst/>
-            <a:extLst>
-              <a:ext uri="{AF507438-7753-43e0-B8FC-AC1667EBCBE1}">
-                <a14:hiddenEffects xmlns:a14="http://schemas.microsoft.com/office/drawing/2010/main" xmlns="">
-                  <a:effectLst>
-                    <a:outerShdw dist="35921" dir="2700000" algn="ctr" rotWithShape="0">
-                      <a:schemeClr val="bg2"/>
-                    </a:outerShdw>
-                  </a:effectLst>
-                </a14:hiddenEffects>
-              </a:ext>
-            </a:extLst>
-          </p:spPr>
-        </p:cxnSp>
-        <p:cxnSp>
-          <p:nvCxnSpPr>
-            <p:cNvPr id="117" name="Straight Connector 116"/>
-            <p:cNvCxnSpPr>
-              <a:stCxn id="101" idx="6"/>
-              <a:endCxn id="104" idx="2"/>
-            </p:cNvCxnSpPr>
-            <p:nvPr/>
-          </p:nvCxnSpPr>
-          <p:spPr bwMode="auto">
-            <a:xfrm flipV="1">
-              <a:off x="3685381" y="2258441"/>
-              <a:ext cx="509810" cy="253552"/>
-            </a:xfrm>
-            <a:prstGeom prst="line">
-              <a:avLst/>
-            </a:prstGeom>
-            <a:solidFill>
-              <a:schemeClr val="accent1"/>
-            </a:solidFill>
-            <a:ln w="12700" cap="sq" cmpd="sng" algn="ctr">
-              <a:solidFill>
-                <a:schemeClr val="tx1"/>
-              </a:solidFill>
-              <a:prstDash val="solid"/>
-              <a:round/>
-              <a:headEnd type="none" w="sm" len="sm"/>
-              <a:tailEnd type="none" w="sm" len="sm"/>
-            </a:ln>
-            <a:effectLst/>
-            <a:extLst>
-              <a:ext uri="{AF507438-7753-43e0-B8FC-AC1667EBCBE1}">
-                <a14:hiddenEffects xmlns:a14="http://schemas.microsoft.com/office/drawing/2010/main" xmlns="">
-                  <a:effectLst>
-                    <a:outerShdw dist="35921" dir="2700000" algn="ctr" rotWithShape="0">
-                      <a:schemeClr val="bg2"/>
-                    </a:outerShdw>
-                  </a:effectLst>
-                </a14:hiddenEffects>
-              </a:ext>
-            </a:extLst>
-          </p:spPr>
-        </p:cxnSp>
-        <p:cxnSp>
-          <p:nvCxnSpPr>
-            <p:cNvPr id="118" name="Straight Connector 117"/>
-            <p:cNvCxnSpPr>
-              <a:stCxn id="101" idx="6"/>
-              <a:endCxn id="103" idx="2"/>
-            </p:cNvCxnSpPr>
-            <p:nvPr/>
-          </p:nvCxnSpPr>
-          <p:spPr bwMode="auto">
-            <a:xfrm>
-              <a:off x="3685381" y="2511993"/>
-              <a:ext cx="509810" cy="211142"/>
-            </a:xfrm>
-            <a:prstGeom prst="line">
-              <a:avLst/>
-            </a:prstGeom>
-            <a:solidFill>
-              <a:schemeClr val="accent1"/>
-            </a:solidFill>
-            <a:ln w="12700" cap="sq" cmpd="sng" algn="ctr">
-              <a:solidFill>
-                <a:schemeClr val="tx1"/>
-              </a:solidFill>
-              <a:prstDash val="solid"/>
-              <a:round/>
-              <a:headEnd type="none" w="sm" len="sm"/>
-              <a:tailEnd type="none" w="sm" len="sm"/>
-            </a:ln>
-            <a:effectLst/>
-            <a:extLst>
-              <a:ext uri="{AF507438-7753-43e0-B8FC-AC1667EBCBE1}">
-                <a14:hiddenEffects xmlns:a14="http://schemas.microsoft.com/office/drawing/2010/main" xmlns="">
-                  <a:effectLst>
-                    <a:outerShdw dist="35921" dir="2700000" algn="ctr" rotWithShape="0">
-                      <a:schemeClr val="bg2"/>
-                    </a:outerShdw>
-                  </a:effectLst>
-                </a14:hiddenEffects>
-              </a:ext>
-            </a:extLst>
-          </p:spPr>
-        </p:cxnSp>
-        <p:cxnSp>
-          <p:nvCxnSpPr>
-            <p:cNvPr id="119" name="Straight Connector 118"/>
-            <p:cNvCxnSpPr>
-              <a:stCxn id="100" idx="6"/>
-              <a:endCxn id="102" idx="2"/>
-            </p:cNvCxnSpPr>
-            <p:nvPr/>
-          </p:nvCxnSpPr>
-          <p:spPr bwMode="auto">
-            <a:xfrm flipV="1">
-              <a:off x="3685381" y="1791942"/>
-              <a:ext cx="509810" cy="1184744"/>
-            </a:xfrm>
-            <a:prstGeom prst="line">
-              <a:avLst/>
-            </a:prstGeom>
-            <a:solidFill>
-              <a:schemeClr val="accent1"/>
-            </a:solidFill>
-            <a:ln w="12700" cap="sq" cmpd="sng" algn="ctr">
-              <a:solidFill>
-                <a:schemeClr val="tx1"/>
-              </a:solidFill>
-              <a:prstDash val="solid"/>
-              <a:round/>
-              <a:headEnd type="none" w="sm" len="sm"/>
-              <a:tailEnd type="none" w="sm" len="sm"/>
-            </a:ln>
-            <a:effectLst/>
-            <a:extLst>
-              <a:ext uri="{AF507438-7753-43e0-B8FC-AC1667EBCBE1}">
-                <a14:hiddenEffects xmlns:a14="http://schemas.microsoft.com/office/drawing/2010/main" xmlns="">
-                  <a:effectLst>
-                    <a:outerShdw dist="35921" dir="2700000" algn="ctr" rotWithShape="0">
-                      <a:schemeClr val="bg2"/>
-                    </a:outerShdw>
-                  </a:effectLst>
-                </a14:hiddenEffects>
-              </a:ext>
-            </a:extLst>
-          </p:spPr>
-        </p:cxnSp>
-        <p:cxnSp>
-          <p:nvCxnSpPr>
-            <p:cNvPr id="120" name="Straight Connector 119"/>
-            <p:cNvCxnSpPr>
-              <a:stCxn id="100" idx="6"/>
-              <a:endCxn id="104" idx="2"/>
-            </p:cNvCxnSpPr>
-            <p:nvPr/>
-          </p:nvCxnSpPr>
-          <p:spPr bwMode="auto">
-            <a:xfrm flipV="1">
-              <a:off x="3685381" y="2258441"/>
-              <a:ext cx="509810" cy="718245"/>
-            </a:xfrm>
-            <a:prstGeom prst="line">
-              <a:avLst/>
-            </a:prstGeom>
-            <a:solidFill>
-              <a:schemeClr val="accent1"/>
-            </a:solidFill>
-            <a:ln w="12700" cap="sq" cmpd="sng" algn="ctr">
-              <a:solidFill>
-                <a:schemeClr val="tx1"/>
-              </a:solidFill>
-              <a:prstDash val="solid"/>
-              <a:round/>
-              <a:headEnd type="none" w="sm" len="sm"/>
-              <a:tailEnd type="none" w="sm" len="sm"/>
-            </a:ln>
-            <a:effectLst/>
-            <a:extLst>
-              <a:ext uri="{AF507438-7753-43e0-B8FC-AC1667EBCBE1}">
-                <a14:hiddenEffects xmlns:a14="http://schemas.microsoft.com/office/drawing/2010/main" xmlns="">
-                  <a:effectLst>
-                    <a:outerShdw dist="35921" dir="2700000" algn="ctr" rotWithShape="0">
-                      <a:schemeClr val="bg2"/>
-                    </a:outerShdw>
-                  </a:effectLst>
-                </a14:hiddenEffects>
-              </a:ext>
-            </a:extLst>
-          </p:spPr>
-        </p:cxnSp>
-        <p:cxnSp>
-          <p:nvCxnSpPr>
-            <p:cNvPr id="121" name="Straight Connector 120"/>
-            <p:cNvCxnSpPr>
-              <a:stCxn id="100" idx="6"/>
-              <a:endCxn id="103" idx="2"/>
-            </p:cNvCxnSpPr>
-            <p:nvPr/>
-          </p:nvCxnSpPr>
-          <p:spPr bwMode="auto">
-            <a:xfrm flipV="1">
-              <a:off x="3685381" y="2723135"/>
-              <a:ext cx="509810" cy="253552"/>
-            </a:xfrm>
-            <a:prstGeom prst="line">
-              <a:avLst/>
-            </a:prstGeom>
-            <a:solidFill>
-              <a:schemeClr val="accent1"/>
-            </a:solidFill>
-            <a:ln w="12700" cap="sq" cmpd="sng" algn="ctr">
-              <a:solidFill>
-                <a:schemeClr val="tx1"/>
-              </a:solidFill>
-              <a:prstDash val="solid"/>
-              <a:round/>
-              <a:headEnd type="none" w="sm" len="sm"/>
-              <a:tailEnd type="none" w="sm" len="sm"/>
-            </a:ln>
-            <a:effectLst/>
-            <a:extLst>
-              <a:ext uri="{AF507438-7753-43e0-B8FC-AC1667EBCBE1}">
-                <a14:hiddenEffects xmlns:a14="http://schemas.microsoft.com/office/drawing/2010/main" xmlns="">
-                  <a:effectLst>
-                    <a:outerShdw dist="35921" dir="2700000" algn="ctr" rotWithShape="0">
-                      <a:schemeClr val="bg2"/>
-                    </a:outerShdw>
-                  </a:effectLst>
-                </a14:hiddenEffects>
-              </a:ext>
-            </a:extLst>
-          </p:spPr>
-        </p:cxnSp>
-        <p:cxnSp>
-          <p:nvCxnSpPr>
-            <p:cNvPr id="122" name="Straight Connector 121"/>
-            <p:cNvCxnSpPr>
-              <a:stCxn id="100" idx="6"/>
-              <a:endCxn id="106" idx="2"/>
-            </p:cNvCxnSpPr>
-            <p:nvPr/>
-          </p:nvCxnSpPr>
-          <p:spPr bwMode="auto">
-            <a:xfrm>
-              <a:off x="3685381" y="2976686"/>
-              <a:ext cx="508907" cy="211142"/>
-            </a:xfrm>
-            <a:prstGeom prst="line">
-              <a:avLst/>
-            </a:prstGeom>
-            <a:solidFill>
-              <a:schemeClr val="accent1"/>
-            </a:solidFill>
-            <a:ln w="12700" cap="sq" cmpd="sng" algn="ctr">
-              <a:solidFill>
-                <a:schemeClr val="tx1"/>
-              </a:solidFill>
-              <a:prstDash val="solid"/>
-              <a:round/>
-              <a:headEnd type="none" w="sm" len="sm"/>
-              <a:tailEnd type="none" w="sm" len="sm"/>
-            </a:ln>
-            <a:effectLst/>
-            <a:extLst>
-              <a:ext uri="{AF507438-7753-43e0-B8FC-AC1667EBCBE1}">
-                <a14:hiddenEffects xmlns:a14="http://schemas.microsoft.com/office/drawing/2010/main" xmlns="">
-                  <a:effectLst>
-                    <a:outerShdw dist="35921" dir="2700000" algn="ctr" rotWithShape="0">
-                      <a:schemeClr val="bg2"/>
-                    </a:outerShdw>
-                  </a:effectLst>
-                </a14:hiddenEffects>
-              </a:ext>
-            </a:extLst>
-          </p:spPr>
-        </p:cxnSp>
-        <p:cxnSp>
-          <p:nvCxnSpPr>
-            <p:cNvPr id="123" name="Straight Connector 122"/>
-            <p:cNvCxnSpPr>
-              <a:stCxn id="107" idx="2"/>
-              <a:endCxn id="102" idx="6"/>
-            </p:cNvCxnSpPr>
-            <p:nvPr/>
-          </p:nvCxnSpPr>
-          <p:spPr bwMode="auto">
-            <a:xfrm flipH="1">
-              <a:off x="4449644" y="1791040"/>
-              <a:ext cx="567558" cy="902"/>
-            </a:xfrm>
-            <a:prstGeom prst="line">
-              <a:avLst/>
-            </a:prstGeom>
-            <a:solidFill>
-              <a:schemeClr val="accent1"/>
-            </a:solidFill>
-            <a:ln w="12700" cap="sq" cmpd="sng" algn="ctr">
-              <a:solidFill>
-                <a:schemeClr val="tx1"/>
-              </a:solidFill>
-              <a:prstDash val="solid"/>
-              <a:round/>
-              <a:headEnd type="none" w="sm" len="sm"/>
-              <a:tailEnd type="none" w="sm" len="sm"/>
-            </a:ln>
-            <a:effectLst/>
-            <a:extLst>
-              <a:ext uri="{AF507438-7753-43e0-B8FC-AC1667EBCBE1}">
-                <a14:hiddenEffects xmlns:a14="http://schemas.microsoft.com/office/drawing/2010/main" xmlns="">
-                  <a:effectLst>
-                    <a:outerShdw dist="35921" dir="2700000" algn="ctr" rotWithShape="0">
-                      <a:schemeClr val="bg2"/>
-                    </a:outerShdw>
-                  </a:effectLst>
-                </a14:hiddenEffects>
-              </a:ext>
-            </a:extLst>
-          </p:spPr>
-        </p:cxnSp>
-        <p:cxnSp>
-          <p:nvCxnSpPr>
-            <p:cNvPr id="124" name="Straight Connector 123"/>
-            <p:cNvCxnSpPr>
-              <a:stCxn id="109" idx="2"/>
-              <a:endCxn id="102" idx="6"/>
-            </p:cNvCxnSpPr>
-            <p:nvPr/>
-          </p:nvCxnSpPr>
-          <p:spPr bwMode="auto">
-            <a:xfrm flipH="1" flipV="1">
-              <a:off x="4449644" y="1791942"/>
-              <a:ext cx="567558" cy="465596"/>
-            </a:xfrm>
-            <a:prstGeom prst="line">
-              <a:avLst/>
-            </a:prstGeom>
-            <a:solidFill>
-              <a:schemeClr val="accent1"/>
-            </a:solidFill>
-            <a:ln w="12700" cap="sq" cmpd="sng" algn="ctr">
-              <a:solidFill>
-                <a:schemeClr val="tx1"/>
-              </a:solidFill>
-              <a:prstDash val="solid"/>
-              <a:round/>
-              <a:headEnd type="none" w="sm" len="sm"/>
-              <a:tailEnd type="none" w="sm" len="sm"/>
-            </a:ln>
-            <a:effectLst/>
-            <a:extLst>
-              <a:ext uri="{AF507438-7753-43e0-B8FC-AC1667EBCBE1}">
-                <a14:hiddenEffects xmlns:a14="http://schemas.microsoft.com/office/drawing/2010/main" xmlns="">
-                  <a:effectLst>
-                    <a:outerShdw dist="35921" dir="2700000" algn="ctr" rotWithShape="0">
-                      <a:schemeClr val="bg2"/>
-                    </a:outerShdw>
-                  </a:effectLst>
-                </a14:hiddenEffects>
-              </a:ext>
-            </a:extLst>
-          </p:spPr>
-        </p:cxnSp>
-        <p:cxnSp>
-          <p:nvCxnSpPr>
-            <p:cNvPr id="125" name="Straight Connector 124"/>
-            <p:cNvCxnSpPr>
-              <a:stCxn id="108" idx="2"/>
-              <a:endCxn id="102" idx="6"/>
-            </p:cNvCxnSpPr>
-            <p:nvPr/>
-          </p:nvCxnSpPr>
-          <p:spPr bwMode="auto">
-            <a:xfrm flipH="1" flipV="1">
-              <a:off x="4449644" y="1791942"/>
-              <a:ext cx="567558" cy="930290"/>
-            </a:xfrm>
-            <a:prstGeom prst="line">
-              <a:avLst/>
-            </a:prstGeom>
-            <a:solidFill>
-              <a:schemeClr val="accent1"/>
-            </a:solidFill>
-            <a:ln w="12700" cap="sq" cmpd="sng" algn="ctr">
-              <a:solidFill>
-                <a:schemeClr val="tx1"/>
-              </a:solidFill>
-              <a:prstDash val="solid"/>
-              <a:round/>
-              <a:headEnd type="none" w="sm" len="sm"/>
-              <a:tailEnd type="none" w="sm" len="sm"/>
-            </a:ln>
-            <a:effectLst/>
-            <a:extLst>
-              <a:ext uri="{AF507438-7753-43e0-B8FC-AC1667EBCBE1}">
-                <a14:hiddenEffects xmlns:a14="http://schemas.microsoft.com/office/drawing/2010/main" xmlns="">
-                  <a:effectLst>
-                    <a:outerShdw dist="35921" dir="2700000" algn="ctr" rotWithShape="0">
-                      <a:schemeClr val="bg2"/>
-                    </a:outerShdw>
-                  </a:effectLst>
-                </a14:hiddenEffects>
-              </a:ext>
-            </a:extLst>
-          </p:spPr>
-        </p:cxnSp>
-        <p:cxnSp>
-          <p:nvCxnSpPr>
-            <p:cNvPr id="126" name="Straight Connector 125"/>
-            <p:cNvCxnSpPr>
-              <a:stCxn id="110" idx="2"/>
-              <a:endCxn id="102" idx="6"/>
-            </p:cNvCxnSpPr>
-            <p:nvPr/>
-          </p:nvCxnSpPr>
-          <p:spPr bwMode="auto">
-            <a:xfrm flipH="1" flipV="1">
-              <a:off x="4449644" y="1791942"/>
-              <a:ext cx="566656" cy="1394984"/>
-            </a:xfrm>
-            <a:prstGeom prst="line">
-              <a:avLst/>
-            </a:prstGeom>
-            <a:solidFill>
-              <a:schemeClr val="accent1"/>
-            </a:solidFill>
-            <a:ln w="12700" cap="sq" cmpd="sng" algn="ctr">
-              <a:solidFill>
-                <a:schemeClr val="tx1"/>
-              </a:solidFill>
-              <a:prstDash val="solid"/>
-              <a:round/>
-              <a:headEnd type="none" w="sm" len="sm"/>
-              <a:tailEnd type="none" w="sm" len="sm"/>
-            </a:ln>
-            <a:effectLst/>
-            <a:extLst>
-              <a:ext uri="{AF507438-7753-43e0-B8FC-AC1667EBCBE1}">
-                <a14:hiddenEffects xmlns:a14="http://schemas.microsoft.com/office/drawing/2010/main" xmlns="">
-                  <a:effectLst>
-                    <a:outerShdw dist="35921" dir="2700000" algn="ctr" rotWithShape="0">
-                      <a:schemeClr val="bg2"/>
-                    </a:outerShdw>
-                  </a:effectLst>
-                </a14:hiddenEffects>
-              </a:ext>
-            </a:extLst>
-          </p:spPr>
-        </p:cxnSp>
-        <p:cxnSp>
-          <p:nvCxnSpPr>
-            <p:cNvPr id="127" name="Straight Connector 126"/>
-            <p:cNvCxnSpPr>
-              <a:stCxn id="107" idx="2"/>
-              <a:endCxn id="104" idx="6"/>
-            </p:cNvCxnSpPr>
-            <p:nvPr/>
-          </p:nvCxnSpPr>
-          <p:spPr bwMode="auto">
-            <a:xfrm flipH="1">
-              <a:off x="4449644" y="1791040"/>
-              <a:ext cx="567558" cy="467401"/>
-            </a:xfrm>
-            <a:prstGeom prst="line">
-              <a:avLst/>
-            </a:prstGeom>
-            <a:solidFill>
-              <a:schemeClr val="accent1"/>
-            </a:solidFill>
-            <a:ln w="12700" cap="sq" cmpd="sng" algn="ctr">
-              <a:solidFill>
-                <a:schemeClr val="tx1"/>
-              </a:solidFill>
-              <a:prstDash val="solid"/>
-              <a:round/>
-              <a:headEnd type="none" w="sm" len="sm"/>
-              <a:tailEnd type="none" w="sm" len="sm"/>
-            </a:ln>
-            <a:effectLst/>
-            <a:extLst>
-              <a:ext uri="{AF507438-7753-43e0-B8FC-AC1667EBCBE1}">
-                <a14:hiddenEffects xmlns:a14="http://schemas.microsoft.com/office/drawing/2010/main" xmlns="">
-                  <a:effectLst>
-                    <a:outerShdw dist="35921" dir="2700000" algn="ctr" rotWithShape="0">
-                      <a:schemeClr val="bg2"/>
-                    </a:outerShdw>
-                  </a:effectLst>
-                </a14:hiddenEffects>
-              </a:ext>
-            </a:extLst>
-          </p:spPr>
-        </p:cxnSp>
-        <p:cxnSp>
-          <p:nvCxnSpPr>
-            <p:cNvPr id="128" name="Straight Connector 127"/>
-            <p:cNvCxnSpPr>
-              <a:stCxn id="109" idx="2"/>
-              <a:endCxn id="104" idx="6"/>
-            </p:cNvCxnSpPr>
-            <p:nvPr/>
-          </p:nvCxnSpPr>
-          <p:spPr bwMode="auto">
-            <a:xfrm flipH="1">
-              <a:off x="4449644" y="2257539"/>
-              <a:ext cx="567558" cy="902"/>
-            </a:xfrm>
-            <a:prstGeom prst="line">
-              <a:avLst/>
-            </a:prstGeom>
-            <a:solidFill>
-              <a:schemeClr val="accent1"/>
-            </a:solidFill>
-            <a:ln w="12700" cap="sq" cmpd="sng" algn="ctr">
-              <a:solidFill>
-                <a:schemeClr val="tx1"/>
-              </a:solidFill>
-              <a:prstDash val="solid"/>
-              <a:round/>
-              <a:headEnd type="none" w="sm" len="sm"/>
-              <a:tailEnd type="none" w="sm" len="sm"/>
-            </a:ln>
-            <a:effectLst/>
-            <a:extLst>
-              <a:ext uri="{AF507438-7753-43e0-B8FC-AC1667EBCBE1}">
-                <a14:hiddenEffects xmlns:a14="http://schemas.microsoft.com/office/drawing/2010/main" xmlns="">
-                  <a:effectLst>
-                    <a:outerShdw dist="35921" dir="2700000" algn="ctr" rotWithShape="0">
-                      <a:schemeClr val="bg2"/>
-                    </a:outerShdw>
-                  </a:effectLst>
-                </a14:hiddenEffects>
-              </a:ext>
-            </a:extLst>
-          </p:spPr>
-        </p:cxnSp>
-        <p:cxnSp>
-          <p:nvCxnSpPr>
-            <p:cNvPr id="129" name="Straight Connector 128"/>
-            <p:cNvCxnSpPr>
-              <a:stCxn id="108" idx="2"/>
-              <a:endCxn id="104" idx="6"/>
-            </p:cNvCxnSpPr>
-            <p:nvPr/>
-          </p:nvCxnSpPr>
-          <p:spPr bwMode="auto">
-            <a:xfrm flipH="1" flipV="1">
-              <a:off x="4449644" y="2258441"/>
-              <a:ext cx="567558" cy="463791"/>
-            </a:xfrm>
-            <a:prstGeom prst="line">
-              <a:avLst/>
-            </a:prstGeom>
-            <a:solidFill>
-              <a:schemeClr val="accent1"/>
-            </a:solidFill>
-            <a:ln w="12700" cap="sq" cmpd="sng" algn="ctr">
-              <a:solidFill>
-                <a:schemeClr val="tx1"/>
-              </a:solidFill>
-              <a:prstDash val="solid"/>
-              <a:round/>
-              <a:headEnd type="none" w="sm" len="sm"/>
-              <a:tailEnd type="none" w="sm" len="sm"/>
-            </a:ln>
-            <a:effectLst/>
-            <a:extLst>
-              <a:ext uri="{AF507438-7753-43e0-B8FC-AC1667EBCBE1}">
-                <a14:hiddenEffects xmlns:a14="http://schemas.microsoft.com/office/drawing/2010/main" xmlns="">
-                  <a:effectLst>
-                    <a:outerShdw dist="35921" dir="2700000" algn="ctr" rotWithShape="0">
-                      <a:schemeClr val="bg2"/>
-                    </a:outerShdw>
-                  </a:effectLst>
-                </a14:hiddenEffects>
-              </a:ext>
-            </a:extLst>
-          </p:spPr>
-        </p:cxnSp>
-        <p:cxnSp>
-          <p:nvCxnSpPr>
-            <p:cNvPr id="130" name="Straight Connector 129"/>
-            <p:cNvCxnSpPr>
-              <a:stCxn id="110" idx="2"/>
-              <a:endCxn id="104" idx="6"/>
-            </p:cNvCxnSpPr>
-            <p:nvPr/>
-          </p:nvCxnSpPr>
-          <p:spPr bwMode="auto">
-            <a:xfrm flipH="1" flipV="1">
-              <a:off x="4449644" y="2258441"/>
-              <a:ext cx="566656" cy="928485"/>
-            </a:xfrm>
-            <a:prstGeom prst="line">
-              <a:avLst/>
-            </a:prstGeom>
-            <a:solidFill>
-              <a:schemeClr val="accent1"/>
-            </a:solidFill>
-            <a:ln w="12700" cap="sq" cmpd="sng" algn="ctr">
-              <a:solidFill>
-                <a:schemeClr val="tx1"/>
-              </a:solidFill>
-              <a:prstDash val="solid"/>
-              <a:round/>
-              <a:headEnd type="none" w="sm" len="sm"/>
-              <a:tailEnd type="none" w="sm" len="sm"/>
-            </a:ln>
-            <a:effectLst/>
-            <a:extLst>
-              <a:ext uri="{AF507438-7753-43e0-B8FC-AC1667EBCBE1}">
-                <a14:hiddenEffects xmlns:a14="http://schemas.microsoft.com/office/drawing/2010/main" xmlns="">
-                  <a:effectLst>
-                    <a:outerShdw dist="35921" dir="2700000" algn="ctr" rotWithShape="0">
-                      <a:schemeClr val="bg2"/>
-                    </a:outerShdw>
-                  </a:effectLst>
-                </a14:hiddenEffects>
-              </a:ext>
-            </a:extLst>
-          </p:spPr>
-        </p:cxnSp>
-        <p:cxnSp>
-          <p:nvCxnSpPr>
-            <p:cNvPr id="131" name="Straight Connector 130"/>
-            <p:cNvCxnSpPr>
-              <a:stCxn id="107" idx="2"/>
-              <a:endCxn id="103" idx="6"/>
-            </p:cNvCxnSpPr>
-            <p:nvPr/>
-          </p:nvCxnSpPr>
-          <p:spPr bwMode="auto">
-            <a:xfrm flipH="1">
-              <a:off x="4449644" y="1791040"/>
-              <a:ext cx="567558" cy="932094"/>
-            </a:xfrm>
-            <a:prstGeom prst="line">
-              <a:avLst/>
-            </a:prstGeom>
-            <a:solidFill>
-              <a:schemeClr val="accent1"/>
-            </a:solidFill>
-            <a:ln w="12700" cap="sq" cmpd="sng" algn="ctr">
-              <a:solidFill>
-                <a:schemeClr val="tx1"/>
-              </a:solidFill>
-              <a:prstDash val="solid"/>
-              <a:round/>
-              <a:headEnd type="none" w="sm" len="sm"/>
-              <a:tailEnd type="none" w="sm" len="sm"/>
-            </a:ln>
-            <a:effectLst/>
-            <a:extLst>
-              <a:ext uri="{AF507438-7753-43e0-B8FC-AC1667EBCBE1}">
-                <a14:hiddenEffects xmlns:a14="http://schemas.microsoft.com/office/drawing/2010/main" xmlns="">
-                  <a:effectLst>
-                    <a:outerShdw dist="35921" dir="2700000" algn="ctr" rotWithShape="0">
-                      <a:schemeClr val="bg2"/>
-                    </a:outerShdw>
-                  </a:effectLst>
-                </a14:hiddenEffects>
-              </a:ext>
-            </a:extLst>
-          </p:spPr>
-        </p:cxnSp>
-        <p:cxnSp>
-          <p:nvCxnSpPr>
-            <p:cNvPr id="132" name="Straight Connector 131"/>
-            <p:cNvCxnSpPr>
-              <a:stCxn id="109" idx="2"/>
-              <a:endCxn id="103" idx="6"/>
-            </p:cNvCxnSpPr>
-            <p:nvPr/>
-          </p:nvCxnSpPr>
-          <p:spPr bwMode="auto">
-            <a:xfrm flipH="1">
-              <a:off x="4449644" y="2257539"/>
-              <a:ext cx="567558" cy="465596"/>
-            </a:xfrm>
-            <a:prstGeom prst="line">
-              <a:avLst/>
-            </a:prstGeom>
-            <a:solidFill>
-              <a:schemeClr val="accent1"/>
-            </a:solidFill>
-            <a:ln w="12700" cap="sq" cmpd="sng" algn="ctr">
-              <a:solidFill>
-                <a:schemeClr val="tx1"/>
-              </a:solidFill>
-              <a:prstDash val="solid"/>
-              <a:round/>
-              <a:headEnd type="none" w="sm" len="sm"/>
-              <a:tailEnd type="none" w="sm" len="sm"/>
-            </a:ln>
-            <a:effectLst/>
-            <a:extLst>
-              <a:ext uri="{AF507438-7753-43e0-B8FC-AC1667EBCBE1}">
-                <a14:hiddenEffects xmlns:a14="http://schemas.microsoft.com/office/drawing/2010/main" xmlns="">
-                  <a:effectLst>
-                    <a:outerShdw dist="35921" dir="2700000" algn="ctr" rotWithShape="0">
-                      <a:schemeClr val="bg2"/>
-                    </a:outerShdw>
-                  </a:effectLst>
-                </a14:hiddenEffects>
-              </a:ext>
-            </a:extLst>
-          </p:spPr>
-        </p:cxnSp>
-        <p:cxnSp>
-          <p:nvCxnSpPr>
-            <p:cNvPr id="133" name="Straight Connector 132"/>
-            <p:cNvCxnSpPr>
-              <a:stCxn id="108" idx="2"/>
-              <a:endCxn id="103" idx="6"/>
-            </p:cNvCxnSpPr>
-            <p:nvPr/>
-          </p:nvCxnSpPr>
-          <p:spPr bwMode="auto">
-            <a:xfrm flipH="1">
-              <a:off x="4449644" y="2722233"/>
-              <a:ext cx="567558" cy="902"/>
-            </a:xfrm>
-            <a:prstGeom prst="line">
-              <a:avLst/>
-            </a:prstGeom>
-            <a:solidFill>
-              <a:schemeClr val="accent1"/>
-            </a:solidFill>
-            <a:ln w="12700" cap="sq" cmpd="sng" algn="ctr">
-              <a:solidFill>
-                <a:schemeClr val="tx1"/>
-              </a:solidFill>
-              <a:prstDash val="solid"/>
-              <a:round/>
-              <a:headEnd type="none" w="sm" len="sm"/>
-              <a:tailEnd type="none" w="sm" len="sm"/>
-            </a:ln>
-            <a:effectLst/>
-            <a:extLst>
-              <a:ext uri="{AF507438-7753-43e0-B8FC-AC1667EBCBE1}">
-                <a14:hiddenEffects xmlns:a14="http://schemas.microsoft.com/office/drawing/2010/main" xmlns="">
-                  <a:effectLst>
-                    <a:outerShdw dist="35921" dir="2700000" algn="ctr" rotWithShape="0">
-                      <a:schemeClr val="bg2"/>
-                    </a:outerShdw>
-                  </a:effectLst>
-                </a14:hiddenEffects>
-              </a:ext>
-            </a:extLst>
-          </p:spPr>
-        </p:cxnSp>
-        <p:cxnSp>
-          <p:nvCxnSpPr>
-            <p:cNvPr id="134" name="Straight Connector 133"/>
-            <p:cNvCxnSpPr>
-              <a:stCxn id="110" idx="2"/>
-              <a:endCxn id="103" idx="6"/>
-            </p:cNvCxnSpPr>
-            <p:nvPr/>
-          </p:nvCxnSpPr>
-          <p:spPr bwMode="auto">
-            <a:xfrm flipH="1" flipV="1">
-              <a:off x="4449644" y="2723135"/>
-              <a:ext cx="566656" cy="463791"/>
-            </a:xfrm>
-            <a:prstGeom prst="line">
-              <a:avLst/>
-            </a:prstGeom>
-            <a:solidFill>
-              <a:schemeClr val="accent1"/>
-            </a:solidFill>
-            <a:ln w="12700" cap="sq" cmpd="sng" algn="ctr">
-              <a:solidFill>
-                <a:schemeClr val="tx1"/>
-              </a:solidFill>
-              <a:prstDash val="solid"/>
-              <a:round/>
-              <a:headEnd type="none" w="sm" len="sm"/>
-              <a:tailEnd type="none" w="sm" len="sm"/>
-            </a:ln>
-            <a:effectLst/>
-            <a:extLst>
-              <a:ext uri="{AF507438-7753-43e0-B8FC-AC1667EBCBE1}">
-                <a14:hiddenEffects xmlns:a14="http://schemas.microsoft.com/office/drawing/2010/main" xmlns="">
-                  <a:effectLst>
-                    <a:outerShdw dist="35921" dir="2700000" algn="ctr" rotWithShape="0">
-                      <a:schemeClr val="bg2"/>
-                    </a:outerShdw>
-                  </a:effectLst>
-                </a14:hiddenEffects>
-              </a:ext>
-            </a:extLst>
-          </p:spPr>
-        </p:cxnSp>
-        <p:cxnSp>
-          <p:nvCxnSpPr>
-            <p:cNvPr id="135" name="Straight Connector 134"/>
-            <p:cNvCxnSpPr>
-              <a:stCxn id="107" idx="2"/>
-              <a:endCxn id="106" idx="6"/>
-            </p:cNvCxnSpPr>
-            <p:nvPr/>
-          </p:nvCxnSpPr>
-          <p:spPr bwMode="auto">
-            <a:xfrm flipH="1">
-              <a:off x="4448742" y="1791040"/>
-              <a:ext cx="568460" cy="1396788"/>
-            </a:xfrm>
-            <a:prstGeom prst="line">
-              <a:avLst/>
-            </a:prstGeom>
-            <a:solidFill>
-              <a:schemeClr val="accent1"/>
-            </a:solidFill>
-            <a:ln w="12700" cap="sq" cmpd="sng" algn="ctr">
-              <a:solidFill>
-                <a:schemeClr val="tx1"/>
-              </a:solidFill>
-              <a:prstDash val="solid"/>
-              <a:round/>
-              <a:headEnd type="none" w="sm" len="sm"/>
-              <a:tailEnd type="none" w="sm" len="sm"/>
-            </a:ln>
-            <a:effectLst/>
-            <a:extLst>
-              <a:ext uri="{AF507438-7753-43e0-B8FC-AC1667EBCBE1}">
-                <a14:hiddenEffects xmlns:a14="http://schemas.microsoft.com/office/drawing/2010/main" xmlns="">
-                  <a:effectLst>
-                    <a:outerShdw dist="35921" dir="2700000" algn="ctr" rotWithShape="0">
-                      <a:schemeClr val="bg2"/>
-                    </a:outerShdw>
-                  </a:effectLst>
-                </a14:hiddenEffects>
-              </a:ext>
-            </a:extLst>
-          </p:spPr>
-        </p:cxnSp>
-        <p:cxnSp>
-          <p:nvCxnSpPr>
-            <p:cNvPr id="136" name="Straight Connector 135"/>
-            <p:cNvCxnSpPr>
-              <a:stCxn id="109" idx="2"/>
-              <a:endCxn id="106" idx="6"/>
-            </p:cNvCxnSpPr>
-            <p:nvPr/>
-          </p:nvCxnSpPr>
-          <p:spPr bwMode="auto">
-            <a:xfrm flipH="1">
-              <a:off x="4448742" y="2257539"/>
-              <a:ext cx="568460" cy="930289"/>
-            </a:xfrm>
-            <a:prstGeom prst="line">
-              <a:avLst/>
-            </a:prstGeom>
-            <a:solidFill>
-              <a:schemeClr val="accent1"/>
-            </a:solidFill>
-            <a:ln w="12700" cap="sq" cmpd="sng" algn="ctr">
-              <a:solidFill>
-                <a:schemeClr val="tx1"/>
-              </a:solidFill>
-              <a:prstDash val="solid"/>
-              <a:round/>
-              <a:headEnd type="none" w="sm" len="sm"/>
-              <a:tailEnd type="none" w="sm" len="sm"/>
-            </a:ln>
-            <a:effectLst/>
-            <a:extLst>
-              <a:ext uri="{AF507438-7753-43e0-B8FC-AC1667EBCBE1}">
-                <a14:hiddenEffects xmlns:a14="http://schemas.microsoft.com/office/drawing/2010/main" xmlns="">
-                  <a:effectLst>
-                    <a:outerShdw dist="35921" dir="2700000" algn="ctr" rotWithShape="0">
-                      <a:schemeClr val="bg2"/>
-                    </a:outerShdw>
-                  </a:effectLst>
-                </a14:hiddenEffects>
-              </a:ext>
-            </a:extLst>
-          </p:spPr>
-        </p:cxnSp>
-        <p:cxnSp>
-          <p:nvCxnSpPr>
-            <p:cNvPr id="137" name="Straight Connector 136"/>
-            <p:cNvCxnSpPr>
-              <a:stCxn id="108" idx="2"/>
-              <a:endCxn id="106" idx="6"/>
-            </p:cNvCxnSpPr>
-            <p:nvPr/>
-          </p:nvCxnSpPr>
-          <p:spPr bwMode="auto">
-            <a:xfrm flipH="1">
-              <a:off x="4448742" y="2722233"/>
-              <a:ext cx="568460" cy="465596"/>
-            </a:xfrm>
-            <a:prstGeom prst="line">
-              <a:avLst/>
-            </a:prstGeom>
-            <a:solidFill>
-              <a:schemeClr val="accent1"/>
-            </a:solidFill>
-            <a:ln w="12700" cap="sq" cmpd="sng" algn="ctr">
-              <a:solidFill>
-                <a:schemeClr val="tx1"/>
-              </a:solidFill>
-              <a:prstDash val="solid"/>
-              <a:round/>
-              <a:headEnd type="none" w="sm" len="sm"/>
-              <a:tailEnd type="none" w="sm" len="sm"/>
-            </a:ln>
-            <a:effectLst/>
-            <a:extLst>
-              <a:ext uri="{AF507438-7753-43e0-B8FC-AC1667EBCBE1}">
-                <a14:hiddenEffects xmlns:a14="http://schemas.microsoft.com/office/drawing/2010/main" xmlns="">
-                  <a:effectLst>
-                    <a:outerShdw dist="35921" dir="2700000" algn="ctr" rotWithShape="0">
-                      <a:schemeClr val="bg2"/>
-                    </a:outerShdw>
-                  </a:effectLst>
-                </a14:hiddenEffects>
-              </a:ext>
-            </a:extLst>
-          </p:spPr>
-        </p:cxnSp>
-        <p:cxnSp>
-          <p:nvCxnSpPr>
-            <p:cNvPr id="138" name="Straight Connector 137"/>
-            <p:cNvCxnSpPr>
-              <a:stCxn id="110" idx="2"/>
-              <a:endCxn id="106" idx="6"/>
-            </p:cNvCxnSpPr>
-            <p:nvPr/>
-          </p:nvCxnSpPr>
-          <p:spPr bwMode="auto">
-            <a:xfrm flipH="1">
-              <a:off x="4448742" y="3186926"/>
-              <a:ext cx="567558" cy="902"/>
-            </a:xfrm>
-            <a:prstGeom prst="line">
-              <a:avLst/>
-            </a:prstGeom>
-            <a:solidFill>
-              <a:schemeClr val="accent1"/>
-            </a:solidFill>
-            <a:ln w="12700" cap="sq" cmpd="sng" algn="ctr">
-              <a:solidFill>
-                <a:schemeClr val="tx1"/>
-              </a:solidFill>
-              <a:prstDash val="solid"/>
-              <a:round/>
-              <a:headEnd type="none" w="sm" len="sm"/>
-              <a:tailEnd type="none" w="sm" len="sm"/>
-            </a:ln>
-            <a:effectLst/>
-            <a:extLst>
-              <a:ext uri="{AF507438-7753-43e0-B8FC-AC1667EBCBE1}">
-                <a14:hiddenEffects xmlns:a14="http://schemas.microsoft.com/office/drawing/2010/main" xmlns="">
-                  <a:effectLst>
-                    <a:outerShdw dist="35921" dir="2700000" algn="ctr" rotWithShape="0">
-                      <a:schemeClr val="bg2"/>
-                    </a:outerShdw>
-                  </a:effectLst>
-                </a14:hiddenEffects>
-              </a:ext>
-            </a:extLst>
-          </p:spPr>
-        </p:cxnSp>
-        <p:cxnSp>
-          <p:nvCxnSpPr>
-            <p:cNvPr id="139" name="Straight Connector 138"/>
-            <p:cNvCxnSpPr>
-              <a:stCxn id="107" idx="6"/>
-              <a:endCxn id="111" idx="2"/>
-            </p:cNvCxnSpPr>
-            <p:nvPr/>
-          </p:nvCxnSpPr>
-          <p:spPr bwMode="auto">
-            <a:xfrm>
-              <a:off x="5271656" y="1791040"/>
-              <a:ext cx="491763" cy="284083"/>
-            </a:xfrm>
-            <a:prstGeom prst="line">
-              <a:avLst/>
-            </a:prstGeom>
-            <a:solidFill>
-              <a:schemeClr val="accent1"/>
-            </a:solidFill>
-            <a:ln w="12700" cap="sq" cmpd="sng" algn="ctr">
-              <a:solidFill>
-                <a:schemeClr val="tx1"/>
-              </a:solidFill>
-              <a:prstDash val="solid"/>
-              <a:round/>
-              <a:headEnd type="none" w="sm" len="sm"/>
-              <a:tailEnd type="none" w="sm" len="sm"/>
-            </a:ln>
-            <a:effectLst/>
-            <a:extLst>
-              <a:ext uri="{AF507438-7753-43e0-B8FC-AC1667EBCBE1}">
-                <a14:hiddenEffects xmlns:a14="http://schemas.microsoft.com/office/drawing/2010/main" xmlns="">
-                  <a:effectLst>
-                    <a:outerShdw dist="35921" dir="2700000" algn="ctr" rotWithShape="0">
-                      <a:schemeClr val="bg2"/>
-                    </a:outerShdw>
-                  </a:effectLst>
-                </a14:hiddenEffects>
-              </a:ext>
-            </a:extLst>
-          </p:spPr>
-        </p:cxnSp>
-        <p:cxnSp>
-          <p:nvCxnSpPr>
-            <p:cNvPr id="140" name="Straight Connector 139"/>
-            <p:cNvCxnSpPr>
-              <a:stCxn id="109" idx="6"/>
-              <a:endCxn id="111" idx="2"/>
-            </p:cNvCxnSpPr>
-            <p:nvPr/>
-          </p:nvCxnSpPr>
-          <p:spPr bwMode="auto">
-            <a:xfrm flipV="1">
-              <a:off x="5271656" y="2075123"/>
-              <a:ext cx="491763" cy="182416"/>
-            </a:xfrm>
-            <a:prstGeom prst="line">
-              <a:avLst/>
-            </a:prstGeom>
-            <a:solidFill>
-              <a:schemeClr val="accent1"/>
-            </a:solidFill>
-            <a:ln w="12700" cap="sq" cmpd="sng" algn="ctr">
-              <a:solidFill>
-                <a:schemeClr val="tx1"/>
-              </a:solidFill>
-              <a:prstDash val="solid"/>
-              <a:round/>
-              <a:headEnd type="none" w="sm" len="sm"/>
-              <a:tailEnd type="none" w="sm" len="sm"/>
-            </a:ln>
-            <a:effectLst/>
-            <a:extLst>
-              <a:ext uri="{AF507438-7753-43e0-B8FC-AC1667EBCBE1}">
-                <a14:hiddenEffects xmlns:a14="http://schemas.microsoft.com/office/drawing/2010/main" xmlns="">
-                  <a:effectLst>
-                    <a:outerShdw dist="35921" dir="2700000" algn="ctr" rotWithShape="0">
-                      <a:schemeClr val="bg2"/>
-                    </a:outerShdw>
-                  </a:effectLst>
-                </a14:hiddenEffects>
-              </a:ext>
-            </a:extLst>
-          </p:spPr>
-        </p:cxnSp>
-        <p:cxnSp>
-          <p:nvCxnSpPr>
-            <p:cNvPr id="141" name="Straight Connector 140"/>
-            <p:cNvCxnSpPr>
-              <a:stCxn id="108" idx="6"/>
-              <a:endCxn id="111" idx="2"/>
-            </p:cNvCxnSpPr>
-            <p:nvPr/>
-          </p:nvCxnSpPr>
-          <p:spPr bwMode="auto">
-            <a:xfrm flipV="1">
-              <a:off x="5271656" y="2075123"/>
-              <a:ext cx="491763" cy="647110"/>
-            </a:xfrm>
-            <a:prstGeom prst="line">
-              <a:avLst/>
-            </a:prstGeom>
-            <a:solidFill>
-              <a:schemeClr val="accent1"/>
-            </a:solidFill>
-            <a:ln w="12700" cap="sq" cmpd="sng" algn="ctr">
-              <a:solidFill>
-                <a:schemeClr val="tx1"/>
-              </a:solidFill>
-              <a:prstDash val="solid"/>
-              <a:round/>
-              <a:headEnd type="none" w="sm" len="sm"/>
-              <a:tailEnd type="none" w="sm" len="sm"/>
-            </a:ln>
-            <a:effectLst/>
-            <a:extLst>
-              <a:ext uri="{AF507438-7753-43e0-B8FC-AC1667EBCBE1}">
-                <a14:hiddenEffects xmlns:a14="http://schemas.microsoft.com/office/drawing/2010/main" xmlns="">
-                  <a:effectLst>
-                    <a:outerShdw dist="35921" dir="2700000" algn="ctr" rotWithShape="0">
-                      <a:schemeClr val="bg2"/>
-                    </a:outerShdw>
-                  </a:effectLst>
-                </a14:hiddenEffects>
-              </a:ext>
-            </a:extLst>
-          </p:spPr>
-        </p:cxnSp>
-        <p:cxnSp>
-          <p:nvCxnSpPr>
-            <p:cNvPr id="142" name="Straight Connector 141"/>
-            <p:cNvCxnSpPr>
-              <a:stCxn id="110" idx="6"/>
-              <a:endCxn id="111" idx="2"/>
-            </p:cNvCxnSpPr>
-            <p:nvPr/>
-          </p:nvCxnSpPr>
-          <p:spPr bwMode="auto">
-            <a:xfrm flipV="1">
-              <a:off x="5270754" y="2075123"/>
-              <a:ext cx="492665" cy="1111803"/>
-            </a:xfrm>
-            <a:prstGeom prst="line">
-              <a:avLst/>
-            </a:prstGeom>
-            <a:solidFill>
-              <a:schemeClr val="accent1"/>
-            </a:solidFill>
-            <a:ln w="12700" cap="sq" cmpd="sng" algn="ctr">
-              <a:solidFill>
-                <a:schemeClr val="tx1"/>
-              </a:solidFill>
-              <a:prstDash val="solid"/>
-              <a:round/>
-              <a:headEnd type="none" w="sm" len="sm"/>
-              <a:tailEnd type="none" w="sm" len="sm"/>
-            </a:ln>
-            <a:effectLst/>
-            <a:extLst>
-              <a:ext uri="{AF507438-7753-43e0-B8FC-AC1667EBCBE1}">
-                <a14:hiddenEffects xmlns:a14="http://schemas.microsoft.com/office/drawing/2010/main" xmlns="">
-                  <a:effectLst>
-                    <a:outerShdw dist="35921" dir="2700000" algn="ctr" rotWithShape="0">
-                      <a:schemeClr val="bg2"/>
-                    </a:outerShdw>
-                  </a:effectLst>
-                </a14:hiddenEffects>
-              </a:ext>
-            </a:extLst>
-          </p:spPr>
-        </p:cxnSp>
-        <p:sp>
-          <p:nvSpPr>
-            <p:cNvPr id="143" name="Rounded Rectangle 142"/>
-            <p:cNvSpPr/>
-            <p:nvPr/>
-          </p:nvSpPr>
-          <p:spPr bwMode="auto">
-            <a:xfrm>
-              <a:off x="3276600" y="1748631"/>
-              <a:ext cx="563107" cy="1526723"/>
-            </a:xfrm>
-            <a:prstGeom prst="roundRect">
-              <a:avLst/>
-            </a:prstGeom>
-            <a:noFill/>
-            <a:ln w="28575" cap="sq" cmpd="sng" algn="ctr">
-              <a:solidFill>
-                <a:srgbClr val="00B050"/>
-              </a:solidFill>
-              <a:prstDash val="solid"/>
-              <a:round/>
-              <a:headEnd type="none" w="sm" len="sm"/>
-              <a:tailEnd type="none" w="sm" len="sm"/>
-            </a:ln>
-            <a:effectLst/>
-            <a:extLst>
-              <a:ext uri="{AF507438-7753-43e0-B8FC-AC1667EBCBE1}">
-                <a14:hiddenEffects xmlns:a14="http://schemas.microsoft.com/office/drawing/2010/main" xmlns="">
-                  <a:effectLst>
-                    <a:outerShdw dist="35921" dir="2700000" algn="ctr" rotWithShape="0">
-                      <a:schemeClr val="bg2"/>
-                    </a:outerShdw>
-                  </a:effectLst>
-                </a14:hiddenEffects>
-              </a:ext>
-            </a:extLst>
-          </p:spPr>
-          <p:txBody>
-            <a:bodyPr vert="horz" wrap="square" lIns="91440" tIns="45720" rIns="91440" bIns="45720" numCol="1" rtlCol="0" anchor="t" anchorCtr="0" compatLnSpc="1">
-              <a:prstTxWarp prst="textNoShape">
-                <a:avLst/>
-              </a:prstTxWarp>
-            </a:bodyPr>
-            <a:lstStyle/>
-            <a:p>
-              <a:pPr marL="0" marR="0" indent="0" algn="l" defTabSz="914400" rtl="0" eaLnBrk="0" fontAlgn="base" latinLnBrk="0" hangingPunct="0">
-                <a:lnSpc>
-                  <a:spcPct val="100000"/>
-                </a:lnSpc>
-                <a:spcBef>
-                  <a:spcPct val="0"/>
-                </a:spcBef>
-                <a:spcAft>
-                  <a:spcPct val="0"/>
-                </a:spcAft>
-                <a:buClrTx/>
-                <a:buSzTx/>
-                <a:buFontTx/>
-                <a:buNone/>
-                <a:tabLst/>
-              </a:pPr>
-              <a:endParaRPr kumimoji="1" lang="en-US" sz="1000" b="0" i="0" u="none" strike="noStrike" cap="none" normalizeH="0" baseline="0">
-                <a:ln>
-                  <a:noFill/>
-                </a:ln>
-                <a:solidFill>
-                  <a:schemeClr val="tx1"/>
-                </a:solidFill>
-                <a:effectLst/>
-                <a:latin typeface="Arial" charset="0"/>
-              </a:endParaRPr>
-            </a:p>
-          </p:txBody>
-        </p:sp>
-        <p:sp>
-          <p:nvSpPr>
-            <p:cNvPr id="144" name="Rounded Rectangle 143"/>
-            <p:cNvSpPr/>
-            <p:nvPr/>
-          </p:nvSpPr>
-          <p:spPr bwMode="auto">
-            <a:xfrm>
-              <a:off x="4039510" y="1600200"/>
-              <a:ext cx="563107" cy="1908403"/>
-            </a:xfrm>
-            <a:prstGeom prst="roundRect">
-              <a:avLst/>
-            </a:prstGeom>
-            <a:noFill/>
-            <a:ln w="28575" cap="sq" cmpd="sng" algn="ctr">
-              <a:solidFill>
-                <a:schemeClr val="accent1"/>
-              </a:solidFill>
-              <a:prstDash val="solid"/>
-              <a:round/>
-              <a:headEnd type="none" w="sm" len="sm"/>
-              <a:tailEnd type="none" w="sm" len="sm"/>
-            </a:ln>
-            <a:effectLst/>
-            <a:extLst>
-              <a:ext uri="{AF507438-7753-43e0-B8FC-AC1667EBCBE1}">
-                <a14:hiddenEffects xmlns:a14="http://schemas.microsoft.com/office/drawing/2010/main" xmlns="">
-                  <a:effectLst>
-                    <a:outerShdw dist="35921" dir="2700000" algn="ctr" rotWithShape="0">
-                      <a:schemeClr val="bg2"/>
-                    </a:outerShdw>
-                  </a:effectLst>
-                </a14:hiddenEffects>
-              </a:ext>
-            </a:extLst>
-          </p:spPr>
-          <p:txBody>
-            <a:bodyPr vert="horz" wrap="square" lIns="91440" tIns="45720" rIns="91440" bIns="45720" numCol="1" rtlCol="0" anchor="t" anchorCtr="0" compatLnSpc="1">
-              <a:prstTxWarp prst="textNoShape">
-                <a:avLst/>
-              </a:prstTxWarp>
-            </a:bodyPr>
-            <a:lstStyle/>
-            <a:p>
-              <a:pPr marL="0" marR="0" indent="0" algn="l" defTabSz="914400" rtl="0" eaLnBrk="0" fontAlgn="base" latinLnBrk="0" hangingPunct="0">
-                <a:lnSpc>
-                  <a:spcPct val="100000"/>
-                </a:lnSpc>
-                <a:spcBef>
-                  <a:spcPct val="0"/>
-                </a:spcBef>
-                <a:spcAft>
-                  <a:spcPct val="0"/>
-                </a:spcAft>
-                <a:buClrTx/>
-                <a:buSzTx/>
-                <a:buFontTx/>
-                <a:buNone/>
-                <a:tabLst/>
-              </a:pPr>
-              <a:endParaRPr kumimoji="1" lang="en-US" sz="1000" b="0" i="0" u="none" strike="noStrike" cap="none" normalizeH="0" baseline="0">
-                <a:ln>
-                  <a:noFill/>
-                </a:ln>
-                <a:solidFill>
-                  <a:schemeClr val="tx1"/>
-                </a:solidFill>
-                <a:effectLst/>
-                <a:latin typeface="Arial" charset="0"/>
-              </a:endParaRPr>
-            </a:p>
-          </p:txBody>
-        </p:sp>
-        <p:sp>
-          <p:nvSpPr>
-            <p:cNvPr id="145" name="Rounded Rectangle 144"/>
-            <p:cNvSpPr/>
-            <p:nvPr/>
-          </p:nvSpPr>
-          <p:spPr bwMode="auto">
-            <a:xfrm>
-              <a:off x="4861973" y="1600200"/>
-              <a:ext cx="563107" cy="1908403"/>
-            </a:xfrm>
-            <a:prstGeom prst="roundRect">
-              <a:avLst/>
-            </a:prstGeom>
-            <a:noFill/>
-            <a:ln w="28575" cap="sq" cmpd="sng" algn="ctr">
-              <a:solidFill>
-                <a:schemeClr val="accent1"/>
-              </a:solidFill>
-              <a:prstDash val="solid"/>
-              <a:round/>
-              <a:headEnd type="none" w="sm" len="sm"/>
-              <a:tailEnd type="none" w="sm" len="sm"/>
-            </a:ln>
-            <a:effectLst/>
-            <a:extLst>
-              <a:ext uri="{AF507438-7753-43e0-B8FC-AC1667EBCBE1}">
-                <a14:hiddenEffects xmlns:a14="http://schemas.microsoft.com/office/drawing/2010/main" xmlns="">
-                  <a:effectLst>
-                    <a:outerShdw dist="35921" dir="2700000" algn="ctr" rotWithShape="0">
-                      <a:schemeClr val="bg2"/>
-                    </a:outerShdw>
-                  </a:effectLst>
-                </a14:hiddenEffects>
-              </a:ext>
-            </a:extLst>
-          </p:spPr>
-          <p:txBody>
-            <a:bodyPr vert="horz" wrap="square" lIns="91440" tIns="45720" rIns="91440" bIns="45720" numCol="1" rtlCol="0" anchor="t" anchorCtr="0" compatLnSpc="1">
-              <a:prstTxWarp prst="textNoShape">
-                <a:avLst/>
-              </a:prstTxWarp>
-            </a:bodyPr>
-            <a:lstStyle/>
-            <a:p>
-              <a:pPr marL="0" marR="0" indent="0" algn="l" defTabSz="914400" rtl="0" eaLnBrk="0" fontAlgn="base" latinLnBrk="0" hangingPunct="0">
-                <a:lnSpc>
-                  <a:spcPct val="100000"/>
-                </a:lnSpc>
-                <a:spcBef>
-                  <a:spcPct val="0"/>
-                </a:spcBef>
-                <a:spcAft>
-                  <a:spcPct val="0"/>
-                </a:spcAft>
-                <a:buClrTx/>
-                <a:buSzTx/>
-                <a:buFontTx/>
-                <a:buNone/>
-                <a:tabLst/>
-              </a:pPr>
-              <a:endParaRPr kumimoji="1" lang="en-US" sz="1000" b="0" i="0" u="none" strike="noStrike" cap="none" normalizeH="0" baseline="0">
-                <a:ln>
-                  <a:noFill/>
-                </a:ln>
-                <a:solidFill>
-                  <a:schemeClr val="tx1"/>
-                </a:solidFill>
-                <a:effectLst/>
-                <a:latin typeface="Arial" charset="0"/>
-              </a:endParaRPr>
-            </a:p>
-          </p:txBody>
-        </p:sp>
-        <p:sp>
-          <p:nvSpPr>
-            <p:cNvPr id="146" name="Rounded Rectangle 145"/>
-            <p:cNvSpPr/>
-            <p:nvPr/>
-          </p:nvSpPr>
-          <p:spPr bwMode="auto">
-            <a:xfrm>
-              <a:off x="5609093" y="1800141"/>
-              <a:ext cx="563107" cy="549963"/>
-            </a:xfrm>
-            <a:prstGeom prst="roundRect">
-              <a:avLst/>
-            </a:prstGeom>
-            <a:noFill/>
-            <a:ln w="28575" cap="sq" cmpd="sng" algn="ctr">
-              <a:solidFill>
-                <a:srgbClr val="FF0000"/>
-              </a:solidFill>
-              <a:prstDash val="solid"/>
-              <a:round/>
-              <a:headEnd type="none" w="sm" len="sm"/>
-              <a:tailEnd type="none" w="sm" len="sm"/>
-            </a:ln>
-            <a:effectLst/>
-            <a:extLst>
-              <a:ext uri="{AF507438-7753-43e0-B8FC-AC1667EBCBE1}">
-                <a14:hiddenEffects xmlns:a14="http://schemas.microsoft.com/office/drawing/2010/main" xmlns="">
-                  <a:effectLst>
-                    <a:outerShdw dist="35921" dir="2700000" algn="ctr" rotWithShape="0">
-                      <a:schemeClr val="bg2"/>
-                    </a:outerShdw>
-                  </a:effectLst>
-                </a14:hiddenEffects>
-              </a:ext>
-            </a:extLst>
-          </p:spPr>
-          <p:txBody>
-            <a:bodyPr vert="horz" wrap="square" lIns="91440" tIns="45720" rIns="91440" bIns="45720" numCol="1" rtlCol="0" anchor="t" anchorCtr="0" compatLnSpc="1">
-              <a:prstTxWarp prst="textNoShape">
-                <a:avLst/>
-              </a:prstTxWarp>
-            </a:bodyPr>
-            <a:lstStyle/>
-            <a:p>
-              <a:pPr marL="0" marR="0" indent="0" algn="l" defTabSz="914400" rtl="0" eaLnBrk="0" fontAlgn="base" latinLnBrk="0" hangingPunct="0">
-                <a:lnSpc>
-                  <a:spcPct val="100000"/>
-                </a:lnSpc>
-                <a:spcBef>
-                  <a:spcPct val="0"/>
-                </a:spcBef>
-                <a:spcAft>
-                  <a:spcPct val="0"/>
-                </a:spcAft>
-                <a:buClrTx/>
-                <a:buSzTx/>
-                <a:buFontTx/>
-                <a:buNone/>
-                <a:tabLst/>
-              </a:pPr>
-              <a:endParaRPr kumimoji="1" lang="en-US" sz="1000" b="0" i="0" u="none" strike="noStrike" cap="none" normalizeH="0" baseline="0">
-                <a:ln>
-                  <a:noFill/>
-                </a:ln>
-                <a:solidFill>
-                  <a:schemeClr val="tx1"/>
-                </a:solidFill>
-                <a:effectLst/>
-                <a:latin typeface="Arial" charset="0"/>
-              </a:endParaRPr>
-            </a:p>
-          </p:txBody>
-        </p:sp>
-        <p:sp>
-          <p:nvSpPr>
-            <p:cNvPr id="147" name="TextBox 146"/>
-            <p:cNvSpPr txBox="1"/>
-            <p:nvPr/>
-          </p:nvSpPr>
-          <p:spPr>
-            <a:xfrm>
-              <a:off x="3396139" y="3098720"/>
-              <a:ext cx="356188" cy="184666"/>
-            </a:xfrm>
-            <a:prstGeom prst="rect">
-              <a:avLst/>
-            </a:prstGeom>
-            <a:noFill/>
-          </p:spPr>
-          <p:txBody>
-            <a:bodyPr wrap="none" rtlCol="0">
-              <a:spAutoFit/>
-            </a:bodyPr>
-            <a:lstStyle/>
-            <a:p>
-              <a:r>
-                <a:rPr lang="en-US" sz="600" dirty="0">
-                  <a:solidFill>
-                    <a:srgbClr val="00B050"/>
-                  </a:solidFill>
-                </a:rPr>
-                <a:t>Input</a:t>
-              </a:r>
-            </a:p>
-          </p:txBody>
-        </p:sp>
-        <p:sp>
-          <p:nvSpPr>
-            <p:cNvPr id="148" name="TextBox 147"/>
-            <p:cNvSpPr txBox="1"/>
-            <p:nvPr/>
-          </p:nvSpPr>
-          <p:spPr>
-            <a:xfrm>
-              <a:off x="4034149" y="3321253"/>
-              <a:ext cx="538930" cy="184666"/>
-            </a:xfrm>
-            <a:prstGeom prst="rect">
-              <a:avLst/>
-            </a:prstGeom>
-            <a:noFill/>
-          </p:spPr>
-          <p:txBody>
-            <a:bodyPr wrap="none" rtlCol="0">
-              <a:spAutoFit/>
-            </a:bodyPr>
-            <a:lstStyle/>
-            <a:p>
-              <a:r>
-                <a:rPr lang="en-US" sz="600" dirty="0">
-                  <a:solidFill>
-                    <a:schemeClr val="accent1"/>
-                  </a:solidFill>
-                </a:rPr>
-                <a:t>Hidden L1</a:t>
-              </a:r>
-            </a:p>
-          </p:txBody>
-        </p:sp>
-        <p:sp>
-          <p:nvSpPr>
-            <p:cNvPr id="149" name="TextBox 148"/>
-            <p:cNvSpPr txBox="1"/>
-            <p:nvPr/>
-          </p:nvSpPr>
-          <p:spPr>
-            <a:xfrm>
-              <a:off x="4861973" y="3325732"/>
-              <a:ext cx="538930" cy="184666"/>
-            </a:xfrm>
-            <a:prstGeom prst="rect">
-              <a:avLst/>
-            </a:prstGeom>
-            <a:noFill/>
-          </p:spPr>
-          <p:txBody>
-            <a:bodyPr wrap="none" rtlCol="0">
-              <a:spAutoFit/>
-            </a:bodyPr>
-            <a:lstStyle/>
-            <a:p>
-              <a:r>
-                <a:rPr lang="en-US" sz="600" dirty="0">
-                  <a:solidFill>
-                    <a:schemeClr val="accent1"/>
-                  </a:solidFill>
-                </a:rPr>
-                <a:t>Hidden L2</a:t>
-              </a:r>
-            </a:p>
-          </p:txBody>
-        </p:sp>
-        <p:sp>
-          <p:nvSpPr>
-            <p:cNvPr id="150" name="TextBox 149"/>
-            <p:cNvSpPr txBox="1"/>
-            <p:nvPr/>
-          </p:nvSpPr>
-          <p:spPr>
-            <a:xfrm>
-              <a:off x="5689824" y="2177534"/>
-              <a:ext cx="415498" cy="184666"/>
-            </a:xfrm>
-            <a:prstGeom prst="rect">
-              <a:avLst/>
-            </a:prstGeom>
-            <a:noFill/>
-          </p:spPr>
-          <p:txBody>
-            <a:bodyPr wrap="none" rtlCol="0">
-              <a:spAutoFit/>
-            </a:bodyPr>
-            <a:lstStyle/>
-            <a:p>
-              <a:r>
-                <a:rPr lang="en-US" sz="600" dirty="0">
-                  <a:solidFill>
-                    <a:srgbClr val="FF0000"/>
-                  </a:solidFill>
-                </a:rPr>
-                <a:t>Output</a:t>
-              </a:r>
-            </a:p>
-          </p:txBody>
-        </p:sp>
-        <p:cxnSp>
-          <p:nvCxnSpPr>
-            <p:cNvPr id="151" name="Straight Connector 150"/>
-            <p:cNvCxnSpPr/>
-            <p:nvPr/>
-          </p:nvCxnSpPr>
-          <p:spPr bwMode="auto">
-            <a:xfrm>
-              <a:off x="3685381" y="2511993"/>
-              <a:ext cx="508907" cy="675836"/>
-            </a:xfrm>
-            <a:prstGeom prst="line">
-              <a:avLst/>
-            </a:prstGeom>
-            <a:solidFill>
-              <a:schemeClr val="accent1"/>
-            </a:solidFill>
-            <a:ln w="12700" cap="sq" cmpd="sng" algn="ctr">
-              <a:solidFill>
-                <a:schemeClr val="tx1"/>
-              </a:solidFill>
-              <a:prstDash val="solid"/>
-              <a:round/>
-              <a:headEnd type="none" w="sm" len="sm"/>
-              <a:tailEnd type="none" w="sm" len="sm"/>
-            </a:ln>
-            <a:effectLst/>
-            <a:extLst>
-              <a:ext uri="{AF507438-7753-43e0-B8FC-AC1667EBCBE1}">
-                <a14:hiddenEffects xmlns:a14="http://schemas.microsoft.com/office/drawing/2010/main" xmlns="">
-                  <a:effectLst>
-                    <a:outerShdw dist="35921" dir="2700000" algn="ctr" rotWithShape="0">
-                      <a:schemeClr val="bg2"/>
-                    </a:outerShdw>
-                  </a:effectLst>
-                </a14:hiddenEffects>
-              </a:ext>
-            </a:extLst>
-          </p:spPr>
-        </p:cxnSp>
-        <mc:AlternateContent xmlns:mc="http://schemas.openxmlformats.org/markup-compatibility/2006" xmlns:a14="http://schemas.microsoft.com/office/drawing/2010/main">
-          <mc:Choice Requires="a14">
-            <p:sp>
-              <p:nvSpPr>
-                <p:cNvPr id="152" name="Rectangle 151"/>
-                <p:cNvSpPr/>
-                <p:nvPr/>
-              </p:nvSpPr>
-              <p:spPr>
-                <a:xfrm>
-                  <a:off x="5390794" y="3289111"/>
-                  <a:ext cx="421910" cy="276999"/>
-                </a:xfrm>
-                <a:prstGeom prst="rect">
-                  <a:avLst/>
-                </a:prstGeom>
-              </p:spPr>
-              <p:txBody>
-                <a:bodyPr wrap="square">
-                  <a:spAutoFit/>
-                </a:bodyPr>
-                <a:lstStyle/>
-                <a:p>
-                  <a:pPr/>
-                  <a14:m>
-                    <m:oMathPara xmlns:m="http://schemas.openxmlformats.org/officeDocument/2006/math">
-                      <m:oMathParaPr>
-                        <m:jc m:val="centerGroup"/>
-                      </m:oMathParaPr>
-                      <m:oMath xmlns:m="http://schemas.openxmlformats.org/officeDocument/2006/math">
-                        <m:sSub>
-                          <m:sSubPr>
-                            <m:ctrlPr>
-                              <a:rPr lang="en-US" sz="1200" b="0" i="1" smtClean="0">
-                                <a:solidFill>
-                                  <a:srgbClr val="FF0000"/>
-                                </a:solidFill>
-                                <a:latin typeface="Cambria Math" charset="0"/>
-                              </a:rPr>
-                            </m:ctrlPr>
-                          </m:sSubPr>
-                          <m:e>
-                            <m:r>
-                              <a:rPr lang="en-US" sz="1200" b="0" i="1" smtClean="0">
-                                <a:solidFill>
-                                  <a:srgbClr val="FF0000"/>
-                                </a:solidFill>
-                                <a:latin typeface="Cambria Math" panose="02040503050406030204" pitchFamily="18" charset="0"/>
-                              </a:rPr>
-                              <m:t>𝑊</m:t>
-                            </m:r>
-                          </m:e>
-                          <m:sub>
-                            <m:r>
-                              <a:rPr lang="en-US" sz="1200" b="0" i="1" smtClean="0">
-                                <a:solidFill>
-                                  <a:srgbClr val="FF0000"/>
-                                </a:solidFill>
-                                <a:latin typeface="Cambria Math" panose="02040503050406030204" pitchFamily="18" charset="0"/>
-                              </a:rPr>
-                              <m:t>3</m:t>
-                            </m:r>
-                          </m:sub>
-                        </m:sSub>
-                      </m:oMath>
-                    </m:oMathPara>
-                  </a14:m>
-                  <a:endParaRPr lang="en-US" sz="1200" dirty="0">
-                    <a:solidFill>
-                      <a:srgbClr val="FF0000"/>
-                    </a:solidFill>
-                  </a:endParaRPr>
-                </a:p>
-              </p:txBody>
-            </p:sp>
-          </mc:Choice>
-          <mc:Fallback xmlns="">
-            <p:sp>
-              <p:nvSpPr>
-                <p:cNvPr id="152" name="Rectangle 151"/>
-                <p:cNvSpPr>
-                  <a:spLocks noRot="1" noChangeAspect="1" noMove="1" noResize="1" noEditPoints="1" noAdjustHandles="1" noChangeArrowheads="1" noChangeShapeType="1" noTextEdit="1"/>
-                </p:cNvSpPr>
-                <p:nvPr/>
-              </p:nvSpPr>
-              <p:spPr>
-                <a:xfrm>
-                  <a:off x="5390794" y="3289111"/>
-                  <a:ext cx="421910" cy="276999"/>
-                </a:xfrm>
-                <a:prstGeom prst="rect">
-                  <a:avLst/>
-                </a:prstGeom>
-                <a:blipFill>
-                  <a:blip r:embed="rId13"/>
-                  <a:stretch>
-                    <a:fillRect/>
-                  </a:stretch>
-                </a:blipFill>
-              </p:spPr>
-              <p:txBody>
-                <a:bodyPr/>
-                <a:lstStyle/>
-                <a:p>
-                  <a:r>
-                    <a:rPr lang="en-US">
-                      <a:noFill/>
-                    </a:rPr>
-                    <a:t> </a:t>
-                  </a:r>
-                </a:p>
-              </p:txBody>
-            </p:sp>
-          </mc:Fallback>
-        </mc:AlternateContent>
-        <p:sp>
-          <p:nvSpPr>
-            <p:cNvPr id="153" name="Oval 152"/>
-            <p:cNvSpPr/>
-            <p:nvPr/>
-          </p:nvSpPr>
-          <p:spPr bwMode="auto">
-            <a:xfrm>
-              <a:off x="5761768" y="2938496"/>
-              <a:ext cx="254454" cy="254454"/>
-            </a:xfrm>
-            <a:prstGeom prst="ellipse">
-              <a:avLst/>
-            </a:prstGeom>
-            <a:solidFill>
-              <a:srgbClr val="FF0000"/>
-            </a:solidFill>
-            <a:ln w="12700" cap="sq" cmpd="sng" algn="ctr">
-              <a:solidFill>
-                <a:srgbClr val="FF0000"/>
-              </a:solidFill>
-              <a:prstDash val="solid"/>
-              <a:round/>
-              <a:headEnd type="none" w="sm" len="sm"/>
-              <a:tailEnd type="none" w="sm" len="sm"/>
-            </a:ln>
-            <a:effectLst/>
-            <a:extLst>
-              <a:ext uri="{AF507438-7753-43e0-B8FC-AC1667EBCBE1}">
-                <a14:hiddenEffects xmlns:a14="http://schemas.microsoft.com/office/drawing/2010/main" xmlns="">
-                  <a:effectLst>
-                    <a:outerShdw dist="35921" dir="2700000" algn="ctr" rotWithShape="0">
-                      <a:schemeClr val="bg2"/>
-                    </a:outerShdw>
-                  </a:effectLst>
-                </a14:hiddenEffects>
-              </a:ext>
-            </a:extLst>
-          </p:spPr>
-          <p:txBody>
-            <a:bodyPr vert="horz" wrap="square" lIns="91440" tIns="45720" rIns="91440" bIns="45720" numCol="1" rtlCol="0" anchor="t" anchorCtr="0" compatLnSpc="1">
-              <a:prstTxWarp prst="textNoShape">
-                <a:avLst/>
-              </a:prstTxWarp>
-            </a:bodyPr>
-            <a:lstStyle/>
-            <a:p>
-              <a:pPr marL="0" marR="0" indent="0" algn="l" defTabSz="914400" rtl="0" eaLnBrk="0" fontAlgn="base" latinLnBrk="0" hangingPunct="0">
-                <a:lnSpc>
-                  <a:spcPct val="100000"/>
-                </a:lnSpc>
-                <a:spcBef>
-                  <a:spcPct val="0"/>
-                </a:spcBef>
-                <a:spcAft>
-                  <a:spcPct val="0"/>
-                </a:spcAft>
-                <a:buClrTx/>
-                <a:buSzTx/>
-                <a:buFontTx/>
-                <a:buNone/>
-                <a:tabLst/>
-              </a:pPr>
-              <a:endParaRPr kumimoji="1" lang="en-US" sz="1000" b="0" i="0" u="none" strike="noStrike" cap="none" normalizeH="0" baseline="0">
-                <a:ln>
-                  <a:noFill/>
-                </a:ln>
-                <a:solidFill>
-                  <a:schemeClr val="tx1"/>
-                </a:solidFill>
-                <a:effectLst/>
-                <a:latin typeface="Arial" charset="0"/>
-              </a:endParaRPr>
-            </a:p>
-          </p:txBody>
-        </p:sp>
-        <p:sp>
-          <p:nvSpPr>
-            <p:cNvPr id="154" name="Rounded Rectangle 153"/>
-            <p:cNvSpPr/>
-            <p:nvPr/>
-          </p:nvSpPr>
-          <p:spPr bwMode="auto">
-            <a:xfrm>
-              <a:off x="5607442" y="2790741"/>
-              <a:ext cx="563107" cy="549963"/>
-            </a:xfrm>
-            <a:prstGeom prst="roundRect">
-              <a:avLst/>
-            </a:prstGeom>
-            <a:noFill/>
-            <a:ln w="28575" cap="sq" cmpd="sng" algn="ctr">
-              <a:solidFill>
-                <a:srgbClr val="FF0000"/>
-              </a:solidFill>
-              <a:prstDash val="solid"/>
-              <a:round/>
-              <a:headEnd type="none" w="sm" len="sm"/>
-              <a:tailEnd type="none" w="sm" len="sm"/>
-            </a:ln>
-            <a:effectLst/>
-            <a:extLst>
-              <a:ext uri="{AF507438-7753-43e0-B8FC-AC1667EBCBE1}">
-                <a14:hiddenEffects xmlns:a14="http://schemas.microsoft.com/office/drawing/2010/main" xmlns="">
-                  <a:effectLst>
-                    <a:outerShdw dist="35921" dir="2700000" algn="ctr" rotWithShape="0">
-                      <a:schemeClr val="bg2"/>
-                    </a:outerShdw>
-                  </a:effectLst>
-                </a14:hiddenEffects>
-              </a:ext>
-            </a:extLst>
-          </p:spPr>
-          <p:txBody>
-            <a:bodyPr vert="horz" wrap="square" lIns="91440" tIns="45720" rIns="91440" bIns="45720" numCol="1" rtlCol="0" anchor="t" anchorCtr="0" compatLnSpc="1">
-              <a:prstTxWarp prst="textNoShape">
-                <a:avLst/>
-              </a:prstTxWarp>
-            </a:bodyPr>
-            <a:lstStyle/>
-            <a:p>
-              <a:pPr marL="0" marR="0" indent="0" algn="l" defTabSz="914400" rtl="0" eaLnBrk="0" fontAlgn="base" latinLnBrk="0" hangingPunct="0">
-                <a:lnSpc>
-                  <a:spcPct val="100000"/>
-                </a:lnSpc>
-                <a:spcBef>
-                  <a:spcPct val="0"/>
-                </a:spcBef>
-                <a:spcAft>
-                  <a:spcPct val="0"/>
-                </a:spcAft>
-                <a:buClrTx/>
-                <a:buSzTx/>
-                <a:buFontTx/>
-                <a:buNone/>
-                <a:tabLst/>
-              </a:pPr>
-              <a:endParaRPr kumimoji="1" lang="en-US" sz="1000" b="0" i="0" u="none" strike="noStrike" cap="none" normalizeH="0" baseline="0">
-                <a:ln>
-                  <a:noFill/>
-                </a:ln>
-                <a:solidFill>
-                  <a:schemeClr val="tx1"/>
-                </a:solidFill>
-                <a:effectLst/>
-                <a:latin typeface="Arial" charset="0"/>
-              </a:endParaRPr>
-            </a:p>
-          </p:txBody>
-        </p:sp>
-        <p:sp>
-          <p:nvSpPr>
-            <p:cNvPr id="155" name="TextBox 154"/>
-            <p:cNvSpPr txBox="1"/>
-            <p:nvPr/>
-          </p:nvSpPr>
-          <p:spPr>
-            <a:xfrm>
-              <a:off x="5688173" y="3168134"/>
-              <a:ext cx="415498" cy="184666"/>
-            </a:xfrm>
-            <a:prstGeom prst="rect">
-              <a:avLst/>
-            </a:prstGeom>
-            <a:noFill/>
-          </p:spPr>
-          <p:txBody>
-            <a:bodyPr wrap="none" rtlCol="0">
-              <a:spAutoFit/>
-            </a:bodyPr>
-            <a:lstStyle/>
-            <a:p>
-              <a:r>
-                <a:rPr lang="en-US" sz="600" dirty="0">
-                  <a:solidFill>
-                    <a:srgbClr val="FF0000"/>
-                  </a:solidFill>
-                </a:rPr>
-                <a:t>Output</a:t>
-              </a:r>
-            </a:p>
-          </p:txBody>
-        </p:sp>
-        <p:sp>
-          <p:nvSpPr>
-            <p:cNvPr id="156" name="TextBox 155"/>
-            <p:cNvSpPr txBox="1"/>
-            <p:nvPr/>
-          </p:nvSpPr>
-          <p:spPr>
-            <a:xfrm>
-              <a:off x="5614818" y="2341172"/>
-              <a:ext cx="494578" cy="461665"/>
-            </a:xfrm>
-            <a:prstGeom prst="rect">
-              <a:avLst/>
-            </a:prstGeom>
-            <a:noFill/>
-          </p:spPr>
-          <p:txBody>
-            <a:bodyPr wrap="square" rtlCol="0">
-              <a:spAutoFit/>
-            </a:bodyPr>
-            <a:lstStyle/>
-            <a:p>
-              <a:r>
-                <a:rPr lang="en-US" dirty="0"/>
-                <a:t>…</a:t>
-              </a:r>
-            </a:p>
-          </p:txBody>
-        </p:sp>
-        <p:cxnSp>
-          <p:nvCxnSpPr>
-            <p:cNvPr id="157" name="Straight Connector 156"/>
-            <p:cNvCxnSpPr>
-              <a:stCxn id="107" idx="6"/>
-              <a:endCxn id="153" idx="2"/>
-            </p:cNvCxnSpPr>
-            <p:nvPr/>
-          </p:nvCxnSpPr>
-          <p:spPr bwMode="auto">
-            <a:xfrm>
-              <a:off x="5271656" y="1791040"/>
-              <a:ext cx="490112" cy="1274683"/>
-            </a:xfrm>
-            <a:prstGeom prst="line">
-              <a:avLst/>
-            </a:prstGeom>
-            <a:solidFill>
-              <a:schemeClr val="accent1"/>
-            </a:solidFill>
-            <a:ln w="12700" cap="sq" cmpd="sng" algn="ctr">
-              <a:solidFill>
-                <a:schemeClr val="tx1"/>
-              </a:solidFill>
-              <a:prstDash val="solid"/>
-              <a:round/>
-              <a:headEnd type="none" w="sm" len="sm"/>
-              <a:tailEnd type="none" w="sm" len="sm"/>
-            </a:ln>
-            <a:effectLst/>
-            <a:extLst>
-              <a:ext uri="{AF507438-7753-43e0-B8FC-AC1667EBCBE1}">
-                <a14:hiddenEffects xmlns:a14="http://schemas.microsoft.com/office/drawing/2010/main" xmlns="">
-                  <a:effectLst>
-                    <a:outerShdw dist="35921" dir="2700000" algn="ctr" rotWithShape="0">
-                      <a:schemeClr val="bg2"/>
-                    </a:outerShdw>
-                  </a:effectLst>
-                </a14:hiddenEffects>
-              </a:ext>
-            </a:extLst>
-          </p:spPr>
-        </p:cxnSp>
-        <p:cxnSp>
-          <p:nvCxnSpPr>
-            <p:cNvPr id="158" name="Straight Connector 157"/>
-            <p:cNvCxnSpPr>
-              <a:stCxn id="109" idx="6"/>
-              <a:endCxn id="153" idx="2"/>
-            </p:cNvCxnSpPr>
-            <p:nvPr/>
-          </p:nvCxnSpPr>
-          <p:spPr bwMode="auto">
-            <a:xfrm>
-              <a:off x="5271656" y="2257539"/>
-              <a:ext cx="490112" cy="808184"/>
-            </a:xfrm>
-            <a:prstGeom prst="line">
-              <a:avLst/>
-            </a:prstGeom>
-            <a:solidFill>
-              <a:schemeClr val="accent1"/>
-            </a:solidFill>
-            <a:ln w="12700" cap="sq" cmpd="sng" algn="ctr">
-              <a:solidFill>
-                <a:schemeClr val="tx1"/>
-              </a:solidFill>
-              <a:prstDash val="solid"/>
-              <a:round/>
-              <a:headEnd type="none" w="sm" len="sm"/>
-              <a:tailEnd type="none" w="sm" len="sm"/>
-            </a:ln>
-            <a:effectLst/>
-            <a:extLst>
-              <a:ext uri="{AF507438-7753-43e0-B8FC-AC1667EBCBE1}">
-                <a14:hiddenEffects xmlns:a14="http://schemas.microsoft.com/office/drawing/2010/main" xmlns="">
-                  <a:effectLst>
-                    <a:outerShdw dist="35921" dir="2700000" algn="ctr" rotWithShape="0">
-                      <a:schemeClr val="bg2"/>
-                    </a:outerShdw>
-                  </a:effectLst>
-                </a14:hiddenEffects>
-              </a:ext>
-            </a:extLst>
-          </p:spPr>
-        </p:cxnSp>
-        <p:cxnSp>
-          <p:nvCxnSpPr>
-            <p:cNvPr id="159" name="Straight Connector 158"/>
-            <p:cNvCxnSpPr>
-              <a:stCxn id="108" idx="6"/>
-              <a:endCxn id="153" idx="2"/>
-            </p:cNvCxnSpPr>
-            <p:nvPr/>
-          </p:nvCxnSpPr>
-          <p:spPr bwMode="auto">
-            <a:xfrm>
-              <a:off x="5271656" y="2722233"/>
-              <a:ext cx="490112" cy="343490"/>
-            </a:xfrm>
-            <a:prstGeom prst="line">
-              <a:avLst/>
-            </a:prstGeom>
-            <a:solidFill>
-              <a:schemeClr val="accent1"/>
-            </a:solidFill>
-            <a:ln w="12700" cap="sq" cmpd="sng" algn="ctr">
-              <a:solidFill>
-                <a:schemeClr val="tx1"/>
-              </a:solidFill>
-              <a:prstDash val="solid"/>
-              <a:round/>
-              <a:headEnd type="none" w="sm" len="sm"/>
-              <a:tailEnd type="none" w="sm" len="sm"/>
-            </a:ln>
-            <a:effectLst/>
-            <a:extLst>
-              <a:ext uri="{AF507438-7753-43e0-B8FC-AC1667EBCBE1}">
-                <a14:hiddenEffects xmlns:a14="http://schemas.microsoft.com/office/drawing/2010/main" xmlns="">
-                  <a:effectLst>
-                    <a:outerShdw dist="35921" dir="2700000" algn="ctr" rotWithShape="0">
-                      <a:schemeClr val="bg2"/>
-                    </a:outerShdw>
-                  </a:effectLst>
-                </a14:hiddenEffects>
-              </a:ext>
-            </a:extLst>
-          </p:spPr>
-        </p:cxnSp>
-        <p:cxnSp>
-          <p:nvCxnSpPr>
-            <p:cNvPr id="160" name="Straight Connector 159"/>
-            <p:cNvCxnSpPr>
-              <a:stCxn id="110" idx="6"/>
-              <a:endCxn id="153" idx="2"/>
-            </p:cNvCxnSpPr>
-            <p:nvPr/>
-          </p:nvCxnSpPr>
-          <p:spPr bwMode="auto">
-            <a:xfrm flipV="1">
-              <a:off x="5270754" y="3065723"/>
-              <a:ext cx="491014" cy="121203"/>
-            </a:xfrm>
-            <a:prstGeom prst="line">
-              <a:avLst/>
-            </a:prstGeom>
-            <a:solidFill>
-              <a:schemeClr val="accent1"/>
-            </a:solidFill>
-            <a:ln w="12700" cap="sq" cmpd="sng" algn="ctr">
-              <a:solidFill>
-                <a:schemeClr val="tx1"/>
-              </a:solidFill>
-              <a:prstDash val="solid"/>
-              <a:round/>
-              <a:headEnd type="none" w="sm" len="sm"/>
-              <a:tailEnd type="none" w="sm" len="sm"/>
-            </a:ln>
-            <a:effectLst/>
-            <a:extLst>
-              <a:ext uri="{AF507438-7753-43e0-B8FC-AC1667EBCBE1}">
-                <a14:hiddenEffects xmlns:a14="http://schemas.microsoft.com/office/drawing/2010/main" xmlns="">
-                  <a:effectLst>
-                    <a:outerShdw dist="35921" dir="2700000" algn="ctr" rotWithShape="0">
-                      <a:schemeClr val="bg2"/>
-                    </a:outerShdw>
-                  </a:effectLst>
-                </a14:hiddenEffects>
-              </a:ext>
-            </a:extLst>
-          </p:spPr>
-        </p:cxnSp>
-        <mc:AlternateContent xmlns:mc="http://schemas.openxmlformats.org/markup-compatibility/2006" xmlns:a14="http://schemas.microsoft.com/office/drawing/2010/main">
-          <mc:Choice Requires="a14">
-            <p:sp>
-              <p:nvSpPr>
-                <p:cNvPr id="161" name="Rectangle 160"/>
-                <p:cNvSpPr/>
-                <p:nvPr/>
-              </p:nvSpPr>
-              <p:spPr>
-                <a:xfrm>
-                  <a:off x="4962913" y="3025948"/>
-                  <a:ext cx="378244" cy="276999"/>
-                </a:xfrm>
-                <a:prstGeom prst="rect">
-                  <a:avLst/>
-                </a:prstGeom>
-              </p:spPr>
-              <p:txBody>
-                <a:bodyPr wrap="square">
-                  <a:spAutoFit/>
-                </a:bodyPr>
-                <a:lstStyle/>
-                <a:p>
-                  <a:pPr/>
-                  <a14:m>
-                    <m:oMathPara xmlns:m="http://schemas.openxmlformats.org/officeDocument/2006/math">
-                      <m:oMathParaPr>
-                        <m:jc m:val="centerGroup"/>
-                      </m:oMathParaPr>
-                      <m:oMath xmlns:m="http://schemas.openxmlformats.org/officeDocument/2006/math">
-                        <m:sSub>
-                          <m:sSubPr>
-                            <m:ctrlPr>
-                              <a:rPr lang="en-US" sz="1200" b="0" i="1" smtClean="0">
-                                <a:solidFill>
-                                  <a:srgbClr val="FF0000"/>
-                                </a:solidFill>
-                                <a:latin typeface="Cambria Math" charset="0"/>
-                              </a:rPr>
-                            </m:ctrlPr>
-                          </m:sSubPr>
-                          <m:e>
-                            <m:r>
-                              <a:rPr lang="en-US" sz="1200" b="0" i="1" smtClean="0">
-                                <a:solidFill>
-                                  <a:srgbClr val="FF0000"/>
-                                </a:solidFill>
-                                <a:latin typeface="Cambria Math" panose="02040503050406030204" pitchFamily="18" charset="0"/>
-                              </a:rPr>
-                              <m:t>𝐿</m:t>
-                            </m:r>
-                          </m:e>
-                          <m:sub>
-                            <m:r>
-                              <a:rPr lang="en-US" sz="1200" b="0" i="1" smtClean="0">
-                                <a:solidFill>
-                                  <a:srgbClr val="FF0000"/>
-                                </a:solidFill>
-                                <a:latin typeface="Cambria Math" panose="02040503050406030204" pitchFamily="18" charset="0"/>
-                              </a:rPr>
-                              <m:t>2</m:t>
-                            </m:r>
-                          </m:sub>
-                        </m:sSub>
-                      </m:oMath>
-                    </m:oMathPara>
-                  </a14:m>
-                  <a:endParaRPr lang="en-US" sz="1200" dirty="0">
-                    <a:solidFill>
-                      <a:srgbClr val="FF0000"/>
-                    </a:solidFill>
-                  </a:endParaRPr>
-                </a:p>
-              </p:txBody>
-            </p:sp>
-          </mc:Choice>
-          <mc:Fallback xmlns="">
-            <p:sp>
-              <p:nvSpPr>
-                <p:cNvPr id="161" name="Rectangle 160"/>
-                <p:cNvSpPr>
-                  <a:spLocks noRot="1" noChangeAspect="1" noMove="1" noResize="1" noEditPoints="1" noAdjustHandles="1" noChangeArrowheads="1" noChangeShapeType="1" noTextEdit="1"/>
-                </p:cNvSpPr>
-                <p:nvPr/>
-              </p:nvSpPr>
-              <p:spPr>
-                <a:xfrm>
-                  <a:off x="4962913" y="3025948"/>
-                  <a:ext cx="378244" cy="276999"/>
-                </a:xfrm>
-                <a:prstGeom prst="rect">
-                  <a:avLst/>
-                </a:prstGeom>
-                <a:blipFill>
-                  <a:blip r:embed="rId14"/>
-                  <a:stretch>
-                    <a:fillRect/>
-                  </a:stretch>
-                </a:blipFill>
-              </p:spPr>
-              <p:txBody>
-                <a:bodyPr/>
-                <a:lstStyle/>
-                <a:p>
-                  <a:r>
-                    <a:rPr lang="en-US">
-                      <a:noFill/>
-                    </a:rPr>
-                    <a:t> </a:t>
-                  </a:r>
-                </a:p>
-              </p:txBody>
-            </p:sp>
-          </mc:Fallback>
-        </mc:AlternateContent>
-        <mc:AlternateContent xmlns:mc="http://schemas.openxmlformats.org/markup-compatibility/2006" xmlns:a14="http://schemas.microsoft.com/office/drawing/2010/main">
-          <mc:Choice Requires="a14">
-            <p:sp>
-              <p:nvSpPr>
-                <p:cNvPr id="162" name="Rectangle 161"/>
-                <p:cNvSpPr/>
-                <p:nvPr/>
-              </p:nvSpPr>
-              <p:spPr>
-                <a:xfrm>
-                  <a:off x="5688173" y="2923412"/>
-                  <a:ext cx="378244" cy="276999"/>
-                </a:xfrm>
-                <a:prstGeom prst="rect">
-                  <a:avLst/>
-                </a:prstGeom>
-              </p:spPr>
-              <p:txBody>
-                <a:bodyPr wrap="square">
-                  <a:spAutoFit/>
-                </a:bodyPr>
-                <a:lstStyle/>
-                <a:p>
-                  <a:pPr/>
-                  <a14:m>
-                    <m:oMathPara xmlns:m="http://schemas.openxmlformats.org/officeDocument/2006/math">
-                      <m:oMathParaPr>
-                        <m:jc m:val="centerGroup"/>
-                      </m:oMathParaPr>
-                      <m:oMath xmlns:m="http://schemas.openxmlformats.org/officeDocument/2006/math">
-                        <m:sSub>
-                          <m:sSubPr>
-                            <m:ctrlPr>
-                              <a:rPr lang="en-US" sz="1200" b="0" i="1" smtClean="0">
-                                <a:solidFill>
-                                  <a:schemeClr val="tx1"/>
-                                </a:solidFill>
-                                <a:latin typeface="Cambria Math" charset="0"/>
-                              </a:rPr>
-                            </m:ctrlPr>
-                          </m:sSubPr>
-                          <m:e>
-                            <m:r>
-                              <a:rPr lang="en-US" sz="1200" b="0" i="1" smtClean="0">
-                                <a:solidFill>
-                                  <a:schemeClr val="tx1"/>
-                                </a:solidFill>
-                                <a:latin typeface="Cambria Math" panose="02040503050406030204" pitchFamily="18" charset="0"/>
-                              </a:rPr>
-                              <m:t>𝐿</m:t>
-                            </m:r>
-                          </m:e>
-                          <m:sub>
-                            <m:r>
-                              <a:rPr lang="en-US" sz="1200" b="0" i="1" smtClean="0">
-                                <a:solidFill>
-                                  <a:schemeClr val="tx1"/>
-                                </a:solidFill>
-                                <a:latin typeface="Cambria Math" panose="02040503050406030204" pitchFamily="18" charset="0"/>
-                              </a:rPr>
-                              <m:t>3</m:t>
-                            </m:r>
-                          </m:sub>
-                        </m:sSub>
-                      </m:oMath>
-                    </m:oMathPara>
-                  </a14:m>
-                  <a:endParaRPr lang="en-US" sz="1200" dirty="0">
-                    <a:solidFill>
-                      <a:schemeClr val="tx1"/>
-                    </a:solidFill>
-                  </a:endParaRPr>
-                </a:p>
-              </p:txBody>
-            </p:sp>
-          </mc:Choice>
-          <mc:Fallback xmlns="">
-            <p:sp>
-              <p:nvSpPr>
-                <p:cNvPr id="162" name="Rectangle 161"/>
-                <p:cNvSpPr>
-                  <a:spLocks noRot="1" noChangeAspect="1" noMove="1" noResize="1" noEditPoints="1" noAdjustHandles="1" noChangeArrowheads="1" noChangeShapeType="1" noTextEdit="1"/>
-                </p:cNvSpPr>
-                <p:nvPr/>
-              </p:nvSpPr>
-              <p:spPr>
-                <a:xfrm>
-                  <a:off x="5688173" y="2923412"/>
-                  <a:ext cx="378244" cy="276999"/>
-                </a:xfrm>
-                <a:prstGeom prst="rect">
-                  <a:avLst/>
-                </a:prstGeom>
-                <a:blipFill>
-                  <a:blip r:embed="rId15"/>
-                  <a:stretch>
-                    <a:fillRect/>
-                  </a:stretch>
-                </a:blipFill>
-              </p:spPr>
-              <p:txBody>
-                <a:bodyPr/>
-                <a:lstStyle/>
-                <a:p>
-                  <a:r>
-                    <a:rPr lang="en-US">
-                      <a:noFill/>
-                    </a:rPr>
-                    <a:t> </a:t>
-                  </a:r>
-                </a:p>
-              </p:txBody>
-            </p:sp>
-          </mc:Fallback>
-        </mc:AlternateContent>
-        <mc:AlternateContent xmlns:mc="http://schemas.openxmlformats.org/markup-compatibility/2006" xmlns:a14="http://schemas.microsoft.com/office/drawing/2010/main">
-          <mc:Choice Requires="a14">
-            <p:sp>
-              <p:nvSpPr>
-                <p:cNvPr id="163" name="Rectangle 162"/>
-                <p:cNvSpPr/>
-                <p:nvPr/>
-              </p:nvSpPr>
-              <p:spPr>
-                <a:xfrm>
-                  <a:off x="4540597" y="3235929"/>
-                  <a:ext cx="421910" cy="276999"/>
-                </a:xfrm>
-                <a:prstGeom prst="rect">
-                  <a:avLst/>
-                </a:prstGeom>
-              </p:spPr>
-              <p:txBody>
-                <a:bodyPr wrap="square">
-                  <a:spAutoFit/>
-                </a:bodyPr>
-                <a:lstStyle/>
-                <a:p>
-                  <a:pPr/>
-                  <a14:m>
-                    <m:oMathPara xmlns:m="http://schemas.openxmlformats.org/officeDocument/2006/math">
-                      <m:oMathParaPr>
-                        <m:jc m:val="centerGroup"/>
-                      </m:oMathParaPr>
-                      <m:oMath xmlns:m="http://schemas.openxmlformats.org/officeDocument/2006/math">
-                        <m:sSub>
-                          <m:sSubPr>
-                            <m:ctrlPr>
-                              <a:rPr lang="en-US" sz="1200" b="0" i="1" smtClean="0">
-                                <a:solidFill>
-                                  <a:srgbClr val="FF0000"/>
-                                </a:solidFill>
-                                <a:latin typeface="Cambria Math" charset="0"/>
-                              </a:rPr>
-                            </m:ctrlPr>
-                          </m:sSubPr>
-                          <m:e>
-                            <m:r>
-                              <a:rPr lang="en-US" sz="1200" b="0" i="1" smtClean="0">
-                                <a:solidFill>
-                                  <a:srgbClr val="FF0000"/>
-                                </a:solidFill>
-                                <a:latin typeface="Cambria Math" panose="02040503050406030204" pitchFamily="18" charset="0"/>
-                              </a:rPr>
-                              <m:t>𝑊</m:t>
-                            </m:r>
-                          </m:e>
-                          <m:sub>
-                            <m:r>
-                              <a:rPr lang="en-US" sz="1200" b="0" i="1" smtClean="0">
-                                <a:solidFill>
-                                  <a:srgbClr val="FF0000"/>
-                                </a:solidFill>
-                                <a:latin typeface="Cambria Math" panose="02040503050406030204" pitchFamily="18" charset="0"/>
-                              </a:rPr>
-                              <m:t>2</m:t>
-                            </m:r>
-                          </m:sub>
-                        </m:sSub>
-                      </m:oMath>
-                    </m:oMathPara>
-                  </a14:m>
-                  <a:endParaRPr lang="en-US" sz="1200" dirty="0">
-                    <a:solidFill>
-                      <a:srgbClr val="FF0000"/>
-                    </a:solidFill>
-                  </a:endParaRPr>
-                </a:p>
-              </p:txBody>
-            </p:sp>
-          </mc:Choice>
-          <mc:Fallback xmlns="">
-            <p:sp>
-              <p:nvSpPr>
-                <p:cNvPr id="163" name="Rectangle 162"/>
-                <p:cNvSpPr>
-                  <a:spLocks noRot="1" noChangeAspect="1" noMove="1" noResize="1" noEditPoints="1" noAdjustHandles="1" noChangeArrowheads="1" noChangeShapeType="1" noTextEdit="1"/>
-                </p:cNvSpPr>
-                <p:nvPr/>
-              </p:nvSpPr>
-              <p:spPr>
-                <a:xfrm>
-                  <a:off x="4540597" y="3235929"/>
-                  <a:ext cx="421910" cy="276999"/>
-                </a:xfrm>
-                <a:prstGeom prst="rect">
-                  <a:avLst/>
-                </a:prstGeom>
-                <a:blipFill>
-                  <a:blip r:embed="rId16"/>
-                  <a:stretch>
-                    <a:fillRect/>
-                  </a:stretch>
-                </a:blipFill>
-              </p:spPr>
-              <p:txBody>
-                <a:bodyPr/>
-                <a:lstStyle/>
-                <a:p>
-                  <a:r>
-                    <a:rPr lang="en-US">
-                      <a:noFill/>
-                    </a:rPr>
-                    <a:t> </a:t>
-                  </a:r>
-                </a:p>
-              </p:txBody>
-            </p:sp>
-          </mc:Fallback>
-        </mc:AlternateContent>
-        <mc:AlternateContent xmlns:mc="http://schemas.openxmlformats.org/markup-compatibility/2006" xmlns:a14="http://schemas.microsoft.com/office/drawing/2010/main">
-          <mc:Choice Requires="a14">
-            <p:sp>
-              <p:nvSpPr>
-                <p:cNvPr id="164" name="Rectangle 163"/>
-                <p:cNvSpPr/>
-                <p:nvPr/>
-              </p:nvSpPr>
-              <p:spPr>
-                <a:xfrm>
-                  <a:off x="4132796" y="3048000"/>
-                  <a:ext cx="378244" cy="276999"/>
-                </a:xfrm>
-                <a:prstGeom prst="rect">
-                  <a:avLst/>
-                </a:prstGeom>
-              </p:spPr>
-              <p:txBody>
-                <a:bodyPr wrap="square">
-                  <a:spAutoFit/>
-                </a:bodyPr>
-                <a:lstStyle/>
-                <a:p>
-                  <a:pPr/>
-                  <a14:m>
-                    <m:oMathPara xmlns:m="http://schemas.openxmlformats.org/officeDocument/2006/math">
-                      <m:oMathParaPr>
-                        <m:jc m:val="centerGroup"/>
-                      </m:oMathParaPr>
-                      <m:oMath xmlns:m="http://schemas.openxmlformats.org/officeDocument/2006/math">
-                        <m:sSub>
-                          <m:sSubPr>
-                            <m:ctrlPr>
-                              <a:rPr lang="en-US" sz="1200" b="0" i="1" smtClean="0">
-                                <a:solidFill>
-                                  <a:srgbClr val="FF0000"/>
-                                </a:solidFill>
-                                <a:latin typeface="Cambria Math" charset="0"/>
-                              </a:rPr>
-                            </m:ctrlPr>
-                          </m:sSubPr>
-                          <m:e>
-                            <m:r>
-                              <a:rPr lang="en-US" sz="1200" b="0" i="1" smtClean="0">
-                                <a:solidFill>
-                                  <a:srgbClr val="FF0000"/>
-                                </a:solidFill>
-                                <a:latin typeface="Cambria Math" panose="02040503050406030204" pitchFamily="18" charset="0"/>
-                              </a:rPr>
-                              <m:t>𝐿</m:t>
-                            </m:r>
-                          </m:e>
-                          <m:sub>
-                            <m:r>
-                              <a:rPr lang="en-US" sz="1200" b="0" i="1" smtClean="0">
-                                <a:solidFill>
-                                  <a:srgbClr val="FF0000"/>
-                                </a:solidFill>
-                                <a:latin typeface="Cambria Math" panose="02040503050406030204" pitchFamily="18" charset="0"/>
-                              </a:rPr>
-                              <m:t>1</m:t>
-                            </m:r>
-                          </m:sub>
-                        </m:sSub>
-                      </m:oMath>
-                    </m:oMathPara>
-                  </a14:m>
-                  <a:endParaRPr lang="en-US" sz="1200" dirty="0">
-                    <a:solidFill>
-                      <a:srgbClr val="FF0000"/>
-                    </a:solidFill>
-                  </a:endParaRPr>
-                </a:p>
-              </p:txBody>
-            </p:sp>
-          </mc:Choice>
-          <mc:Fallback xmlns="">
-            <p:sp>
-              <p:nvSpPr>
-                <p:cNvPr id="164" name="Rectangle 163"/>
-                <p:cNvSpPr>
-                  <a:spLocks noRot="1" noChangeAspect="1" noMove="1" noResize="1" noEditPoints="1" noAdjustHandles="1" noChangeArrowheads="1" noChangeShapeType="1" noTextEdit="1"/>
-                </p:cNvSpPr>
-                <p:nvPr/>
-              </p:nvSpPr>
-              <p:spPr>
-                <a:xfrm>
-                  <a:off x="4132796" y="3048000"/>
-                  <a:ext cx="378244" cy="276999"/>
-                </a:xfrm>
-                <a:prstGeom prst="rect">
-                  <a:avLst/>
-                </a:prstGeom>
-                <a:blipFill>
-                  <a:blip r:embed="rId17"/>
-                  <a:stretch>
-                    <a:fillRect/>
-                  </a:stretch>
-                </a:blipFill>
-              </p:spPr>
-              <p:txBody>
-                <a:bodyPr/>
-                <a:lstStyle/>
-                <a:p>
-                  <a:r>
-                    <a:rPr lang="en-US">
-                      <a:noFill/>
-                    </a:rPr>
-                    <a:t> </a:t>
-                  </a:r>
-                </a:p>
-              </p:txBody>
-            </p:sp>
-          </mc:Fallback>
-        </mc:AlternateContent>
-        <mc:AlternateContent xmlns:mc="http://schemas.openxmlformats.org/markup-compatibility/2006" xmlns:a14="http://schemas.microsoft.com/office/drawing/2010/main">
-          <mc:Choice Requires="a14">
-            <p:sp>
-              <p:nvSpPr>
-                <p:cNvPr id="165" name="Rectangle 164"/>
-                <p:cNvSpPr/>
-                <p:nvPr/>
-              </p:nvSpPr>
-              <p:spPr>
-                <a:xfrm>
-                  <a:off x="3718589" y="3198675"/>
-                  <a:ext cx="421910" cy="276999"/>
-                </a:xfrm>
-                <a:prstGeom prst="rect">
-                  <a:avLst/>
-                </a:prstGeom>
-              </p:spPr>
-              <p:txBody>
-                <a:bodyPr wrap="none">
-                  <a:spAutoFit/>
-                </a:bodyPr>
-                <a:lstStyle/>
-                <a:p>
-                  <a:pPr/>
-                  <a14:m>
-                    <m:oMathPara xmlns:m="http://schemas.openxmlformats.org/officeDocument/2006/math">
-                      <m:oMathParaPr>
-                        <m:jc m:val="centerGroup"/>
-                      </m:oMathParaPr>
-                      <m:oMath xmlns:m="http://schemas.openxmlformats.org/officeDocument/2006/math">
-                        <m:sSub>
-                          <m:sSubPr>
-                            <m:ctrlPr>
-                              <a:rPr lang="en-US" sz="1200" b="0" i="1" smtClean="0">
-                                <a:solidFill>
-                                  <a:srgbClr val="FF0000"/>
-                                </a:solidFill>
-                                <a:latin typeface="Cambria Math" charset="0"/>
-                              </a:rPr>
-                            </m:ctrlPr>
-                          </m:sSubPr>
-                          <m:e>
-                            <m:r>
-                              <a:rPr lang="en-US" sz="1200" b="0" i="1" smtClean="0">
-                                <a:solidFill>
-                                  <a:srgbClr val="FF0000"/>
-                                </a:solidFill>
-                                <a:latin typeface="Cambria Math" panose="02040503050406030204" pitchFamily="18" charset="0"/>
-                              </a:rPr>
-                              <m:t>𝑊</m:t>
-                            </m:r>
-                          </m:e>
-                          <m:sub>
-                            <m:r>
-                              <a:rPr lang="en-US" sz="1200" b="0" i="1" smtClean="0">
-                                <a:solidFill>
-                                  <a:srgbClr val="FF0000"/>
-                                </a:solidFill>
-                                <a:latin typeface="Cambria Math" panose="02040503050406030204" pitchFamily="18" charset="0"/>
-                              </a:rPr>
-                              <m:t>1</m:t>
-                            </m:r>
-                          </m:sub>
-                        </m:sSub>
-                      </m:oMath>
-                    </m:oMathPara>
-                  </a14:m>
-                  <a:endParaRPr lang="en-US" sz="1200" dirty="0">
-                    <a:solidFill>
-                      <a:srgbClr val="FF0000"/>
-                    </a:solidFill>
-                  </a:endParaRPr>
-                </a:p>
-              </p:txBody>
-            </p:sp>
-          </mc:Choice>
-          <mc:Fallback xmlns="">
-            <p:sp>
-              <p:nvSpPr>
-                <p:cNvPr id="165" name="Rectangle 164"/>
-                <p:cNvSpPr>
-                  <a:spLocks noRot="1" noChangeAspect="1" noMove="1" noResize="1" noEditPoints="1" noAdjustHandles="1" noChangeArrowheads="1" noChangeShapeType="1" noTextEdit="1"/>
-                </p:cNvSpPr>
-                <p:nvPr/>
-              </p:nvSpPr>
-              <p:spPr>
-                <a:xfrm>
-                  <a:off x="3718589" y="3198675"/>
-                  <a:ext cx="421910" cy="276999"/>
-                </a:xfrm>
-                <a:prstGeom prst="rect">
-                  <a:avLst/>
-                </a:prstGeom>
-                <a:blipFill>
-                  <a:blip r:embed="rId18"/>
-                  <a:stretch>
-                    <a:fillRect/>
-                  </a:stretch>
-                </a:blipFill>
-              </p:spPr>
-              <p:txBody>
-                <a:bodyPr/>
-                <a:lstStyle/>
-                <a:p>
-                  <a:r>
-                    <a:rPr lang="en-US">
-                      <a:noFill/>
-                    </a:rPr>
-                    <a:t> </a:t>
-                  </a:r>
-                </a:p>
-              </p:txBody>
-            </p:sp>
-          </mc:Fallback>
-        </mc:AlternateContent>
-      </p:grpSp>
       <p:sp>
         <p:nvSpPr>
           <p:cNvPr id="2" name="Content Placeholder 1"/>
@@ -20029,7 +14711,12 @@
             <p:ph sz="quarter" idx="32"/>
           </p:nvPr>
         </p:nvSpPr>
-        <p:spPr/>
+        <p:spPr>
+          <a:xfrm>
+            <a:off x="30749964" y="7114032"/>
+            <a:ext cx="12801600" cy="7315200"/>
+          </a:xfrm>
+        </p:spPr>
         <p:txBody>
           <a:bodyPr/>
           <a:lstStyle/>
@@ -20055,138 +14742,77 @@
               <a:t> right below (one each for character, word and phrase-level networks)</a:t>
             </a:r>
             <a:endParaRPr lang="en-US" dirty="0"/>
+          </a:p>
+        </p:txBody>
+      </p:sp>
+      <p:pic>
+        <p:nvPicPr>
+          <p:cNvPr id="40" name="Picture Placeholder 39"/>
+          <p:cNvPicPr>
+            <a:picLocks noGrp="1" noChangeAspect="1"/>
+          </p:cNvPicPr>
+          <p:nvPr>
+            <p:ph type="pic" sz="quarter" idx="43"/>
+          </p:nvPr>
+        </p:nvPicPr>
+        <p:blipFill rotWithShape="1">
+          <a:blip r:embed="rId3">
+            <a:extLst>
+              <a:ext uri="{28A0092B-C50C-407E-A947-70E740481C1C}">
+                <a14:useLocalDpi xmlns:a14="http://schemas.microsoft.com/office/drawing/2010/main" val="0"/>
+              </a:ext>
+            </a:extLst>
+          </a:blip>
+          <a:srcRect l="-13691" r="2629" b="27442"/>
+          <a:stretch/>
+        </p:blipFill>
+        <p:spPr>
+          <a:xfrm>
+            <a:off x="32657143" y="0"/>
+            <a:ext cx="11234057" cy="3842445"/>
+          </a:xfrm>
+        </p:spPr>
+      </p:pic>
+      <p:sp>
+        <p:nvSpPr>
+          <p:cNvPr id="191" name="Text Placeholder 8"/>
+          <p:cNvSpPr>
+            <a:spLocks noGrp="1"/>
+          </p:cNvSpPr>
+          <p:nvPr>
+            <p:ph type="body" sz="quarter" idx="21"/>
+          </p:nvPr>
+        </p:nvSpPr>
+        <p:spPr>
+          <a:xfrm>
+            <a:off x="14254555" y="5728703"/>
+            <a:ext cx="15541312" cy="1219200"/>
+          </a:xfrm>
+          <a:solidFill>
+            <a:srgbClr val="520063"/>
+          </a:solidFill>
+        </p:spPr>
+        <p:txBody>
+          <a:bodyPr/>
+          <a:lstStyle/>
+          <a:p>
+            <a:r>
+              <a:rPr lang="en-US" dirty="0"/>
+              <a:t>Technical Approach</a:t>
+            </a:r>
           </a:p>
         </p:txBody>
       </p:sp>
       <p:sp>
         <p:nvSpPr>
-          <p:cNvPr id="166" name="Freeform 165"/>
+          <p:cNvPr id="198" name="Freeform 197"/>
           <p:cNvSpPr/>
           <p:nvPr/>
         </p:nvSpPr>
         <p:spPr>
           <a:xfrm>
-            <a:off x="25070753" y="10835996"/>
-            <a:ext cx="1942046" cy="388409"/>
-          </a:xfrm>
-          <a:custGeom>
-            <a:avLst/>
-            <a:gdLst>
-              <a:gd name="connsiteX0" fmla="*/ 0 w 1942046"/>
-              <a:gd name="connsiteY0" fmla="*/ 0 h 388409"/>
-              <a:gd name="connsiteX1" fmla="*/ 1942046 w 1942046"/>
-              <a:gd name="connsiteY1" fmla="*/ 0 h 388409"/>
-              <a:gd name="connsiteX2" fmla="*/ 1942046 w 1942046"/>
-              <a:gd name="connsiteY2" fmla="*/ 388409 h 388409"/>
-              <a:gd name="connsiteX3" fmla="*/ 0 w 1942046"/>
-              <a:gd name="connsiteY3" fmla="*/ 388409 h 388409"/>
-              <a:gd name="connsiteX4" fmla="*/ 0 w 1942046"/>
-              <a:gd name="connsiteY4" fmla="*/ 0 h 388409"/>
-            </a:gdLst>
-            <a:ahLst/>
-            <a:cxnLst>
-              <a:cxn ang="0">
-                <a:pos x="connsiteX0" y="connsiteY0"/>
-              </a:cxn>
-              <a:cxn ang="0">
-                <a:pos x="connsiteX1" y="connsiteY1"/>
-              </a:cxn>
-              <a:cxn ang="0">
-                <a:pos x="connsiteX2" y="connsiteY2"/>
-              </a:cxn>
-              <a:cxn ang="0">
-                <a:pos x="connsiteX3" y="connsiteY3"/>
-              </a:cxn>
-              <a:cxn ang="0">
-                <a:pos x="connsiteX4" y="connsiteY4"/>
-              </a:cxn>
-            </a:cxnLst>
-            <a:rect l="l" t="t" r="r" b="b"/>
-            <a:pathLst>
-              <a:path w="1942046" h="388409">
-                <a:moveTo>
-                  <a:pt x="0" y="0"/>
-                </a:moveTo>
-                <a:lnTo>
-                  <a:pt x="1942046" y="0"/>
-                </a:lnTo>
-                <a:lnTo>
-                  <a:pt x="1942046" y="388409"/>
-                </a:lnTo>
-                <a:lnTo>
-                  <a:pt x="0" y="388409"/>
-                </a:lnTo>
-                <a:lnTo>
-                  <a:pt x="0" y="0"/>
-                </a:lnTo>
-                <a:close/>
-              </a:path>
-            </a:pathLst>
-          </a:custGeom>
-        </p:spPr>
-        <p:style>
-          <a:lnRef idx="2">
-            <a:schemeClr val="accent1">
-              <a:hueOff val="0"/>
-              <a:satOff val="0"/>
-              <a:lumOff val="0"/>
-              <a:alphaOff val="0"/>
-            </a:schemeClr>
-          </a:lnRef>
-          <a:fillRef idx="1">
-            <a:schemeClr val="accent1">
-              <a:hueOff val="0"/>
-              <a:satOff val="0"/>
-              <a:lumOff val="0"/>
-              <a:alphaOff val="0"/>
-            </a:schemeClr>
-          </a:fillRef>
-          <a:effectRef idx="0">
-            <a:schemeClr val="accent1">
-              <a:hueOff val="0"/>
-              <a:satOff val="0"/>
-              <a:lumOff val="0"/>
-              <a:alphaOff val="0"/>
-            </a:schemeClr>
-          </a:effectRef>
-          <a:fontRef idx="minor">
-            <a:schemeClr val="lt1"/>
-          </a:fontRef>
-        </p:style>
-        <p:txBody>
-          <a:bodyPr spcFirstLastPara="0" vert="horz" wrap="square" lIns="53340" tIns="53340" rIns="53340" bIns="53340" numCol="1" spcCol="1270" anchor="ctr" anchorCtr="0">
-            <a:noAutofit/>
-          </a:bodyPr>
-          <a:lstStyle/>
-          <a:p>
-            <a:pPr lvl="0" algn="ctr" defTabSz="933450">
-              <a:lnSpc>
-                <a:spcPct val="90000"/>
-              </a:lnSpc>
-              <a:spcBef>
-                <a:spcPct val="0"/>
-              </a:spcBef>
-              <a:spcAft>
-                <a:spcPct val="35000"/>
-              </a:spcAft>
-            </a:pPr>
-            <a:r>
-              <a:rPr lang="en-US" sz="2100" kern="1200" dirty="0"/>
-              <a:t>Step 4</a:t>
-            </a:r>
-          </a:p>
-        </p:txBody>
-      </p:sp>
-      <p:sp>
-        <p:nvSpPr>
-          <p:cNvPr id="167" name="Freeform 166"/>
-          <p:cNvSpPr/>
-          <p:nvPr/>
-        </p:nvSpPr>
-        <p:spPr>
-          <a:xfrm>
-            <a:off x="25037229" y="12913984"/>
-            <a:ext cx="1838534" cy="1806102"/>
+            <a:off x="14254555" y="8845189"/>
+            <a:ext cx="4597082" cy="5428868"/>
           </a:xfrm>
           <a:custGeom>
             <a:avLst/>
@@ -20286,6 +14912,1529 @@
           </a:bodyPr>
           <a:lstStyle/>
           <a:p>
+            <a:pPr lvl="0" defTabSz="1022350">
+              <a:lnSpc>
+                <a:spcPct val="90000"/>
+              </a:lnSpc>
+              <a:spcBef>
+                <a:spcPct val="0"/>
+              </a:spcBef>
+              <a:spcAft>
+                <a:spcPct val="35000"/>
+              </a:spcAft>
+            </a:pPr>
+            <a:r>
+              <a:rPr lang="en-US" sz="2300" kern="1200" dirty="0" smtClean="0"/>
+              <a:t>Preprocess the </a:t>
+            </a:r>
+            <a:r>
+              <a:rPr lang="en-US" sz="2300" kern="1200" dirty="0" smtClean="0"/>
+              <a:t>data</a:t>
+            </a:r>
+          </a:p>
+          <a:p>
+            <a:pPr lvl="0" defTabSz="1022350">
+              <a:lnSpc>
+                <a:spcPct val="90000"/>
+              </a:lnSpc>
+              <a:spcBef>
+                <a:spcPct val="0"/>
+              </a:spcBef>
+              <a:spcAft>
+                <a:spcPct val="35000"/>
+              </a:spcAft>
+            </a:pPr>
+            <a:endParaRPr lang="en-US" sz="2300" dirty="0"/>
+          </a:p>
+          <a:p>
+            <a:pPr defTabSz="1022350">
+              <a:lnSpc>
+                <a:spcPct val="90000"/>
+              </a:lnSpc>
+              <a:spcBef>
+                <a:spcPct val="0"/>
+              </a:spcBef>
+              <a:spcAft>
+                <a:spcPct val="35000"/>
+              </a:spcAft>
+            </a:pPr>
+            <a:r>
+              <a:rPr lang="en-US" sz="2000" dirty="0"/>
+              <a:t>Prepended the title of the recipe to the beginning of the recipe (within brackets) and tab-separated it from the ingredient list, which is comma separated</a:t>
+            </a:r>
+          </a:p>
+          <a:p>
+            <a:pPr lvl="0" defTabSz="1022350">
+              <a:lnSpc>
+                <a:spcPct val="90000"/>
+              </a:lnSpc>
+              <a:spcBef>
+                <a:spcPct val="0"/>
+              </a:spcBef>
+              <a:spcAft>
+                <a:spcPct val="35000"/>
+              </a:spcAft>
+            </a:pPr>
+            <a:endParaRPr lang="en-US" sz="2300" kern="1200" dirty="0" smtClean="0"/>
+          </a:p>
+          <a:p>
+            <a:pPr defTabSz="1022350">
+              <a:lnSpc>
+                <a:spcPct val="90000"/>
+              </a:lnSpc>
+              <a:spcBef>
+                <a:spcPct val="0"/>
+              </a:spcBef>
+              <a:spcAft>
+                <a:spcPct val="35000"/>
+              </a:spcAft>
+            </a:pPr>
+            <a:r>
+              <a:rPr lang="en-US" sz="2000" dirty="0"/>
+              <a:t>Created synthetic data by shuffling the ingredient list for each recipe (while retaining the same title) to try and combat dependencies on ingredient order</a:t>
+            </a:r>
+          </a:p>
+          <a:p>
+            <a:pPr lvl="0" defTabSz="1022350">
+              <a:lnSpc>
+                <a:spcPct val="90000"/>
+              </a:lnSpc>
+              <a:spcBef>
+                <a:spcPct val="0"/>
+              </a:spcBef>
+              <a:spcAft>
+                <a:spcPct val="35000"/>
+              </a:spcAft>
+            </a:pPr>
+            <a:endParaRPr lang="en-US" sz="2300" kern="1200" dirty="0"/>
+          </a:p>
+        </p:txBody>
+      </p:sp>
+      <p:sp>
+        <p:nvSpPr>
+          <p:cNvPr id="199" name="Freeform 198"/>
+          <p:cNvSpPr/>
+          <p:nvPr/>
+        </p:nvSpPr>
+        <p:spPr>
+          <a:xfrm>
+            <a:off x="14254555" y="7325400"/>
+            <a:ext cx="4597082" cy="964189"/>
+          </a:xfrm>
+          <a:custGeom>
+            <a:avLst/>
+            <a:gdLst>
+              <a:gd name="connsiteX0" fmla="*/ 0 w 1942046"/>
+              <a:gd name="connsiteY0" fmla="*/ 0 h 388409"/>
+              <a:gd name="connsiteX1" fmla="*/ 1942046 w 1942046"/>
+              <a:gd name="connsiteY1" fmla="*/ 0 h 388409"/>
+              <a:gd name="connsiteX2" fmla="*/ 1942046 w 1942046"/>
+              <a:gd name="connsiteY2" fmla="*/ 388409 h 388409"/>
+              <a:gd name="connsiteX3" fmla="*/ 0 w 1942046"/>
+              <a:gd name="connsiteY3" fmla="*/ 388409 h 388409"/>
+              <a:gd name="connsiteX4" fmla="*/ 0 w 1942046"/>
+              <a:gd name="connsiteY4" fmla="*/ 0 h 388409"/>
+            </a:gdLst>
+            <a:ahLst/>
+            <a:cxnLst>
+              <a:cxn ang="0">
+                <a:pos x="connsiteX0" y="connsiteY0"/>
+              </a:cxn>
+              <a:cxn ang="0">
+                <a:pos x="connsiteX1" y="connsiteY1"/>
+              </a:cxn>
+              <a:cxn ang="0">
+                <a:pos x="connsiteX2" y="connsiteY2"/>
+              </a:cxn>
+              <a:cxn ang="0">
+                <a:pos x="connsiteX3" y="connsiteY3"/>
+              </a:cxn>
+              <a:cxn ang="0">
+                <a:pos x="connsiteX4" y="connsiteY4"/>
+              </a:cxn>
+            </a:cxnLst>
+            <a:rect l="l" t="t" r="r" b="b"/>
+            <a:pathLst>
+              <a:path w="1942046" h="388409">
+                <a:moveTo>
+                  <a:pt x="0" y="0"/>
+                </a:moveTo>
+                <a:lnTo>
+                  <a:pt x="1942046" y="0"/>
+                </a:lnTo>
+                <a:lnTo>
+                  <a:pt x="1942046" y="388409"/>
+                </a:lnTo>
+                <a:lnTo>
+                  <a:pt x="0" y="388409"/>
+                </a:lnTo>
+                <a:lnTo>
+                  <a:pt x="0" y="0"/>
+                </a:lnTo>
+                <a:close/>
+              </a:path>
+            </a:pathLst>
+          </a:custGeom>
+          <a:solidFill>
+            <a:srgbClr val="520063"/>
+          </a:solidFill>
+          <a:ln>
+            <a:solidFill>
+              <a:schemeClr val="tx1"/>
+            </a:solidFill>
+          </a:ln>
+        </p:spPr>
+        <p:style>
+          <a:lnRef idx="2">
+            <a:schemeClr val="accent1">
+              <a:hueOff val="0"/>
+              <a:satOff val="0"/>
+              <a:lumOff val="0"/>
+              <a:alphaOff val="0"/>
+            </a:schemeClr>
+          </a:lnRef>
+          <a:fillRef idx="1">
+            <a:schemeClr val="accent1">
+              <a:hueOff val="0"/>
+              <a:satOff val="0"/>
+              <a:lumOff val="0"/>
+              <a:alphaOff val="0"/>
+            </a:schemeClr>
+          </a:fillRef>
+          <a:effectRef idx="0">
+            <a:schemeClr val="accent1">
+              <a:hueOff val="0"/>
+              <a:satOff val="0"/>
+              <a:lumOff val="0"/>
+              <a:alphaOff val="0"/>
+            </a:schemeClr>
+          </a:effectRef>
+          <a:fontRef idx="minor">
+            <a:schemeClr val="lt1"/>
+          </a:fontRef>
+        </p:style>
+        <p:txBody>
+          <a:bodyPr spcFirstLastPara="0" vert="horz" wrap="square" lIns="53340" tIns="53340" rIns="53340" bIns="53340" numCol="1" spcCol="1270" anchor="ctr" anchorCtr="0">
+            <a:noAutofit/>
+          </a:bodyPr>
+          <a:lstStyle/>
+          <a:p>
+            <a:pPr lvl="0" algn="ctr" defTabSz="933450">
+              <a:lnSpc>
+                <a:spcPct val="90000"/>
+              </a:lnSpc>
+              <a:spcBef>
+                <a:spcPct val="0"/>
+              </a:spcBef>
+              <a:spcAft>
+                <a:spcPct val="35000"/>
+              </a:spcAft>
+            </a:pPr>
+            <a:r>
+              <a:rPr lang="en-US" sz="2100" kern="1200" dirty="0"/>
+              <a:t>Step 1</a:t>
+            </a:r>
+          </a:p>
+        </p:txBody>
+      </p:sp>
+      <p:sp>
+        <p:nvSpPr>
+          <p:cNvPr id="202" name="Freeform 201"/>
+          <p:cNvSpPr/>
+          <p:nvPr/>
+        </p:nvSpPr>
+        <p:spPr>
+          <a:xfrm>
+            <a:off x="19726670" y="8818786"/>
+            <a:ext cx="4597082" cy="2666521"/>
+          </a:xfrm>
+          <a:custGeom>
+            <a:avLst/>
+            <a:gdLst>
+              <a:gd name="connsiteX0" fmla="*/ 0 w 1838534"/>
+              <a:gd name="connsiteY0" fmla="*/ 0 h 1806102"/>
+              <a:gd name="connsiteX1" fmla="*/ 1838534 w 1838534"/>
+              <a:gd name="connsiteY1" fmla="*/ 0 h 1806102"/>
+              <a:gd name="connsiteX2" fmla="*/ 1838534 w 1838534"/>
+              <a:gd name="connsiteY2" fmla="*/ 1806102 h 1806102"/>
+              <a:gd name="connsiteX3" fmla="*/ 0 w 1838534"/>
+              <a:gd name="connsiteY3" fmla="*/ 1806102 h 1806102"/>
+              <a:gd name="connsiteX4" fmla="*/ 0 w 1838534"/>
+              <a:gd name="connsiteY4" fmla="*/ 0 h 1806102"/>
+            </a:gdLst>
+            <a:ahLst/>
+            <a:cxnLst>
+              <a:cxn ang="0">
+                <a:pos x="connsiteX0" y="connsiteY0"/>
+              </a:cxn>
+              <a:cxn ang="0">
+                <a:pos x="connsiteX1" y="connsiteY1"/>
+              </a:cxn>
+              <a:cxn ang="0">
+                <a:pos x="connsiteX2" y="connsiteY2"/>
+              </a:cxn>
+              <a:cxn ang="0">
+                <a:pos x="connsiteX3" y="connsiteY3"/>
+              </a:cxn>
+              <a:cxn ang="0">
+                <a:pos x="connsiteX4" y="connsiteY4"/>
+              </a:cxn>
+            </a:cxnLst>
+            <a:rect l="l" t="t" r="r" b="b"/>
+            <a:pathLst>
+              <a:path w="1838534" h="1806102">
+                <a:moveTo>
+                  <a:pt x="0" y="0"/>
+                </a:moveTo>
+                <a:lnTo>
+                  <a:pt x="1838534" y="0"/>
+                </a:lnTo>
+                <a:lnTo>
+                  <a:pt x="1838534" y="1806102"/>
+                </a:lnTo>
+                <a:lnTo>
+                  <a:pt x="0" y="1806102"/>
+                </a:lnTo>
+                <a:lnTo>
+                  <a:pt x="0" y="0"/>
+                </a:lnTo>
+                <a:close/>
+              </a:path>
+            </a:pathLst>
+          </a:custGeom>
+        </p:spPr>
+        <p:style>
+          <a:lnRef idx="0">
+            <a:schemeClr val="dk1">
+              <a:alpha val="0"/>
+              <a:hueOff val="0"/>
+              <a:satOff val="0"/>
+              <a:lumOff val="0"/>
+              <a:alphaOff val="0"/>
+            </a:schemeClr>
+          </a:lnRef>
+          <a:fillRef idx="0">
+            <a:schemeClr val="lt1">
+              <a:alpha val="0"/>
+              <a:hueOff val="0"/>
+              <a:satOff val="0"/>
+              <a:lumOff val="0"/>
+              <a:alphaOff val="0"/>
+            </a:schemeClr>
+          </a:fillRef>
+          <a:effectRef idx="0">
+            <a:schemeClr val="lt1">
+              <a:alpha val="0"/>
+              <a:hueOff val="0"/>
+              <a:satOff val="0"/>
+              <a:lumOff val="0"/>
+              <a:alphaOff val="0"/>
+            </a:schemeClr>
+          </a:effectRef>
+          <a:fontRef idx="minor">
+            <a:schemeClr val="tx1">
+              <a:hueOff val="0"/>
+              <a:satOff val="0"/>
+              <a:lumOff val="0"/>
+              <a:alphaOff val="0"/>
+            </a:schemeClr>
+          </a:fontRef>
+        </p:style>
+        <p:txBody>
+          <a:bodyPr spcFirstLastPara="0" vert="horz" wrap="square" lIns="58420" tIns="58420" rIns="58420" bIns="58420" numCol="1" spcCol="1270" anchor="t" anchorCtr="0">
+            <a:noAutofit/>
+          </a:bodyPr>
+          <a:lstStyle/>
+          <a:p>
+            <a:r>
+              <a:rPr lang="en-US" sz="2400" dirty="0" smtClean="0"/>
+              <a:t>Types of </a:t>
+            </a:r>
+            <a:r>
+              <a:rPr lang="en-US" sz="2400" dirty="0" err="1" smtClean="0"/>
+              <a:t>embeddings</a:t>
+            </a:r>
+            <a:r>
+              <a:rPr lang="en-US" sz="2400" dirty="0" smtClean="0"/>
+              <a:t>:</a:t>
+            </a:r>
+          </a:p>
+          <a:p>
+            <a:r>
+              <a:rPr lang="en-US" sz="2400" dirty="0" smtClean="0"/>
+              <a:t>Character</a:t>
+            </a:r>
+            <a:endParaRPr lang="en-US" sz="2400" dirty="0"/>
+          </a:p>
+          <a:p>
+            <a:r>
+              <a:rPr lang="en-US" sz="2400" dirty="0" smtClean="0"/>
+              <a:t>Word</a:t>
+            </a:r>
+            <a:endParaRPr lang="en-US" sz="2400" dirty="0"/>
+          </a:p>
+          <a:p>
+            <a:r>
+              <a:rPr lang="en-US" sz="2400" dirty="0" smtClean="0"/>
+              <a:t>Phrase</a:t>
+            </a:r>
+            <a:endParaRPr lang="en-US" sz="2400" dirty="0"/>
+          </a:p>
+        </p:txBody>
+      </p:sp>
+      <p:sp>
+        <p:nvSpPr>
+          <p:cNvPr id="203" name="Freeform 202"/>
+          <p:cNvSpPr/>
+          <p:nvPr/>
+        </p:nvSpPr>
+        <p:spPr>
+          <a:xfrm>
+            <a:off x="19726670" y="7325399"/>
+            <a:ext cx="4597082" cy="964189"/>
+          </a:xfrm>
+          <a:custGeom>
+            <a:avLst/>
+            <a:gdLst>
+              <a:gd name="connsiteX0" fmla="*/ 0 w 1942046"/>
+              <a:gd name="connsiteY0" fmla="*/ 0 h 388409"/>
+              <a:gd name="connsiteX1" fmla="*/ 1942046 w 1942046"/>
+              <a:gd name="connsiteY1" fmla="*/ 0 h 388409"/>
+              <a:gd name="connsiteX2" fmla="*/ 1942046 w 1942046"/>
+              <a:gd name="connsiteY2" fmla="*/ 388409 h 388409"/>
+              <a:gd name="connsiteX3" fmla="*/ 0 w 1942046"/>
+              <a:gd name="connsiteY3" fmla="*/ 388409 h 388409"/>
+              <a:gd name="connsiteX4" fmla="*/ 0 w 1942046"/>
+              <a:gd name="connsiteY4" fmla="*/ 0 h 388409"/>
+            </a:gdLst>
+            <a:ahLst/>
+            <a:cxnLst>
+              <a:cxn ang="0">
+                <a:pos x="connsiteX0" y="connsiteY0"/>
+              </a:cxn>
+              <a:cxn ang="0">
+                <a:pos x="connsiteX1" y="connsiteY1"/>
+              </a:cxn>
+              <a:cxn ang="0">
+                <a:pos x="connsiteX2" y="connsiteY2"/>
+              </a:cxn>
+              <a:cxn ang="0">
+                <a:pos x="connsiteX3" y="connsiteY3"/>
+              </a:cxn>
+              <a:cxn ang="0">
+                <a:pos x="connsiteX4" y="connsiteY4"/>
+              </a:cxn>
+            </a:cxnLst>
+            <a:rect l="l" t="t" r="r" b="b"/>
+            <a:pathLst>
+              <a:path w="1942046" h="388409">
+                <a:moveTo>
+                  <a:pt x="0" y="0"/>
+                </a:moveTo>
+                <a:lnTo>
+                  <a:pt x="1942046" y="0"/>
+                </a:lnTo>
+                <a:lnTo>
+                  <a:pt x="1942046" y="388409"/>
+                </a:lnTo>
+                <a:lnTo>
+                  <a:pt x="0" y="388409"/>
+                </a:lnTo>
+                <a:lnTo>
+                  <a:pt x="0" y="0"/>
+                </a:lnTo>
+                <a:close/>
+              </a:path>
+            </a:pathLst>
+          </a:custGeom>
+          <a:solidFill>
+            <a:srgbClr val="520063"/>
+          </a:solidFill>
+          <a:ln>
+            <a:solidFill>
+              <a:schemeClr val="tx1"/>
+            </a:solidFill>
+          </a:ln>
+        </p:spPr>
+        <p:style>
+          <a:lnRef idx="2">
+            <a:schemeClr val="accent1">
+              <a:hueOff val="0"/>
+              <a:satOff val="0"/>
+              <a:lumOff val="0"/>
+              <a:alphaOff val="0"/>
+            </a:schemeClr>
+          </a:lnRef>
+          <a:fillRef idx="1">
+            <a:schemeClr val="accent1">
+              <a:hueOff val="0"/>
+              <a:satOff val="0"/>
+              <a:lumOff val="0"/>
+              <a:alphaOff val="0"/>
+            </a:schemeClr>
+          </a:fillRef>
+          <a:effectRef idx="0">
+            <a:schemeClr val="accent1">
+              <a:hueOff val="0"/>
+              <a:satOff val="0"/>
+              <a:lumOff val="0"/>
+              <a:alphaOff val="0"/>
+            </a:schemeClr>
+          </a:effectRef>
+          <a:fontRef idx="minor">
+            <a:schemeClr val="lt1"/>
+          </a:fontRef>
+        </p:style>
+        <p:txBody>
+          <a:bodyPr spcFirstLastPara="0" vert="horz" wrap="square" lIns="53340" tIns="53340" rIns="53340" bIns="53340" numCol="1" spcCol="1270" anchor="ctr" anchorCtr="0">
+            <a:noAutofit/>
+          </a:bodyPr>
+          <a:lstStyle/>
+          <a:p>
+            <a:pPr lvl="0" algn="ctr" defTabSz="933450">
+              <a:lnSpc>
+                <a:spcPct val="90000"/>
+              </a:lnSpc>
+              <a:spcBef>
+                <a:spcPct val="0"/>
+              </a:spcBef>
+              <a:spcAft>
+                <a:spcPct val="35000"/>
+              </a:spcAft>
+            </a:pPr>
+            <a:r>
+              <a:rPr lang="en-US" sz="2100" kern="1200" dirty="0"/>
+              <a:t>Step 2</a:t>
+            </a:r>
+          </a:p>
+        </p:txBody>
+      </p:sp>
+      <p:sp>
+        <p:nvSpPr>
+          <p:cNvPr id="206" name="Freeform 205"/>
+          <p:cNvSpPr/>
+          <p:nvPr/>
+        </p:nvSpPr>
+        <p:spPr>
+          <a:xfrm>
+            <a:off x="25198785" y="8845189"/>
+            <a:ext cx="4597082" cy="2665598"/>
+          </a:xfrm>
+          <a:custGeom>
+            <a:avLst/>
+            <a:gdLst>
+              <a:gd name="connsiteX0" fmla="*/ 0 w 1838534"/>
+              <a:gd name="connsiteY0" fmla="*/ 0 h 1806102"/>
+              <a:gd name="connsiteX1" fmla="*/ 1838534 w 1838534"/>
+              <a:gd name="connsiteY1" fmla="*/ 0 h 1806102"/>
+              <a:gd name="connsiteX2" fmla="*/ 1838534 w 1838534"/>
+              <a:gd name="connsiteY2" fmla="*/ 1806102 h 1806102"/>
+              <a:gd name="connsiteX3" fmla="*/ 0 w 1838534"/>
+              <a:gd name="connsiteY3" fmla="*/ 1806102 h 1806102"/>
+              <a:gd name="connsiteX4" fmla="*/ 0 w 1838534"/>
+              <a:gd name="connsiteY4" fmla="*/ 0 h 1806102"/>
+            </a:gdLst>
+            <a:ahLst/>
+            <a:cxnLst>
+              <a:cxn ang="0">
+                <a:pos x="connsiteX0" y="connsiteY0"/>
+              </a:cxn>
+              <a:cxn ang="0">
+                <a:pos x="connsiteX1" y="connsiteY1"/>
+              </a:cxn>
+              <a:cxn ang="0">
+                <a:pos x="connsiteX2" y="connsiteY2"/>
+              </a:cxn>
+              <a:cxn ang="0">
+                <a:pos x="connsiteX3" y="connsiteY3"/>
+              </a:cxn>
+              <a:cxn ang="0">
+                <a:pos x="connsiteX4" y="connsiteY4"/>
+              </a:cxn>
+            </a:cxnLst>
+            <a:rect l="l" t="t" r="r" b="b"/>
+            <a:pathLst>
+              <a:path w="1838534" h="1806102">
+                <a:moveTo>
+                  <a:pt x="0" y="0"/>
+                </a:moveTo>
+                <a:lnTo>
+                  <a:pt x="1838534" y="0"/>
+                </a:lnTo>
+                <a:lnTo>
+                  <a:pt x="1838534" y="1806102"/>
+                </a:lnTo>
+                <a:lnTo>
+                  <a:pt x="0" y="1806102"/>
+                </a:lnTo>
+                <a:lnTo>
+                  <a:pt x="0" y="0"/>
+                </a:lnTo>
+                <a:close/>
+              </a:path>
+            </a:pathLst>
+          </a:custGeom>
+        </p:spPr>
+        <p:style>
+          <a:lnRef idx="0">
+            <a:schemeClr val="dk1">
+              <a:alpha val="0"/>
+              <a:hueOff val="0"/>
+              <a:satOff val="0"/>
+              <a:lumOff val="0"/>
+              <a:alphaOff val="0"/>
+            </a:schemeClr>
+          </a:lnRef>
+          <a:fillRef idx="0">
+            <a:schemeClr val="lt1">
+              <a:alpha val="0"/>
+              <a:hueOff val="0"/>
+              <a:satOff val="0"/>
+              <a:lumOff val="0"/>
+              <a:alphaOff val="0"/>
+            </a:schemeClr>
+          </a:fillRef>
+          <a:effectRef idx="0">
+            <a:schemeClr val="lt1">
+              <a:alpha val="0"/>
+              <a:hueOff val="0"/>
+              <a:satOff val="0"/>
+              <a:lumOff val="0"/>
+              <a:alphaOff val="0"/>
+            </a:schemeClr>
+          </a:effectRef>
+          <a:fontRef idx="minor">
+            <a:schemeClr val="tx1">
+              <a:hueOff val="0"/>
+              <a:satOff val="0"/>
+              <a:lumOff val="0"/>
+              <a:alphaOff val="0"/>
+            </a:schemeClr>
+          </a:fontRef>
+        </p:style>
+        <p:txBody>
+          <a:bodyPr spcFirstLastPara="0" vert="horz" wrap="square" lIns="58420" tIns="58420" rIns="58420" bIns="58420" numCol="1" spcCol="1270" anchor="t" anchorCtr="0">
+            <a:noAutofit/>
+          </a:bodyPr>
+          <a:lstStyle/>
+          <a:p>
+            <a:r>
+              <a:rPr lang="en-US" sz="2400" dirty="0" smtClean="0"/>
+              <a:t>Model evaluation / </a:t>
+            </a:r>
+            <a:r>
+              <a:rPr lang="en-US" sz="2400" dirty="0" err="1" smtClean="0"/>
+              <a:t>hyperparameter</a:t>
+            </a:r>
+            <a:r>
+              <a:rPr lang="en-US" sz="2400" dirty="0" smtClean="0"/>
+              <a:t> tuning</a:t>
+            </a:r>
+          </a:p>
+          <a:p>
+            <a:endParaRPr lang="en-US" sz="2400" dirty="0"/>
+          </a:p>
+        </p:txBody>
+      </p:sp>
+      <p:sp>
+        <p:nvSpPr>
+          <p:cNvPr id="207" name="Freeform 206"/>
+          <p:cNvSpPr/>
+          <p:nvPr/>
+        </p:nvSpPr>
+        <p:spPr>
+          <a:xfrm>
+            <a:off x="25198785" y="7325398"/>
+            <a:ext cx="4597082" cy="964189"/>
+          </a:xfrm>
+          <a:custGeom>
+            <a:avLst/>
+            <a:gdLst>
+              <a:gd name="connsiteX0" fmla="*/ 0 w 1942046"/>
+              <a:gd name="connsiteY0" fmla="*/ 0 h 388409"/>
+              <a:gd name="connsiteX1" fmla="*/ 1942046 w 1942046"/>
+              <a:gd name="connsiteY1" fmla="*/ 0 h 388409"/>
+              <a:gd name="connsiteX2" fmla="*/ 1942046 w 1942046"/>
+              <a:gd name="connsiteY2" fmla="*/ 388409 h 388409"/>
+              <a:gd name="connsiteX3" fmla="*/ 0 w 1942046"/>
+              <a:gd name="connsiteY3" fmla="*/ 388409 h 388409"/>
+              <a:gd name="connsiteX4" fmla="*/ 0 w 1942046"/>
+              <a:gd name="connsiteY4" fmla="*/ 0 h 388409"/>
+            </a:gdLst>
+            <a:ahLst/>
+            <a:cxnLst>
+              <a:cxn ang="0">
+                <a:pos x="connsiteX0" y="connsiteY0"/>
+              </a:cxn>
+              <a:cxn ang="0">
+                <a:pos x="connsiteX1" y="connsiteY1"/>
+              </a:cxn>
+              <a:cxn ang="0">
+                <a:pos x="connsiteX2" y="connsiteY2"/>
+              </a:cxn>
+              <a:cxn ang="0">
+                <a:pos x="connsiteX3" y="connsiteY3"/>
+              </a:cxn>
+              <a:cxn ang="0">
+                <a:pos x="connsiteX4" y="connsiteY4"/>
+              </a:cxn>
+            </a:cxnLst>
+            <a:rect l="l" t="t" r="r" b="b"/>
+            <a:pathLst>
+              <a:path w="1942046" h="388409">
+                <a:moveTo>
+                  <a:pt x="0" y="0"/>
+                </a:moveTo>
+                <a:lnTo>
+                  <a:pt x="1942046" y="0"/>
+                </a:lnTo>
+                <a:lnTo>
+                  <a:pt x="1942046" y="388409"/>
+                </a:lnTo>
+                <a:lnTo>
+                  <a:pt x="0" y="388409"/>
+                </a:lnTo>
+                <a:lnTo>
+                  <a:pt x="0" y="0"/>
+                </a:lnTo>
+                <a:close/>
+              </a:path>
+            </a:pathLst>
+          </a:custGeom>
+          <a:solidFill>
+            <a:srgbClr val="520063"/>
+          </a:solidFill>
+          <a:ln>
+            <a:solidFill>
+              <a:schemeClr val="tx1"/>
+            </a:solidFill>
+          </a:ln>
+        </p:spPr>
+        <p:style>
+          <a:lnRef idx="2">
+            <a:schemeClr val="accent1">
+              <a:hueOff val="0"/>
+              <a:satOff val="0"/>
+              <a:lumOff val="0"/>
+              <a:alphaOff val="0"/>
+            </a:schemeClr>
+          </a:lnRef>
+          <a:fillRef idx="1">
+            <a:schemeClr val="accent1">
+              <a:hueOff val="0"/>
+              <a:satOff val="0"/>
+              <a:lumOff val="0"/>
+              <a:alphaOff val="0"/>
+            </a:schemeClr>
+          </a:fillRef>
+          <a:effectRef idx="0">
+            <a:schemeClr val="accent1">
+              <a:hueOff val="0"/>
+              <a:satOff val="0"/>
+              <a:lumOff val="0"/>
+              <a:alphaOff val="0"/>
+            </a:schemeClr>
+          </a:effectRef>
+          <a:fontRef idx="minor">
+            <a:schemeClr val="lt1"/>
+          </a:fontRef>
+        </p:style>
+        <p:txBody>
+          <a:bodyPr spcFirstLastPara="0" vert="horz" wrap="square" lIns="53340" tIns="53340" rIns="53340" bIns="53340" numCol="1" spcCol="1270" anchor="ctr" anchorCtr="0">
+            <a:noAutofit/>
+          </a:bodyPr>
+          <a:lstStyle/>
+          <a:p>
+            <a:pPr lvl="0" algn="ctr" defTabSz="933450">
+              <a:lnSpc>
+                <a:spcPct val="90000"/>
+              </a:lnSpc>
+              <a:spcBef>
+                <a:spcPct val="0"/>
+              </a:spcBef>
+              <a:spcAft>
+                <a:spcPct val="35000"/>
+              </a:spcAft>
+            </a:pPr>
+            <a:r>
+              <a:rPr lang="en-US" sz="2100" kern="1200" dirty="0"/>
+              <a:t>Step 3</a:t>
+            </a:r>
+          </a:p>
+        </p:txBody>
+      </p:sp>
+      <p:sp>
+        <p:nvSpPr>
+          <p:cNvPr id="212" name="Text Placeholder 67"/>
+          <p:cNvSpPr>
+            <a:spLocks noGrp="1"/>
+          </p:cNvSpPr>
+          <p:nvPr>
+            <p:ph type="body" sz="quarter" idx="37"/>
+          </p:nvPr>
+        </p:nvSpPr>
+        <p:spPr>
+          <a:xfrm>
+            <a:off x="472442" y="16658989"/>
+            <a:ext cx="12801600" cy="1280160"/>
+          </a:xfrm>
+          <a:solidFill>
+            <a:srgbClr val="520063"/>
+          </a:solidFill>
+        </p:spPr>
+        <p:txBody>
+          <a:bodyPr/>
+          <a:lstStyle/>
+          <a:p>
+            <a:r>
+              <a:rPr lang="en-US" dirty="0"/>
+              <a:t>Dataset</a:t>
+            </a:r>
+          </a:p>
+        </p:txBody>
+      </p:sp>
+      <p:sp>
+        <p:nvSpPr>
+          <p:cNvPr id="213" name="Content Placeholder 10"/>
+          <p:cNvSpPr>
+            <a:spLocks noGrp="1"/>
+          </p:cNvSpPr>
+          <p:nvPr>
+            <p:ph sz="quarter" idx="38"/>
+          </p:nvPr>
+        </p:nvSpPr>
+        <p:spPr>
+          <a:xfrm>
+            <a:off x="472442" y="18233329"/>
+            <a:ext cx="12801600" cy="8898601"/>
+          </a:xfrm>
+          <a:solidFill>
+            <a:srgbClr val="E8E8E8"/>
+          </a:solidFill>
+        </p:spPr>
+        <p:txBody>
+          <a:bodyPr>
+            <a:normAutofit lnSpcReduction="10000"/>
+          </a:bodyPr>
+          <a:lstStyle/>
+          <a:p>
+            <a:r>
+              <a:rPr lang="en-US" dirty="0" smtClean="0"/>
+              <a:t>Pulled </a:t>
+            </a:r>
+            <a:r>
+              <a:rPr lang="en-US" dirty="0" smtClean="0"/>
+              <a:t>90,000 ingredient lists from </a:t>
+            </a:r>
+            <a:r>
+              <a:rPr lang="en-US" dirty="0" err="1" smtClean="0"/>
+              <a:t>Yummly</a:t>
+            </a:r>
+            <a:r>
+              <a:rPr lang="en-US" dirty="0" smtClean="0"/>
+              <a:t> (a recipe repository) using their API and </a:t>
+            </a:r>
+            <a:r>
+              <a:rPr lang="en-US" dirty="0" smtClean="0"/>
+              <a:t>specified ‘cookie</a:t>
+            </a:r>
+            <a:r>
+              <a:rPr lang="en-US" dirty="0" smtClean="0"/>
+              <a:t>’ as the search </a:t>
+            </a:r>
+            <a:r>
+              <a:rPr lang="en-US" dirty="0" smtClean="0"/>
+              <a:t>parameter</a:t>
+            </a:r>
+          </a:p>
+          <a:p>
+            <a:r>
+              <a:rPr lang="en-US" dirty="0" smtClean="0"/>
+              <a:t>Removed </a:t>
+            </a:r>
+            <a:r>
+              <a:rPr lang="en-US" dirty="0" smtClean="0"/>
+              <a:t>any recipes that didn’t have cookie in the title</a:t>
+            </a:r>
+          </a:p>
+          <a:p>
+            <a:r>
+              <a:rPr lang="en-US" dirty="0"/>
+              <a:t>Removed special characters and converted from Unicode to </a:t>
+            </a:r>
+            <a:r>
+              <a:rPr lang="en-US" dirty="0" smtClean="0"/>
+              <a:t>ASCII</a:t>
+            </a:r>
+            <a:endParaRPr lang="en-US" dirty="0" smtClean="0"/>
+          </a:p>
+          <a:p>
+            <a:r>
+              <a:rPr lang="en-US" dirty="0" smtClean="0"/>
+              <a:t>Created </a:t>
+            </a:r>
+            <a:r>
+              <a:rPr lang="en-US" dirty="0"/>
+              <a:t>a dictionary of </a:t>
+            </a:r>
+            <a:r>
+              <a:rPr lang="en-US" dirty="0" smtClean="0"/>
+              <a:t>words by looking at the term frequency matrix of the corpus </a:t>
+            </a:r>
+            <a:r>
+              <a:rPr lang="en-US" dirty="0" smtClean="0"/>
+              <a:t>and removing any infrequent (&lt;100) terms</a:t>
+            </a:r>
+          </a:p>
+          <a:p>
+            <a:r>
+              <a:rPr lang="en-US" dirty="0" smtClean="0"/>
+              <a:t>Inspected </a:t>
+            </a:r>
+            <a:r>
+              <a:rPr lang="en-US" dirty="0" smtClean="0"/>
+              <a:t>the final dictionary and removed any words that were instructions or were unrelated to </a:t>
+            </a:r>
+            <a:r>
+              <a:rPr lang="en-US" dirty="0" smtClean="0"/>
+              <a:t>cookies</a:t>
+            </a:r>
+          </a:p>
+          <a:p>
+            <a:r>
+              <a:rPr lang="en-US" dirty="0" smtClean="0"/>
+              <a:t>Removed any words not in the final dictionary from the corpus</a:t>
+            </a:r>
+            <a:endParaRPr lang="en-US" dirty="0" smtClean="0"/>
+          </a:p>
+          <a:p>
+            <a:r>
+              <a:rPr lang="en-US" dirty="0" smtClean="0"/>
+              <a:t>Example raw observation: </a:t>
+            </a:r>
+          </a:p>
+          <a:p>
+            <a:pPr lvl="1"/>
+            <a:r>
+              <a:rPr lang="en-US" sz="2200" dirty="0" smtClean="0"/>
+              <a:t>['2 </a:t>
+            </a:r>
+            <a:r>
+              <a:rPr lang="en-US" sz="2200" dirty="0"/>
+              <a:t>cups flour', </a:t>
+            </a:r>
+            <a:r>
+              <a:rPr lang="en-US" sz="2200" dirty="0" smtClean="0"/>
+              <a:t>'1 </a:t>
+            </a:r>
+            <a:r>
+              <a:rPr lang="en-US" sz="2200" dirty="0"/>
+              <a:t>teaspoon baking powder', </a:t>
+            </a:r>
+            <a:r>
+              <a:rPr lang="en-US" sz="2200" dirty="0" smtClean="0"/>
+              <a:t>'1 </a:t>
+            </a:r>
+            <a:r>
+              <a:rPr lang="en-US" sz="2200" dirty="0"/>
+              <a:t>teaspoon baking soda', </a:t>
+            </a:r>
+            <a:r>
+              <a:rPr lang="en-US" sz="2200" dirty="0" smtClean="0"/>
+              <a:t>'1 </a:t>
+            </a:r>
+            <a:r>
+              <a:rPr lang="en-US" sz="2200" dirty="0"/>
+              <a:t>teaspoon salt', </a:t>
+            </a:r>
+            <a:r>
+              <a:rPr lang="en-US" sz="2200" dirty="0" smtClean="0"/>
+              <a:t>'3/4 </a:t>
+            </a:r>
+            <a:r>
+              <a:rPr lang="en-US" sz="2200" dirty="0"/>
+              <a:t>cup butter, room temperature', </a:t>
+            </a:r>
+            <a:r>
+              <a:rPr lang="en-US" sz="2200" dirty="0" smtClean="0"/>
+              <a:t>'3/4 </a:t>
+            </a:r>
+            <a:r>
+              <a:rPr lang="en-US" sz="2200" dirty="0"/>
+              <a:t>cup brown sugar (packed)', </a:t>
+            </a:r>
+            <a:r>
+              <a:rPr lang="en-US" sz="2200" dirty="0" smtClean="0"/>
+              <a:t>'3/4 </a:t>
+            </a:r>
+            <a:r>
+              <a:rPr lang="en-US" sz="2200" dirty="0"/>
+              <a:t>cup granulated sugar', </a:t>
+            </a:r>
+            <a:r>
+              <a:rPr lang="en-US" sz="2200" dirty="0" smtClean="0"/>
+              <a:t>'2 </a:t>
+            </a:r>
+            <a:r>
+              <a:rPr lang="en-US" sz="2200" dirty="0"/>
+              <a:t>large eggs', u'2 teaspoons vanilla (or slightly more, to taste)', </a:t>
+            </a:r>
+            <a:r>
+              <a:rPr lang="en-US" sz="2200" dirty="0" smtClean="0"/>
+              <a:t>'3 </a:t>
+            </a:r>
+            <a:r>
+              <a:rPr lang="en-US" sz="2200" dirty="0"/>
+              <a:t>1/2 cups old-fashioned oatmeal', </a:t>
+            </a:r>
+            <a:r>
+              <a:rPr lang="en-US" sz="2200" dirty="0" smtClean="0"/>
+              <a:t>'2 </a:t>
+            </a:r>
+            <a:r>
+              <a:rPr lang="en-US" sz="2200" dirty="0"/>
+              <a:t>cups raisins (soaked in hot water flavored with vanilla, then drained)']</a:t>
+            </a:r>
+            <a:endParaRPr lang="en-US" sz="2200" dirty="0" smtClean="0"/>
+          </a:p>
+          <a:p>
+            <a:r>
+              <a:rPr lang="en-US" dirty="0" smtClean="0"/>
+              <a:t>Example post-processed observation</a:t>
+            </a:r>
+            <a:r>
+              <a:rPr lang="en-US" dirty="0"/>
+              <a:t>: </a:t>
+            </a:r>
+            <a:endParaRPr lang="en-US" dirty="0" smtClean="0"/>
+          </a:p>
+          <a:p>
+            <a:pPr lvl="1"/>
+            <a:r>
+              <a:rPr lang="en-US" sz="2200" dirty="0" smtClean="0"/>
+              <a:t>[</a:t>
+            </a:r>
+            <a:r>
+              <a:rPr lang="en-US" sz="2200" dirty="0"/>
+              <a:t>Favorite Oatmeal Raisin Cookies] </a:t>
+            </a:r>
+            <a:r>
+              <a:rPr lang="en-US" sz="2200" dirty="0" smtClean="0"/>
+              <a:t>    </a:t>
+            </a:r>
+            <a:r>
+              <a:rPr lang="en-US" sz="2200" dirty="0"/>
+              <a:t>2 cups flour,1 teaspoon baking powder,1 teaspoon baking soda,1 teaspoon salt,3/4 cup butter room temperature,3/4 cup brown sugar ,3/4 cup granulated sugar,2 large eggs,2 teaspoons vanilla ,3 1/2 cups old-fashioned oatmeal,2 cups raisins </a:t>
+            </a:r>
+            <a:endParaRPr lang="en-US" sz="2200" dirty="0" smtClean="0"/>
+          </a:p>
+        </p:txBody>
+      </p:sp>
+      <p:sp>
+        <p:nvSpPr>
+          <p:cNvPr id="231" name="Freeform 230"/>
+          <p:cNvSpPr/>
+          <p:nvPr/>
+        </p:nvSpPr>
+        <p:spPr>
+          <a:xfrm>
+            <a:off x="14254555" y="13577937"/>
+            <a:ext cx="4597082" cy="964189"/>
+          </a:xfrm>
+          <a:custGeom>
+            <a:avLst/>
+            <a:gdLst>
+              <a:gd name="connsiteX0" fmla="*/ 0 w 1942046"/>
+              <a:gd name="connsiteY0" fmla="*/ 0 h 388409"/>
+              <a:gd name="connsiteX1" fmla="*/ 1942046 w 1942046"/>
+              <a:gd name="connsiteY1" fmla="*/ 0 h 388409"/>
+              <a:gd name="connsiteX2" fmla="*/ 1942046 w 1942046"/>
+              <a:gd name="connsiteY2" fmla="*/ 388409 h 388409"/>
+              <a:gd name="connsiteX3" fmla="*/ 0 w 1942046"/>
+              <a:gd name="connsiteY3" fmla="*/ 388409 h 388409"/>
+              <a:gd name="connsiteX4" fmla="*/ 0 w 1942046"/>
+              <a:gd name="connsiteY4" fmla="*/ 0 h 388409"/>
+            </a:gdLst>
+            <a:ahLst/>
+            <a:cxnLst>
+              <a:cxn ang="0">
+                <a:pos x="connsiteX0" y="connsiteY0"/>
+              </a:cxn>
+              <a:cxn ang="0">
+                <a:pos x="connsiteX1" y="connsiteY1"/>
+              </a:cxn>
+              <a:cxn ang="0">
+                <a:pos x="connsiteX2" y="connsiteY2"/>
+              </a:cxn>
+              <a:cxn ang="0">
+                <a:pos x="connsiteX3" y="connsiteY3"/>
+              </a:cxn>
+              <a:cxn ang="0">
+                <a:pos x="connsiteX4" y="connsiteY4"/>
+              </a:cxn>
+            </a:cxnLst>
+            <a:rect l="l" t="t" r="r" b="b"/>
+            <a:pathLst>
+              <a:path w="1942046" h="388409">
+                <a:moveTo>
+                  <a:pt x="0" y="0"/>
+                </a:moveTo>
+                <a:lnTo>
+                  <a:pt x="1942046" y="0"/>
+                </a:lnTo>
+                <a:lnTo>
+                  <a:pt x="1942046" y="388409"/>
+                </a:lnTo>
+                <a:lnTo>
+                  <a:pt x="0" y="388409"/>
+                </a:lnTo>
+                <a:lnTo>
+                  <a:pt x="0" y="0"/>
+                </a:lnTo>
+                <a:close/>
+              </a:path>
+            </a:pathLst>
+          </a:custGeom>
+          <a:solidFill>
+            <a:srgbClr val="520063"/>
+          </a:solidFill>
+          <a:ln>
+            <a:solidFill>
+              <a:schemeClr val="tx1"/>
+            </a:solidFill>
+          </a:ln>
+        </p:spPr>
+        <p:style>
+          <a:lnRef idx="2">
+            <a:schemeClr val="accent1">
+              <a:hueOff val="0"/>
+              <a:satOff val="0"/>
+              <a:lumOff val="0"/>
+              <a:alphaOff val="0"/>
+            </a:schemeClr>
+          </a:lnRef>
+          <a:fillRef idx="1">
+            <a:schemeClr val="accent1">
+              <a:hueOff val="0"/>
+              <a:satOff val="0"/>
+              <a:lumOff val="0"/>
+              <a:alphaOff val="0"/>
+            </a:schemeClr>
+          </a:fillRef>
+          <a:effectRef idx="0">
+            <a:schemeClr val="accent1">
+              <a:hueOff val="0"/>
+              <a:satOff val="0"/>
+              <a:lumOff val="0"/>
+              <a:alphaOff val="0"/>
+            </a:schemeClr>
+          </a:effectRef>
+          <a:fontRef idx="minor">
+            <a:schemeClr val="lt1"/>
+          </a:fontRef>
+        </p:style>
+        <p:txBody>
+          <a:bodyPr spcFirstLastPara="0" vert="horz" wrap="square" lIns="53340" tIns="53340" rIns="53340" bIns="53340" numCol="1" spcCol="1270" anchor="ctr" anchorCtr="0">
+            <a:noAutofit/>
+          </a:bodyPr>
+          <a:lstStyle/>
+          <a:p>
+            <a:pPr lvl="0" algn="ctr" defTabSz="933450">
+              <a:lnSpc>
+                <a:spcPct val="90000"/>
+              </a:lnSpc>
+              <a:spcBef>
+                <a:spcPct val="0"/>
+              </a:spcBef>
+              <a:spcAft>
+                <a:spcPct val="35000"/>
+              </a:spcAft>
+            </a:pPr>
+            <a:r>
+              <a:rPr lang="en-US" sz="2100" kern="1200" dirty="0"/>
+              <a:t>Step </a:t>
+            </a:r>
+            <a:r>
+              <a:rPr lang="en-US" sz="2100" kern="1200" dirty="0" smtClean="0"/>
+              <a:t>4</a:t>
+            </a:r>
+            <a:endParaRPr lang="en-US" sz="2100" kern="1200" dirty="0"/>
+          </a:p>
+        </p:txBody>
+      </p:sp>
+      <p:sp>
+        <p:nvSpPr>
+          <p:cNvPr id="232" name="Freeform 231"/>
+          <p:cNvSpPr/>
+          <p:nvPr/>
+        </p:nvSpPr>
+        <p:spPr>
+          <a:xfrm>
+            <a:off x="19726670" y="13577936"/>
+            <a:ext cx="4597082" cy="964189"/>
+          </a:xfrm>
+          <a:custGeom>
+            <a:avLst/>
+            <a:gdLst>
+              <a:gd name="connsiteX0" fmla="*/ 0 w 1942046"/>
+              <a:gd name="connsiteY0" fmla="*/ 0 h 388409"/>
+              <a:gd name="connsiteX1" fmla="*/ 1942046 w 1942046"/>
+              <a:gd name="connsiteY1" fmla="*/ 0 h 388409"/>
+              <a:gd name="connsiteX2" fmla="*/ 1942046 w 1942046"/>
+              <a:gd name="connsiteY2" fmla="*/ 388409 h 388409"/>
+              <a:gd name="connsiteX3" fmla="*/ 0 w 1942046"/>
+              <a:gd name="connsiteY3" fmla="*/ 388409 h 388409"/>
+              <a:gd name="connsiteX4" fmla="*/ 0 w 1942046"/>
+              <a:gd name="connsiteY4" fmla="*/ 0 h 388409"/>
+            </a:gdLst>
+            <a:ahLst/>
+            <a:cxnLst>
+              <a:cxn ang="0">
+                <a:pos x="connsiteX0" y="connsiteY0"/>
+              </a:cxn>
+              <a:cxn ang="0">
+                <a:pos x="connsiteX1" y="connsiteY1"/>
+              </a:cxn>
+              <a:cxn ang="0">
+                <a:pos x="connsiteX2" y="connsiteY2"/>
+              </a:cxn>
+              <a:cxn ang="0">
+                <a:pos x="connsiteX3" y="connsiteY3"/>
+              </a:cxn>
+              <a:cxn ang="0">
+                <a:pos x="connsiteX4" y="connsiteY4"/>
+              </a:cxn>
+            </a:cxnLst>
+            <a:rect l="l" t="t" r="r" b="b"/>
+            <a:pathLst>
+              <a:path w="1942046" h="388409">
+                <a:moveTo>
+                  <a:pt x="0" y="0"/>
+                </a:moveTo>
+                <a:lnTo>
+                  <a:pt x="1942046" y="0"/>
+                </a:lnTo>
+                <a:lnTo>
+                  <a:pt x="1942046" y="388409"/>
+                </a:lnTo>
+                <a:lnTo>
+                  <a:pt x="0" y="388409"/>
+                </a:lnTo>
+                <a:lnTo>
+                  <a:pt x="0" y="0"/>
+                </a:lnTo>
+                <a:close/>
+              </a:path>
+            </a:pathLst>
+          </a:custGeom>
+          <a:solidFill>
+            <a:srgbClr val="520063"/>
+          </a:solidFill>
+          <a:ln>
+            <a:solidFill>
+              <a:schemeClr val="tx1"/>
+            </a:solidFill>
+          </a:ln>
+        </p:spPr>
+        <p:style>
+          <a:lnRef idx="2">
+            <a:schemeClr val="accent1">
+              <a:hueOff val="0"/>
+              <a:satOff val="0"/>
+              <a:lumOff val="0"/>
+              <a:alphaOff val="0"/>
+            </a:schemeClr>
+          </a:lnRef>
+          <a:fillRef idx="1">
+            <a:schemeClr val="accent1">
+              <a:hueOff val="0"/>
+              <a:satOff val="0"/>
+              <a:lumOff val="0"/>
+              <a:alphaOff val="0"/>
+            </a:schemeClr>
+          </a:fillRef>
+          <a:effectRef idx="0">
+            <a:schemeClr val="accent1">
+              <a:hueOff val="0"/>
+              <a:satOff val="0"/>
+              <a:lumOff val="0"/>
+              <a:alphaOff val="0"/>
+            </a:schemeClr>
+          </a:effectRef>
+          <a:fontRef idx="minor">
+            <a:schemeClr val="lt1"/>
+          </a:fontRef>
+        </p:style>
+        <p:txBody>
+          <a:bodyPr spcFirstLastPara="0" vert="horz" wrap="square" lIns="53340" tIns="53340" rIns="53340" bIns="53340" numCol="1" spcCol="1270" anchor="ctr" anchorCtr="0">
+            <a:noAutofit/>
+          </a:bodyPr>
+          <a:lstStyle/>
+          <a:p>
+            <a:pPr lvl="0" algn="ctr" defTabSz="933450">
+              <a:lnSpc>
+                <a:spcPct val="90000"/>
+              </a:lnSpc>
+              <a:spcBef>
+                <a:spcPct val="0"/>
+              </a:spcBef>
+              <a:spcAft>
+                <a:spcPct val="35000"/>
+              </a:spcAft>
+            </a:pPr>
+            <a:r>
+              <a:rPr lang="en-US" sz="2100" kern="1200" dirty="0"/>
+              <a:t>Step </a:t>
+            </a:r>
+            <a:r>
+              <a:rPr lang="en-US" sz="2100" kern="1200" dirty="0" smtClean="0"/>
+              <a:t>5</a:t>
+            </a:r>
+            <a:endParaRPr lang="en-US" sz="2100" kern="1200" dirty="0"/>
+          </a:p>
+        </p:txBody>
+      </p:sp>
+      <p:sp>
+        <p:nvSpPr>
+          <p:cNvPr id="233" name="Freeform 232"/>
+          <p:cNvSpPr/>
+          <p:nvPr/>
+        </p:nvSpPr>
+        <p:spPr>
+          <a:xfrm>
+            <a:off x="25198785" y="13577935"/>
+            <a:ext cx="4597082" cy="964189"/>
+          </a:xfrm>
+          <a:custGeom>
+            <a:avLst/>
+            <a:gdLst>
+              <a:gd name="connsiteX0" fmla="*/ 0 w 1942046"/>
+              <a:gd name="connsiteY0" fmla="*/ 0 h 388409"/>
+              <a:gd name="connsiteX1" fmla="*/ 1942046 w 1942046"/>
+              <a:gd name="connsiteY1" fmla="*/ 0 h 388409"/>
+              <a:gd name="connsiteX2" fmla="*/ 1942046 w 1942046"/>
+              <a:gd name="connsiteY2" fmla="*/ 388409 h 388409"/>
+              <a:gd name="connsiteX3" fmla="*/ 0 w 1942046"/>
+              <a:gd name="connsiteY3" fmla="*/ 388409 h 388409"/>
+              <a:gd name="connsiteX4" fmla="*/ 0 w 1942046"/>
+              <a:gd name="connsiteY4" fmla="*/ 0 h 388409"/>
+            </a:gdLst>
+            <a:ahLst/>
+            <a:cxnLst>
+              <a:cxn ang="0">
+                <a:pos x="connsiteX0" y="connsiteY0"/>
+              </a:cxn>
+              <a:cxn ang="0">
+                <a:pos x="connsiteX1" y="connsiteY1"/>
+              </a:cxn>
+              <a:cxn ang="0">
+                <a:pos x="connsiteX2" y="connsiteY2"/>
+              </a:cxn>
+              <a:cxn ang="0">
+                <a:pos x="connsiteX3" y="connsiteY3"/>
+              </a:cxn>
+              <a:cxn ang="0">
+                <a:pos x="connsiteX4" y="connsiteY4"/>
+              </a:cxn>
+            </a:cxnLst>
+            <a:rect l="l" t="t" r="r" b="b"/>
+            <a:pathLst>
+              <a:path w="1942046" h="388409">
+                <a:moveTo>
+                  <a:pt x="0" y="0"/>
+                </a:moveTo>
+                <a:lnTo>
+                  <a:pt x="1942046" y="0"/>
+                </a:lnTo>
+                <a:lnTo>
+                  <a:pt x="1942046" y="388409"/>
+                </a:lnTo>
+                <a:lnTo>
+                  <a:pt x="0" y="388409"/>
+                </a:lnTo>
+                <a:lnTo>
+                  <a:pt x="0" y="0"/>
+                </a:lnTo>
+                <a:close/>
+              </a:path>
+            </a:pathLst>
+          </a:custGeom>
+          <a:solidFill>
+            <a:srgbClr val="520063"/>
+          </a:solidFill>
+          <a:ln>
+            <a:solidFill>
+              <a:schemeClr val="tx1"/>
+            </a:solidFill>
+          </a:ln>
+        </p:spPr>
+        <p:style>
+          <a:lnRef idx="2">
+            <a:schemeClr val="accent1">
+              <a:hueOff val="0"/>
+              <a:satOff val="0"/>
+              <a:lumOff val="0"/>
+              <a:alphaOff val="0"/>
+            </a:schemeClr>
+          </a:lnRef>
+          <a:fillRef idx="1">
+            <a:schemeClr val="accent1">
+              <a:hueOff val="0"/>
+              <a:satOff val="0"/>
+              <a:lumOff val="0"/>
+              <a:alphaOff val="0"/>
+            </a:schemeClr>
+          </a:fillRef>
+          <a:effectRef idx="0">
+            <a:schemeClr val="accent1">
+              <a:hueOff val="0"/>
+              <a:satOff val="0"/>
+              <a:lumOff val="0"/>
+              <a:alphaOff val="0"/>
+            </a:schemeClr>
+          </a:effectRef>
+          <a:fontRef idx="minor">
+            <a:schemeClr val="lt1"/>
+          </a:fontRef>
+        </p:style>
+        <p:txBody>
+          <a:bodyPr spcFirstLastPara="0" vert="horz" wrap="square" lIns="53340" tIns="53340" rIns="53340" bIns="53340" numCol="1" spcCol="1270" anchor="ctr" anchorCtr="0">
+            <a:noAutofit/>
+          </a:bodyPr>
+          <a:lstStyle/>
+          <a:p>
+            <a:pPr lvl="0" algn="ctr" defTabSz="933450">
+              <a:lnSpc>
+                <a:spcPct val="90000"/>
+              </a:lnSpc>
+              <a:spcBef>
+                <a:spcPct val="0"/>
+              </a:spcBef>
+              <a:spcAft>
+                <a:spcPct val="35000"/>
+              </a:spcAft>
+            </a:pPr>
+            <a:r>
+              <a:rPr lang="en-US" sz="2100" kern="1200" dirty="0"/>
+              <a:t>Step </a:t>
+            </a:r>
+            <a:r>
+              <a:rPr lang="en-US" sz="2100" kern="1200" dirty="0" smtClean="0"/>
+              <a:t>6</a:t>
+            </a:r>
+            <a:endParaRPr lang="en-US" sz="2100" kern="1200" dirty="0"/>
+          </a:p>
+        </p:txBody>
+      </p:sp>
+      <p:sp>
+        <p:nvSpPr>
+          <p:cNvPr id="234" name="Freeform 233"/>
+          <p:cNvSpPr/>
+          <p:nvPr/>
+        </p:nvSpPr>
+        <p:spPr>
+          <a:xfrm>
+            <a:off x="14254555" y="15198548"/>
+            <a:ext cx="4597082" cy="2613716"/>
+          </a:xfrm>
+          <a:custGeom>
+            <a:avLst/>
+            <a:gdLst>
+              <a:gd name="connsiteX0" fmla="*/ 0 w 1838534"/>
+              <a:gd name="connsiteY0" fmla="*/ 0 h 1806102"/>
+              <a:gd name="connsiteX1" fmla="*/ 1838534 w 1838534"/>
+              <a:gd name="connsiteY1" fmla="*/ 0 h 1806102"/>
+              <a:gd name="connsiteX2" fmla="*/ 1838534 w 1838534"/>
+              <a:gd name="connsiteY2" fmla="*/ 1806102 h 1806102"/>
+              <a:gd name="connsiteX3" fmla="*/ 0 w 1838534"/>
+              <a:gd name="connsiteY3" fmla="*/ 1806102 h 1806102"/>
+              <a:gd name="connsiteX4" fmla="*/ 0 w 1838534"/>
+              <a:gd name="connsiteY4" fmla="*/ 0 h 1806102"/>
+            </a:gdLst>
+            <a:ahLst/>
+            <a:cxnLst>
+              <a:cxn ang="0">
+                <a:pos x="connsiteX0" y="connsiteY0"/>
+              </a:cxn>
+              <a:cxn ang="0">
+                <a:pos x="connsiteX1" y="connsiteY1"/>
+              </a:cxn>
+              <a:cxn ang="0">
+                <a:pos x="connsiteX2" y="connsiteY2"/>
+              </a:cxn>
+              <a:cxn ang="0">
+                <a:pos x="connsiteX3" y="connsiteY3"/>
+              </a:cxn>
+              <a:cxn ang="0">
+                <a:pos x="connsiteX4" y="connsiteY4"/>
+              </a:cxn>
+            </a:cxnLst>
+            <a:rect l="l" t="t" r="r" b="b"/>
+            <a:pathLst>
+              <a:path w="1838534" h="1806102">
+                <a:moveTo>
+                  <a:pt x="0" y="0"/>
+                </a:moveTo>
+                <a:lnTo>
+                  <a:pt x="1838534" y="0"/>
+                </a:lnTo>
+                <a:lnTo>
+                  <a:pt x="1838534" y="1806102"/>
+                </a:lnTo>
+                <a:lnTo>
+                  <a:pt x="0" y="1806102"/>
+                </a:lnTo>
+                <a:lnTo>
+                  <a:pt x="0" y="0"/>
+                </a:lnTo>
+                <a:close/>
+              </a:path>
+            </a:pathLst>
+          </a:custGeom>
+        </p:spPr>
+        <p:style>
+          <a:lnRef idx="0">
+            <a:schemeClr val="dk1">
+              <a:alpha val="0"/>
+              <a:hueOff val="0"/>
+              <a:satOff val="0"/>
+              <a:lumOff val="0"/>
+              <a:alphaOff val="0"/>
+            </a:schemeClr>
+          </a:lnRef>
+          <a:fillRef idx="0">
+            <a:schemeClr val="lt1">
+              <a:alpha val="0"/>
+              <a:hueOff val="0"/>
+              <a:satOff val="0"/>
+              <a:lumOff val="0"/>
+              <a:alphaOff val="0"/>
+            </a:schemeClr>
+          </a:fillRef>
+          <a:effectRef idx="0">
+            <a:schemeClr val="lt1">
+              <a:alpha val="0"/>
+              <a:hueOff val="0"/>
+              <a:satOff val="0"/>
+              <a:lumOff val="0"/>
+              <a:alphaOff val="0"/>
+            </a:schemeClr>
+          </a:effectRef>
+          <a:fontRef idx="minor">
+            <a:schemeClr val="tx1">
+              <a:hueOff val="0"/>
+              <a:satOff val="0"/>
+              <a:lumOff val="0"/>
+              <a:alphaOff val="0"/>
+            </a:schemeClr>
+          </a:fontRef>
+        </p:style>
+        <p:txBody>
+          <a:bodyPr spcFirstLastPara="0" vert="horz" wrap="square" lIns="58420" tIns="58420" rIns="58420" bIns="58420" numCol="1" spcCol="1270" anchor="t" anchorCtr="0">
+            <a:noAutofit/>
+          </a:bodyPr>
+          <a:lstStyle/>
+          <a:p>
             <a:pPr lvl="0" algn="ctr" defTabSz="1022350">
               <a:lnSpc>
                 <a:spcPct val="90000"/>
@@ -20298,41 +16447,313 @@
               </a:spcAft>
             </a:pPr>
             <a:r>
-              <a:rPr lang="en-US" sz="2300" kern="1200" dirty="0" smtClean="0"/>
-              <a:t>Generate recipe by seeding model with created title in brackets</a:t>
-            </a:r>
-            <a:endParaRPr lang="en-US" sz="2300" kern="1200" dirty="0"/>
+              <a:rPr lang="en-US" sz="2300" dirty="0" smtClean="0"/>
+              <a:t>Iteration</a:t>
+            </a:r>
+            <a:endParaRPr lang="en-US" sz="2300" dirty="0"/>
           </a:p>
         </p:txBody>
       </p:sp>
-      <p:pic>
-        <p:nvPicPr>
-          <p:cNvPr id="40" name="Picture Placeholder 39"/>
-          <p:cNvPicPr>
-            <a:picLocks noGrp="1" noChangeAspect="1"/>
-          </p:cNvPicPr>
-          <p:nvPr>
-            <p:ph type="pic" sz="quarter" idx="43"/>
-          </p:nvPr>
-        </p:nvPicPr>
-        <p:blipFill rotWithShape="1">
-          <a:blip r:embed="rId19">
-            <a:extLst>
-              <a:ext uri="{28A0092B-C50C-407E-A947-70E740481C1C}">
-                <a14:useLocalDpi xmlns:a14="http://schemas.microsoft.com/office/drawing/2010/main" val="0"/>
-              </a:ext>
-            </a:extLst>
-          </a:blip>
-          <a:srcRect l="-13691" r="2629" b="27442"/>
-          <a:stretch/>
-        </p:blipFill>
+      <p:sp>
+        <p:nvSpPr>
+          <p:cNvPr id="235" name="Freeform 234"/>
+          <p:cNvSpPr/>
+          <p:nvPr/>
+        </p:nvSpPr>
         <p:spPr>
           <a:xfrm>
-            <a:off x="32657143" y="0"/>
-            <a:ext cx="11234057" cy="3842445"/>
+            <a:off x="19726670" y="15172145"/>
+            <a:ext cx="4597082" cy="2666521"/>
           </a:xfrm>
+          <a:custGeom>
+            <a:avLst/>
+            <a:gdLst>
+              <a:gd name="connsiteX0" fmla="*/ 0 w 1838534"/>
+              <a:gd name="connsiteY0" fmla="*/ 0 h 1806102"/>
+              <a:gd name="connsiteX1" fmla="*/ 1838534 w 1838534"/>
+              <a:gd name="connsiteY1" fmla="*/ 0 h 1806102"/>
+              <a:gd name="connsiteX2" fmla="*/ 1838534 w 1838534"/>
+              <a:gd name="connsiteY2" fmla="*/ 1806102 h 1806102"/>
+              <a:gd name="connsiteX3" fmla="*/ 0 w 1838534"/>
+              <a:gd name="connsiteY3" fmla="*/ 1806102 h 1806102"/>
+              <a:gd name="connsiteX4" fmla="*/ 0 w 1838534"/>
+              <a:gd name="connsiteY4" fmla="*/ 0 h 1806102"/>
+            </a:gdLst>
+            <a:ahLst/>
+            <a:cxnLst>
+              <a:cxn ang="0">
+                <a:pos x="connsiteX0" y="connsiteY0"/>
+              </a:cxn>
+              <a:cxn ang="0">
+                <a:pos x="connsiteX1" y="connsiteY1"/>
+              </a:cxn>
+              <a:cxn ang="0">
+                <a:pos x="connsiteX2" y="connsiteY2"/>
+              </a:cxn>
+              <a:cxn ang="0">
+                <a:pos x="connsiteX3" y="connsiteY3"/>
+              </a:cxn>
+              <a:cxn ang="0">
+                <a:pos x="connsiteX4" y="connsiteY4"/>
+              </a:cxn>
+            </a:cxnLst>
+            <a:rect l="l" t="t" r="r" b="b"/>
+            <a:pathLst>
+              <a:path w="1838534" h="1806102">
+                <a:moveTo>
+                  <a:pt x="0" y="0"/>
+                </a:moveTo>
+                <a:lnTo>
+                  <a:pt x="1838534" y="0"/>
+                </a:lnTo>
+                <a:lnTo>
+                  <a:pt x="1838534" y="1806102"/>
+                </a:lnTo>
+                <a:lnTo>
+                  <a:pt x="0" y="1806102"/>
+                </a:lnTo>
+                <a:lnTo>
+                  <a:pt x="0" y="0"/>
+                </a:lnTo>
+                <a:close/>
+              </a:path>
+            </a:pathLst>
+          </a:custGeom>
         </p:spPr>
-      </p:pic>
+        <p:style>
+          <a:lnRef idx="0">
+            <a:schemeClr val="dk1">
+              <a:alpha val="0"/>
+              <a:hueOff val="0"/>
+              <a:satOff val="0"/>
+              <a:lumOff val="0"/>
+              <a:alphaOff val="0"/>
+            </a:schemeClr>
+          </a:lnRef>
+          <a:fillRef idx="0">
+            <a:schemeClr val="lt1">
+              <a:alpha val="0"/>
+              <a:hueOff val="0"/>
+              <a:satOff val="0"/>
+              <a:lumOff val="0"/>
+              <a:alphaOff val="0"/>
+            </a:schemeClr>
+          </a:fillRef>
+          <a:effectRef idx="0">
+            <a:schemeClr val="lt1">
+              <a:alpha val="0"/>
+              <a:hueOff val="0"/>
+              <a:satOff val="0"/>
+              <a:lumOff val="0"/>
+              <a:alphaOff val="0"/>
+            </a:schemeClr>
+          </a:effectRef>
+          <a:fontRef idx="minor">
+            <a:schemeClr val="tx1">
+              <a:hueOff val="0"/>
+              <a:satOff val="0"/>
+              <a:lumOff val="0"/>
+              <a:alphaOff val="0"/>
+            </a:schemeClr>
+          </a:fontRef>
+        </p:style>
+        <p:txBody>
+          <a:bodyPr spcFirstLastPara="0" vert="horz" wrap="square" lIns="58420" tIns="58420" rIns="58420" bIns="58420" numCol="1" spcCol="1270" anchor="t" anchorCtr="0">
+            <a:noAutofit/>
+          </a:bodyPr>
+          <a:lstStyle/>
+          <a:p>
+            <a:pPr lvl="0" algn="ctr" defTabSz="1022350">
+              <a:lnSpc>
+                <a:spcPct val="90000"/>
+              </a:lnSpc>
+              <a:spcBef>
+                <a:spcPct val="0"/>
+              </a:spcBef>
+              <a:spcAft>
+                <a:spcPct val="35000"/>
+              </a:spcAft>
+            </a:pPr>
+            <a:r>
+              <a:rPr lang="en-US" sz="2400" dirty="0" smtClean="0"/>
+              <a:t>Generate recipe by seeding model with created title in brackets</a:t>
+            </a:r>
+          </a:p>
+        </p:txBody>
+      </p:sp>
+      <p:sp>
+        <p:nvSpPr>
+          <p:cNvPr id="236" name="Freeform 235"/>
+          <p:cNvSpPr/>
+          <p:nvPr/>
+        </p:nvSpPr>
+        <p:spPr>
+          <a:xfrm>
+            <a:off x="25198785" y="15198548"/>
+            <a:ext cx="4597082" cy="2665598"/>
+          </a:xfrm>
+          <a:custGeom>
+            <a:avLst/>
+            <a:gdLst>
+              <a:gd name="connsiteX0" fmla="*/ 0 w 1838534"/>
+              <a:gd name="connsiteY0" fmla="*/ 0 h 1806102"/>
+              <a:gd name="connsiteX1" fmla="*/ 1838534 w 1838534"/>
+              <a:gd name="connsiteY1" fmla="*/ 0 h 1806102"/>
+              <a:gd name="connsiteX2" fmla="*/ 1838534 w 1838534"/>
+              <a:gd name="connsiteY2" fmla="*/ 1806102 h 1806102"/>
+              <a:gd name="connsiteX3" fmla="*/ 0 w 1838534"/>
+              <a:gd name="connsiteY3" fmla="*/ 1806102 h 1806102"/>
+              <a:gd name="connsiteX4" fmla="*/ 0 w 1838534"/>
+              <a:gd name="connsiteY4" fmla="*/ 0 h 1806102"/>
+            </a:gdLst>
+            <a:ahLst/>
+            <a:cxnLst>
+              <a:cxn ang="0">
+                <a:pos x="connsiteX0" y="connsiteY0"/>
+              </a:cxn>
+              <a:cxn ang="0">
+                <a:pos x="connsiteX1" y="connsiteY1"/>
+              </a:cxn>
+              <a:cxn ang="0">
+                <a:pos x="connsiteX2" y="connsiteY2"/>
+              </a:cxn>
+              <a:cxn ang="0">
+                <a:pos x="connsiteX3" y="connsiteY3"/>
+              </a:cxn>
+              <a:cxn ang="0">
+                <a:pos x="connsiteX4" y="connsiteY4"/>
+              </a:cxn>
+            </a:cxnLst>
+            <a:rect l="l" t="t" r="r" b="b"/>
+            <a:pathLst>
+              <a:path w="1838534" h="1806102">
+                <a:moveTo>
+                  <a:pt x="0" y="0"/>
+                </a:moveTo>
+                <a:lnTo>
+                  <a:pt x="1838534" y="0"/>
+                </a:lnTo>
+                <a:lnTo>
+                  <a:pt x="1838534" y="1806102"/>
+                </a:lnTo>
+                <a:lnTo>
+                  <a:pt x="0" y="1806102"/>
+                </a:lnTo>
+                <a:lnTo>
+                  <a:pt x="0" y="0"/>
+                </a:lnTo>
+                <a:close/>
+              </a:path>
+            </a:pathLst>
+          </a:custGeom>
+        </p:spPr>
+        <p:style>
+          <a:lnRef idx="0">
+            <a:schemeClr val="dk1">
+              <a:alpha val="0"/>
+              <a:hueOff val="0"/>
+              <a:satOff val="0"/>
+              <a:lumOff val="0"/>
+              <a:alphaOff val="0"/>
+            </a:schemeClr>
+          </a:lnRef>
+          <a:fillRef idx="0">
+            <a:schemeClr val="lt1">
+              <a:alpha val="0"/>
+              <a:hueOff val="0"/>
+              <a:satOff val="0"/>
+              <a:lumOff val="0"/>
+              <a:alphaOff val="0"/>
+            </a:schemeClr>
+          </a:fillRef>
+          <a:effectRef idx="0">
+            <a:schemeClr val="lt1">
+              <a:alpha val="0"/>
+              <a:hueOff val="0"/>
+              <a:satOff val="0"/>
+              <a:lumOff val="0"/>
+              <a:alphaOff val="0"/>
+            </a:schemeClr>
+          </a:effectRef>
+          <a:fontRef idx="minor">
+            <a:schemeClr val="tx1">
+              <a:hueOff val="0"/>
+              <a:satOff val="0"/>
+              <a:lumOff val="0"/>
+              <a:alphaOff val="0"/>
+            </a:schemeClr>
+          </a:fontRef>
+        </p:style>
+        <p:txBody>
+          <a:bodyPr spcFirstLastPara="0" vert="horz" wrap="square" lIns="58420" tIns="58420" rIns="58420" bIns="58420" numCol="1" spcCol="1270" anchor="t" anchorCtr="0">
+            <a:noAutofit/>
+          </a:bodyPr>
+          <a:lstStyle/>
+          <a:p>
+            <a:endParaRPr lang="en-US" sz="2400" dirty="0" smtClean="0"/>
+          </a:p>
+          <a:p>
+            <a:endParaRPr lang="en-US" sz="2400" dirty="0"/>
+          </a:p>
+          <a:p>
+            <a:r>
+              <a:rPr lang="en-US" sz="2400" dirty="0" smtClean="0"/>
+              <a:t>Bake cookies</a:t>
+            </a:r>
+          </a:p>
+          <a:p>
+            <a:r>
+              <a:rPr lang="en-US" sz="2400" dirty="0" smtClean="0"/>
+              <a:t>Eat cookies</a:t>
+            </a:r>
+          </a:p>
+          <a:p>
+            <a:r>
+              <a:rPr lang="en-US" sz="2400" dirty="0" smtClean="0"/>
+              <a:t>Profit</a:t>
+            </a:r>
+          </a:p>
+          <a:p>
+            <a:endParaRPr lang="en-US" sz="2400" dirty="0"/>
+          </a:p>
+          <a:p>
+            <a:r>
+              <a:rPr lang="en-US" sz="2400" dirty="0" smtClean="0"/>
+              <a:t>Joke recipe???????</a:t>
+            </a:r>
+          </a:p>
+        </p:txBody>
+      </p:sp>
+      <p:sp>
+        <p:nvSpPr>
+          <p:cNvPr id="50" name="TextBox 49"/>
+          <p:cNvSpPr txBox="1"/>
+          <p:nvPr/>
+        </p:nvSpPr>
+        <p:spPr>
+          <a:xfrm>
+            <a:off x="14839406" y="18836640"/>
+            <a:ext cx="13428617" cy="2862322"/>
+          </a:xfrm>
+          <a:prstGeom prst="rect">
+            <a:avLst/>
+          </a:prstGeom>
+          <a:noFill/>
+        </p:spPr>
+        <p:txBody>
+          <a:bodyPr wrap="square" rtlCol="0">
+            <a:spAutoFit/>
+          </a:bodyPr>
+          <a:lstStyle/>
+          <a:p>
+            <a:r>
+              <a:rPr lang="en-US" sz="6000" dirty="0" smtClean="0"/>
+              <a:t>Placeholder for diagram of an RNN / LSTM / GRU including the size of each layer, number of layers, size of seed</a:t>
+            </a:r>
+            <a:endParaRPr lang="en-US" sz="6000" dirty="0" smtClean="0"/>
+          </a:p>
+        </p:txBody>
+      </p:sp>
     </p:spTree>
     <p:extLst>
       <p:ext uri="{BB962C8B-B14F-4D97-AF65-F5344CB8AC3E}">

--- a/Convectional Neural Networks Poster.pptx
+++ b/Convectional Neural Networks Poster.pptx
@@ -403,11 +403,11 @@
         </c:dLbls>
         <c:gapWidth val="80"/>
         <c:overlap val="25"/>
-        <c:axId val="-1684773792"/>
-        <c:axId val="-1781934064"/>
+        <c:axId val="2145992176"/>
+        <c:axId val="2144343936"/>
       </c:barChart>
       <c:catAx>
-        <c:axId val="-1684773792"/>
+        <c:axId val="2145992176"/>
         <c:scaling>
           <c:orientation val="minMax"/>
         </c:scaling>
@@ -450,7 +450,7 @@
             <a:endParaRPr lang="en-US"/>
           </a:p>
         </c:txPr>
-        <c:crossAx val="-1781934064"/>
+        <c:crossAx val="2144343936"/>
         <c:crosses val="autoZero"/>
         <c:auto val="1"/>
         <c:lblAlgn val="ctr"/>
@@ -458,7 +458,7 @@
         <c:noMultiLvlLbl val="0"/>
       </c:catAx>
       <c:valAx>
-        <c:axId val="-1781934064"/>
+        <c:axId val="2144343936"/>
         <c:scaling>
           <c:orientation val="minMax"/>
         </c:scaling>
@@ -509,7 +509,7 @@
             <a:endParaRPr lang="en-US"/>
           </a:p>
         </c:txPr>
-        <c:crossAx val="-1684773792"/>
+        <c:crossAx val="2145992176"/>
         <c:crosses val="autoZero"/>
         <c:crossBetween val="between"/>
       </c:valAx>
@@ -14351,11 +14351,7 @@
           <a:p>
             <a:r>
               <a:rPr lang="en-US" sz="3200" b="1" dirty="0" smtClean="0"/>
-              <a:t>Problem</a:t>
-            </a:r>
-            <a:r>
-              <a:rPr lang="en-US" sz="3200" b="1" dirty="0" smtClean="0"/>
-              <a:t>: </a:t>
+              <a:t>Problem: </a:t>
             </a:r>
             <a:r>
               <a:rPr lang="en-US" sz="3200" dirty="0" smtClean="0"/>
@@ -14365,26 +14361,17 @@
           <a:p>
             <a:r>
               <a:rPr lang="en-US" sz="3200" b="1" dirty="0" smtClean="0"/>
-              <a:t>Difficulty</a:t>
-            </a:r>
-            <a:r>
-              <a:rPr lang="en-US" sz="3200" b="1" dirty="0" smtClean="0"/>
-              <a:t>: </a:t>
+              <a:t>Difficulty: </a:t>
             </a:r>
             <a:r>
               <a:rPr lang="en-US" sz="3200" dirty="0" smtClean="0"/>
               <a:t>Current machine learning models are effective at copying and regurgitating inputs, but they are less effective at generating original output from those inputs.</a:t>
             </a:r>
-            <a:endParaRPr lang="en-US" sz="3200" dirty="0" smtClean="0"/>
           </a:p>
           <a:p>
             <a:r>
               <a:rPr lang="en-US" sz="3200" b="1" dirty="0" smtClean="0"/>
-              <a:t>Other approaches</a:t>
-            </a:r>
-            <a:r>
-              <a:rPr lang="en-US" sz="3200" b="1" dirty="0" smtClean="0"/>
-              <a:t>:</a:t>
+              <a:t>Other approaches:</a:t>
             </a:r>
             <a:r>
               <a:rPr lang="en-US" sz="3200" dirty="0" smtClean="0"/>
@@ -14924,12 +14911,8 @@
               </a:spcAft>
             </a:pPr>
             <a:r>
-              <a:rPr lang="en-US" sz="2300" kern="1200" dirty="0" smtClean="0"/>
-              <a:t>Preprocess the </a:t>
-            </a:r>
-            <a:r>
-              <a:rPr lang="en-US" sz="2300" kern="1200" dirty="0" smtClean="0"/>
-              <a:t>data</a:t>
+              <a:rPr lang="en-US" sz="2300" b="1" kern="1200" dirty="0" smtClean="0"/>
+              <a:t>Preprocess the data</a:t>
             </a:r>
           </a:p>
           <a:p>
@@ -14947,7 +14930,7 @@
             <a:endParaRPr lang="en-US" sz="2300" dirty="0"/>
           </a:p>
           <a:p>
-            <a:pPr defTabSz="1022350">
+            <a:pPr marL="342900" indent="-342900" defTabSz="1022350">
               <a:lnSpc>
                 <a:spcPct val="90000"/>
               </a:lnSpc>
@@ -14957,14 +14940,20 @@
               <a:spcAft>
                 <a:spcPct val="35000"/>
               </a:spcAft>
+              <a:buFont typeface="Arial" charset="0"/>
+              <a:buChar char="•"/>
             </a:pPr>
             <a:r>
               <a:rPr lang="en-US" sz="2000" dirty="0"/>
-              <a:t>Prepended the title of the recipe to the beginning of the recipe (within brackets) and tab-separated it from the ingredient list, which is comma separated</a:t>
-            </a:r>
-          </a:p>
-          <a:p>
-            <a:pPr lvl="0" defTabSz="1022350">
+              <a:t>Prepended the title of the recipe to the beginning of the recipe (within brackets) and tab-separated it from the ingredient list, which is comma </a:t>
+            </a:r>
+            <a:r>
+              <a:rPr lang="en-US" sz="2000" dirty="0" smtClean="0"/>
+              <a:t>separated</a:t>
+            </a:r>
+          </a:p>
+          <a:p>
+            <a:pPr marL="342900" indent="-342900" defTabSz="1022350">
               <a:lnSpc>
                 <a:spcPct val="90000"/>
               </a:lnSpc>
@@ -14974,24 +14963,16 @@
               <a:spcAft>
                 <a:spcPct val="35000"/>
               </a:spcAft>
+              <a:buFont typeface="Arial" charset="0"/>
+              <a:buChar char="•"/>
             </a:pPr>
-            <a:endParaRPr lang="en-US" sz="2300" kern="1200" dirty="0" smtClean="0"/>
-          </a:p>
-          <a:p>
-            <a:pPr defTabSz="1022350">
-              <a:lnSpc>
-                <a:spcPct val="90000"/>
-              </a:lnSpc>
-              <a:spcBef>
-                <a:spcPct val="0"/>
-              </a:spcBef>
-              <a:spcAft>
-                <a:spcPct val="35000"/>
-              </a:spcAft>
-            </a:pPr>
+            <a:r>
+              <a:rPr lang="en-US" sz="2000" dirty="0" smtClean="0"/>
+              <a:t>Created </a:t>
+            </a:r>
             <a:r>
               <a:rPr lang="en-US" sz="2000" dirty="0"/>
-              <a:t>Created synthetic data by shuffling the ingredient list for each recipe (while retaining the same title) to try and combat dependencies on ingredient order</a:t>
+              <a:t>synthetic data by shuffling the ingredient list for each recipe (while retaining the same title) to try and combat dependencies on ingredient order</a:t>
             </a:r>
           </a:p>
           <a:p>
@@ -15146,7 +15127,7 @@
         <p:spPr>
           <a:xfrm>
             <a:off x="19726670" y="8818786"/>
-            <a:ext cx="4597082" cy="2666521"/>
+            <a:ext cx="4597082" cy="4547590"/>
           </a:xfrm>
           <a:custGeom>
             <a:avLst/>
@@ -15247,38 +15228,72 @@
           <a:lstStyle/>
           <a:p>
             <a:r>
-              <a:rPr lang="en-US" sz="2400" dirty="0" smtClean="0"/>
-              <a:t>Types of </a:t>
-            </a:r>
-            <a:r>
-              <a:rPr lang="en-US" sz="2400" dirty="0" err="1" smtClean="0"/>
+              <a:rPr lang="en-US" sz="2400" b="1" dirty="0" smtClean="0"/>
+              <a:t>Consider </a:t>
+            </a:r>
+            <a:r>
+              <a:rPr lang="en-US" sz="2400" b="1" dirty="0" err="1" smtClean="0"/>
               <a:t>embeddings</a:t>
             </a:r>
             <a:r>
-              <a:rPr lang="en-US" sz="2400" dirty="0" smtClean="0"/>
+              <a:rPr lang="en-US" sz="2400" b="1" dirty="0" smtClean="0"/>
               <a:t>:</a:t>
             </a:r>
           </a:p>
           <a:p>
-            <a:r>
-              <a:rPr lang="en-US" sz="2400" dirty="0" smtClean="0"/>
-              <a:t>Character</a:t>
-            </a:r>
-            <a:endParaRPr lang="en-US" sz="2400" dirty="0"/>
-          </a:p>
-          <a:p>
-            <a:r>
-              <a:rPr lang="en-US" sz="2400" dirty="0" smtClean="0"/>
-              <a:t>Word</a:t>
-            </a:r>
-            <a:endParaRPr lang="en-US" sz="2400" dirty="0"/>
-          </a:p>
-          <a:p>
-            <a:r>
-              <a:rPr lang="en-US" sz="2400" dirty="0" smtClean="0"/>
-              <a:t>Phrase</a:t>
-            </a:r>
-            <a:endParaRPr lang="en-US" sz="2400" dirty="0"/>
+            <a:endParaRPr lang="en-US" sz="2400" b="1" dirty="0"/>
+          </a:p>
+          <a:p>
+            <a:pPr marL="342900" indent="-342900">
+              <a:buFont typeface="Arial" charset="0"/>
+              <a:buChar char="•"/>
+            </a:pPr>
+            <a:r>
+              <a:rPr lang="en-US" sz="2000" dirty="0" smtClean="0"/>
+              <a:t>Used character, word and phrase level embedding.</a:t>
+            </a:r>
+            <a:br>
+              <a:rPr lang="en-US" sz="2000" dirty="0" smtClean="0"/>
+            </a:br>
+            <a:endParaRPr lang="en-US" sz="2000" dirty="0" smtClean="0"/>
+          </a:p>
+          <a:p>
+            <a:pPr marL="342900" indent="-342900">
+              <a:buFont typeface="Arial" charset="0"/>
+              <a:buChar char="•"/>
+            </a:pPr>
+            <a:r>
+              <a:rPr lang="en-US" sz="2000" dirty="0" smtClean="0"/>
+              <a:t>Used char2vec, word2vec and phrase2vec by encoding each ”sentence” as a sparse vector. </a:t>
+            </a:r>
+            <a:br>
+              <a:rPr lang="en-US" sz="2000" dirty="0" smtClean="0"/>
+            </a:br>
+            <a:endParaRPr lang="en-US" sz="2000" dirty="0" smtClean="0"/>
+          </a:p>
+          <a:p>
+            <a:pPr marL="342900" indent="-342900">
+              <a:buFont typeface="Arial" charset="0"/>
+              <a:buChar char="•"/>
+            </a:pPr>
+            <a:r>
+              <a:rPr lang="en-US" sz="2000" dirty="0" smtClean="0"/>
+              <a:t>For char2vec, used a sentence of length 40 and a moving frame. For word2vec and phrase2vec, used a sentence of length 50. </a:t>
+            </a:r>
+            <a:br>
+              <a:rPr lang="en-US" sz="2000" dirty="0" smtClean="0"/>
+            </a:br>
+            <a:endParaRPr lang="en-US" sz="2000" dirty="0" smtClean="0"/>
+          </a:p>
+          <a:p>
+            <a:pPr marL="342900" indent="-342900">
+              <a:buFont typeface="Arial" charset="0"/>
+              <a:buChar char="•"/>
+            </a:pPr>
+            <a:endParaRPr lang="en-US" sz="2400" dirty="0" smtClean="0"/>
+          </a:p>
+          <a:p>
+            <a:endParaRPr lang="en-US" sz="2400" b="1" dirty="0" smtClean="0"/>
           </a:p>
         </p:txBody>
       </p:sp>
@@ -15417,8 +15432,8 @@
         </p:nvSpPr>
         <p:spPr>
           <a:xfrm>
-            <a:off x="25198785" y="8845189"/>
-            <a:ext cx="4597082" cy="2665598"/>
+            <a:off x="25198785" y="8845188"/>
+            <a:ext cx="4597082" cy="4521187"/>
           </a:xfrm>
           <a:custGeom>
             <a:avLst/>
@@ -15519,20 +15534,55 @@
           <a:lstStyle/>
           <a:p>
             <a:r>
-              <a:rPr lang="en-US" sz="2400" dirty="0" smtClean="0"/>
-              <a:t>Model evaluation / </a:t>
-            </a:r>
-            <a:r>
-              <a:rPr lang="en-US" sz="2400" dirty="0" err="1" smtClean="0"/>
-              <a:t>hyperparameter</a:t>
-            </a:r>
-            <a:r>
-              <a:rPr lang="en-US" sz="2400" dirty="0" smtClean="0"/>
-              <a:t> tuning</a:t>
-            </a:r>
-          </a:p>
-          <a:p>
-            <a:endParaRPr lang="en-US" sz="2400" dirty="0"/>
+              <a:rPr lang="en-US" sz="2400" b="1" dirty="0" smtClean="0"/>
+              <a:t>Model </a:t>
+            </a:r>
+            <a:r>
+              <a:rPr lang="en-US" sz="2400" b="1" dirty="0" smtClean="0"/>
+              <a:t>evaluation:</a:t>
+            </a:r>
+          </a:p>
+          <a:p>
+            <a:endParaRPr lang="en-US" sz="2400" b="1" dirty="0"/>
+          </a:p>
+          <a:p>
+            <a:pPr marL="342900" indent="-342900">
+              <a:buFont typeface="Arial" charset="0"/>
+              <a:buChar char="•"/>
+            </a:pPr>
+            <a:r>
+              <a:rPr lang="en-US" sz="2000" dirty="0" smtClean="0"/>
+              <a:t>Ran the code with each of the </a:t>
+            </a:r>
+            <a:r>
+              <a:rPr lang="en-US" sz="2000" dirty="0" err="1" smtClean="0"/>
+              <a:t>embeddings</a:t>
+            </a:r>
+            <a:r>
+              <a:rPr lang="en-US" sz="2000" dirty="0" smtClean="0"/>
+              <a:t> for 100 epochs</a:t>
+            </a:r>
+            <a:br>
+              <a:rPr lang="en-US" sz="2000" dirty="0" smtClean="0"/>
+            </a:br>
+            <a:endParaRPr lang="en-US" sz="2000" dirty="0" smtClean="0"/>
+          </a:p>
+          <a:p>
+            <a:pPr marL="342900" indent="-342900">
+              <a:buFont typeface="Arial" charset="0"/>
+              <a:buChar char="•"/>
+            </a:pPr>
+            <a:r>
+              <a:rPr lang="en-US" sz="2000" dirty="0" smtClean="0"/>
+              <a:t>Evaluate model success by looking at the novel recipes generated by the model</a:t>
+            </a:r>
+          </a:p>
+          <a:p>
+            <a:pPr marL="342900" indent="-342900">
+              <a:buFont typeface="Arial" charset="0"/>
+              <a:buChar char="•"/>
+            </a:pPr>
+            <a:endParaRPr lang="en-US" sz="2000" dirty="0"/>
           </a:p>
         </p:txBody>
       </p:sp>
@@ -15720,11 +15770,7 @@
           <a:p>
             <a:r>
               <a:rPr lang="en-US" dirty="0" smtClean="0"/>
-              <a:t>Pulled </a:t>
-            </a:r>
-            <a:r>
-              <a:rPr lang="en-US" dirty="0" smtClean="0"/>
-              <a:t>90,000 ingredient lists from </a:t>
+              <a:t>Pulled 90,000 ingredient lists from </a:t>
             </a:r>
             <a:r>
               <a:rPr lang="en-US" dirty="0" err="1" smtClean="0"/>
@@ -15732,29 +15778,13 @@
             </a:r>
             <a:r>
               <a:rPr lang="en-US" dirty="0" smtClean="0"/>
-              <a:t> (a recipe repository) using their API and </a:t>
-            </a:r>
+              <a:t> (a recipe repository) using their API and specified ‘cookie’ as the search parameter</a:t>
+            </a:r>
+          </a:p>
+          <a:p>
             <a:r>
               <a:rPr lang="en-US" dirty="0" smtClean="0"/>
-              <a:t>specified ‘cookie</a:t>
-            </a:r>
-            <a:r>
-              <a:rPr lang="en-US" dirty="0" smtClean="0"/>
-              <a:t>’ as the search </a:t>
-            </a:r>
-            <a:r>
-              <a:rPr lang="en-US" dirty="0" smtClean="0"/>
-              <a:t>parameter</a:t>
-            </a:r>
-          </a:p>
-          <a:p>
-            <a:r>
-              <a:rPr lang="en-US" dirty="0" smtClean="0"/>
-              <a:t>Removed </a:t>
-            </a:r>
-            <a:r>
-              <a:rPr lang="en-US" dirty="0" smtClean="0"/>
-              <a:t>any recipes that didn’t have cookie in the title</a:t>
+              <a:t>Removed any recipes that didn’t have cookie in the title</a:t>
             </a:r>
           </a:p>
           <a:p>
@@ -15766,7 +15796,6 @@
               <a:rPr lang="en-US" dirty="0" smtClean="0"/>
               <a:t>ASCII</a:t>
             </a:r>
-            <a:endParaRPr lang="en-US" dirty="0" smtClean="0"/>
           </a:p>
           <a:p>
             <a:r>
@@ -15779,25 +15808,13 @@
             </a:r>
             <a:r>
               <a:rPr lang="en-US" dirty="0" smtClean="0"/>
-              <a:t>words by looking at the term frequency matrix of the corpus </a:t>
-            </a:r>
+              <a:t>words by looking at the term frequency matrix of the corpus and removing any infrequent (&lt;100) terms</a:t>
+            </a:r>
+          </a:p>
+          <a:p>
             <a:r>
               <a:rPr lang="en-US" dirty="0" smtClean="0"/>
-              <a:t>and removing any infrequent (&lt;100) terms</a:t>
-            </a:r>
-          </a:p>
-          <a:p>
-            <a:r>
-              <a:rPr lang="en-US" dirty="0" smtClean="0"/>
-              <a:t>Inspected </a:t>
-            </a:r>
-            <a:r>
-              <a:rPr lang="en-US" dirty="0" smtClean="0"/>
-              <a:t>the final dictionary and removed any words that were instructions or were unrelated to </a:t>
-            </a:r>
-            <a:r>
-              <a:rPr lang="en-US" dirty="0" smtClean="0"/>
-              <a:t>cookies</a:t>
+              <a:t>Inspected the final dictionary and removed any words that were instructions or were unrelated to cookies</a:t>
             </a:r>
           </a:p>
           <a:p>
@@ -15805,7 +15822,6 @@
               <a:rPr lang="en-US" dirty="0" smtClean="0"/>
               <a:t>Removed any words not in the final dictionary from the corpus</a:t>
             </a:r>
-            <a:endParaRPr lang="en-US" dirty="0" smtClean="0"/>
           </a:p>
           <a:p>
             <a:r>
@@ -16334,8 +16350,8 @@
         </p:nvSpPr>
         <p:spPr>
           <a:xfrm>
-            <a:off x="14254555" y="15198548"/>
-            <a:ext cx="4597082" cy="2613716"/>
+            <a:off x="14254554" y="15198546"/>
+            <a:ext cx="4820251" cy="4089019"/>
           </a:xfrm>
           <a:custGeom>
             <a:avLst/>
@@ -16435,7 +16451,7 @@
           </a:bodyPr>
           <a:lstStyle/>
           <a:p>
-            <a:pPr lvl="0" algn="ctr" defTabSz="1022350">
+            <a:pPr lvl="0" defTabSz="1022350">
               <a:lnSpc>
                 <a:spcPct val="90000"/>
               </a:lnSpc>
@@ -16447,10 +16463,149 @@
               </a:spcAft>
             </a:pPr>
             <a:r>
-              <a:rPr lang="en-US" sz="2300" dirty="0" smtClean="0"/>
-              <a:t>Iteration</a:t>
-            </a:r>
-            <a:endParaRPr lang="en-US" sz="2300" dirty="0"/>
+              <a:rPr lang="en-US" sz="2400" b="1" dirty="0" err="1" smtClean="0"/>
+              <a:t>Hyperparameter</a:t>
+            </a:r>
+            <a:r>
+              <a:rPr lang="en-US" sz="2400" b="1" dirty="0" smtClean="0"/>
+              <a:t> Tuning</a:t>
+            </a:r>
+            <a:br>
+              <a:rPr lang="en-US" sz="2400" b="1" dirty="0" smtClean="0"/>
+            </a:br>
+            <a:endParaRPr lang="en-US" sz="2400" b="1" dirty="0" smtClean="0"/>
+          </a:p>
+          <a:p>
+            <a:pPr marL="342900" lvl="0" indent="-342900" defTabSz="1022350">
+              <a:lnSpc>
+                <a:spcPct val="90000"/>
+              </a:lnSpc>
+              <a:spcBef>
+                <a:spcPct val="0"/>
+              </a:spcBef>
+              <a:spcAft>
+                <a:spcPct val="35000"/>
+              </a:spcAft>
+              <a:buFont typeface="Arial" charset="0"/>
+              <a:buChar char="•"/>
+            </a:pPr>
+            <a:r>
+              <a:rPr lang="en-US" sz="2000" dirty="0" smtClean="0"/>
+              <a:t>Compared GRU and LSTM performance</a:t>
+            </a:r>
+            <a:br>
+              <a:rPr lang="en-US" sz="2000" dirty="0" smtClean="0"/>
+            </a:br>
+            <a:endParaRPr lang="en-US" sz="2000" dirty="0" smtClean="0"/>
+          </a:p>
+          <a:p>
+            <a:pPr marL="342900" lvl="0" indent="-342900" defTabSz="1022350">
+              <a:lnSpc>
+                <a:spcPct val="90000"/>
+              </a:lnSpc>
+              <a:spcBef>
+                <a:spcPct val="0"/>
+              </a:spcBef>
+              <a:spcAft>
+                <a:spcPct val="35000"/>
+              </a:spcAft>
+              <a:buFont typeface="Arial" charset="0"/>
+              <a:buChar char="•"/>
+            </a:pPr>
+            <a:r>
+              <a:rPr lang="en-US" sz="2000" dirty="0" smtClean="0"/>
+              <a:t>Varied number of layers in the model (from 2 to 3)</a:t>
+            </a:r>
+            <a:br>
+              <a:rPr lang="en-US" sz="2000" dirty="0" smtClean="0"/>
+            </a:br>
+            <a:endParaRPr lang="en-US" sz="2000" dirty="0" smtClean="0"/>
+          </a:p>
+          <a:p>
+            <a:pPr marL="342900" lvl="0" indent="-342900" defTabSz="1022350">
+              <a:lnSpc>
+                <a:spcPct val="90000"/>
+              </a:lnSpc>
+              <a:spcBef>
+                <a:spcPct val="0"/>
+              </a:spcBef>
+              <a:spcAft>
+                <a:spcPct val="35000"/>
+              </a:spcAft>
+              <a:buFont typeface="Arial" charset="0"/>
+              <a:buChar char="•"/>
+            </a:pPr>
+            <a:r>
+              <a:rPr lang="en-US" sz="2000" dirty="0" smtClean="0"/>
+              <a:t>Played around with number of hidden neurons in the layers</a:t>
+            </a:r>
+            <a:br>
+              <a:rPr lang="en-US" sz="2000" dirty="0" smtClean="0"/>
+            </a:br>
+            <a:endParaRPr lang="en-US" sz="2000" dirty="0" smtClean="0"/>
+          </a:p>
+          <a:p>
+            <a:pPr marL="342900" lvl="0" indent="-342900" defTabSz="1022350">
+              <a:lnSpc>
+                <a:spcPct val="90000"/>
+              </a:lnSpc>
+              <a:spcBef>
+                <a:spcPct val="0"/>
+              </a:spcBef>
+              <a:spcAft>
+                <a:spcPct val="35000"/>
+              </a:spcAft>
+              <a:buFont typeface="Arial" charset="0"/>
+              <a:buChar char="•"/>
+            </a:pPr>
+            <a:r>
+              <a:rPr lang="en-US" sz="2000" dirty="0" smtClean="0"/>
+              <a:t>Considered bidirectional LSTM for char-RNN model</a:t>
+            </a:r>
+          </a:p>
+          <a:p>
+            <a:pPr marL="342900" lvl="0" indent="-342900" defTabSz="1022350">
+              <a:lnSpc>
+                <a:spcPct val="90000"/>
+              </a:lnSpc>
+              <a:spcBef>
+                <a:spcPct val="0"/>
+              </a:spcBef>
+              <a:spcAft>
+                <a:spcPct val="35000"/>
+              </a:spcAft>
+              <a:buFont typeface="Arial" charset="0"/>
+              <a:buChar char="•"/>
+            </a:pPr>
+            <a:endParaRPr lang="en-US" sz="2000" dirty="0" smtClean="0"/>
+          </a:p>
+          <a:p>
+            <a:pPr lvl="0" defTabSz="1022350">
+              <a:lnSpc>
+                <a:spcPct val="90000"/>
+              </a:lnSpc>
+              <a:spcBef>
+                <a:spcPct val="0"/>
+              </a:spcBef>
+              <a:spcAft>
+                <a:spcPct val="35000"/>
+              </a:spcAft>
+            </a:pPr>
+            <a:endParaRPr lang="en-US" sz="2000" b="1" dirty="0"/>
+          </a:p>
+          <a:p>
+            <a:pPr lvl="0" defTabSz="1022350">
+              <a:lnSpc>
+                <a:spcPct val="90000"/>
+              </a:lnSpc>
+              <a:spcBef>
+                <a:spcPct val="0"/>
+              </a:spcBef>
+              <a:spcAft>
+                <a:spcPct val="35000"/>
+              </a:spcAft>
+            </a:pPr>
+            <a:endParaRPr lang="en-US" sz="2400" b="1" dirty="0"/>
           </a:p>
         </p:txBody>
       </p:sp>
@@ -16463,7 +16618,7 @@
         <p:spPr>
           <a:xfrm>
             <a:off x="19726670" y="15172145"/>
-            <a:ext cx="4597082" cy="2666521"/>
+            <a:ext cx="4597082" cy="4115420"/>
           </a:xfrm>
           <a:custGeom>
             <a:avLst/>
@@ -16563,7 +16718,7 @@
           </a:bodyPr>
           <a:lstStyle/>
           <a:p>
-            <a:pPr lvl="0" algn="ctr" defTabSz="1022350">
+            <a:pPr lvl="0" defTabSz="1022350">
               <a:lnSpc>
                 <a:spcPct val="90000"/>
               </a:lnSpc>
@@ -16575,9 +16730,114 @@
               </a:spcAft>
             </a:pPr>
             <a:r>
-              <a:rPr lang="en-US" sz="2400" dirty="0" smtClean="0"/>
-              <a:t>Generate recipe by seeding model with created title in brackets</a:t>
-            </a:r>
+              <a:rPr lang="en-US" sz="2400" b="1" dirty="0" smtClean="0"/>
+              <a:t>Generate Recipes</a:t>
+            </a:r>
+          </a:p>
+          <a:p>
+            <a:pPr lvl="0" defTabSz="1022350">
+              <a:lnSpc>
+                <a:spcPct val="90000"/>
+              </a:lnSpc>
+              <a:spcBef>
+                <a:spcPct val="0"/>
+              </a:spcBef>
+              <a:spcAft>
+                <a:spcPct val="35000"/>
+              </a:spcAft>
+            </a:pPr>
+            <a:endParaRPr lang="en-US" sz="2400" b="1" dirty="0" smtClean="0"/>
+          </a:p>
+          <a:p>
+            <a:pPr marL="342900" lvl="0" indent="-342900" defTabSz="1022350">
+              <a:lnSpc>
+                <a:spcPct val="90000"/>
+              </a:lnSpc>
+              <a:spcBef>
+                <a:spcPct val="0"/>
+              </a:spcBef>
+              <a:spcAft>
+                <a:spcPct val="35000"/>
+              </a:spcAft>
+              <a:buFont typeface="Arial" charset="0"/>
+              <a:buChar char="•"/>
+            </a:pPr>
+            <a:r>
+              <a:rPr lang="en-US" sz="2000" dirty="0" smtClean="0"/>
+              <a:t>One can input a recipe title or keyword and use it  search the training data for a matching title. </a:t>
+            </a:r>
+          </a:p>
+          <a:p>
+            <a:pPr marL="342900" lvl="0" indent="-342900" defTabSz="1022350">
+              <a:lnSpc>
+                <a:spcPct val="90000"/>
+              </a:lnSpc>
+              <a:spcBef>
+                <a:spcPct val="0"/>
+              </a:spcBef>
+              <a:spcAft>
+                <a:spcPct val="35000"/>
+              </a:spcAft>
+              <a:buFont typeface="Arial" charset="0"/>
+              <a:buChar char="•"/>
+            </a:pPr>
+            <a:endParaRPr lang="en-US" sz="2000" dirty="0"/>
+          </a:p>
+          <a:p>
+            <a:pPr marL="342900" lvl="0" indent="-342900" defTabSz="1022350">
+              <a:lnSpc>
+                <a:spcPct val="90000"/>
+              </a:lnSpc>
+              <a:spcBef>
+                <a:spcPct val="0"/>
+              </a:spcBef>
+              <a:spcAft>
+                <a:spcPct val="35000"/>
+              </a:spcAft>
+              <a:buFont typeface="Arial" charset="0"/>
+              <a:buChar char="•"/>
+            </a:pPr>
+            <a:r>
+              <a:rPr lang="en-US" sz="2000" dirty="0" smtClean="0"/>
+              <a:t>Of all the recipes with the keyword in the title, pick one recipe randomly and use some number of words to seed recipe generation </a:t>
+            </a:r>
+            <a:br>
+              <a:rPr lang="en-US" sz="2000" dirty="0" smtClean="0"/>
+            </a:br>
+            <a:endParaRPr lang="en-US" sz="2000" dirty="0" smtClean="0"/>
+          </a:p>
+          <a:p>
+            <a:pPr marL="342900" lvl="0" indent="-342900" defTabSz="1022350">
+              <a:lnSpc>
+                <a:spcPct val="90000"/>
+              </a:lnSpc>
+              <a:spcBef>
+                <a:spcPct val="0"/>
+              </a:spcBef>
+              <a:spcAft>
+                <a:spcPct val="35000"/>
+              </a:spcAft>
+              <a:buFont typeface="Arial" charset="0"/>
+              <a:buChar char="•"/>
+            </a:pPr>
+            <a:r>
+              <a:rPr lang="en-US" sz="2000" dirty="0" smtClean="0"/>
+              <a:t>Can then compare to actual recipe in training data to see how similar the recipe is</a:t>
+            </a:r>
+          </a:p>
+          <a:p>
+            <a:pPr lvl="0" defTabSz="1022350">
+              <a:lnSpc>
+                <a:spcPct val="90000"/>
+              </a:lnSpc>
+              <a:spcBef>
+                <a:spcPct val="0"/>
+              </a:spcBef>
+              <a:spcAft>
+                <a:spcPct val="35000"/>
+              </a:spcAft>
+            </a:pPr>
+            <a:endParaRPr lang="en-US" sz="2000" b="1" dirty="0" smtClean="0"/>
           </a:p>
         </p:txBody>
       </p:sp>
@@ -16696,22 +16956,36 @@
             <a:endParaRPr lang="en-US" sz="2400" dirty="0"/>
           </a:p>
           <a:p>
-            <a:r>
-              <a:rPr lang="en-US" sz="2400" dirty="0" smtClean="0"/>
-              <a:t>Bake cookies</a:t>
-            </a:r>
-          </a:p>
-          <a:p>
-            <a:r>
-              <a:rPr lang="en-US" sz="2400" dirty="0" smtClean="0"/>
-              <a:t>Eat cookies</a:t>
-            </a:r>
-          </a:p>
-          <a:p>
-            <a:r>
-              <a:rPr lang="en-US" sz="2400" dirty="0" smtClean="0"/>
-              <a:t>Profit</a:t>
-            </a:r>
+            <a:pPr algn="ctr"/>
+            <a:r>
+              <a:rPr lang="en-US" sz="2400" b="1" dirty="0" smtClean="0"/>
+              <a:t>Bake </a:t>
+            </a:r>
+            <a:r>
+              <a:rPr lang="en-US" sz="2400" b="1" dirty="0" smtClean="0"/>
+              <a:t>cookies.</a:t>
+            </a:r>
+            <a:endParaRPr lang="en-US" sz="2400" b="1" dirty="0" smtClean="0"/>
+          </a:p>
+          <a:p>
+            <a:pPr algn="ctr"/>
+            <a:r>
+              <a:rPr lang="en-US" sz="2400" b="1" dirty="0" smtClean="0"/>
+              <a:t>Eat </a:t>
+            </a:r>
+            <a:r>
+              <a:rPr lang="en-US" sz="2400" b="1" dirty="0" smtClean="0"/>
+              <a:t>cookies.</a:t>
+            </a:r>
+            <a:endParaRPr lang="en-US" sz="2400" b="1" dirty="0" smtClean="0"/>
+          </a:p>
+          <a:p>
+            <a:pPr algn="ctr"/>
+            <a:r>
+              <a:rPr lang="en-US" sz="2400" b="1" dirty="0" smtClean="0"/>
+              <a:t>Profit.</a:t>
+            </a:r>
+            <a:endParaRPr lang="en-US" sz="2400" b="1" dirty="0" smtClean="0"/>
           </a:p>
           <a:p>
             <a:endParaRPr lang="en-US" sz="2400" dirty="0"/>
@@ -16732,7 +17006,7 @@
         </p:nvSpPr>
         <p:spPr>
           <a:xfrm>
-            <a:off x="14839406" y="18836640"/>
+            <a:off x="15297694" y="20522419"/>
             <a:ext cx="13428617" cy="2862322"/>
           </a:xfrm>
           <a:prstGeom prst="rect">
@@ -16750,7 +17024,6 @@
               <a:rPr lang="en-US" sz="6000" dirty="0" smtClean="0"/>
               <a:t>Placeholder for diagram of an RNN / LSTM / GRU including the size of each layer, number of layers, size of seed</a:t>
             </a:r>
-            <a:endParaRPr lang="en-US" sz="6000" dirty="0" smtClean="0"/>
           </a:p>
         </p:txBody>
       </p:sp>

--- a/Convectional Neural Networks Poster.pptx
+++ b/Convectional Neural Networks Poster.pptx
@@ -403,11 +403,11 @@
         </c:dLbls>
         <c:gapWidth val="80"/>
         <c:overlap val="25"/>
-        <c:axId val="2145992176"/>
-        <c:axId val="2144343936"/>
+        <c:axId val="1639074816"/>
+        <c:axId val="1639297392"/>
       </c:barChart>
       <c:catAx>
-        <c:axId val="2145992176"/>
+        <c:axId val="1639074816"/>
         <c:scaling>
           <c:orientation val="minMax"/>
         </c:scaling>
@@ -450,7 +450,7 @@
             <a:endParaRPr lang="en-US"/>
           </a:p>
         </c:txPr>
-        <c:crossAx val="2144343936"/>
+        <c:crossAx val="1639297392"/>
         <c:crosses val="autoZero"/>
         <c:auto val="1"/>
         <c:lblAlgn val="ctr"/>
@@ -458,7 +458,7 @@
         <c:noMultiLvlLbl val="0"/>
       </c:catAx>
       <c:valAx>
-        <c:axId val="2144343936"/>
+        <c:axId val="1639297392"/>
         <c:scaling>
           <c:orientation val="minMax"/>
         </c:scaling>
@@ -509,7 +509,7 @@
             <a:endParaRPr lang="en-US"/>
           </a:p>
         </c:txPr>
-        <c:crossAx val="2145992176"/>
+        <c:crossAx val="1639074816"/>
         <c:crosses val="autoZero"/>
         <c:crossBetween val="between"/>
       </c:valAx>
@@ -10154,14 +10154,14 @@
           </a:effectLst>
           <a:extLst>
             <a:ext uri="{909E8E84-426E-40dd-AFC4-6F175D3DCCD1}">
-              <a14:hiddenFill xmlns:a14="http://schemas.microsoft.com/office/drawing/2010/main" xmlns="">
+              <a14:hiddenFill xmlns="" xmlns:a14="http://schemas.microsoft.com/office/drawing/2010/main">
                 <a:solidFill>
                   <a:srgbClr val="FFFFFF"/>
                 </a:solidFill>
               </a14:hiddenFill>
             </a:ext>
             <a:ext uri="{91240B29-F687-4f45-9708-019B960494DF}">
-              <a14:hiddenLine xmlns:a14="http://schemas.microsoft.com/office/drawing/2010/main" xmlns="" w="9525">
+              <a14:hiddenLine xmlns="" xmlns:a14="http://schemas.microsoft.com/office/drawing/2010/main" w="9525">
                 <a:solidFill>
                   <a:srgbClr val="000000"/>
                 </a:solidFill>
@@ -10206,14 +10206,14 @@
           </a:ln>
           <a:extLst>
             <a:ext uri="{909E8E84-426E-40dd-AFC4-6F175D3DCCD1}">
-              <a14:hiddenFill xmlns="" xmlns:a14="http://schemas.microsoft.com/office/drawing/2010/main">
+              <a14:hiddenFill xmlns:a14="http://schemas.microsoft.com/office/drawing/2010/main" xmlns="">
                 <a:solidFill>
                   <a:srgbClr val="FFFFFF"/>
                 </a:solidFill>
               </a14:hiddenFill>
             </a:ext>
             <a:ext uri="{91240B29-F687-4f45-9708-019B960494DF}">
-              <a14:hiddenLine xmlns="" xmlns:a14="http://schemas.microsoft.com/office/drawing/2010/main" w="9525">
+              <a14:hiddenLine xmlns:a14="http://schemas.microsoft.com/office/drawing/2010/main" xmlns="" w="9525">
                 <a:solidFill>
                   <a:srgbClr val="000000"/>
                 </a:solidFill>
@@ -10361,7 +10361,7 @@
             <a:effectLst/>
             <a:extLst>
               <a:ext uri="{AF507438-7753-43e0-B8FC-AC1667EBCBE1}">
-                <a14:hiddenEffects xmlns="" xmlns:a14="http://schemas.microsoft.com/office/drawing/2010/main">
+                <a14:hiddenEffects xmlns:a14="http://schemas.microsoft.com/office/drawing/2010/main" xmlns="">
                   <a:effectLst>
                     <a:outerShdw dist="35921" dir="2700000" algn="ctr" rotWithShape="0">
                       <a:schemeClr val="bg2"/>
@@ -10437,7 +10437,7 @@
             <a:effectLst/>
             <a:extLst>
               <a:ext uri="{AF507438-7753-43e0-B8FC-AC1667EBCBE1}">
-                <a14:hiddenEffects xmlns="" xmlns:a14="http://schemas.microsoft.com/office/drawing/2010/main">
+                <a14:hiddenEffects xmlns:a14="http://schemas.microsoft.com/office/drawing/2010/main" xmlns="">
                   <a:effectLst>
                     <a:outerShdw dist="35921" dir="2700000" algn="ctr" rotWithShape="0">
                       <a:schemeClr val="bg2"/>
@@ -10513,7 +10513,7 @@
             <a:effectLst/>
             <a:extLst>
               <a:ext uri="{AF507438-7753-43e0-B8FC-AC1667EBCBE1}">
-                <a14:hiddenEffects xmlns="" xmlns:a14="http://schemas.microsoft.com/office/drawing/2010/main">
+                <a14:hiddenEffects xmlns:a14="http://schemas.microsoft.com/office/drawing/2010/main" xmlns="">
                   <a:effectLst>
                     <a:outerShdw dist="35921" dir="2700000" algn="ctr" rotWithShape="0">
                       <a:schemeClr val="bg2"/>
@@ -10587,7 +10587,7 @@
             <a:effectLst/>
             <a:extLst>
               <a:ext uri="{AF507438-7753-43e0-B8FC-AC1667EBCBE1}">
-                <a14:hiddenEffects xmlns="" xmlns:a14="http://schemas.microsoft.com/office/drawing/2010/main">
+                <a14:hiddenEffects xmlns:a14="http://schemas.microsoft.com/office/drawing/2010/main" xmlns="">
                   <a:effectLst>
                     <a:outerShdw dist="35921" dir="2700000" algn="ctr" rotWithShape="0">
                       <a:schemeClr val="bg2"/>
@@ -10661,7 +10661,7 @@
             <a:effectLst/>
             <a:extLst>
               <a:ext uri="{AF507438-7753-43e0-B8FC-AC1667EBCBE1}">
-                <a14:hiddenEffects xmlns="" xmlns:a14="http://schemas.microsoft.com/office/drawing/2010/main">
+                <a14:hiddenEffects xmlns:a14="http://schemas.microsoft.com/office/drawing/2010/main" xmlns="">
                   <a:effectLst>
                     <a:outerShdw dist="35921" dir="2700000" algn="ctr" rotWithShape="0">
                       <a:schemeClr val="bg2"/>
@@ -10735,7 +10735,7 @@
             <a:effectLst/>
             <a:extLst>
               <a:ext uri="{AF507438-7753-43e0-B8FC-AC1667EBCBE1}">
-                <a14:hiddenEffects xmlns="" xmlns:a14="http://schemas.microsoft.com/office/drawing/2010/main">
+                <a14:hiddenEffects xmlns:a14="http://schemas.microsoft.com/office/drawing/2010/main" xmlns="">
                   <a:effectLst>
                     <a:outerShdw dist="35921" dir="2700000" algn="ctr" rotWithShape="0">
                       <a:schemeClr val="bg2"/>
@@ -10809,7 +10809,7 @@
             <a:effectLst/>
             <a:extLst>
               <a:ext uri="{AF507438-7753-43e0-B8FC-AC1667EBCBE1}">
-                <a14:hiddenEffects xmlns="" xmlns:a14="http://schemas.microsoft.com/office/drawing/2010/main">
+                <a14:hiddenEffects xmlns:a14="http://schemas.microsoft.com/office/drawing/2010/main" xmlns="">
                   <a:effectLst>
                     <a:outerShdw dist="35921" dir="2700000" algn="ctr" rotWithShape="0">
                       <a:schemeClr val="bg2"/>
@@ -10883,7 +10883,7 @@
             <a:effectLst/>
             <a:extLst>
               <a:ext uri="{AF507438-7753-43e0-B8FC-AC1667EBCBE1}">
-                <a14:hiddenEffects xmlns="" xmlns:a14="http://schemas.microsoft.com/office/drawing/2010/main">
+                <a14:hiddenEffects xmlns:a14="http://schemas.microsoft.com/office/drawing/2010/main" xmlns="">
                   <a:effectLst>
                     <a:outerShdw dist="35921" dir="2700000" algn="ctr" rotWithShape="0">
                       <a:schemeClr val="bg2"/>
@@ -10957,7 +10957,7 @@
             <a:effectLst/>
             <a:extLst>
               <a:ext uri="{AF507438-7753-43e0-B8FC-AC1667EBCBE1}">
-                <a14:hiddenEffects xmlns="" xmlns:a14="http://schemas.microsoft.com/office/drawing/2010/main">
+                <a14:hiddenEffects xmlns:a14="http://schemas.microsoft.com/office/drawing/2010/main" xmlns="">
                   <a:effectLst>
                     <a:outerShdw dist="35921" dir="2700000" algn="ctr" rotWithShape="0">
                       <a:schemeClr val="bg2"/>
@@ -11031,7 +11031,7 @@
             <a:effectLst/>
             <a:extLst>
               <a:ext uri="{AF507438-7753-43e0-B8FC-AC1667EBCBE1}">
-                <a14:hiddenEffects xmlns="" xmlns:a14="http://schemas.microsoft.com/office/drawing/2010/main">
+                <a14:hiddenEffects xmlns:a14="http://schemas.microsoft.com/office/drawing/2010/main" xmlns="">
                   <a:effectLst>
                     <a:outerShdw dist="35921" dir="2700000" algn="ctr" rotWithShape="0">
                       <a:schemeClr val="bg2"/>
@@ -11105,7 +11105,7 @@
             <a:effectLst/>
             <a:extLst>
               <a:ext uri="{AF507438-7753-43e0-B8FC-AC1667EBCBE1}">
-                <a14:hiddenEffects xmlns="" xmlns:a14="http://schemas.microsoft.com/office/drawing/2010/main">
+                <a14:hiddenEffects xmlns:a14="http://schemas.microsoft.com/office/drawing/2010/main" xmlns="">
                   <a:effectLst>
                     <a:outerShdw dist="35921" dir="2700000" algn="ctr" rotWithShape="0">
                       <a:schemeClr val="bg2"/>
@@ -11181,7 +11181,7 @@
             <a:effectLst/>
             <a:extLst>
               <a:ext uri="{AF507438-7753-43e0-B8FC-AC1667EBCBE1}">
-                <a14:hiddenEffects xmlns="" xmlns:a14="http://schemas.microsoft.com/office/drawing/2010/main">
+                <a14:hiddenEffects xmlns:a14="http://schemas.microsoft.com/office/drawing/2010/main" xmlns="">
                   <a:effectLst>
                     <a:outerShdw dist="35921" dir="2700000" algn="ctr" rotWithShape="0">
                       <a:schemeClr val="bg2"/>
@@ -11260,7 +11260,7 @@
             <a:effectLst/>
             <a:extLst>
               <a:ext uri="{AF507438-7753-43e0-B8FC-AC1667EBCBE1}">
-                <a14:hiddenEffects xmlns="" xmlns:a14="http://schemas.microsoft.com/office/drawing/2010/main">
+                <a14:hiddenEffects xmlns:a14="http://schemas.microsoft.com/office/drawing/2010/main" xmlns="">
                   <a:effectLst>
                     <a:outerShdw dist="35921" dir="2700000" algn="ctr" rotWithShape="0">
                       <a:schemeClr val="bg2"/>
@@ -11303,7 +11303,7 @@
             <a:effectLst/>
             <a:extLst>
               <a:ext uri="{AF507438-7753-43e0-B8FC-AC1667EBCBE1}">
-                <a14:hiddenEffects xmlns="" xmlns:a14="http://schemas.microsoft.com/office/drawing/2010/main">
+                <a14:hiddenEffects xmlns:a14="http://schemas.microsoft.com/office/drawing/2010/main" xmlns="">
                   <a:effectLst>
                     <a:outerShdw dist="35921" dir="2700000" algn="ctr" rotWithShape="0">
                       <a:schemeClr val="bg2"/>
@@ -11346,7 +11346,7 @@
             <a:effectLst/>
             <a:extLst>
               <a:ext uri="{AF507438-7753-43e0-B8FC-AC1667EBCBE1}">
-                <a14:hiddenEffects xmlns="" xmlns:a14="http://schemas.microsoft.com/office/drawing/2010/main">
+                <a14:hiddenEffects xmlns:a14="http://schemas.microsoft.com/office/drawing/2010/main" xmlns="">
                   <a:effectLst>
                     <a:outerShdw dist="35921" dir="2700000" algn="ctr" rotWithShape="0">
                       <a:schemeClr val="bg2"/>
@@ -11389,7 +11389,7 @@
             <a:effectLst/>
             <a:extLst>
               <a:ext uri="{AF507438-7753-43e0-B8FC-AC1667EBCBE1}">
-                <a14:hiddenEffects xmlns="" xmlns:a14="http://schemas.microsoft.com/office/drawing/2010/main">
+                <a14:hiddenEffects xmlns:a14="http://schemas.microsoft.com/office/drawing/2010/main" xmlns="">
                   <a:effectLst>
                     <a:outerShdw dist="35921" dir="2700000" algn="ctr" rotWithShape="0">
                       <a:schemeClr val="bg2"/>
@@ -11432,7 +11432,7 @@
             <a:effectLst/>
             <a:extLst>
               <a:ext uri="{AF507438-7753-43e0-B8FC-AC1667EBCBE1}">
-                <a14:hiddenEffects xmlns="" xmlns:a14="http://schemas.microsoft.com/office/drawing/2010/main">
+                <a14:hiddenEffects xmlns:a14="http://schemas.microsoft.com/office/drawing/2010/main" xmlns="">
                   <a:effectLst>
                     <a:outerShdw dist="35921" dir="2700000" algn="ctr" rotWithShape="0">
                       <a:schemeClr val="bg2"/>
@@ -11475,7 +11475,7 @@
             <a:effectLst/>
             <a:extLst>
               <a:ext uri="{AF507438-7753-43e0-B8FC-AC1667EBCBE1}">
-                <a14:hiddenEffects xmlns="" xmlns:a14="http://schemas.microsoft.com/office/drawing/2010/main">
+                <a14:hiddenEffects xmlns:a14="http://schemas.microsoft.com/office/drawing/2010/main" xmlns="">
                   <a:effectLst>
                     <a:outerShdw dist="35921" dir="2700000" algn="ctr" rotWithShape="0">
                       <a:schemeClr val="bg2"/>
@@ -11518,7 +11518,7 @@
             <a:effectLst/>
             <a:extLst>
               <a:ext uri="{AF507438-7753-43e0-B8FC-AC1667EBCBE1}">
-                <a14:hiddenEffects xmlns="" xmlns:a14="http://schemas.microsoft.com/office/drawing/2010/main">
+                <a14:hiddenEffects xmlns:a14="http://schemas.microsoft.com/office/drawing/2010/main" xmlns="">
                   <a:effectLst>
                     <a:outerShdw dist="35921" dir="2700000" algn="ctr" rotWithShape="0">
                       <a:schemeClr val="bg2"/>
@@ -11561,7 +11561,7 @@
             <a:effectLst/>
             <a:extLst>
               <a:ext uri="{AF507438-7753-43e0-B8FC-AC1667EBCBE1}">
-                <a14:hiddenEffects xmlns="" xmlns:a14="http://schemas.microsoft.com/office/drawing/2010/main">
+                <a14:hiddenEffects xmlns:a14="http://schemas.microsoft.com/office/drawing/2010/main" xmlns="">
                   <a:effectLst>
                     <a:outerShdw dist="35921" dir="2700000" algn="ctr" rotWithShape="0">
                       <a:schemeClr val="bg2"/>
@@ -11604,7 +11604,7 @@
             <a:effectLst/>
             <a:extLst>
               <a:ext uri="{AF507438-7753-43e0-B8FC-AC1667EBCBE1}">
-                <a14:hiddenEffects xmlns="" xmlns:a14="http://schemas.microsoft.com/office/drawing/2010/main">
+                <a14:hiddenEffects xmlns:a14="http://schemas.microsoft.com/office/drawing/2010/main" xmlns="">
                   <a:effectLst>
                     <a:outerShdw dist="35921" dir="2700000" algn="ctr" rotWithShape="0">
                       <a:schemeClr val="bg2"/>
@@ -11647,7 +11647,7 @@
             <a:effectLst/>
             <a:extLst>
               <a:ext uri="{AF507438-7753-43e0-B8FC-AC1667EBCBE1}">
-                <a14:hiddenEffects xmlns="" xmlns:a14="http://schemas.microsoft.com/office/drawing/2010/main">
+                <a14:hiddenEffects xmlns:a14="http://schemas.microsoft.com/office/drawing/2010/main" xmlns="">
                   <a:effectLst>
                     <a:outerShdw dist="35921" dir="2700000" algn="ctr" rotWithShape="0">
                       <a:schemeClr val="bg2"/>
@@ -11690,7 +11690,7 @@
             <a:effectLst/>
             <a:extLst>
               <a:ext uri="{AF507438-7753-43e0-B8FC-AC1667EBCBE1}">
-                <a14:hiddenEffects xmlns="" xmlns:a14="http://schemas.microsoft.com/office/drawing/2010/main">
+                <a14:hiddenEffects xmlns:a14="http://schemas.microsoft.com/office/drawing/2010/main" xmlns="">
                   <a:effectLst>
                     <a:outerShdw dist="35921" dir="2700000" algn="ctr" rotWithShape="0">
                       <a:schemeClr val="bg2"/>
@@ -11733,7 +11733,7 @@
             <a:effectLst/>
             <a:extLst>
               <a:ext uri="{AF507438-7753-43e0-B8FC-AC1667EBCBE1}">
-                <a14:hiddenEffects xmlns="" xmlns:a14="http://schemas.microsoft.com/office/drawing/2010/main">
+                <a14:hiddenEffects xmlns:a14="http://schemas.microsoft.com/office/drawing/2010/main" xmlns="">
                   <a:effectLst>
                     <a:outerShdw dist="35921" dir="2700000" algn="ctr" rotWithShape="0">
                       <a:schemeClr val="bg2"/>
@@ -11776,7 +11776,7 @@
             <a:effectLst/>
             <a:extLst>
               <a:ext uri="{AF507438-7753-43e0-B8FC-AC1667EBCBE1}">
-                <a14:hiddenEffects xmlns="" xmlns:a14="http://schemas.microsoft.com/office/drawing/2010/main">
+                <a14:hiddenEffects xmlns:a14="http://schemas.microsoft.com/office/drawing/2010/main" xmlns="">
                   <a:effectLst>
                     <a:outerShdw dist="35921" dir="2700000" algn="ctr" rotWithShape="0">
                       <a:schemeClr val="bg2"/>
@@ -11819,7 +11819,7 @@
             <a:effectLst/>
             <a:extLst>
               <a:ext uri="{AF507438-7753-43e0-B8FC-AC1667EBCBE1}">
-                <a14:hiddenEffects xmlns="" xmlns:a14="http://schemas.microsoft.com/office/drawing/2010/main">
+                <a14:hiddenEffects xmlns:a14="http://schemas.microsoft.com/office/drawing/2010/main" xmlns="">
                   <a:effectLst>
                     <a:outerShdw dist="35921" dir="2700000" algn="ctr" rotWithShape="0">
                       <a:schemeClr val="bg2"/>
@@ -11862,7 +11862,7 @@
             <a:effectLst/>
             <a:extLst>
               <a:ext uri="{AF507438-7753-43e0-B8FC-AC1667EBCBE1}">
-                <a14:hiddenEffects xmlns="" xmlns:a14="http://schemas.microsoft.com/office/drawing/2010/main">
+                <a14:hiddenEffects xmlns:a14="http://schemas.microsoft.com/office/drawing/2010/main" xmlns="">
                   <a:effectLst>
                     <a:outerShdw dist="35921" dir="2700000" algn="ctr" rotWithShape="0">
                       <a:schemeClr val="bg2"/>
@@ -11905,7 +11905,7 @@
             <a:effectLst/>
             <a:extLst>
               <a:ext uri="{AF507438-7753-43e0-B8FC-AC1667EBCBE1}">
-                <a14:hiddenEffects xmlns="" xmlns:a14="http://schemas.microsoft.com/office/drawing/2010/main">
+                <a14:hiddenEffects xmlns:a14="http://schemas.microsoft.com/office/drawing/2010/main" xmlns="">
                   <a:effectLst>
                     <a:outerShdw dist="35921" dir="2700000" algn="ctr" rotWithShape="0">
                       <a:schemeClr val="bg2"/>
@@ -11948,7 +11948,7 @@
             <a:effectLst/>
             <a:extLst>
               <a:ext uri="{AF507438-7753-43e0-B8FC-AC1667EBCBE1}">
-                <a14:hiddenEffects xmlns="" xmlns:a14="http://schemas.microsoft.com/office/drawing/2010/main">
+                <a14:hiddenEffects xmlns:a14="http://schemas.microsoft.com/office/drawing/2010/main" xmlns="">
                   <a:effectLst>
                     <a:outerShdw dist="35921" dir="2700000" algn="ctr" rotWithShape="0">
                       <a:schemeClr val="bg2"/>
@@ -11991,7 +11991,7 @@
             <a:effectLst/>
             <a:extLst>
               <a:ext uri="{AF507438-7753-43e0-B8FC-AC1667EBCBE1}">
-                <a14:hiddenEffects xmlns="" xmlns:a14="http://schemas.microsoft.com/office/drawing/2010/main">
+                <a14:hiddenEffects xmlns:a14="http://schemas.microsoft.com/office/drawing/2010/main" xmlns="">
                   <a:effectLst>
                     <a:outerShdw dist="35921" dir="2700000" algn="ctr" rotWithShape="0">
                       <a:schemeClr val="bg2"/>
@@ -12034,7 +12034,7 @@
             <a:effectLst/>
             <a:extLst>
               <a:ext uri="{AF507438-7753-43e0-B8FC-AC1667EBCBE1}">
-                <a14:hiddenEffects xmlns="" xmlns:a14="http://schemas.microsoft.com/office/drawing/2010/main">
+                <a14:hiddenEffects xmlns:a14="http://schemas.microsoft.com/office/drawing/2010/main" xmlns="">
                   <a:effectLst>
                     <a:outerShdw dist="35921" dir="2700000" algn="ctr" rotWithShape="0">
                       <a:schemeClr val="bg2"/>
@@ -12077,7 +12077,7 @@
             <a:effectLst/>
             <a:extLst>
               <a:ext uri="{AF507438-7753-43e0-B8FC-AC1667EBCBE1}">
-                <a14:hiddenEffects xmlns="" xmlns:a14="http://schemas.microsoft.com/office/drawing/2010/main">
+                <a14:hiddenEffects xmlns:a14="http://schemas.microsoft.com/office/drawing/2010/main" xmlns="">
                   <a:effectLst>
                     <a:outerShdw dist="35921" dir="2700000" algn="ctr" rotWithShape="0">
                       <a:schemeClr val="bg2"/>
@@ -12120,7 +12120,7 @@
             <a:effectLst/>
             <a:extLst>
               <a:ext uri="{AF507438-7753-43e0-B8FC-AC1667EBCBE1}">
-                <a14:hiddenEffects xmlns="" xmlns:a14="http://schemas.microsoft.com/office/drawing/2010/main">
+                <a14:hiddenEffects xmlns:a14="http://schemas.microsoft.com/office/drawing/2010/main" xmlns="">
                   <a:effectLst>
                     <a:outerShdw dist="35921" dir="2700000" algn="ctr" rotWithShape="0">
                       <a:schemeClr val="bg2"/>
@@ -12163,7 +12163,7 @@
             <a:effectLst/>
             <a:extLst>
               <a:ext uri="{AF507438-7753-43e0-B8FC-AC1667EBCBE1}">
-                <a14:hiddenEffects xmlns="" xmlns:a14="http://schemas.microsoft.com/office/drawing/2010/main">
+                <a14:hiddenEffects xmlns:a14="http://schemas.microsoft.com/office/drawing/2010/main" xmlns="">
                   <a:effectLst>
                     <a:outerShdw dist="35921" dir="2700000" algn="ctr" rotWithShape="0">
                       <a:schemeClr val="bg2"/>
@@ -12206,7 +12206,7 @@
             <a:effectLst/>
             <a:extLst>
               <a:ext uri="{AF507438-7753-43e0-B8FC-AC1667EBCBE1}">
-                <a14:hiddenEffects xmlns="" xmlns:a14="http://schemas.microsoft.com/office/drawing/2010/main">
+                <a14:hiddenEffects xmlns:a14="http://schemas.microsoft.com/office/drawing/2010/main" xmlns="">
                   <a:effectLst>
                     <a:outerShdw dist="35921" dir="2700000" algn="ctr" rotWithShape="0">
                       <a:schemeClr val="bg2"/>
@@ -12249,7 +12249,7 @@
             <a:effectLst/>
             <a:extLst>
               <a:ext uri="{AF507438-7753-43e0-B8FC-AC1667EBCBE1}">
-                <a14:hiddenEffects xmlns="" xmlns:a14="http://schemas.microsoft.com/office/drawing/2010/main">
+                <a14:hiddenEffects xmlns:a14="http://schemas.microsoft.com/office/drawing/2010/main" xmlns="">
                   <a:effectLst>
                     <a:outerShdw dist="35921" dir="2700000" algn="ctr" rotWithShape="0">
                       <a:schemeClr val="bg2"/>
@@ -12292,7 +12292,7 @@
             <a:effectLst/>
             <a:extLst>
               <a:ext uri="{AF507438-7753-43e0-B8FC-AC1667EBCBE1}">
-                <a14:hiddenEffects xmlns="" xmlns:a14="http://schemas.microsoft.com/office/drawing/2010/main">
+                <a14:hiddenEffects xmlns:a14="http://schemas.microsoft.com/office/drawing/2010/main" xmlns="">
                   <a:effectLst>
                     <a:outerShdw dist="35921" dir="2700000" algn="ctr" rotWithShape="0">
                       <a:schemeClr val="bg2"/>
@@ -12335,7 +12335,7 @@
             <a:effectLst/>
             <a:extLst>
               <a:ext uri="{AF507438-7753-43e0-B8FC-AC1667EBCBE1}">
-                <a14:hiddenEffects xmlns="" xmlns:a14="http://schemas.microsoft.com/office/drawing/2010/main">
+                <a14:hiddenEffects xmlns:a14="http://schemas.microsoft.com/office/drawing/2010/main" xmlns="">
                   <a:effectLst>
                     <a:outerShdw dist="35921" dir="2700000" algn="ctr" rotWithShape="0">
                       <a:schemeClr val="bg2"/>
@@ -12378,7 +12378,7 @@
             <a:effectLst/>
             <a:extLst>
               <a:ext uri="{AF507438-7753-43e0-B8FC-AC1667EBCBE1}">
-                <a14:hiddenEffects xmlns="" xmlns:a14="http://schemas.microsoft.com/office/drawing/2010/main">
+                <a14:hiddenEffects xmlns:a14="http://schemas.microsoft.com/office/drawing/2010/main" xmlns="">
                   <a:effectLst>
                     <a:outerShdw dist="35921" dir="2700000" algn="ctr" rotWithShape="0">
                       <a:schemeClr val="bg2"/>
@@ -12421,7 +12421,7 @@
             <a:effectLst/>
             <a:extLst>
               <a:ext uri="{AF507438-7753-43e0-B8FC-AC1667EBCBE1}">
-                <a14:hiddenEffects xmlns="" xmlns:a14="http://schemas.microsoft.com/office/drawing/2010/main">
+                <a14:hiddenEffects xmlns:a14="http://schemas.microsoft.com/office/drawing/2010/main" xmlns="">
                   <a:effectLst>
                     <a:outerShdw dist="35921" dir="2700000" algn="ctr" rotWithShape="0">
                       <a:schemeClr val="bg2"/>
@@ -12464,7 +12464,7 @@
             <a:effectLst/>
             <a:extLst>
               <a:ext uri="{AF507438-7753-43e0-B8FC-AC1667EBCBE1}">
-                <a14:hiddenEffects xmlns="" xmlns:a14="http://schemas.microsoft.com/office/drawing/2010/main">
+                <a14:hiddenEffects xmlns:a14="http://schemas.microsoft.com/office/drawing/2010/main" xmlns="">
                   <a:effectLst>
                     <a:outerShdw dist="35921" dir="2700000" algn="ctr" rotWithShape="0">
                       <a:schemeClr val="bg2"/>
@@ -12507,7 +12507,7 @@
             <a:effectLst/>
             <a:extLst>
               <a:ext uri="{AF507438-7753-43e0-B8FC-AC1667EBCBE1}">
-                <a14:hiddenEffects xmlns="" xmlns:a14="http://schemas.microsoft.com/office/drawing/2010/main">
+                <a14:hiddenEffects xmlns:a14="http://schemas.microsoft.com/office/drawing/2010/main" xmlns="">
                   <a:effectLst>
                     <a:outerShdw dist="35921" dir="2700000" algn="ctr" rotWithShape="0">
                       <a:schemeClr val="bg2"/>
@@ -12550,7 +12550,7 @@
             <a:effectLst/>
             <a:extLst>
               <a:ext uri="{AF507438-7753-43e0-B8FC-AC1667EBCBE1}">
-                <a14:hiddenEffects xmlns="" xmlns:a14="http://schemas.microsoft.com/office/drawing/2010/main">
+                <a14:hiddenEffects xmlns:a14="http://schemas.microsoft.com/office/drawing/2010/main" xmlns="">
                   <a:effectLst>
                     <a:outerShdw dist="35921" dir="2700000" algn="ctr" rotWithShape="0">
                       <a:schemeClr val="bg2"/>
@@ -12588,7 +12588,7 @@
             <a:effectLst/>
             <a:extLst>
               <a:ext uri="{AF507438-7753-43e0-B8FC-AC1667EBCBE1}">
-                <a14:hiddenEffects xmlns="" xmlns:a14="http://schemas.microsoft.com/office/drawing/2010/main">
+                <a14:hiddenEffects xmlns:a14="http://schemas.microsoft.com/office/drawing/2010/main" xmlns="">
                   <a:effectLst>
                     <a:outerShdw dist="35921" dir="2700000" algn="ctr" rotWithShape="0">
                       <a:schemeClr val="bg2"/>
@@ -12662,7 +12662,7 @@
             <a:effectLst/>
             <a:extLst>
               <a:ext uri="{AF507438-7753-43e0-B8FC-AC1667EBCBE1}">
-                <a14:hiddenEffects xmlns="" xmlns:a14="http://schemas.microsoft.com/office/drawing/2010/main">
+                <a14:hiddenEffects xmlns:a14="http://schemas.microsoft.com/office/drawing/2010/main" xmlns="">
                   <a:effectLst>
                     <a:outerShdw dist="35921" dir="2700000" algn="ctr" rotWithShape="0">
                       <a:schemeClr val="bg2"/>
@@ -12736,7 +12736,7 @@
             <a:effectLst/>
             <a:extLst>
               <a:ext uri="{AF507438-7753-43e0-B8FC-AC1667EBCBE1}">
-                <a14:hiddenEffects xmlns="" xmlns:a14="http://schemas.microsoft.com/office/drawing/2010/main">
+                <a14:hiddenEffects xmlns:a14="http://schemas.microsoft.com/office/drawing/2010/main" xmlns="">
                   <a:effectLst>
                     <a:outerShdw dist="35921" dir="2700000" algn="ctr" rotWithShape="0">
                       <a:schemeClr val="bg2"/>
@@ -12810,7 +12810,7 @@
             <a:effectLst/>
             <a:extLst>
               <a:ext uri="{AF507438-7753-43e0-B8FC-AC1667EBCBE1}">
-                <a14:hiddenEffects xmlns="" xmlns:a14="http://schemas.microsoft.com/office/drawing/2010/main">
+                <a14:hiddenEffects xmlns:a14="http://schemas.microsoft.com/office/drawing/2010/main" xmlns="">
                   <a:effectLst>
                     <a:outerShdw dist="35921" dir="2700000" algn="ctr" rotWithShape="0">
                       <a:schemeClr val="bg2"/>
@@ -13018,7 +13018,7 @@
             <a:effectLst/>
             <a:extLst>
               <a:ext uri="{AF507438-7753-43e0-B8FC-AC1667EBCBE1}">
-                <a14:hiddenEffects xmlns="" xmlns:a14="http://schemas.microsoft.com/office/drawing/2010/main">
+                <a14:hiddenEffects xmlns:a14="http://schemas.microsoft.com/office/drawing/2010/main" xmlns="">
                   <a:effectLst>
                     <a:outerShdw dist="35921" dir="2700000" algn="ctr" rotWithShape="0">
                       <a:schemeClr val="bg2"/>
@@ -13173,7 +13173,7 @@
             <a:effectLst/>
             <a:extLst>
               <a:ext uri="{AF507438-7753-43e0-B8FC-AC1667EBCBE1}">
-                <a14:hiddenEffects xmlns="" xmlns:a14="http://schemas.microsoft.com/office/drawing/2010/main">
+                <a14:hiddenEffects xmlns:a14="http://schemas.microsoft.com/office/drawing/2010/main" xmlns="">
                   <a:effectLst>
                     <a:outerShdw dist="35921" dir="2700000" algn="ctr" rotWithShape="0">
                       <a:schemeClr val="bg2"/>
@@ -13247,7 +13247,7 @@
             <a:effectLst/>
             <a:extLst>
               <a:ext uri="{AF507438-7753-43e0-B8FC-AC1667EBCBE1}">
-                <a14:hiddenEffects xmlns="" xmlns:a14="http://schemas.microsoft.com/office/drawing/2010/main">
+                <a14:hiddenEffects xmlns:a14="http://schemas.microsoft.com/office/drawing/2010/main" xmlns="">
                   <a:effectLst>
                     <a:outerShdw dist="35921" dir="2700000" algn="ctr" rotWithShape="0">
                       <a:schemeClr val="bg2"/>
@@ -13388,7 +13388,7 @@
             <a:effectLst/>
             <a:extLst>
               <a:ext uri="{AF507438-7753-43e0-B8FC-AC1667EBCBE1}">
-                <a14:hiddenEffects xmlns="" xmlns:a14="http://schemas.microsoft.com/office/drawing/2010/main">
+                <a14:hiddenEffects xmlns:a14="http://schemas.microsoft.com/office/drawing/2010/main" xmlns="">
                   <a:effectLst>
                     <a:outerShdw dist="35921" dir="2700000" algn="ctr" rotWithShape="0">
                       <a:schemeClr val="bg2"/>
@@ -13431,7 +13431,7 @@
             <a:effectLst/>
             <a:extLst>
               <a:ext uri="{AF507438-7753-43e0-B8FC-AC1667EBCBE1}">
-                <a14:hiddenEffects xmlns="" xmlns:a14="http://schemas.microsoft.com/office/drawing/2010/main">
+                <a14:hiddenEffects xmlns:a14="http://schemas.microsoft.com/office/drawing/2010/main" xmlns="">
                   <a:effectLst>
                     <a:outerShdw dist="35921" dir="2700000" algn="ctr" rotWithShape="0">
                       <a:schemeClr val="bg2"/>
@@ -13474,7 +13474,7 @@
             <a:effectLst/>
             <a:extLst>
               <a:ext uri="{AF507438-7753-43e0-B8FC-AC1667EBCBE1}">
-                <a14:hiddenEffects xmlns="" xmlns:a14="http://schemas.microsoft.com/office/drawing/2010/main">
+                <a14:hiddenEffects xmlns:a14="http://schemas.microsoft.com/office/drawing/2010/main" xmlns="">
                   <a:effectLst>
                     <a:outerShdw dist="35921" dir="2700000" algn="ctr" rotWithShape="0">
                       <a:schemeClr val="bg2"/>
@@ -13517,7 +13517,7 @@
             <a:effectLst/>
             <a:extLst>
               <a:ext uri="{AF507438-7753-43e0-B8FC-AC1667EBCBE1}">
-                <a14:hiddenEffects xmlns="" xmlns:a14="http://schemas.microsoft.com/office/drawing/2010/main">
+                <a14:hiddenEffects xmlns:a14="http://schemas.microsoft.com/office/drawing/2010/main" xmlns="">
                   <a:effectLst>
                     <a:outerShdw dist="35921" dir="2700000" algn="ctr" rotWithShape="0">
                       <a:schemeClr val="bg2"/>
@@ -14669,14 +14669,14 @@
           </a:ln>
           <a:extLst>
             <a:ext uri="{909E8E84-426E-40dd-AFC4-6F175D3DCCD1}">
-              <a14:hiddenFill xmlns="" xmlns:a14="http://schemas.microsoft.com/office/drawing/2010/main">
+              <a14:hiddenFill xmlns:a14="http://schemas.microsoft.com/office/drawing/2010/main" xmlns="">
                 <a:solidFill>
                   <a:srgbClr val="FFFFFF"/>
                 </a:solidFill>
               </a14:hiddenFill>
             </a:ext>
             <a:ext uri="{91240B29-F687-4f45-9708-019B960494DF}">
-              <a14:hiddenLine xmlns="" xmlns:a14="http://schemas.microsoft.com/office/drawing/2010/main" w="9525">
+              <a14:hiddenLine xmlns:a14="http://schemas.microsoft.com/office/drawing/2010/main" xmlns="" w="9525">
                 <a:solidFill>
                   <a:srgbClr val="000000"/>
                 </a:solidFill>
@@ -14798,8 +14798,8 @@
         </p:nvSpPr>
         <p:spPr>
           <a:xfrm>
-            <a:off x="14254555" y="8845189"/>
-            <a:ext cx="4597082" cy="5428868"/>
+            <a:off x="14254555" y="8453311"/>
+            <a:ext cx="4597082" cy="4174118"/>
           </a:xfrm>
           <a:custGeom>
             <a:avLst/>
@@ -15126,7 +15126,7 @@
         </p:nvSpPr>
         <p:spPr>
           <a:xfrm>
-            <a:off x="19726670" y="8818786"/>
+            <a:off x="19726670" y="8426908"/>
             <a:ext cx="4597082" cy="4547590"/>
           </a:xfrm>
           <a:custGeom>
@@ -15432,7 +15432,7 @@
         </p:nvSpPr>
         <p:spPr>
           <a:xfrm>
-            <a:off x="25198785" y="8845188"/>
+            <a:off x="25198785" y="8453310"/>
             <a:ext cx="4597082" cy="4521187"/>
           </a:xfrm>
           <a:custGeom>
@@ -15535,11 +15535,7 @@
           <a:p>
             <a:r>
               <a:rPr lang="en-US" sz="2400" b="1" dirty="0" smtClean="0"/>
-              <a:t>Model </a:t>
-            </a:r>
-            <a:r>
-              <a:rPr lang="en-US" sz="2400" b="1" dirty="0" smtClean="0"/>
-              <a:t>evaluation:</a:t>
+              <a:t>Model evaluation:</a:t>
             </a:r>
           </a:p>
           <a:p>
@@ -15954,7 +15950,7 @@
         </p:nvSpPr>
         <p:spPr>
           <a:xfrm>
-            <a:off x="14254555" y="13577937"/>
+            <a:off x="14254555" y="12750625"/>
             <a:ext cx="4597082" cy="964189"/>
           </a:xfrm>
           <a:custGeom>
@@ -16086,7 +16082,7 @@
         </p:nvSpPr>
         <p:spPr>
           <a:xfrm>
-            <a:off x="19726670" y="13577936"/>
+            <a:off x="19726670" y="12750624"/>
             <a:ext cx="4597082" cy="964189"/>
           </a:xfrm>
           <a:custGeom>
@@ -16218,7 +16214,7 @@
         </p:nvSpPr>
         <p:spPr>
           <a:xfrm>
-            <a:off x="25198785" y="13577935"/>
+            <a:off x="25198785" y="12750623"/>
             <a:ext cx="4597082" cy="964189"/>
           </a:xfrm>
           <a:custGeom>
@@ -16350,7 +16346,7 @@
         </p:nvSpPr>
         <p:spPr>
           <a:xfrm>
-            <a:off x="14254554" y="15198546"/>
+            <a:off x="14254554" y="14022894"/>
             <a:ext cx="4820251" cy="4089019"/>
           </a:xfrm>
           <a:custGeom>
@@ -16537,7 +16533,15 @@
             </a:pPr>
             <a:r>
               <a:rPr lang="en-US" sz="2000" dirty="0" smtClean="0"/>
-              <a:t>Played around with number of hidden neurons in the layers</a:t>
+              <a:t>Played around with number of hidden neurons in the </a:t>
+            </a:r>
+            <a:r>
+              <a:rPr lang="en-US" sz="2000" dirty="0" smtClean="0"/>
+              <a:t>layers(128,256,512)</a:t>
+            </a:r>
+            <a:r>
+              <a:rPr lang="en-US" sz="2000" dirty="0" smtClean="0"/>
+              <a:t/>
             </a:r>
             <a:br>
               <a:rPr lang="en-US" sz="2000" dirty="0" smtClean="0"/>
@@ -16617,7 +16621,7 @@
         </p:nvSpPr>
         <p:spPr>
           <a:xfrm>
-            <a:off x="19726670" y="15172145"/>
+            <a:off x="19726670" y="13996493"/>
             <a:ext cx="4597082" cy="4115420"/>
           </a:xfrm>
           <a:custGeom>
@@ -16731,7 +16735,11 @@
             </a:pPr>
             <a:r>
               <a:rPr lang="en-US" sz="2400" b="1" dirty="0" smtClean="0"/>
-              <a:t>Generate Recipes</a:t>
+              <a:t>Generate </a:t>
+            </a:r>
+            <a:r>
+              <a:rPr lang="en-US" sz="2400" b="1" dirty="0" smtClean="0"/>
+              <a:t>Recipes</a:t>
             </a:r>
           </a:p>
           <a:p>
@@ -16799,7 +16807,35 @@
             </a:pPr>
             <a:r>
               <a:rPr lang="en-US" sz="2000" dirty="0" smtClean="0"/>
-              <a:t>Of all the recipes with the keyword in the title, pick one recipe randomly and use some number of words to seed recipe generation </a:t>
+              <a:t>Of all the recipes with the keyword in the title, pick one recipe randomly and use </a:t>
+            </a:r>
+            <a:r>
+              <a:rPr lang="en-US" sz="2000" dirty="0" smtClean="0"/>
+              <a:t>words </a:t>
+            </a:r>
+            <a:r>
+              <a:rPr lang="en-US" sz="2000" dirty="0" smtClean="0"/>
+              <a:t>to seed recipe </a:t>
+            </a:r>
+            <a:r>
+              <a:rPr lang="en-US" sz="2000" dirty="0" err="1"/>
+              <a:t>generatiosome</a:t>
+            </a:r>
+            <a:r>
+              <a:rPr lang="en-US" sz="2000" dirty="0"/>
+              <a:t> number </a:t>
+            </a:r>
+            <a:r>
+              <a:rPr lang="en-US" sz="2000" dirty="0" err="1"/>
+              <a:t>ofn</a:t>
+            </a:r>
+            <a:r>
+              <a:rPr lang="en-US" sz="2000" dirty="0"/>
+              <a:t> </a:t>
+            </a:r>
+            <a:r>
+              <a:rPr lang="en-US" sz="2000" dirty="0" smtClean="0"/>
+              <a:t/>
             </a:r>
             <a:br>
               <a:rPr lang="en-US" sz="2000" dirty="0" smtClean="0"/>
@@ -16849,7 +16885,7 @@
         </p:nvSpPr>
         <p:spPr>
           <a:xfrm>
-            <a:off x="25198785" y="15198548"/>
+            <a:off x="25198785" y="14022896"/>
             <a:ext cx="4597082" cy="2665598"/>
           </a:xfrm>
           <a:custGeom>
@@ -16959,25 +16995,15 @@
             <a:pPr algn="ctr"/>
             <a:r>
               <a:rPr lang="en-US" sz="2400" b="1" dirty="0" smtClean="0"/>
-              <a:t>Bake </a:t>
-            </a:r>
+              <a:t>Bake cookies.</a:t>
+            </a:r>
+          </a:p>
+          <a:p>
+            <a:pPr algn="ctr"/>
             <a:r>
               <a:rPr lang="en-US" sz="2400" b="1" dirty="0" smtClean="0"/>
-              <a:t>cookies.</a:t>
-            </a:r>
-            <a:endParaRPr lang="en-US" sz="2400" b="1" dirty="0" smtClean="0"/>
-          </a:p>
-          <a:p>
-            <a:pPr algn="ctr"/>
-            <a:r>
-              <a:rPr lang="en-US" sz="2400" b="1" dirty="0" smtClean="0"/>
-              <a:t>Eat </a:t>
-            </a:r>
-            <a:r>
-              <a:rPr lang="en-US" sz="2400" b="1" dirty="0" smtClean="0"/>
-              <a:t>cookies.</a:t>
-            </a:r>
-            <a:endParaRPr lang="en-US" sz="2400" b="1" dirty="0" smtClean="0"/>
+              <a:t>Eat cookies.</a:t>
+            </a:r>
           </a:p>
           <a:p>
             <a:pPr algn="ctr"/>
@@ -16985,7 +17011,6 @@
               <a:rPr lang="en-US" sz="2400" b="1" dirty="0" smtClean="0"/>
               <a:t>Profit.</a:t>
             </a:r>
-            <a:endParaRPr lang="en-US" sz="2400" b="1" dirty="0" smtClean="0"/>
           </a:p>
           <a:p>
             <a:endParaRPr lang="en-US" sz="2400" dirty="0"/>
@@ -17006,8 +17031,8 @@
         </p:nvSpPr>
         <p:spPr>
           <a:xfrm>
-            <a:off x="15297694" y="20522419"/>
-            <a:ext cx="13428617" cy="2862322"/>
+            <a:off x="14254554" y="18757186"/>
+            <a:ext cx="15541313" cy="6370975"/>
           </a:xfrm>
           <a:prstGeom prst="rect">
             <a:avLst/>
@@ -17021,9 +17046,315 @@
           <a:lstStyle/>
           <a:p>
             <a:r>
-              <a:rPr lang="en-US" sz="6000" dirty="0" smtClean="0"/>
-              <a:t>Placeholder for diagram of an RNN / LSTM / GRU including the size of each layer, number of layers, size of seed</a:t>
-            </a:r>
+              <a:rPr lang="en-US" sz="3200" b="1" dirty="0" smtClean="0"/>
+              <a:t>Technical Approach</a:t>
+            </a:r>
+          </a:p>
+          <a:p>
+            <a:pPr marL="457200" indent="-457200">
+              <a:buFont typeface="Arial" charset="0"/>
+              <a:buChar char="•"/>
+            </a:pPr>
+            <a:r>
+              <a:rPr lang="en-US" sz="3200" dirty="0" smtClean="0"/>
+              <a:t>Recurrent Neural Network: connections between units form a direct cycle so that it could exhibit dynamic temporal behavior</a:t>
+            </a:r>
+          </a:p>
+          <a:p>
+            <a:pPr marL="457200" indent="-457200">
+              <a:buFont typeface="Arial" charset="0"/>
+              <a:buChar char="•"/>
+            </a:pPr>
+            <a:endParaRPr lang="en-US" sz="3200" dirty="0"/>
+          </a:p>
+          <a:p>
+            <a:pPr marL="457200" indent="-457200">
+              <a:buFont typeface="Arial" charset="0"/>
+              <a:buChar char="•"/>
+            </a:pPr>
+            <a:endParaRPr lang="en-US" sz="3200" dirty="0" smtClean="0"/>
+          </a:p>
+          <a:p>
+            <a:pPr marL="457200" indent="-457200">
+              <a:buFont typeface="Arial" charset="0"/>
+              <a:buChar char="•"/>
+            </a:pPr>
+            <a:endParaRPr lang="en-US" sz="3200" dirty="0"/>
+          </a:p>
+          <a:p>
+            <a:pPr marL="457200" indent="-457200">
+              <a:buFont typeface="Arial" charset="0"/>
+              <a:buChar char="•"/>
+            </a:pPr>
+            <a:endParaRPr lang="en-US" sz="3200" dirty="0" smtClean="0"/>
+          </a:p>
+          <a:p>
+            <a:pPr marL="457200" indent="-457200">
+              <a:buFont typeface="Arial" charset="0"/>
+              <a:buChar char="•"/>
+            </a:pPr>
+            <a:endParaRPr lang="en-US" sz="3200" dirty="0"/>
+          </a:p>
+          <a:p>
+            <a:pPr marL="457200" indent="-457200">
+              <a:buFont typeface="Arial" charset="0"/>
+              <a:buChar char="•"/>
+            </a:pPr>
+            <a:endParaRPr lang="en-US" sz="3200" dirty="0" smtClean="0"/>
+          </a:p>
+          <a:p>
+            <a:r>
+              <a:rPr lang="en-US" sz="2400" dirty="0" smtClean="0"/>
+              <a:t>                   Figure 1 Illustration of RNN                                                  Figure 2 LSTM vs GRU</a:t>
+            </a:r>
+          </a:p>
+          <a:p>
+            <a:pPr marL="457200" indent="-457200">
+              <a:buFont typeface="Arial" charset="0"/>
+              <a:buChar char="•"/>
+            </a:pPr>
+            <a:r>
+              <a:rPr lang="en-US" sz="3200" dirty="0" smtClean="0"/>
+              <a:t>LSTM improves RNN by add memory cells that remember long-term values</a:t>
+            </a:r>
+          </a:p>
+          <a:p>
+            <a:pPr marL="457200" indent="-457200">
+              <a:buFont typeface="Arial" charset="0"/>
+              <a:buChar char="•"/>
+            </a:pPr>
+            <a:r>
+              <a:rPr lang="en-US" sz="3200" dirty="0" smtClean="0"/>
+              <a:t>GRU’s performance was found to be similar to that of LSTM but it has fewer parameters, as they lack an output gate</a:t>
+            </a:r>
+          </a:p>
+        </p:txBody>
+      </p:sp>
+      <p:pic>
+        <p:nvPicPr>
+          <p:cNvPr id="3" name="Picture 2"/>
+          <p:cNvPicPr>
+            <a:picLocks noChangeAspect="1"/>
+          </p:cNvPicPr>
+          <p:nvPr/>
+        </p:nvPicPr>
+        <p:blipFill>
+          <a:blip r:embed="rId4">
+            <a:extLst>
+              <a:ext uri="{28A0092B-C50C-407E-A947-70E740481C1C}">
+                <a14:useLocalDpi xmlns:a14="http://schemas.microsoft.com/office/drawing/2010/main" val="0"/>
+              </a:ext>
+            </a:extLst>
+          </a:blip>
+          <a:stretch>
+            <a:fillRect/>
+          </a:stretch>
+        </p:blipFill>
+        <p:spPr>
+          <a:xfrm>
+            <a:off x="14254554" y="20310733"/>
+            <a:ext cx="7171930" cy="2877793"/>
+          </a:xfrm>
+          <a:prstGeom prst="rect">
+            <a:avLst/>
+          </a:prstGeom>
+        </p:spPr>
+      </p:pic>
+      <p:pic>
+        <p:nvPicPr>
+          <p:cNvPr id="34" name="Picture 33"/>
+          <p:cNvPicPr>
+            <a:picLocks noChangeAspect="1"/>
+          </p:cNvPicPr>
+          <p:nvPr/>
+        </p:nvPicPr>
+        <p:blipFill>
+          <a:blip r:embed="rId5">
+            <a:extLst>
+              <a:ext uri="{28A0092B-C50C-407E-A947-70E740481C1C}">
+                <a14:useLocalDpi xmlns:a14="http://schemas.microsoft.com/office/drawing/2010/main" val="0"/>
+              </a:ext>
+            </a:extLst>
+          </a:blip>
+          <a:stretch>
+            <a:fillRect/>
+          </a:stretch>
+        </p:blipFill>
+        <p:spPr>
+          <a:xfrm>
+            <a:off x="22025211" y="20310734"/>
+            <a:ext cx="7292740" cy="2878914"/>
+          </a:xfrm>
+          <a:prstGeom prst="rect">
+            <a:avLst/>
+          </a:prstGeom>
+        </p:spPr>
+      </p:pic>
+      <p:pic>
+        <p:nvPicPr>
+          <p:cNvPr id="36" name="Picture 35"/>
+          <p:cNvPicPr>
+            <a:picLocks noChangeAspect="1"/>
+          </p:cNvPicPr>
+          <p:nvPr/>
+        </p:nvPicPr>
+        <p:blipFill>
+          <a:blip r:embed="rId6">
+            <a:extLst>
+              <a:ext uri="{28A0092B-C50C-407E-A947-70E740481C1C}">
+                <a14:useLocalDpi xmlns:a14="http://schemas.microsoft.com/office/drawing/2010/main" val="0"/>
+              </a:ext>
+            </a:extLst>
+          </a:blip>
+          <a:stretch>
+            <a:fillRect/>
+          </a:stretch>
+        </p:blipFill>
+        <p:spPr>
+          <a:xfrm>
+            <a:off x="23164488" y="25209445"/>
+            <a:ext cx="1701800" cy="4216400"/>
+          </a:xfrm>
+          <a:prstGeom prst="rect">
+            <a:avLst/>
+          </a:prstGeom>
+        </p:spPr>
+      </p:pic>
+      <p:pic>
+        <p:nvPicPr>
+          <p:cNvPr id="9" name="Picture 8"/>
+          <p:cNvPicPr>
+            <a:picLocks noChangeAspect="1"/>
+          </p:cNvPicPr>
+          <p:nvPr/>
+        </p:nvPicPr>
+        <p:blipFill>
+          <a:blip r:embed="rId7">
+            <a:extLst>
+              <a:ext uri="{28A0092B-C50C-407E-A947-70E740481C1C}">
+                <a14:useLocalDpi xmlns:a14="http://schemas.microsoft.com/office/drawing/2010/main" val="0"/>
+              </a:ext>
+            </a:extLst>
+          </a:blip>
+          <a:stretch>
+            <a:fillRect/>
+          </a:stretch>
+        </p:blipFill>
+        <p:spPr>
+          <a:xfrm>
+            <a:off x="25326993" y="25162167"/>
+            <a:ext cx="1709628" cy="4235794"/>
+          </a:xfrm>
+          <a:prstGeom prst="rect">
+            <a:avLst/>
+          </a:prstGeom>
+        </p:spPr>
+      </p:pic>
+      <p:pic>
+        <p:nvPicPr>
+          <p:cNvPr id="10" name="Picture 9"/>
+          <p:cNvPicPr>
+            <a:picLocks noChangeAspect="1"/>
+          </p:cNvPicPr>
+          <p:nvPr/>
+        </p:nvPicPr>
+        <p:blipFill>
+          <a:blip r:embed="rId8">
+            <a:extLst>
+              <a:ext uri="{28A0092B-C50C-407E-A947-70E740481C1C}">
+                <a14:useLocalDpi xmlns:a14="http://schemas.microsoft.com/office/drawing/2010/main" val="0"/>
+              </a:ext>
+            </a:extLst>
+          </a:blip>
+          <a:stretch>
+            <a:fillRect/>
+          </a:stretch>
+        </p:blipFill>
+        <p:spPr>
+          <a:xfrm>
+            <a:off x="27497326" y="25162167"/>
+            <a:ext cx="1310681" cy="4577602"/>
+          </a:xfrm>
+          <a:prstGeom prst="rect">
+            <a:avLst/>
+          </a:prstGeom>
+        </p:spPr>
+      </p:pic>
+      <p:sp>
+        <p:nvSpPr>
+          <p:cNvPr id="11" name="TextBox 10"/>
+          <p:cNvSpPr txBox="1"/>
+          <p:nvPr/>
+        </p:nvSpPr>
+        <p:spPr>
+          <a:xfrm>
+            <a:off x="23505443" y="29562892"/>
+            <a:ext cx="5302564" cy="461665"/>
+          </a:xfrm>
+          <a:prstGeom prst="rect">
+            <a:avLst/>
+          </a:prstGeom>
+          <a:noFill/>
+        </p:spPr>
+        <p:txBody>
+          <a:bodyPr wrap="square" rtlCol="0">
+            <a:spAutoFit/>
+          </a:bodyPr>
+          <a:lstStyle/>
+          <a:p>
+            <a:r>
+              <a:rPr lang="en-US" sz="2400" dirty="0" smtClean="0"/>
+              <a:t>Figure 3 The </a:t>
+            </a:r>
+            <a:r>
+              <a:rPr lang="en-US" sz="2400" dirty="0"/>
+              <a:t>structures of our </a:t>
+            </a:r>
+            <a:r>
+              <a:rPr lang="en-US" sz="2400" dirty="0" smtClean="0"/>
+              <a:t>models</a:t>
+            </a:r>
+            <a:endParaRPr lang="en-US" sz="2400" dirty="0"/>
+          </a:p>
+        </p:txBody>
+      </p:sp>
+      <p:sp>
+        <p:nvSpPr>
+          <p:cNvPr id="13" name="TextBox 12"/>
+          <p:cNvSpPr txBox="1"/>
+          <p:nvPr/>
+        </p:nvSpPr>
+        <p:spPr>
+          <a:xfrm>
+            <a:off x="14228139" y="25218690"/>
+            <a:ext cx="8936349" cy="1077218"/>
+          </a:xfrm>
+          <a:prstGeom prst="rect">
+            <a:avLst/>
+          </a:prstGeom>
+          <a:noFill/>
+        </p:spPr>
+        <p:txBody>
+          <a:bodyPr wrap="square" rtlCol="0">
+            <a:spAutoFit/>
+          </a:bodyPr>
+          <a:lstStyle/>
+          <a:p>
+            <a:r>
+              <a:rPr lang="en-US" sz="3200" b="1" dirty="0" smtClean="0"/>
+              <a:t>Alternative Approach</a:t>
+            </a:r>
+          </a:p>
+          <a:p>
+            <a:pPr marL="457200" indent="-457200">
+              <a:buFont typeface="Arial" charset="0"/>
+              <a:buChar char="•"/>
+            </a:pPr>
+            <a:r>
+              <a:rPr lang="en-US" sz="3200" dirty="0" smtClean="0"/>
+              <a:t>Bidirectional??</a:t>
+            </a:r>
+            <a:endParaRPr lang="en-US" sz="3200" dirty="0" smtClean="0"/>
           </a:p>
         </p:txBody>
       </p:sp>

--- a/Convectional Neural Networks Poster.pptx
+++ b/Convectional Neural Networks Poster.pptx
@@ -403,11 +403,11 @@
         </c:dLbls>
         <c:gapWidth val="80"/>
         <c:overlap val="25"/>
-        <c:axId val="1639074816"/>
-        <c:axId val="1639297392"/>
+        <c:axId val="-94827120"/>
+        <c:axId val="-94824800"/>
       </c:barChart>
       <c:catAx>
-        <c:axId val="1639074816"/>
+        <c:axId val="-94827120"/>
         <c:scaling>
           <c:orientation val="minMax"/>
         </c:scaling>
@@ -450,7 +450,7 @@
             <a:endParaRPr lang="en-US"/>
           </a:p>
         </c:txPr>
-        <c:crossAx val="1639297392"/>
+        <c:crossAx val="-94824800"/>
         <c:crosses val="autoZero"/>
         <c:auto val="1"/>
         <c:lblAlgn val="ctr"/>
@@ -458,7 +458,7 @@
         <c:noMultiLvlLbl val="0"/>
       </c:catAx>
       <c:valAx>
-        <c:axId val="1639297392"/>
+        <c:axId val="-94824800"/>
         <c:scaling>
           <c:orientation val="minMax"/>
         </c:scaling>
@@ -509,7 +509,7 @@
             <a:endParaRPr lang="en-US"/>
           </a:p>
         </c:txPr>
-        <c:crossAx val="1639074816"/>
+        <c:crossAx val="-94827120"/>
         <c:crosses val="autoZero"/>
         <c:crossBetween val="between"/>
       </c:valAx>
@@ -4865,7 +4865,7 @@
           <a:p>
             <a:fld id="{F1C0B079-A316-4C9B-B165-DF9EA8325D2C}" type="datetimeFigureOut">
               <a:rPr lang="en-US" smtClean="0"/>
-              <a:t>5/26/17</a:t>
+              <a:t>5/27/17</a:t>
             </a:fld>
             <a:endParaRPr lang="en-US"/>
           </a:p>
@@ -5030,7 +5030,7 @@
           <a:p>
             <a:fld id="{38F28AB8-57D1-494F-9851-055AD867E790}" type="datetimeFigureOut">
               <a:rPr lang="en-US" smtClean="0"/>
-              <a:t>5/26/17</a:t>
+              <a:t>5/27/17</a:t>
             </a:fld>
             <a:endParaRPr lang="en-US"/>
           </a:p>
@@ -8578,7 +8578,7 @@
           <a:p>
             <a:fld id="{ECAA57DF-1C19-4726-AB84-014692BAD8F5}" type="datetimeFigureOut">
               <a:rPr lang="en-US" smtClean="0"/>
-              <a:t>5/26/17</a:t>
+              <a:t>5/27/17</a:t>
             </a:fld>
             <a:endParaRPr lang="en-US"/>
           </a:p>
@@ -8917,7 +8917,7 @@
             <a:fld id="{ECAA57DF-1C19-4726-AB84-014692BAD8F5}" type="datetimeFigureOut">
               <a:rPr lang="en-US" smtClean="0"/>
               <a:pPr/>
-              <a:t>5/26/17</a:t>
+              <a:t>5/27/17</a:t>
             </a:fld>
             <a:endParaRPr lang="en-US"/>
           </a:p>
@@ -10154,14 +10154,14 @@
           </a:effectLst>
           <a:extLst>
             <a:ext uri="{909E8E84-426E-40dd-AFC4-6F175D3DCCD1}">
-              <a14:hiddenFill xmlns="" xmlns:a14="http://schemas.microsoft.com/office/drawing/2010/main">
+              <a14:hiddenFill xmlns:a14="http://schemas.microsoft.com/office/drawing/2010/main" xmlns="">
                 <a:solidFill>
                   <a:srgbClr val="FFFFFF"/>
                 </a:solidFill>
               </a14:hiddenFill>
             </a:ext>
             <a:ext uri="{91240B29-F687-4f45-9708-019B960494DF}">
-              <a14:hiddenLine xmlns="" xmlns:a14="http://schemas.microsoft.com/office/drawing/2010/main" w="9525">
+              <a14:hiddenLine xmlns:a14="http://schemas.microsoft.com/office/drawing/2010/main" xmlns="" w="9525">
                 <a:solidFill>
                   <a:srgbClr val="000000"/>
                 </a:solidFill>
@@ -10206,14 +10206,14 @@
           </a:ln>
           <a:extLst>
             <a:ext uri="{909E8E84-426E-40dd-AFC4-6F175D3DCCD1}">
-              <a14:hiddenFill xmlns:a14="http://schemas.microsoft.com/office/drawing/2010/main" xmlns="">
+              <a14:hiddenFill xmlns="" xmlns:a14="http://schemas.microsoft.com/office/drawing/2010/main">
                 <a:solidFill>
                   <a:srgbClr val="FFFFFF"/>
                 </a:solidFill>
               </a14:hiddenFill>
             </a:ext>
             <a:ext uri="{91240B29-F687-4f45-9708-019B960494DF}">
-              <a14:hiddenLine xmlns:a14="http://schemas.microsoft.com/office/drawing/2010/main" xmlns="" w="9525">
+              <a14:hiddenLine xmlns="" xmlns:a14="http://schemas.microsoft.com/office/drawing/2010/main" w="9525">
                 <a:solidFill>
                   <a:srgbClr val="000000"/>
                 </a:solidFill>
@@ -10361,7 +10361,7 @@
             <a:effectLst/>
             <a:extLst>
               <a:ext uri="{AF507438-7753-43e0-B8FC-AC1667EBCBE1}">
-                <a14:hiddenEffects xmlns:a14="http://schemas.microsoft.com/office/drawing/2010/main" xmlns="">
+                <a14:hiddenEffects xmlns="" xmlns:a14="http://schemas.microsoft.com/office/drawing/2010/main">
                   <a:effectLst>
                     <a:outerShdw dist="35921" dir="2700000" algn="ctr" rotWithShape="0">
                       <a:schemeClr val="bg2"/>
@@ -10437,7 +10437,7 @@
             <a:effectLst/>
             <a:extLst>
               <a:ext uri="{AF507438-7753-43e0-B8FC-AC1667EBCBE1}">
-                <a14:hiddenEffects xmlns:a14="http://schemas.microsoft.com/office/drawing/2010/main" xmlns="">
+                <a14:hiddenEffects xmlns="" xmlns:a14="http://schemas.microsoft.com/office/drawing/2010/main">
                   <a:effectLst>
                     <a:outerShdw dist="35921" dir="2700000" algn="ctr" rotWithShape="0">
                       <a:schemeClr val="bg2"/>
@@ -10513,7 +10513,7 @@
             <a:effectLst/>
             <a:extLst>
               <a:ext uri="{AF507438-7753-43e0-B8FC-AC1667EBCBE1}">
-                <a14:hiddenEffects xmlns:a14="http://schemas.microsoft.com/office/drawing/2010/main" xmlns="">
+                <a14:hiddenEffects xmlns="" xmlns:a14="http://schemas.microsoft.com/office/drawing/2010/main">
                   <a:effectLst>
                     <a:outerShdw dist="35921" dir="2700000" algn="ctr" rotWithShape="0">
                       <a:schemeClr val="bg2"/>
@@ -10587,7 +10587,7 @@
             <a:effectLst/>
             <a:extLst>
               <a:ext uri="{AF507438-7753-43e0-B8FC-AC1667EBCBE1}">
-                <a14:hiddenEffects xmlns:a14="http://schemas.microsoft.com/office/drawing/2010/main" xmlns="">
+                <a14:hiddenEffects xmlns="" xmlns:a14="http://schemas.microsoft.com/office/drawing/2010/main">
                   <a:effectLst>
                     <a:outerShdw dist="35921" dir="2700000" algn="ctr" rotWithShape="0">
                       <a:schemeClr val="bg2"/>
@@ -10661,7 +10661,7 @@
             <a:effectLst/>
             <a:extLst>
               <a:ext uri="{AF507438-7753-43e0-B8FC-AC1667EBCBE1}">
-                <a14:hiddenEffects xmlns:a14="http://schemas.microsoft.com/office/drawing/2010/main" xmlns="">
+                <a14:hiddenEffects xmlns="" xmlns:a14="http://schemas.microsoft.com/office/drawing/2010/main">
                   <a:effectLst>
                     <a:outerShdw dist="35921" dir="2700000" algn="ctr" rotWithShape="0">
                       <a:schemeClr val="bg2"/>
@@ -10735,7 +10735,7 @@
             <a:effectLst/>
             <a:extLst>
               <a:ext uri="{AF507438-7753-43e0-B8FC-AC1667EBCBE1}">
-                <a14:hiddenEffects xmlns:a14="http://schemas.microsoft.com/office/drawing/2010/main" xmlns="">
+                <a14:hiddenEffects xmlns="" xmlns:a14="http://schemas.microsoft.com/office/drawing/2010/main">
                   <a:effectLst>
                     <a:outerShdw dist="35921" dir="2700000" algn="ctr" rotWithShape="0">
                       <a:schemeClr val="bg2"/>
@@ -10809,7 +10809,7 @@
             <a:effectLst/>
             <a:extLst>
               <a:ext uri="{AF507438-7753-43e0-B8FC-AC1667EBCBE1}">
-                <a14:hiddenEffects xmlns:a14="http://schemas.microsoft.com/office/drawing/2010/main" xmlns="">
+                <a14:hiddenEffects xmlns="" xmlns:a14="http://schemas.microsoft.com/office/drawing/2010/main">
                   <a:effectLst>
                     <a:outerShdw dist="35921" dir="2700000" algn="ctr" rotWithShape="0">
                       <a:schemeClr val="bg2"/>
@@ -10883,7 +10883,7 @@
             <a:effectLst/>
             <a:extLst>
               <a:ext uri="{AF507438-7753-43e0-B8FC-AC1667EBCBE1}">
-                <a14:hiddenEffects xmlns:a14="http://schemas.microsoft.com/office/drawing/2010/main" xmlns="">
+                <a14:hiddenEffects xmlns="" xmlns:a14="http://schemas.microsoft.com/office/drawing/2010/main">
                   <a:effectLst>
                     <a:outerShdw dist="35921" dir="2700000" algn="ctr" rotWithShape="0">
                       <a:schemeClr val="bg2"/>
@@ -10957,7 +10957,7 @@
             <a:effectLst/>
             <a:extLst>
               <a:ext uri="{AF507438-7753-43e0-B8FC-AC1667EBCBE1}">
-                <a14:hiddenEffects xmlns:a14="http://schemas.microsoft.com/office/drawing/2010/main" xmlns="">
+                <a14:hiddenEffects xmlns="" xmlns:a14="http://schemas.microsoft.com/office/drawing/2010/main">
                   <a:effectLst>
                     <a:outerShdw dist="35921" dir="2700000" algn="ctr" rotWithShape="0">
                       <a:schemeClr val="bg2"/>
@@ -11031,7 +11031,7 @@
             <a:effectLst/>
             <a:extLst>
               <a:ext uri="{AF507438-7753-43e0-B8FC-AC1667EBCBE1}">
-                <a14:hiddenEffects xmlns:a14="http://schemas.microsoft.com/office/drawing/2010/main" xmlns="">
+                <a14:hiddenEffects xmlns="" xmlns:a14="http://schemas.microsoft.com/office/drawing/2010/main">
                   <a:effectLst>
                     <a:outerShdw dist="35921" dir="2700000" algn="ctr" rotWithShape="0">
                       <a:schemeClr val="bg2"/>
@@ -11105,7 +11105,7 @@
             <a:effectLst/>
             <a:extLst>
               <a:ext uri="{AF507438-7753-43e0-B8FC-AC1667EBCBE1}">
-                <a14:hiddenEffects xmlns:a14="http://schemas.microsoft.com/office/drawing/2010/main" xmlns="">
+                <a14:hiddenEffects xmlns="" xmlns:a14="http://schemas.microsoft.com/office/drawing/2010/main">
                   <a:effectLst>
                     <a:outerShdw dist="35921" dir="2700000" algn="ctr" rotWithShape="0">
                       <a:schemeClr val="bg2"/>
@@ -11181,7 +11181,7 @@
             <a:effectLst/>
             <a:extLst>
               <a:ext uri="{AF507438-7753-43e0-B8FC-AC1667EBCBE1}">
-                <a14:hiddenEffects xmlns:a14="http://schemas.microsoft.com/office/drawing/2010/main" xmlns="">
+                <a14:hiddenEffects xmlns="" xmlns:a14="http://schemas.microsoft.com/office/drawing/2010/main">
                   <a:effectLst>
                     <a:outerShdw dist="35921" dir="2700000" algn="ctr" rotWithShape="0">
                       <a:schemeClr val="bg2"/>
@@ -11260,7 +11260,7 @@
             <a:effectLst/>
             <a:extLst>
               <a:ext uri="{AF507438-7753-43e0-B8FC-AC1667EBCBE1}">
-                <a14:hiddenEffects xmlns:a14="http://schemas.microsoft.com/office/drawing/2010/main" xmlns="">
+                <a14:hiddenEffects xmlns="" xmlns:a14="http://schemas.microsoft.com/office/drawing/2010/main">
                   <a:effectLst>
                     <a:outerShdw dist="35921" dir="2700000" algn="ctr" rotWithShape="0">
                       <a:schemeClr val="bg2"/>
@@ -11303,7 +11303,7 @@
             <a:effectLst/>
             <a:extLst>
               <a:ext uri="{AF507438-7753-43e0-B8FC-AC1667EBCBE1}">
-                <a14:hiddenEffects xmlns:a14="http://schemas.microsoft.com/office/drawing/2010/main" xmlns="">
+                <a14:hiddenEffects xmlns="" xmlns:a14="http://schemas.microsoft.com/office/drawing/2010/main">
                   <a:effectLst>
                     <a:outerShdw dist="35921" dir="2700000" algn="ctr" rotWithShape="0">
                       <a:schemeClr val="bg2"/>
@@ -11346,7 +11346,7 @@
             <a:effectLst/>
             <a:extLst>
               <a:ext uri="{AF507438-7753-43e0-B8FC-AC1667EBCBE1}">
-                <a14:hiddenEffects xmlns:a14="http://schemas.microsoft.com/office/drawing/2010/main" xmlns="">
+                <a14:hiddenEffects xmlns="" xmlns:a14="http://schemas.microsoft.com/office/drawing/2010/main">
                   <a:effectLst>
                     <a:outerShdw dist="35921" dir="2700000" algn="ctr" rotWithShape="0">
                       <a:schemeClr val="bg2"/>
@@ -11389,7 +11389,7 @@
             <a:effectLst/>
             <a:extLst>
               <a:ext uri="{AF507438-7753-43e0-B8FC-AC1667EBCBE1}">
-                <a14:hiddenEffects xmlns:a14="http://schemas.microsoft.com/office/drawing/2010/main" xmlns="">
+                <a14:hiddenEffects xmlns="" xmlns:a14="http://schemas.microsoft.com/office/drawing/2010/main">
                   <a:effectLst>
                     <a:outerShdw dist="35921" dir="2700000" algn="ctr" rotWithShape="0">
                       <a:schemeClr val="bg2"/>
@@ -11432,7 +11432,7 @@
             <a:effectLst/>
             <a:extLst>
               <a:ext uri="{AF507438-7753-43e0-B8FC-AC1667EBCBE1}">
-                <a14:hiddenEffects xmlns:a14="http://schemas.microsoft.com/office/drawing/2010/main" xmlns="">
+                <a14:hiddenEffects xmlns="" xmlns:a14="http://schemas.microsoft.com/office/drawing/2010/main">
                   <a:effectLst>
                     <a:outerShdw dist="35921" dir="2700000" algn="ctr" rotWithShape="0">
                       <a:schemeClr val="bg2"/>
@@ -11475,7 +11475,7 @@
             <a:effectLst/>
             <a:extLst>
               <a:ext uri="{AF507438-7753-43e0-B8FC-AC1667EBCBE1}">
-                <a14:hiddenEffects xmlns:a14="http://schemas.microsoft.com/office/drawing/2010/main" xmlns="">
+                <a14:hiddenEffects xmlns="" xmlns:a14="http://schemas.microsoft.com/office/drawing/2010/main">
                   <a:effectLst>
                     <a:outerShdw dist="35921" dir="2700000" algn="ctr" rotWithShape="0">
                       <a:schemeClr val="bg2"/>
@@ -11518,7 +11518,7 @@
             <a:effectLst/>
             <a:extLst>
               <a:ext uri="{AF507438-7753-43e0-B8FC-AC1667EBCBE1}">
-                <a14:hiddenEffects xmlns:a14="http://schemas.microsoft.com/office/drawing/2010/main" xmlns="">
+                <a14:hiddenEffects xmlns="" xmlns:a14="http://schemas.microsoft.com/office/drawing/2010/main">
                   <a:effectLst>
                     <a:outerShdw dist="35921" dir="2700000" algn="ctr" rotWithShape="0">
                       <a:schemeClr val="bg2"/>
@@ -11561,7 +11561,7 @@
             <a:effectLst/>
             <a:extLst>
               <a:ext uri="{AF507438-7753-43e0-B8FC-AC1667EBCBE1}">
-                <a14:hiddenEffects xmlns:a14="http://schemas.microsoft.com/office/drawing/2010/main" xmlns="">
+                <a14:hiddenEffects xmlns="" xmlns:a14="http://schemas.microsoft.com/office/drawing/2010/main">
                   <a:effectLst>
                     <a:outerShdw dist="35921" dir="2700000" algn="ctr" rotWithShape="0">
                       <a:schemeClr val="bg2"/>
@@ -11604,7 +11604,7 @@
             <a:effectLst/>
             <a:extLst>
               <a:ext uri="{AF507438-7753-43e0-B8FC-AC1667EBCBE1}">
-                <a14:hiddenEffects xmlns:a14="http://schemas.microsoft.com/office/drawing/2010/main" xmlns="">
+                <a14:hiddenEffects xmlns="" xmlns:a14="http://schemas.microsoft.com/office/drawing/2010/main">
                   <a:effectLst>
                     <a:outerShdw dist="35921" dir="2700000" algn="ctr" rotWithShape="0">
                       <a:schemeClr val="bg2"/>
@@ -11647,7 +11647,7 @@
             <a:effectLst/>
             <a:extLst>
               <a:ext uri="{AF507438-7753-43e0-B8FC-AC1667EBCBE1}">
-                <a14:hiddenEffects xmlns:a14="http://schemas.microsoft.com/office/drawing/2010/main" xmlns="">
+                <a14:hiddenEffects xmlns="" xmlns:a14="http://schemas.microsoft.com/office/drawing/2010/main">
                   <a:effectLst>
                     <a:outerShdw dist="35921" dir="2700000" algn="ctr" rotWithShape="0">
                       <a:schemeClr val="bg2"/>
@@ -11690,7 +11690,7 @@
             <a:effectLst/>
             <a:extLst>
               <a:ext uri="{AF507438-7753-43e0-B8FC-AC1667EBCBE1}">
-                <a14:hiddenEffects xmlns:a14="http://schemas.microsoft.com/office/drawing/2010/main" xmlns="">
+                <a14:hiddenEffects xmlns="" xmlns:a14="http://schemas.microsoft.com/office/drawing/2010/main">
                   <a:effectLst>
                     <a:outerShdw dist="35921" dir="2700000" algn="ctr" rotWithShape="0">
                       <a:schemeClr val="bg2"/>
@@ -11733,7 +11733,7 @@
             <a:effectLst/>
             <a:extLst>
               <a:ext uri="{AF507438-7753-43e0-B8FC-AC1667EBCBE1}">
-                <a14:hiddenEffects xmlns:a14="http://schemas.microsoft.com/office/drawing/2010/main" xmlns="">
+                <a14:hiddenEffects xmlns="" xmlns:a14="http://schemas.microsoft.com/office/drawing/2010/main">
                   <a:effectLst>
                     <a:outerShdw dist="35921" dir="2700000" algn="ctr" rotWithShape="0">
                       <a:schemeClr val="bg2"/>
@@ -11776,7 +11776,7 @@
             <a:effectLst/>
             <a:extLst>
               <a:ext uri="{AF507438-7753-43e0-B8FC-AC1667EBCBE1}">
-                <a14:hiddenEffects xmlns:a14="http://schemas.microsoft.com/office/drawing/2010/main" xmlns="">
+                <a14:hiddenEffects xmlns="" xmlns:a14="http://schemas.microsoft.com/office/drawing/2010/main">
                   <a:effectLst>
                     <a:outerShdw dist="35921" dir="2700000" algn="ctr" rotWithShape="0">
                       <a:schemeClr val="bg2"/>
@@ -11819,7 +11819,7 @@
             <a:effectLst/>
             <a:extLst>
               <a:ext uri="{AF507438-7753-43e0-B8FC-AC1667EBCBE1}">
-                <a14:hiddenEffects xmlns:a14="http://schemas.microsoft.com/office/drawing/2010/main" xmlns="">
+                <a14:hiddenEffects xmlns="" xmlns:a14="http://schemas.microsoft.com/office/drawing/2010/main">
                   <a:effectLst>
                     <a:outerShdw dist="35921" dir="2700000" algn="ctr" rotWithShape="0">
                       <a:schemeClr val="bg2"/>
@@ -11862,7 +11862,7 @@
             <a:effectLst/>
             <a:extLst>
               <a:ext uri="{AF507438-7753-43e0-B8FC-AC1667EBCBE1}">
-                <a14:hiddenEffects xmlns:a14="http://schemas.microsoft.com/office/drawing/2010/main" xmlns="">
+                <a14:hiddenEffects xmlns="" xmlns:a14="http://schemas.microsoft.com/office/drawing/2010/main">
                   <a:effectLst>
                     <a:outerShdw dist="35921" dir="2700000" algn="ctr" rotWithShape="0">
                       <a:schemeClr val="bg2"/>
@@ -11905,7 +11905,7 @@
             <a:effectLst/>
             <a:extLst>
               <a:ext uri="{AF507438-7753-43e0-B8FC-AC1667EBCBE1}">
-                <a14:hiddenEffects xmlns:a14="http://schemas.microsoft.com/office/drawing/2010/main" xmlns="">
+                <a14:hiddenEffects xmlns="" xmlns:a14="http://schemas.microsoft.com/office/drawing/2010/main">
                   <a:effectLst>
                     <a:outerShdw dist="35921" dir="2700000" algn="ctr" rotWithShape="0">
                       <a:schemeClr val="bg2"/>
@@ -11948,7 +11948,7 @@
             <a:effectLst/>
             <a:extLst>
               <a:ext uri="{AF507438-7753-43e0-B8FC-AC1667EBCBE1}">
-                <a14:hiddenEffects xmlns:a14="http://schemas.microsoft.com/office/drawing/2010/main" xmlns="">
+                <a14:hiddenEffects xmlns="" xmlns:a14="http://schemas.microsoft.com/office/drawing/2010/main">
                   <a:effectLst>
                     <a:outerShdw dist="35921" dir="2700000" algn="ctr" rotWithShape="0">
                       <a:schemeClr val="bg2"/>
@@ -11991,7 +11991,7 @@
             <a:effectLst/>
             <a:extLst>
               <a:ext uri="{AF507438-7753-43e0-B8FC-AC1667EBCBE1}">
-                <a14:hiddenEffects xmlns:a14="http://schemas.microsoft.com/office/drawing/2010/main" xmlns="">
+                <a14:hiddenEffects xmlns="" xmlns:a14="http://schemas.microsoft.com/office/drawing/2010/main">
                   <a:effectLst>
                     <a:outerShdw dist="35921" dir="2700000" algn="ctr" rotWithShape="0">
                       <a:schemeClr val="bg2"/>
@@ -12034,7 +12034,7 @@
             <a:effectLst/>
             <a:extLst>
               <a:ext uri="{AF507438-7753-43e0-B8FC-AC1667EBCBE1}">
-                <a14:hiddenEffects xmlns:a14="http://schemas.microsoft.com/office/drawing/2010/main" xmlns="">
+                <a14:hiddenEffects xmlns="" xmlns:a14="http://schemas.microsoft.com/office/drawing/2010/main">
                   <a:effectLst>
                     <a:outerShdw dist="35921" dir="2700000" algn="ctr" rotWithShape="0">
                       <a:schemeClr val="bg2"/>
@@ -12077,7 +12077,7 @@
             <a:effectLst/>
             <a:extLst>
               <a:ext uri="{AF507438-7753-43e0-B8FC-AC1667EBCBE1}">
-                <a14:hiddenEffects xmlns:a14="http://schemas.microsoft.com/office/drawing/2010/main" xmlns="">
+                <a14:hiddenEffects xmlns="" xmlns:a14="http://schemas.microsoft.com/office/drawing/2010/main">
                   <a:effectLst>
                     <a:outerShdw dist="35921" dir="2700000" algn="ctr" rotWithShape="0">
                       <a:schemeClr val="bg2"/>
@@ -12120,7 +12120,7 @@
             <a:effectLst/>
             <a:extLst>
               <a:ext uri="{AF507438-7753-43e0-B8FC-AC1667EBCBE1}">
-                <a14:hiddenEffects xmlns:a14="http://schemas.microsoft.com/office/drawing/2010/main" xmlns="">
+                <a14:hiddenEffects xmlns="" xmlns:a14="http://schemas.microsoft.com/office/drawing/2010/main">
                   <a:effectLst>
                     <a:outerShdw dist="35921" dir="2700000" algn="ctr" rotWithShape="0">
                       <a:schemeClr val="bg2"/>
@@ -12163,7 +12163,7 @@
             <a:effectLst/>
             <a:extLst>
               <a:ext uri="{AF507438-7753-43e0-B8FC-AC1667EBCBE1}">
-                <a14:hiddenEffects xmlns:a14="http://schemas.microsoft.com/office/drawing/2010/main" xmlns="">
+                <a14:hiddenEffects xmlns="" xmlns:a14="http://schemas.microsoft.com/office/drawing/2010/main">
                   <a:effectLst>
                     <a:outerShdw dist="35921" dir="2700000" algn="ctr" rotWithShape="0">
                       <a:schemeClr val="bg2"/>
@@ -12206,7 +12206,7 @@
             <a:effectLst/>
             <a:extLst>
               <a:ext uri="{AF507438-7753-43e0-B8FC-AC1667EBCBE1}">
-                <a14:hiddenEffects xmlns:a14="http://schemas.microsoft.com/office/drawing/2010/main" xmlns="">
+                <a14:hiddenEffects xmlns="" xmlns:a14="http://schemas.microsoft.com/office/drawing/2010/main">
                   <a:effectLst>
                     <a:outerShdw dist="35921" dir="2700000" algn="ctr" rotWithShape="0">
                       <a:schemeClr val="bg2"/>
@@ -12249,7 +12249,7 @@
             <a:effectLst/>
             <a:extLst>
               <a:ext uri="{AF507438-7753-43e0-B8FC-AC1667EBCBE1}">
-                <a14:hiddenEffects xmlns:a14="http://schemas.microsoft.com/office/drawing/2010/main" xmlns="">
+                <a14:hiddenEffects xmlns="" xmlns:a14="http://schemas.microsoft.com/office/drawing/2010/main">
                   <a:effectLst>
                     <a:outerShdw dist="35921" dir="2700000" algn="ctr" rotWithShape="0">
                       <a:schemeClr val="bg2"/>
@@ -12292,7 +12292,7 @@
             <a:effectLst/>
             <a:extLst>
               <a:ext uri="{AF507438-7753-43e0-B8FC-AC1667EBCBE1}">
-                <a14:hiddenEffects xmlns:a14="http://schemas.microsoft.com/office/drawing/2010/main" xmlns="">
+                <a14:hiddenEffects xmlns="" xmlns:a14="http://schemas.microsoft.com/office/drawing/2010/main">
                   <a:effectLst>
                     <a:outerShdw dist="35921" dir="2700000" algn="ctr" rotWithShape="0">
                       <a:schemeClr val="bg2"/>
@@ -12335,7 +12335,7 @@
             <a:effectLst/>
             <a:extLst>
               <a:ext uri="{AF507438-7753-43e0-B8FC-AC1667EBCBE1}">
-                <a14:hiddenEffects xmlns:a14="http://schemas.microsoft.com/office/drawing/2010/main" xmlns="">
+                <a14:hiddenEffects xmlns="" xmlns:a14="http://schemas.microsoft.com/office/drawing/2010/main">
                   <a:effectLst>
                     <a:outerShdw dist="35921" dir="2700000" algn="ctr" rotWithShape="0">
                       <a:schemeClr val="bg2"/>
@@ -12378,7 +12378,7 @@
             <a:effectLst/>
             <a:extLst>
               <a:ext uri="{AF507438-7753-43e0-B8FC-AC1667EBCBE1}">
-                <a14:hiddenEffects xmlns:a14="http://schemas.microsoft.com/office/drawing/2010/main" xmlns="">
+                <a14:hiddenEffects xmlns="" xmlns:a14="http://schemas.microsoft.com/office/drawing/2010/main">
                   <a:effectLst>
                     <a:outerShdw dist="35921" dir="2700000" algn="ctr" rotWithShape="0">
                       <a:schemeClr val="bg2"/>
@@ -12421,7 +12421,7 @@
             <a:effectLst/>
             <a:extLst>
               <a:ext uri="{AF507438-7753-43e0-B8FC-AC1667EBCBE1}">
-                <a14:hiddenEffects xmlns:a14="http://schemas.microsoft.com/office/drawing/2010/main" xmlns="">
+                <a14:hiddenEffects xmlns="" xmlns:a14="http://schemas.microsoft.com/office/drawing/2010/main">
                   <a:effectLst>
                     <a:outerShdw dist="35921" dir="2700000" algn="ctr" rotWithShape="0">
                       <a:schemeClr val="bg2"/>
@@ -12464,7 +12464,7 @@
             <a:effectLst/>
             <a:extLst>
               <a:ext uri="{AF507438-7753-43e0-B8FC-AC1667EBCBE1}">
-                <a14:hiddenEffects xmlns:a14="http://schemas.microsoft.com/office/drawing/2010/main" xmlns="">
+                <a14:hiddenEffects xmlns="" xmlns:a14="http://schemas.microsoft.com/office/drawing/2010/main">
                   <a:effectLst>
                     <a:outerShdw dist="35921" dir="2700000" algn="ctr" rotWithShape="0">
                       <a:schemeClr val="bg2"/>
@@ -12507,7 +12507,7 @@
             <a:effectLst/>
             <a:extLst>
               <a:ext uri="{AF507438-7753-43e0-B8FC-AC1667EBCBE1}">
-                <a14:hiddenEffects xmlns:a14="http://schemas.microsoft.com/office/drawing/2010/main" xmlns="">
+                <a14:hiddenEffects xmlns="" xmlns:a14="http://schemas.microsoft.com/office/drawing/2010/main">
                   <a:effectLst>
                     <a:outerShdw dist="35921" dir="2700000" algn="ctr" rotWithShape="0">
                       <a:schemeClr val="bg2"/>
@@ -12550,7 +12550,7 @@
             <a:effectLst/>
             <a:extLst>
               <a:ext uri="{AF507438-7753-43e0-B8FC-AC1667EBCBE1}">
-                <a14:hiddenEffects xmlns:a14="http://schemas.microsoft.com/office/drawing/2010/main" xmlns="">
+                <a14:hiddenEffects xmlns="" xmlns:a14="http://schemas.microsoft.com/office/drawing/2010/main">
                   <a:effectLst>
                     <a:outerShdw dist="35921" dir="2700000" algn="ctr" rotWithShape="0">
                       <a:schemeClr val="bg2"/>
@@ -12588,7 +12588,7 @@
             <a:effectLst/>
             <a:extLst>
               <a:ext uri="{AF507438-7753-43e0-B8FC-AC1667EBCBE1}">
-                <a14:hiddenEffects xmlns:a14="http://schemas.microsoft.com/office/drawing/2010/main" xmlns="">
+                <a14:hiddenEffects xmlns="" xmlns:a14="http://schemas.microsoft.com/office/drawing/2010/main">
                   <a:effectLst>
                     <a:outerShdw dist="35921" dir="2700000" algn="ctr" rotWithShape="0">
                       <a:schemeClr val="bg2"/>
@@ -12662,7 +12662,7 @@
             <a:effectLst/>
             <a:extLst>
               <a:ext uri="{AF507438-7753-43e0-B8FC-AC1667EBCBE1}">
-                <a14:hiddenEffects xmlns:a14="http://schemas.microsoft.com/office/drawing/2010/main" xmlns="">
+                <a14:hiddenEffects xmlns="" xmlns:a14="http://schemas.microsoft.com/office/drawing/2010/main">
                   <a:effectLst>
                     <a:outerShdw dist="35921" dir="2700000" algn="ctr" rotWithShape="0">
                       <a:schemeClr val="bg2"/>
@@ -12736,7 +12736,7 @@
             <a:effectLst/>
             <a:extLst>
               <a:ext uri="{AF507438-7753-43e0-B8FC-AC1667EBCBE1}">
-                <a14:hiddenEffects xmlns:a14="http://schemas.microsoft.com/office/drawing/2010/main" xmlns="">
+                <a14:hiddenEffects xmlns="" xmlns:a14="http://schemas.microsoft.com/office/drawing/2010/main">
                   <a:effectLst>
                     <a:outerShdw dist="35921" dir="2700000" algn="ctr" rotWithShape="0">
                       <a:schemeClr val="bg2"/>
@@ -12810,7 +12810,7 @@
             <a:effectLst/>
             <a:extLst>
               <a:ext uri="{AF507438-7753-43e0-B8FC-AC1667EBCBE1}">
-                <a14:hiddenEffects xmlns:a14="http://schemas.microsoft.com/office/drawing/2010/main" xmlns="">
+                <a14:hiddenEffects xmlns="" xmlns:a14="http://schemas.microsoft.com/office/drawing/2010/main">
                   <a:effectLst>
                     <a:outerShdw dist="35921" dir="2700000" algn="ctr" rotWithShape="0">
                       <a:schemeClr val="bg2"/>
@@ -13018,7 +13018,7 @@
             <a:effectLst/>
             <a:extLst>
               <a:ext uri="{AF507438-7753-43e0-B8FC-AC1667EBCBE1}">
-                <a14:hiddenEffects xmlns:a14="http://schemas.microsoft.com/office/drawing/2010/main" xmlns="">
+                <a14:hiddenEffects xmlns="" xmlns:a14="http://schemas.microsoft.com/office/drawing/2010/main">
                   <a:effectLst>
                     <a:outerShdw dist="35921" dir="2700000" algn="ctr" rotWithShape="0">
                       <a:schemeClr val="bg2"/>
@@ -13173,7 +13173,7 @@
             <a:effectLst/>
             <a:extLst>
               <a:ext uri="{AF507438-7753-43e0-B8FC-AC1667EBCBE1}">
-                <a14:hiddenEffects xmlns:a14="http://schemas.microsoft.com/office/drawing/2010/main" xmlns="">
+                <a14:hiddenEffects xmlns="" xmlns:a14="http://schemas.microsoft.com/office/drawing/2010/main">
                   <a:effectLst>
                     <a:outerShdw dist="35921" dir="2700000" algn="ctr" rotWithShape="0">
                       <a:schemeClr val="bg2"/>
@@ -13247,7 +13247,7 @@
             <a:effectLst/>
             <a:extLst>
               <a:ext uri="{AF507438-7753-43e0-B8FC-AC1667EBCBE1}">
-                <a14:hiddenEffects xmlns:a14="http://schemas.microsoft.com/office/drawing/2010/main" xmlns="">
+                <a14:hiddenEffects xmlns="" xmlns:a14="http://schemas.microsoft.com/office/drawing/2010/main">
                   <a:effectLst>
                     <a:outerShdw dist="35921" dir="2700000" algn="ctr" rotWithShape="0">
                       <a:schemeClr val="bg2"/>
@@ -13388,7 +13388,7 @@
             <a:effectLst/>
             <a:extLst>
               <a:ext uri="{AF507438-7753-43e0-B8FC-AC1667EBCBE1}">
-                <a14:hiddenEffects xmlns:a14="http://schemas.microsoft.com/office/drawing/2010/main" xmlns="">
+                <a14:hiddenEffects xmlns="" xmlns:a14="http://schemas.microsoft.com/office/drawing/2010/main">
                   <a:effectLst>
                     <a:outerShdw dist="35921" dir="2700000" algn="ctr" rotWithShape="0">
                       <a:schemeClr val="bg2"/>
@@ -13431,7 +13431,7 @@
             <a:effectLst/>
             <a:extLst>
               <a:ext uri="{AF507438-7753-43e0-B8FC-AC1667EBCBE1}">
-                <a14:hiddenEffects xmlns:a14="http://schemas.microsoft.com/office/drawing/2010/main" xmlns="">
+                <a14:hiddenEffects xmlns="" xmlns:a14="http://schemas.microsoft.com/office/drawing/2010/main">
                   <a:effectLst>
                     <a:outerShdw dist="35921" dir="2700000" algn="ctr" rotWithShape="0">
                       <a:schemeClr val="bg2"/>
@@ -13474,7 +13474,7 @@
             <a:effectLst/>
             <a:extLst>
               <a:ext uri="{AF507438-7753-43e0-B8FC-AC1667EBCBE1}">
-                <a14:hiddenEffects xmlns:a14="http://schemas.microsoft.com/office/drawing/2010/main" xmlns="">
+                <a14:hiddenEffects xmlns="" xmlns:a14="http://schemas.microsoft.com/office/drawing/2010/main">
                   <a:effectLst>
                     <a:outerShdw dist="35921" dir="2700000" algn="ctr" rotWithShape="0">
                       <a:schemeClr val="bg2"/>
@@ -13517,7 +13517,7 @@
             <a:effectLst/>
             <a:extLst>
               <a:ext uri="{AF507438-7753-43e0-B8FC-AC1667EBCBE1}">
-                <a14:hiddenEffects xmlns:a14="http://schemas.microsoft.com/office/drawing/2010/main" xmlns="">
+                <a14:hiddenEffects xmlns="" xmlns:a14="http://schemas.microsoft.com/office/drawing/2010/main">
                   <a:effectLst>
                     <a:outerShdw dist="35921" dir="2700000" algn="ctr" rotWithShape="0">
                       <a:schemeClr val="bg2"/>
@@ -14143,7 +14143,7 @@
         <p:spPr>
           <a:xfrm>
             <a:off x="3842445" y="0"/>
-            <a:ext cx="30153641" cy="3842445"/>
+            <a:ext cx="40048755" cy="3842445"/>
           </a:xfrm>
           <a:prstGeom prst="rect">
             <a:avLst/>
@@ -14515,14 +14515,16 @@
         <p:spPr>
           <a:xfrm>
             <a:off x="30749964" y="21212348"/>
-            <a:ext cx="12801600" cy="4344786"/>
+            <a:ext cx="12801600" cy="6646372"/>
           </a:xfrm>
           <a:solidFill>
             <a:srgbClr val="E8E8E8"/>
           </a:solidFill>
         </p:spPr>
         <p:txBody>
-          <a:bodyPr/>
+          <a:bodyPr>
+            <a:normAutofit/>
+          </a:bodyPr>
           <a:lstStyle/>
           <a:p>
             <a:r>
@@ -14536,6 +14538,17 @@
           </a:p>
           <a:p>
             <a:pPr lvl="1"/>
+            <a:r>
+              <a:rPr lang="en-US" dirty="0" smtClean="0"/>
+              <a:t>Difficult to understandable, legitimate recipes using char2vec</a:t>
+            </a:r>
+          </a:p>
+          <a:p>
+            <a:pPr lvl="1"/>
+            <a:r>
+              <a:rPr lang="en-US" dirty="0" smtClean="0"/>
+              <a:t>Word2vec provides the best balance between legibility and creativity</a:t>
+            </a:r>
             <a:endParaRPr lang="en-US" dirty="0"/>
           </a:p>
           <a:p>
@@ -14552,7 +14565,7 @@
             <a:pPr lvl="1"/>
             <a:r>
               <a:rPr lang="en-US" dirty="0" smtClean="0"/>
-              <a:t>Limited to dictionary based on </a:t>
+              <a:t>Dictionary limited to those words/recipes available via the </a:t>
             </a:r>
             <a:r>
               <a:rPr lang="en-US" dirty="0" err="1" smtClean="0"/>
@@ -14560,15 +14573,41 @@
             </a:r>
             <a:r>
               <a:rPr lang="en-US" dirty="0" smtClean="0"/>
-              <a:t> API pull, so there could be other ingredients not included</a:t>
+              <a:t> API</a:t>
             </a:r>
             <a:endParaRPr lang="en-US" dirty="0"/>
           </a:p>
           <a:p>
             <a:r>
               <a:rPr lang="en-US" dirty="0"/>
-              <a:t>How to improve/future work</a:t>
-            </a:r>
+              <a:t>How to improve/future </a:t>
+            </a:r>
+            <a:r>
+              <a:rPr lang="en-US" dirty="0" smtClean="0"/>
+              <a:t>work</a:t>
+            </a:r>
+          </a:p>
+          <a:p>
+            <a:pPr lvl="1"/>
+            <a:r>
+              <a:rPr lang="en-US" dirty="0" smtClean="0"/>
+              <a:t>Generalize to include other types of food (e.g., muffins, cakes), then use combination of words specific to each type to seed recipe generation</a:t>
+            </a:r>
+          </a:p>
+          <a:p>
+            <a:pPr lvl="1"/>
+            <a:r>
+              <a:rPr lang="en-US" dirty="0" smtClean="0"/>
+              <a:t>Train model to classify recipes based on ingredients</a:t>
+            </a:r>
+          </a:p>
+          <a:p>
+            <a:pPr lvl="1"/>
+            <a:r>
+              <a:rPr lang="en-US" dirty="0" smtClean="0"/>
+              <a:t>Include directions to give full recipes</a:t>
+            </a:r>
+            <a:endParaRPr lang="en-US" dirty="0"/>
           </a:p>
         </p:txBody>
       </p:sp>
@@ -14584,7 +14623,7 @@
         </p:nvSpPr>
         <p:spPr>
           <a:xfrm>
-            <a:off x="30749964" y="25722072"/>
+            <a:off x="30749964" y="28084272"/>
             <a:ext cx="12801600" cy="1219200"/>
           </a:xfrm>
           <a:solidFill>
@@ -14614,8 +14653,8 @@
         </p:nvSpPr>
         <p:spPr>
           <a:xfrm>
-            <a:off x="30749964" y="27166824"/>
-            <a:ext cx="12801600" cy="4462272"/>
+            <a:off x="30749964" y="29529024"/>
+            <a:ext cx="12801600" cy="2500376"/>
           </a:xfrm>
           <a:solidFill>
             <a:srgbClr val="E8E8E8"/>
@@ -14669,14 +14708,14 @@
           </a:ln>
           <a:extLst>
             <a:ext uri="{909E8E84-426E-40dd-AFC4-6F175D3DCCD1}">
-              <a14:hiddenFill xmlns:a14="http://schemas.microsoft.com/office/drawing/2010/main" xmlns="">
+              <a14:hiddenFill xmlns="" xmlns:a14="http://schemas.microsoft.com/office/drawing/2010/main">
                 <a:solidFill>
                   <a:srgbClr val="FFFFFF"/>
                 </a:solidFill>
               </a14:hiddenFill>
             </a:ext>
             <a:ext uri="{91240B29-F687-4f45-9708-019B960494DF}">
-              <a14:hiddenLine xmlns:a14="http://schemas.microsoft.com/office/drawing/2010/main" xmlns="" w="9525">
+              <a14:hiddenLine xmlns="" xmlns:a14="http://schemas.microsoft.com/office/drawing/2010/main" w="9525">
                 <a:solidFill>
                   <a:srgbClr val="000000"/>
                 </a:solidFill>
@@ -14755,8 +14794,8 @@
         </p:blipFill>
         <p:spPr>
           <a:xfrm>
-            <a:off x="32657143" y="0"/>
-            <a:ext cx="11234057" cy="3842445"/>
+            <a:off x="32259181" y="0"/>
+            <a:ext cx="11632020" cy="3842445"/>
           </a:xfrm>
         </p:spPr>
       </p:pic>
@@ -15235,10 +15274,7 @@
               <a:rPr lang="en-US" sz="2400" b="1" dirty="0" err="1" smtClean="0"/>
               <a:t>embeddings</a:t>
             </a:r>
-            <a:r>
-              <a:rPr lang="en-US" sz="2400" b="1" dirty="0" smtClean="0"/>
-              <a:t>:</a:t>
-            </a:r>
+            <a:endParaRPr lang="en-US" sz="2400" b="1" dirty="0" smtClean="0"/>
           </a:p>
           <a:p>
             <a:endParaRPr lang="en-US" sz="2400" b="1" dirty="0"/>
@@ -15535,8 +15571,13 @@
           <a:p>
             <a:r>
               <a:rPr lang="en-US" sz="2400" b="1" dirty="0" smtClean="0"/>
-              <a:t>Model evaluation:</a:t>
-            </a:r>
+              <a:t>Model </a:t>
+            </a:r>
+            <a:r>
+              <a:rPr lang="en-US" sz="2400" b="1" dirty="0" smtClean="0"/>
+              <a:t>evaluation</a:t>
+            </a:r>
+            <a:endParaRPr lang="en-US" sz="2400" b="1" dirty="0" smtClean="0"/>
           </a:p>
           <a:p>
             <a:endParaRPr lang="en-US" sz="2400" b="1" dirty="0"/>
@@ -16533,15 +16574,11 @@
             </a:pPr>
             <a:r>
               <a:rPr lang="en-US" sz="2000" dirty="0" smtClean="0"/>
-              <a:t>Played around with number of hidden neurons in the </a:t>
+              <a:t>Adjusted the number </a:t>
             </a:r>
             <a:r>
               <a:rPr lang="en-US" sz="2000" dirty="0" smtClean="0"/>
-              <a:t>layers(128,256,512)</a:t>
-            </a:r>
-            <a:r>
-              <a:rPr lang="en-US" sz="2000" dirty="0" smtClean="0"/>
-              <a:t/>
+              <a:t>of hidden neurons in the layers(128,256,512)</a:t>
             </a:r>
             <a:br>
               <a:rPr lang="en-US" sz="2000" dirty="0" smtClean="0"/>
@@ -16735,11 +16772,7 @@
             </a:pPr>
             <a:r>
               <a:rPr lang="en-US" sz="2400" b="1" dirty="0" smtClean="0"/>
-              <a:t>Generate </a:t>
-            </a:r>
-            <a:r>
-              <a:rPr lang="en-US" sz="2400" b="1" dirty="0" smtClean="0"/>
-              <a:t>Recipes</a:t>
+              <a:t>Generate Recipes</a:t>
             </a:r>
           </a:p>
           <a:p>
@@ -16772,7 +16805,19 @@
             </a:pPr>
             <a:r>
               <a:rPr lang="en-US" sz="2000" dirty="0" smtClean="0"/>
-              <a:t>One can input a recipe title or keyword and use it  search the training data for a matching title. </a:t>
+              <a:t>Input a </a:t>
+            </a:r>
+            <a:r>
+              <a:rPr lang="en-US" sz="2000" dirty="0" smtClean="0"/>
+              <a:t>recipe title or keyword and use it </a:t>
+            </a:r>
+            <a:r>
+              <a:rPr lang="en-US" sz="2000" dirty="0" smtClean="0"/>
+              <a:t>search </a:t>
+            </a:r>
+            <a:r>
+              <a:rPr lang="en-US" sz="2000" dirty="0" smtClean="0"/>
+              <a:t>the training data for a matching title. </a:t>
             </a:r>
           </a:p>
           <a:p>
@@ -16807,31 +16852,23 @@
             </a:pPr>
             <a:r>
               <a:rPr lang="en-US" sz="2000" dirty="0" smtClean="0"/>
-              <a:t>Of all the recipes with the keyword in the title, pick one recipe randomly and use </a:t>
+              <a:t>Randomly select one recipe from the group of recipes that contain the keyword and </a:t>
             </a:r>
             <a:r>
               <a:rPr lang="en-US" sz="2000" dirty="0" smtClean="0"/>
-              <a:t>words </a:t>
+              <a:t>use </a:t>
+            </a:r>
+            <a:r>
+              <a:rPr lang="en-US" sz="2000" dirty="0" smtClean="0"/>
+              <a:t>those words </a:t>
             </a:r>
             <a:r>
               <a:rPr lang="en-US" sz="2000" dirty="0" smtClean="0"/>
               <a:t>to seed recipe </a:t>
             </a:r>
             <a:r>
-              <a:rPr lang="en-US" sz="2000" dirty="0" err="1"/>
-              <a:t>generatiosome</a:t>
-            </a:r>
-            <a:r>
-              <a:rPr lang="en-US" sz="2000" dirty="0"/>
-              <a:t> number </a:t>
-            </a:r>
-            <a:r>
-              <a:rPr lang="en-US" sz="2000" dirty="0" err="1"/>
-              <a:t>ofn</a:t>
-            </a:r>
-            <a:r>
-              <a:rPr lang="en-US" sz="2000" dirty="0"/>
-              <a:t> </a:t>
+              <a:rPr lang="en-US" sz="2000" dirty="0" smtClean="0"/>
+              <a:t>generation</a:t>
             </a:r>
             <a:r>
               <a:rPr lang="en-US" sz="2000" dirty="0" smtClean="0"/>
@@ -16858,7 +16895,11 @@
             </a:pPr>
             <a:r>
               <a:rPr lang="en-US" sz="2000" dirty="0" smtClean="0"/>
-              <a:t>Can then compare to actual recipe in training data to see how similar the recipe is</a:t>
+              <a:t>Compare </a:t>
+            </a:r>
+            <a:r>
+              <a:rPr lang="en-US" sz="2000" dirty="0" smtClean="0"/>
+              <a:t>to actual recipe in training data to see how similar the recipe is</a:t>
             </a:r>
           </a:p>
           <a:p>
@@ -17009,17 +17050,13 @@
             <a:pPr algn="ctr"/>
             <a:r>
               <a:rPr lang="en-US" sz="2400" b="1" dirty="0" smtClean="0"/>
-              <a:t>Profit.</a:t>
-            </a:r>
-          </a:p>
-          <a:p>
-            <a:endParaRPr lang="en-US" sz="2400" dirty="0"/>
-          </a:p>
-          <a:p>
-            <a:r>
-              <a:rPr lang="en-US" sz="2400" dirty="0" smtClean="0"/>
-              <a:t>Joke recipe???????</a:t>
-            </a:r>
+              <a:t>Profit</a:t>
+            </a:r>
+            <a:r>
+              <a:rPr lang="en-US" sz="2400" b="1" dirty="0" smtClean="0"/>
+              <a:t>.</a:t>
+            </a:r>
+            <a:endParaRPr lang="en-US" sz="2400" b="1" dirty="0" smtClean="0"/>
           </a:p>
         </p:txBody>
       </p:sp>
@@ -17032,7 +17069,7 @@
         <p:spPr>
           <a:xfrm>
             <a:off x="14254554" y="18757186"/>
-            <a:ext cx="15541313" cy="6370975"/>
+            <a:ext cx="15541313" cy="7355860"/>
           </a:xfrm>
           <a:prstGeom prst="rect">
             <a:avLst/>
@@ -17047,8 +17084,9 @@
           <a:p>
             <a:r>
               <a:rPr lang="en-US" sz="3200" b="1" dirty="0" smtClean="0"/>
-              <a:t>Technical Approach</a:t>
-            </a:r>
+              <a:t>Current Approach</a:t>
+            </a:r>
+            <a:endParaRPr lang="en-US" sz="3200" b="1" dirty="0" smtClean="0"/>
           </a:p>
           <a:p>
             <a:pPr marL="457200" indent="-457200">
@@ -17057,7 +17095,23 @@
             </a:pPr>
             <a:r>
               <a:rPr lang="en-US" sz="3200" dirty="0" smtClean="0"/>
-              <a:t>Recurrent Neural Network: connections between units form a direct cycle so that it could exhibit dynamic temporal behavior</a:t>
+              <a:t>Recurrent Neural </a:t>
+            </a:r>
+            <a:r>
+              <a:rPr lang="en-US" sz="3200" dirty="0" smtClean="0"/>
+              <a:t>Network (RNN): </a:t>
+            </a:r>
+            <a:r>
+              <a:rPr lang="en-US" sz="3200" dirty="0" smtClean="0"/>
+              <a:t>connections between units form a direct cycle so that it </a:t>
+            </a:r>
+            <a:r>
+              <a:rPr lang="en-US" sz="3200" dirty="0" smtClean="0"/>
+              <a:t>can exhibit </a:t>
+            </a:r>
+            <a:r>
+              <a:rPr lang="en-US" sz="3200" dirty="0" smtClean="0"/>
+              <a:t>dynamic temporal behavior</a:t>
             </a:r>
           </a:p>
           <a:p>
@@ -17113,10 +17167,7 @@
               <a:buFont typeface="Arial" charset="0"/>
               <a:buChar char="•"/>
             </a:pPr>
-            <a:r>
-              <a:rPr lang="en-US" sz="3200" dirty="0" smtClean="0"/>
-              <a:t>LSTM improves RNN by add memory cells that remember long-term values</a:t>
-            </a:r>
+            <a:endParaRPr lang="en-US" sz="3200" dirty="0" smtClean="0"/>
           </a:p>
           <a:p>
             <a:pPr marL="457200" indent="-457200">
@@ -17125,7 +17176,49 @@
             </a:pPr>
             <a:r>
               <a:rPr lang="en-US" sz="3200" dirty="0" smtClean="0"/>
-              <a:t>GRU’s performance was found to be similar to that of LSTM but it has fewer parameters, as they lack an output gate</a:t>
+              <a:t>Long short-term memory (LSTM) </a:t>
+            </a:r>
+            <a:r>
+              <a:rPr lang="en-US" sz="3200" dirty="0" smtClean="0"/>
+              <a:t>improves </a:t>
+            </a:r>
+            <a:r>
+              <a:rPr lang="en-US" sz="3200" dirty="0" smtClean="0"/>
+              <a:t>upon RNNs using </a:t>
+            </a:r>
+            <a:r>
+              <a:rPr lang="en-US" sz="3200" dirty="0" smtClean="0"/>
+              <a:t>memory cells that remember long-term values</a:t>
+            </a:r>
+          </a:p>
+          <a:p>
+            <a:pPr marL="457200" indent="-457200">
+              <a:buFont typeface="Arial" charset="0"/>
+              <a:buChar char="•"/>
+            </a:pPr>
+            <a:r>
+              <a:rPr lang="en-US" sz="3200" dirty="0" smtClean="0"/>
+              <a:t>Gated recurrent units’ (GRUs) </a:t>
+            </a:r>
+            <a:r>
+              <a:rPr lang="en-US" sz="3200" dirty="0" smtClean="0"/>
+              <a:t>performance </a:t>
+            </a:r>
+            <a:r>
+              <a:rPr lang="en-US" sz="3200" dirty="0" smtClean="0"/>
+              <a:t>is similar to </a:t>
+            </a:r>
+            <a:r>
+              <a:rPr lang="en-US" sz="3200" dirty="0" smtClean="0"/>
+              <a:t>LSTM but </a:t>
+            </a:r>
+            <a:r>
+              <a:rPr lang="en-US" sz="3200" dirty="0" smtClean="0"/>
+              <a:t>the model has fewer </a:t>
+            </a:r>
+            <a:r>
+              <a:rPr lang="en-US" sz="3200" dirty="0" smtClean="0"/>
+              <a:t>parameters, as they lack an output gate</a:t>
             </a:r>
           </a:p>
         </p:txBody>
@@ -17212,7 +17305,7 @@
         </p:blipFill>
         <p:spPr>
           <a:xfrm>
-            <a:off x="23164488" y="25209445"/>
+            <a:off x="23164488" y="26740529"/>
             <a:ext cx="1701800" cy="4216400"/>
           </a:xfrm>
           <a:prstGeom prst="rect">
@@ -17242,7 +17335,7 @@
         </p:blipFill>
         <p:spPr>
           <a:xfrm>
-            <a:off x="25326993" y="25162167"/>
+            <a:off x="25326993" y="26693251"/>
             <a:ext cx="1709628" cy="4235794"/>
           </a:xfrm>
           <a:prstGeom prst="rect">
@@ -17272,7 +17365,7 @@
         </p:blipFill>
         <p:spPr>
           <a:xfrm>
-            <a:off x="27497326" y="25162167"/>
+            <a:off x="27497326" y="26693251"/>
             <a:ext cx="1310681" cy="4577602"/>
           </a:xfrm>
           <a:prstGeom prst="rect">
@@ -17288,7 +17381,7 @@
         </p:nvSpPr>
         <p:spPr>
           <a:xfrm>
-            <a:off x="23505443" y="29562892"/>
+            <a:off x="23505443" y="31093976"/>
             <a:ext cx="5302564" cy="461665"/>
           </a:xfrm>
           <a:prstGeom prst="rect">
@@ -17326,8 +17419,8 @@
         </p:nvSpPr>
         <p:spPr>
           <a:xfrm>
-            <a:off x="14228139" y="25218690"/>
-            <a:ext cx="8936349" cy="1077218"/>
+            <a:off x="14228139" y="26239418"/>
+            <a:ext cx="8936349" cy="3046988"/>
           </a:xfrm>
           <a:prstGeom prst="rect">
             <a:avLst/>
@@ -17342,7 +17435,11 @@
           <a:p>
             <a:r>
               <a:rPr lang="en-US" sz="3200" b="1" dirty="0" smtClean="0"/>
-              <a:t>Alternative Approach</a:t>
+              <a:t>Alternative </a:t>
+            </a:r>
+            <a:r>
+              <a:rPr lang="en-US" sz="3200" b="1" dirty="0" smtClean="0"/>
+              <a:t>Approach</a:t>
             </a:r>
           </a:p>
           <a:p>
@@ -17352,7 +17449,23 @@
             </a:pPr>
             <a:r>
               <a:rPr lang="en-US" sz="3200" dirty="0" smtClean="0"/>
-              <a:t>Bidirectional??</a:t>
+              <a:t>Bidirectional</a:t>
+            </a:r>
+            <a:r>
+              <a:rPr lang="en-US" sz="3200" dirty="0"/>
+              <a:t> </a:t>
+            </a:r>
+            <a:r>
+              <a:rPr lang="en-US" sz="3200" dirty="0" smtClean="0"/>
+              <a:t>RNN: </a:t>
+            </a:r>
+            <a:r>
+              <a:rPr lang="en-US" sz="3200" dirty="0"/>
+              <a:t>connect two hidden layers of opposite directions to the same </a:t>
+            </a:r>
+            <a:r>
+              <a:rPr lang="en-US" sz="3200" dirty="0" smtClean="0"/>
+              <a:t>output, so the output layer can get information from both past (left context) and future (right context) states</a:t>
             </a:r>
             <a:endParaRPr lang="en-US" sz="3200" dirty="0" smtClean="0"/>
           </a:p>

--- a/Convectional Neural Networks Poster.pptx
+++ b/Convectional Neural Networks Poster.pptx
@@ -403,11 +403,11 @@
         </c:dLbls>
         <c:gapWidth val="80"/>
         <c:overlap val="25"/>
-        <c:axId val="-94827120"/>
-        <c:axId val="-94824800"/>
+        <c:axId val="2088886000"/>
+        <c:axId val="2093636240"/>
       </c:barChart>
       <c:catAx>
-        <c:axId val="-94827120"/>
+        <c:axId val="2088886000"/>
         <c:scaling>
           <c:orientation val="minMax"/>
         </c:scaling>
@@ -450,7 +450,7 @@
             <a:endParaRPr lang="en-US"/>
           </a:p>
         </c:txPr>
-        <c:crossAx val="-94824800"/>
+        <c:crossAx val="2093636240"/>
         <c:crosses val="autoZero"/>
         <c:auto val="1"/>
         <c:lblAlgn val="ctr"/>
@@ -458,7 +458,7 @@
         <c:noMultiLvlLbl val="0"/>
       </c:catAx>
       <c:valAx>
-        <c:axId val="-94824800"/>
+        <c:axId val="2093636240"/>
         <c:scaling>
           <c:orientation val="minMax"/>
         </c:scaling>
@@ -509,7 +509,7 @@
             <a:endParaRPr lang="en-US"/>
           </a:p>
         </c:txPr>
-        <c:crossAx val="-94827120"/>
+        <c:crossAx val="2088886000"/>
         <c:crosses val="autoZero"/>
         <c:crossBetween val="between"/>
       </c:valAx>
@@ -10154,14 +10154,14 @@
           </a:effectLst>
           <a:extLst>
             <a:ext uri="{909E8E84-426E-40dd-AFC4-6F175D3DCCD1}">
-              <a14:hiddenFill xmlns:a14="http://schemas.microsoft.com/office/drawing/2010/main" xmlns="">
+              <a14:hiddenFill xmlns="" xmlns:a14="http://schemas.microsoft.com/office/drawing/2010/main">
                 <a:solidFill>
                   <a:srgbClr val="FFFFFF"/>
                 </a:solidFill>
               </a14:hiddenFill>
             </a:ext>
             <a:ext uri="{91240B29-F687-4f45-9708-019B960494DF}">
-              <a14:hiddenLine xmlns:a14="http://schemas.microsoft.com/office/drawing/2010/main" xmlns="" w="9525">
+              <a14:hiddenLine xmlns="" xmlns:a14="http://schemas.microsoft.com/office/drawing/2010/main" w="9525">
                 <a:solidFill>
                   <a:srgbClr val="000000"/>
                 </a:solidFill>
@@ -10206,14 +10206,14 @@
           </a:ln>
           <a:extLst>
             <a:ext uri="{909E8E84-426E-40dd-AFC4-6F175D3DCCD1}">
-              <a14:hiddenFill xmlns="" xmlns:a14="http://schemas.microsoft.com/office/drawing/2010/main">
+              <a14:hiddenFill xmlns:a14="http://schemas.microsoft.com/office/drawing/2010/main" xmlns="">
                 <a:solidFill>
                   <a:srgbClr val="FFFFFF"/>
                 </a:solidFill>
               </a14:hiddenFill>
             </a:ext>
             <a:ext uri="{91240B29-F687-4f45-9708-019B960494DF}">
-              <a14:hiddenLine xmlns="" xmlns:a14="http://schemas.microsoft.com/office/drawing/2010/main" w="9525">
+              <a14:hiddenLine xmlns:a14="http://schemas.microsoft.com/office/drawing/2010/main" xmlns="" w="9525">
                 <a:solidFill>
                   <a:srgbClr val="000000"/>
                 </a:solidFill>
@@ -10361,7 +10361,7 @@
             <a:effectLst/>
             <a:extLst>
               <a:ext uri="{AF507438-7753-43e0-B8FC-AC1667EBCBE1}">
-                <a14:hiddenEffects xmlns="" xmlns:a14="http://schemas.microsoft.com/office/drawing/2010/main">
+                <a14:hiddenEffects xmlns:a14="http://schemas.microsoft.com/office/drawing/2010/main" xmlns="">
                   <a:effectLst>
                     <a:outerShdw dist="35921" dir="2700000" algn="ctr" rotWithShape="0">
                       <a:schemeClr val="bg2"/>
@@ -10437,7 +10437,7 @@
             <a:effectLst/>
             <a:extLst>
               <a:ext uri="{AF507438-7753-43e0-B8FC-AC1667EBCBE1}">
-                <a14:hiddenEffects xmlns="" xmlns:a14="http://schemas.microsoft.com/office/drawing/2010/main">
+                <a14:hiddenEffects xmlns:a14="http://schemas.microsoft.com/office/drawing/2010/main" xmlns="">
                   <a:effectLst>
                     <a:outerShdw dist="35921" dir="2700000" algn="ctr" rotWithShape="0">
                       <a:schemeClr val="bg2"/>
@@ -10513,7 +10513,7 @@
             <a:effectLst/>
             <a:extLst>
               <a:ext uri="{AF507438-7753-43e0-B8FC-AC1667EBCBE1}">
-                <a14:hiddenEffects xmlns="" xmlns:a14="http://schemas.microsoft.com/office/drawing/2010/main">
+                <a14:hiddenEffects xmlns:a14="http://schemas.microsoft.com/office/drawing/2010/main" xmlns="">
                   <a:effectLst>
                     <a:outerShdw dist="35921" dir="2700000" algn="ctr" rotWithShape="0">
                       <a:schemeClr val="bg2"/>
@@ -10587,7 +10587,7 @@
             <a:effectLst/>
             <a:extLst>
               <a:ext uri="{AF507438-7753-43e0-B8FC-AC1667EBCBE1}">
-                <a14:hiddenEffects xmlns="" xmlns:a14="http://schemas.microsoft.com/office/drawing/2010/main">
+                <a14:hiddenEffects xmlns:a14="http://schemas.microsoft.com/office/drawing/2010/main" xmlns="">
                   <a:effectLst>
                     <a:outerShdw dist="35921" dir="2700000" algn="ctr" rotWithShape="0">
                       <a:schemeClr val="bg2"/>
@@ -10661,7 +10661,7 @@
             <a:effectLst/>
             <a:extLst>
               <a:ext uri="{AF507438-7753-43e0-B8FC-AC1667EBCBE1}">
-                <a14:hiddenEffects xmlns="" xmlns:a14="http://schemas.microsoft.com/office/drawing/2010/main">
+                <a14:hiddenEffects xmlns:a14="http://schemas.microsoft.com/office/drawing/2010/main" xmlns="">
                   <a:effectLst>
                     <a:outerShdw dist="35921" dir="2700000" algn="ctr" rotWithShape="0">
                       <a:schemeClr val="bg2"/>
@@ -10735,7 +10735,7 @@
             <a:effectLst/>
             <a:extLst>
               <a:ext uri="{AF507438-7753-43e0-B8FC-AC1667EBCBE1}">
-                <a14:hiddenEffects xmlns="" xmlns:a14="http://schemas.microsoft.com/office/drawing/2010/main">
+                <a14:hiddenEffects xmlns:a14="http://schemas.microsoft.com/office/drawing/2010/main" xmlns="">
                   <a:effectLst>
                     <a:outerShdw dist="35921" dir="2700000" algn="ctr" rotWithShape="0">
                       <a:schemeClr val="bg2"/>
@@ -10809,7 +10809,7 @@
             <a:effectLst/>
             <a:extLst>
               <a:ext uri="{AF507438-7753-43e0-B8FC-AC1667EBCBE1}">
-                <a14:hiddenEffects xmlns="" xmlns:a14="http://schemas.microsoft.com/office/drawing/2010/main">
+                <a14:hiddenEffects xmlns:a14="http://schemas.microsoft.com/office/drawing/2010/main" xmlns="">
                   <a:effectLst>
                     <a:outerShdw dist="35921" dir="2700000" algn="ctr" rotWithShape="0">
                       <a:schemeClr val="bg2"/>
@@ -10883,7 +10883,7 @@
             <a:effectLst/>
             <a:extLst>
               <a:ext uri="{AF507438-7753-43e0-B8FC-AC1667EBCBE1}">
-                <a14:hiddenEffects xmlns="" xmlns:a14="http://schemas.microsoft.com/office/drawing/2010/main">
+                <a14:hiddenEffects xmlns:a14="http://schemas.microsoft.com/office/drawing/2010/main" xmlns="">
                   <a:effectLst>
                     <a:outerShdw dist="35921" dir="2700000" algn="ctr" rotWithShape="0">
                       <a:schemeClr val="bg2"/>
@@ -10957,7 +10957,7 @@
             <a:effectLst/>
             <a:extLst>
               <a:ext uri="{AF507438-7753-43e0-B8FC-AC1667EBCBE1}">
-                <a14:hiddenEffects xmlns="" xmlns:a14="http://schemas.microsoft.com/office/drawing/2010/main">
+                <a14:hiddenEffects xmlns:a14="http://schemas.microsoft.com/office/drawing/2010/main" xmlns="">
                   <a:effectLst>
                     <a:outerShdw dist="35921" dir="2700000" algn="ctr" rotWithShape="0">
                       <a:schemeClr val="bg2"/>
@@ -11031,7 +11031,7 @@
             <a:effectLst/>
             <a:extLst>
               <a:ext uri="{AF507438-7753-43e0-B8FC-AC1667EBCBE1}">
-                <a14:hiddenEffects xmlns="" xmlns:a14="http://schemas.microsoft.com/office/drawing/2010/main">
+                <a14:hiddenEffects xmlns:a14="http://schemas.microsoft.com/office/drawing/2010/main" xmlns="">
                   <a:effectLst>
                     <a:outerShdw dist="35921" dir="2700000" algn="ctr" rotWithShape="0">
                       <a:schemeClr val="bg2"/>
@@ -11105,7 +11105,7 @@
             <a:effectLst/>
             <a:extLst>
               <a:ext uri="{AF507438-7753-43e0-B8FC-AC1667EBCBE1}">
-                <a14:hiddenEffects xmlns="" xmlns:a14="http://schemas.microsoft.com/office/drawing/2010/main">
+                <a14:hiddenEffects xmlns:a14="http://schemas.microsoft.com/office/drawing/2010/main" xmlns="">
                   <a:effectLst>
                     <a:outerShdw dist="35921" dir="2700000" algn="ctr" rotWithShape="0">
                       <a:schemeClr val="bg2"/>
@@ -11181,7 +11181,7 @@
             <a:effectLst/>
             <a:extLst>
               <a:ext uri="{AF507438-7753-43e0-B8FC-AC1667EBCBE1}">
-                <a14:hiddenEffects xmlns="" xmlns:a14="http://schemas.microsoft.com/office/drawing/2010/main">
+                <a14:hiddenEffects xmlns:a14="http://schemas.microsoft.com/office/drawing/2010/main" xmlns="">
                   <a:effectLst>
                     <a:outerShdw dist="35921" dir="2700000" algn="ctr" rotWithShape="0">
                       <a:schemeClr val="bg2"/>
@@ -11260,7 +11260,7 @@
             <a:effectLst/>
             <a:extLst>
               <a:ext uri="{AF507438-7753-43e0-B8FC-AC1667EBCBE1}">
-                <a14:hiddenEffects xmlns="" xmlns:a14="http://schemas.microsoft.com/office/drawing/2010/main">
+                <a14:hiddenEffects xmlns:a14="http://schemas.microsoft.com/office/drawing/2010/main" xmlns="">
                   <a:effectLst>
                     <a:outerShdw dist="35921" dir="2700000" algn="ctr" rotWithShape="0">
                       <a:schemeClr val="bg2"/>
@@ -11303,7 +11303,7 @@
             <a:effectLst/>
             <a:extLst>
               <a:ext uri="{AF507438-7753-43e0-B8FC-AC1667EBCBE1}">
-                <a14:hiddenEffects xmlns="" xmlns:a14="http://schemas.microsoft.com/office/drawing/2010/main">
+                <a14:hiddenEffects xmlns:a14="http://schemas.microsoft.com/office/drawing/2010/main" xmlns="">
                   <a:effectLst>
                     <a:outerShdw dist="35921" dir="2700000" algn="ctr" rotWithShape="0">
                       <a:schemeClr val="bg2"/>
@@ -11346,7 +11346,7 @@
             <a:effectLst/>
             <a:extLst>
               <a:ext uri="{AF507438-7753-43e0-B8FC-AC1667EBCBE1}">
-                <a14:hiddenEffects xmlns="" xmlns:a14="http://schemas.microsoft.com/office/drawing/2010/main">
+                <a14:hiddenEffects xmlns:a14="http://schemas.microsoft.com/office/drawing/2010/main" xmlns="">
                   <a:effectLst>
                     <a:outerShdw dist="35921" dir="2700000" algn="ctr" rotWithShape="0">
                       <a:schemeClr val="bg2"/>
@@ -11389,7 +11389,7 @@
             <a:effectLst/>
             <a:extLst>
               <a:ext uri="{AF507438-7753-43e0-B8FC-AC1667EBCBE1}">
-                <a14:hiddenEffects xmlns="" xmlns:a14="http://schemas.microsoft.com/office/drawing/2010/main">
+                <a14:hiddenEffects xmlns:a14="http://schemas.microsoft.com/office/drawing/2010/main" xmlns="">
                   <a:effectLst>
                     <a:outerShdw dist="35921" dir="2700000" algn="ctr" rotWithShape="0">
                       <a:schemeClr val="bg2"/>
@@ -11432,7 +11432,7 @@
             <a:effectLst/>
             <a:extLst>
               <a:ext uri="{AF507438-7753-43e0-B8FC-AC1667EBCBE1}">
-                <a14:hiddenEffects xmlns="" xmlns:a14="http://schemas.microsoft.com/office/drawing/2010/main">
+                <a14:hiddenEffects xmlns:a14="http://schemas.microsoft.com/office/drawing/2010/main" xmlns="">
                   <a:effectLst>
                     <a:outerShdw dist="35921" dir="2700000" algn="ctr" rotWithShape="0">
                       <a:schemeClr val="bg2"/>
@@ -11475,7 +11475,7 @@
             <a:effectLst/>
             <a:extLst>
               <a:ext uri="{AF507438-7753-43e0-B8FC-AC1667EBCBE1}">
-                <a14:hiddenEffects xmlns="" xmlns:a14="http://schemas.microsoft.com/office/drawing/2010/main">
+                <a14:hiddenEffects xmlns:a14="http://schemas.microsoft.com/office/drawing/2010/main" xmlns="">
                   <a:effectLst>
                     <a:outerShdw dist="35921" dir="2700000" algn="ctr" rotWithShape="0">
                       <a:schemeClr val="bg2"/>
@@ -11518,7 +11518,7 @@
             <a:effectLst/>
             <a:extLst>
               <a:ext uri="{AF507438-7753-43e0-B8FC-AC1667EBCBE1}">
-                <a14:hiddenEffects xmlns="" xmlns:a14="http://schemas.microsoft.com/office/drawing/2010/main">
+                <a14:hiddenEffects xmlns:a14="http://schemas.microsoft.com/office/drawing/2010/main" xmlns="">
                   <a:effectLst>
                     <a:outerShdw dist="35921" dir="2700000" algn="ctr" rotWithShape="0">
                       <a:schemeClr val="bg2"/>
@@ -11561,7 +11561,7 @@
             <a:effectLst/>
             <a:extLst>
               <a:ext uri="{AF507438-7753-43e0-B8FC-AC1667EBCBE1}">
-                <a14:hiddenEffects xmlns="" xmlns:a14="http://schemas.microsoft.com/office/drawing/2010/main">
+                <a14:hiddenEffects xmlns:a14="http://schemas.microsoft.com/office/drawing/2010/main" xmlns="">
                   <a:effectLst>
                     <a:outerShdw dist="35921" dir="2700000" algn="ctr" rotWithShape="0">
                       <a:schemeClr val="bg2"/>
@@ -11604,7 +11604,7 @@
             <a:effectLst/>
             <a:extLst>
               <a:ext uri="{AF507438-7753-43e0-B8FC-AC1667EBCBE1}">
-                <a14:hiddenEffects xmlns="" xmlns:a14="http://schemas.microsoft.com/office/drawing/2010/main">
+                <a14:hiddenEffects xmlns:a14="http://schemas.microsoft.com/office/drawing/2010/main" xmlns="">
                   <a:effectLst>
                     <a:outerShdw dist="35921" dir="2700000" algn="ctr" rotWithShape="0">
                       <a:schemeClr val="bg2"/>
@@ -11647,7 +11647,7 @@
             <a:effectLst/>
             <a:extLst>
               <a:ext uri="{AF507438-7753-43e0-B8FC-AC1667EBCBE1}">
-                <a14:hiddenEffects xmlns="" xmlns:a14="http://schemas.microsoft.com/office/drawing/2010/main">
+                <a14:hiddenEffects xmlns:a14="http://schemas.microsoft.com/office/drawing/2010/main" xmlns="">
                   <a:effectLst>
                     <a:outerShdw dist="35921" dir="2700000" algn="ctr" rotWithShape="0">
                       <a:schemeClr val="bg2"/>
@@ -11690,7 +11690,7 @@
             <a:effectLst/>
             <a:extLst>
               <a:ext uri="{AF507438-7753-43e0-B8FC-AC1667EBCBE1}">
-                <a14:hiddenEffects xmlns="" xmlns:a14="http://schemas.microsoft.com/office/drawing/2010/main">
+                <a14:hiddenEffects xmlns:a14="http://schemas.microsoft.com/office/drawing/2010/main" xmlns="">
                   <a:effectLst>
                     <a:outerShdw dist="35921" dir="2700000" algn="ctr" rotWithShape="0">
                       <a:schemeClr val="bg2"/>
@@ -11733,7 +11733,7 @@
             <a:effectLst/>
             <a:extLst>
               <a:ext uri="{AF507438-7753-43e0-B8FC-AC1667EBCBE1}">
-                <a14:hiddenEffects xmlns="" xmlns:a14="http://schemas.microsoft.com/office/drawing/2010/main">
+                <a14:hiddenEffects xmlns:a14="http://schemas.microsoft.com/office/drawing/2010/main" xmlns="">
                   <a:effectLst>
                     <a:outerShdw dist="35921" dir="2700000" algn="ctr" rotWithShape="0">
                       <a:schemeClr val="bg2"/>
@@ -11776,7 +11776,7 @@
             <a:effectLst/>
             <a:extLst>
               <a:ext uri="{AF507438-7753-43e0-B8FC-AC1667EBCBE1}">
-                <a14:hiddenEffects xmlns="" xmlns:a14="http://schemas.microsoft.com/office/drawing/2010/main">
+                <a14:hiddenEffects xmlns:a14="http://schemas.microsoft.com/office/drawing/2010/main" xmlns="">
                   <a:effectLst>
                     <a:outerShdw dist="35921" dir="2700000" algn="ctr" rotWithShape="0">
                       <a:schemeClr val="bg2"/>
@@ -11819,7 +11819,7 @@
             <a:effectLst/>
             <a:extLst>
               <a:ext uri="{AF507438-7753-43e0-B8FC-AC1667EBCBE1}">
-                <a14:hiddenEffects xmlns="" xmlns:a14="http://schemas.microsoft.com/office/drawing/2010/main">
+                <a14:hiddenEffects xmlns:a14="http://schemas.microsoft.com/office/drawing/2010/main" xmlns="">
                   <a:effectLst>
                     <a:outerShdw dist="35921" dir="2700000" algn="ctr" rotWithShape="0">
                       <a:schemeClr val="bg2"/>
@@ -11862,7 +11862,7 @@
             <a:effectLst/>
             <a:extLst>
               <a:ext uri="{AF507438-7753-43e0-B8FC-AC1667EBCBE1}">
-                <a14:hiddenEffects xmlns="" xmlns:a14="http://schemas.microsoft.com/office/drawing/2010/main">
+                <a14:hiddenEffects xmlns:a14="http://schemas.microsoft.com/office/drawing/2010/main" xmlns="">
                   <a:effectLst>
                     <a:outerShdw dist="35921" dir="2700000" algn="ctr" rotWithShape="0">
                       <a:schemeClr val="bg2"/>
@@ -11905,7 +11905,7 @@
             <a:effectLst/>
             <a:extLst>
               <a:ext uri="{AF507438-7753-43e0-B8FC-AC1667EBCBE1}">
-                <a14:hiddenEffects xmlns="" xmlns:a14="http://schemas.microsoft.com/office/drawing/2010/main">
+                <a14:hiddenEffects xmlns:a14="http://schemas.microsoft.com/office/drawing/2010/main" xmlns="">
                   <a:effectLst>
                     <a:outerShdw dist="35921" dir="2700000" algn="ctr" rotWithShape="0">
                       <a:schemeClr val="bg2"/>
@@ -11948,7 +11948,7 @@
             <a:effectLst/>
             <a:extLst>
               <a:ext uri="{AF507438-7753-43e0-B8FC-AC1667EBCBE1}">
-                <a14:hiddenEffects xmlns="" xmlns:a14="http://schemas.microsoft.com/office/drawing/2010/main">
+                <a14:hiddenEffects xmlns:a14="http://schemas.microsoft.com/office/drawing/2010/main" xmlns="">
                   <a:effectLst>
                     <a:outerShdw dist="35921" dir="2700000" algn="ctr" rotWithShape="0">
                       <a:schemeClr val="bg2"/>
@@ -11991,7 +11991,7 @@
             <a:effectLst/>
             <a:extLst>
               <a:ext uri="{AF507438-7753-43e0-B8FC-AC1667EBCBE1}">
-                <a14:hiddenEffects xmlns="" xmlns:a14="http://schemas.microsoft.com/office/drawing/2010/main">
+                <a14:hiddenEffects xmlns:a14="http://schemas.microsoft.com/office/drawing/2010/main" xmlns="">
                   <a:effectLst>
                     <a:outerShdw dist="35921" dir="2700000" algn="ctr" rotWithShape="0">
                       <a:schemeClr val="bg2"/>
@@ -12034,7 +12034,7 @@
             <a:effectLst/>
             <a:extLst>
               <a:ext uri="{AF507438-7753-43e0-B8FC-AC1667EBCBE1}">
-                <a14:hiddenEffects xmlns="" xmlns:a14="http://schemas.microsoft.com/office/drawing/2010/main">
+                <a14:hiddenEffects xmlns:a14="http://schemas.microsoft.com/office/drawing/2010/main" xmlns="">
                   <a:effectLst>
                     <a:outerShdw dist="35921" dir="2700000" algn="ctr" rotWithShape="0">
                       <a:schemeClr val="bg2"/>
@@ -12077,7 +12077,7 @@
             <a:effectLst/>
             <a:extLst>
               <a:ext uri="{AF507438-7753-43e0-B8FC-AC1667EBCBE1}">
-                <a14:hiddenEffects xmlns="" xmlns:a14="http://schemas.microsoft.com/office/drawing/2010/main">
+                <a14:hiddenEffects xmlns:a14="http://schemas.microsoft.com/office/drawing/2010/main" xmlns="">
                   <a:effectLst>
                     <a:outerShdw dist="35921" dir="2700000" algn="ctr" rotWithShape="0">
                       <a:schemeClr val="bg2"/>
@@ -12120,7 +12120,7 @@
             <a:effectLst/>
             <a:extLst>
               <a:ext uri="{AF507438-7753-43e0-B8FC-AC1667EBCBE1}">
-                <a14:hiddenEffects xmlns="" xmlns:a14="http://schemas.microsoft.com/office/drawing/2010/main">
+                <a14:hiddenEffects xmlns:a14="http://schemas.microsoft.com/office/drawing/2010/main" xmlns="">
                   <a:effectLst>
                     <a:outerShdw dist="35921" dir="2700000" algn="ctr" rotWithShape="0">
                       <a:schemeClr val="bg2"/>
@@ -12163,7 +12163,7 @@
             <a:effectLst/>
             <a:extLst>
               <a:ext uri="{AF507438-7753-43e0-B8FC-AC1667EBCBE1}">
-                <a14:hiddenEffects xmlns="" xmlns:a14="http://schemas.microsoft.com/office/drawing/2010/main">
+                <a14:hiddenEffects xmlns:a14="http://schemas.microsoft.com/office/drawing/2010/main" xmlns="">
                   <a:effectLst>
                     <a:outerShdw dist="35921" dir="2700000" algn="ctr" rotWithShape="0">
                       <a:schemeClr val="bg2"/>
@@ -12206,7 +12206,7 @@
             <a:effectLst/>
             <a:extLst>
               <a:ext uri="{AF507438-7753-43e0-B8FC-AC1667EBCBE1}">
-                <a14:hiddenEffects xmlns="" xmlns:a14="http://schemas.microsoft.com/office/drawing/2010/main">
+                <a14:hiddenEffects xmlns:a14="http://schemas.microsoft.com/office/drawing/2010/main" xmlns="">
                   <a:effectLst>
                     <a:outerShdw dist="35921" dir="2700000" algn="ctr" rotWithShape="0">
                       <a:schemeClr val="bg2"/>
@@ -12249,7 +12249,7 @@
             <a:effectLst/>
             <a:extLst>
               <a:ext uri="{AF507438-7753-43e0-B8FC-AC1667EBCBE1}">
-                <a14:hiddenEffects xmlns="" xmlns:a14="http://schemas.microsoft.com/office/drawing/2010/main">
+                <a14:hiddenEffects xmlns:a14="http://schemas.microsoft.com/office/drawing/2010/main" xmlns="">
                   <a:effectLst>
                     <a:outerShdw dist="35921" dir="2700000" algn="ctr" rotWithShape="0">
                       <a:schemeClr val="bg2"/>
@@ -12292,7 +12292,7 @@
             <a:effectLst/>
             <a:extLst>
               <a:ext uri="{AF507438-7753-43e0-B8FC-AC1667EBCBE1}">
-                <a14:hiddenEffects xmlns="" xmlns:a14="http://schemas.microsoft.com/office/drawing/2010/main">
+                <a14:hiddenEffects xmlns:a14="http://schemas.microsoft.com/office/drawing/2010/main" xmlns="">
                   <a:effectLst>
                     <a:outerShdw dist="35921" dir="2700000" algn="ctr" rotWithShape="0">
                       <a:schemeClr val="bg2"/>
@@ -12335,7 +12335,7 @@
             <a:effectLst/>
             <a:extLst>
               <a:ext uri="{AF507438-7753-43e0-B8FC-AC1667EBCBE1}">
-                <a14:hiddenEffects xmlns="" xmlns:a14="http://schemas.microsoft.com/office/drawing/2010/main">
+                <a14:hiddenEffects xmlns:a14="http://schemas.microsoft.com/office/drawing/2010/main" xmlns="">
                   <a:effectLst>
                     <a:outerShdw dist="35921" dir="2700000" algn="ctr" rotWithShape="0">
                       <a:schemeClr val="bg2"/>
@@ -12378,7 +12378,7 @@
             <a:effectLst/>
             <a:extLst>
               <a:ext uri="{AF507438-7753-43e0-B8FC-AC1667EBCBE1}">
-                <a14:hiddenEffects xmlns="" xmlns:a14="http://schemas.microsoft.com/office/drawing/2010/main">
+                <a14:hiddenEffects xmlns:a14="http://schemas.microsoft.com/office/drawing/2010/main" xmlns="">
                   <a:effectLst>
                     <a:outerShdw dist="35921" dir="2700000" algn="ctr" rotWithShape="0">
                       <a:schemeClr val="bg2"/>
@@ -12421,7 +12421,7 @@
             <a:effectLst/>
             <a:extLst>
               <a:ext uri="{AF507438-7753-43e0-B8FC-AC1667EBCBE1}">
-                <a14:hiddenEffects xmlns="" xmlns:a14="http://schemas.microsoft.com/office/drawing/2010/main">
+                <a14:hiddenEffects xmlns:a14="http://schemas.microsoft.com/office/drawing/2010/main" xmlns="">
                   <a:effectLst>
                     <a:outerShdw dist="35921" dir="2700000" algn="ctr" rotWithShape="0">
                       <a:schemeClr val="bg2"/>
@@ -12464,7 +12464,7 @@
             <a:effectLst/>
             <a:extLst>
               <a:ext uri="{AF507438-7753-43e0-B8FC-AC1667EBCBE1}">
-                <a14:hiddenEffects xmlns="" xmlns:a14="http://schemas.microsoft.com/office/drawing/2010/main">
+                <a14:hiddenEffects xmlns:a14="http://schemas.microsoft.com/office/drawing/2010/main" xmlns="">
                   <a:effectLst>
                     <a:outerShdw dist="35921" dir="2700000" algn="ctr" rotWithShape="0">
                       <a:schemeClr val="bg2"/>
@@ -12507,7 +12507,7 @@
             <a:effectLst/>
             <a:extLst>
               <a:ext uri="{AF507438-7753-43e0-B8FC-AC1667EBCBE1}">
-                <a14:hiddenEffects xmlns="" xmlns:a14="http://schemas.microsoft.com/office/drawing/2010/main">
+                <a14:hiddenEffects xmlns:a14="http://schemas.microsoft.com/office/drawing/2010/main" xmlns="">
                   <a:effectLst>
                     <a:outerShdw dist="35921" dir="2700000" algn="ctr" rotWithShape="0">
                       <a:schemeClr val="bg2"/>
@@ -12550,7 +12550,7 @@
             <a:effectLst/>
             <a:extLst>
               <a:ext uri="{AF507438-7753-43e0-B8FC-AC1667EBCBE1}">
-                <a14:hiddenEffects xmlns="" xmlns:a14="http://schemas.microsoft.com/office/drawing/2010/main">
+                <a14:hiddenEffects xmlns:a14="http://schemas.microsoft.com/office/drawing/2010/main" xmlns="">
                   <a:effectLst>
                     <a:outerShdw dist="35921" dir="2700000" algn="ctr" rotWithShape="0">
                       <a:schemeClr val="bg2"/>
@@ -12588,7 +12588,7 @@
             <a:effectLst/>
             <a:extLst>
               <a:ext uri="{AF507438-7753-43e0-B8FC-AC1667EBCBE1}">
-                <a14:hiddenEffects xmlns="" xmlns:a14="http://schemas.microsoft.com/office/drawing/2010/main">
+                <a14:hiddenEffects xmlns:a14="http://schemas.microsoft.com/office/drawing/2010/main" xmlns="">
                   <a:effectLst>
                     <a:outerShdw dist="35921" dir="2700000" algn="ctr" rotWithShape="0">
                       <a:schemeClr val="bg2"/>
@@ -12662,7 +12662,7 @@
             <a:effectLst/>
             <a:extLst>
               <a:ext uri="{AF507438-7753-43e0-B8FC-AC1667EBCBE1}">
-                <a14:hiddenEffects xmlns="" xmlns:a14="http://schemas.microsoft.com/office/drawing/2010/main">
+                <a14:hiddenEffects xmlns:a14="http://schemas.microsoft.com/office/drawing/2010/main" xmlns="">
                   <a:effectLst>
                     <a:outerShdw dist="35921" dir="2700000" algn="ctr" rotWithShape="0">
                       <a:schemeClr val="bg2"/>
@@ -12736,7 +12736,7 @@
             <a:effectLst/>
             <a:extLst>
               <a:ext uri="{AF507438-7753-43e0-B8FC-AC1667EBCBE1}">
-                <a14:hiddenEffects xmlns="" xmlns:a14="http://schemas.microsoft.com/office/drawing/2010/main">
+                <a14:hiddenEffects xmlns:a14="http://schemas.microsoft.com/office/drawing/2010/main" xmlns="">
                   <a:effectLst>
                     <a:outerShdw dist="35921" dir="2700000" algn="ctr" rotWithShape="0">
                       <a:schemeClr val="bg2"/>
@@ -12810,7 +12810,7 @@
             <a:effectLst/>
             <a:extLst>
               <a:ext uri="{AF507438-7753-43e0-B8FC-AC1667EBCBE1}">
-                <a14:hiddenEffects xmlns="" xmlns:a14="http://schemas.microsoft.com/office/drawing/2010/main">
+                <a14:hiddenEffects xmlns:a14="http://schemas.microsoft.com/office/drawing/2010/main" xmlns="">
                   <a:effectLst>
                     <a:outerShdw dist="35921" dir="2700000" algn="ctr" rotWithShape="0">
                       <a:schemeClr val="bg2"/>
@@ -13018,7 +13018,7 @@
             <a:effectLst/>
             <a:extLst>
               <a:ext uri="{AF507438-7753-43e0-B8FC-AC1667EBCBE1}">
-                <a14:hiddenEffects xmlns="" xmlns:a14="http://schemas.microsoft.com/office/drawing/2010/main">
+                <a14:hiddenEffects xmlns:a14="http://schemas.microsoft.com/office/drawing/2010/main" xmlns="">
                   <a:effectLst>
                     <a:outerShdw dist="35921" dir="2700000" algn="ctr" rotWithShape="0">
                       <a:schemeClr val="bg2"/>
@@ -13173,7 +13173,7 @@
             <a:effectLst/>
             <a:extLst>
               <a:ext uri="{AF507438-7753-43e0-B8FC-AC1667EBCBE1}">
-                <a14:hiddenEffects xmlns="" xmlns:a14="http://schemas.microsoft.com/office/drawing/2010/main">
+                <a14:hiddenEffects xmlns:a14="http://schemas.microsoft.com/office/drawing/2010/main" xmlns="">
                   <a:effectLst>
                     <a:outerShdw dist="35921" dir="2700000" algn="ctr" rotWithShape="0">
                       <a:schemeClr val="bg2"/>
@@ -13247,7 +13247,7 @@
             <a:effectLst/>
             <a:extLst>
               <a:ext uri="{AF507438-7753-43e0-B8FC-AC1667EBCBE1}">
-                <a14:hiddenEffects xmlns="" xmlns:a14="http://schemas.microsoft.com/office/drawing/2010/main">
+                <a14:hiddenEffects xmlns:a14="http://schemas.microsoft.com/office/drawing/2010/main" xmlns="">
                   <a:effectLst>
                     <a:outerShdw dist="35921" dir="2700000" algn="ctr" rotWithShape="0">
                       <a:schemeClr val="bg2"/>
@@ -13388,7 +13388,7 @@
             <a:effectLst/>
             <a:extLst>
               <a:ext uri="{AF507438-7753-43e0-B8FC-AC1667EBCBE1}">
-                <a14:hiddenEffects xmlns="" xmlns:a14="http://schemas.microsoft.com/office/drawing/2010/main">
+                <a14:hiddenEffects xmlns:a14="http://schemas.microsoft.com/office/drawing/2010/main" xmlns="">
                   <a:effectLst>
                     <a:outerShdw dist="35921" dir="2700000" algn="ctr" rotWithShape="0">
                       <a:schemeClr val="bg2"/>
@@ -13431,7 +13431,7 @@
             <a:effectLst/>
             <a:extLst>
               <a:ext uri="{AF507438-7753-43e0-B8FC-AC1667EBCBE1}">
-                <a14:hiddenEffects xmlns="" xmlns:a14="http://schemas.microsoft.com/office/drawing/2010/main">
+                <a14:hiddenEffects xmlns:a14="http://schemas.microsoft.com/office/drawing/2010/main" xmlns="">
                   <a:effectLst>
                     <a:outerShdw dist="35921" dir="2700000" algn="ctr" rotWithShape="0">
                       <a:schemeClr val="bg2"/>
@@ -13474,7 +13474,7 @@
             <a:effectLst/>
             <a:extLst>
               <a:ext uri="{AF507438-7753-43e0-B8FC-AC1667EBCBE1}">
-                <a14:hiddenEffects xmlns="" xmlns:a14="http://schemas.microsoft.com/office/drawing/2010/main">
+                <a14:hiddenEffects xmlns:a14="http://schemas.microsoft.com/office/drawing/2010/main" xmlns="">
                   <a:effectLst>
                     <a:outerShdw dist="35921" dir="2700000" algn="ctr" rotWithShape="0">
                       <a:schemeClr val="bg2"/>
@@ -13517,7 +13517,7 @@
             <a:effectLst/>
             <a:extLst>
               <a:ext uri="{AF507438-7753-43e0-B8FC-AC1667EBCBE1}">
-                <a14:hiddenEffects xmlns="" xmlns:a14="http://schemas.microsoft.com/office/drawing/2010/main">
+                <a14:hiddenEffects xmlns:a14="http://schemas.microsoft.com/office/drawing/2010/main" xmlns="">
                   <a:effectLst>
                     <a:outerShdw dist="35921" dir="2700000" algn="ctr" rotWithShape="0">
                       <a:schemeClr val="bg2"/>
@@ -14423,28 +14423,32 @@
         </p:nvSpPr>
         <p:spPr>
           <a:xfrm>
-            <a:off x="30749964" y="14914834"/>
-            <a:ext cx="12801600" cy="4538610"/>
+            <a:off x="30891544" y="15022691"/>
+            <a:ext cx="12801600" cy="5738632"/>
           </a:xfrm>
         </p:spPr>
         <p:txBody>
-          <a:bodyPr/>
+          <a:bodyPr>
+            <a:normAutofit/>
+          </a:bodyPr>
           <a:lstStyle/>
           <a:p>
             <a:r>
-              <a:rPr lang="en-US" dirty="0"/>
-              <a:t>Include results based on your </a:t>
-            </a:r>
-            <a:r>
               <a:rPr lang="en-US" dirty="0" smtClean="0"/>
-              <a:t>experiments</a:t>
-            </a:r>
+              <a:t>We see that the model performs fairly well because if the generated output is not a real word, the next most likel</a:t>
+            </a:r>
+            <a:r>
+              <a:rPr lang="en-US" dirty="0" smtClean="0"/>
+              <a:t>y characters would form a word. </a:t>
+            </a:r>
+            <a:endParaRPr lang="en-US" dirty="0" smtClean="0"/>
           </a:p>
           <a:p>
             <a:r>
               <a:rPr lang="en-US" dirty="0" smtClean="0"/>
               <a:t>Where did the model perform well, where did it struggle?</a:t>
             </a:r>
+            <a:endParaRPr lang="en-US" dirty="0" smtClean="0"/>
           </a:p>
           <a:p>
             <a:r>
@@ -14708,14 +14712,14 @@
           </a:ln>
           <a:extLst>
             <a:ext uri="{909E8E84-426E-40dd-AFC4-6F175D3DCCD1}">
-              <a14:hiddenFill xmlns="" xmlns:a14="http://schemas.microsoft.com/office/drawing/2010/main">
+              <a14:hiddenFill xmlns:a14="http://schemas.microsoft.com/office/drawing/2010/main" xmlns="">
                 <a:solidFill>
                   <a:srgbClr val="FFFFFF"/>
                 </a:solidFill>
               </a14:hiddenFill>
             </a:ext>
             <a:ext uri="{91240B29-F687-4f45-9708-019B960494DF}">
-              <a14:hiddenLine xmlns="" xmlns:a14="http://schemas.microsoft.com/office/drawing/2010/main" w="9525">
+              <a14:hiddenLine xmlns:a14="http://schemas.microsoft.com/office/drawing/2010/main" xmlns="" w="9525">
                 <a:solidFill>
                   <a:srgbClr val="000000"/>
                 </a:solidFill>
@@ -14727,50 +14731,35 @@
           </a:extLst>
         </p:spPr>
       </p:pic>
-      <p:sp>
-        <p:nvSpPr>
-          <p:cNvPr id="2" name="Content Placeholder 1"/>
-          <p:cNvSpPr>
-            <a:spLocks noGrp="1"/>
-          </p:cNvSpPr>
+      <p:pic>
+        <p:nvPicPr>
+          <p:cNvPr id="7" name="Content Placeholder 6"/>
+          <p:cNvPicPr>
+            <a:picLocks noGrp="1" noChangeAspect="1"/>
+          </p:cNvPicPr>
           <p:nvPr>
             <p:ph sz="quarter" idx="32"/>
           </p:nvPr>
-        </p:nvSpPr>
+        </p:nvPicPr>
+        <p:blipFill>
+          <a:blip r:embed="rId3">
+            <a:extLst>
+              <a:ext uri="{28A0092B-C50C-407E-A947-70E740481C1C}">
+                <a14:useLocalDpi xmlns:a14="http://schemas.microsoft.com/office/drawing/2010/main" val="0"/>
+              </a:ext>
+            </a:extLst>
+          </a:blip>
+          <a:stretch>
+            <a:fillRect/>
+          </a:stretch>
+        </p:blipFill>
         <p:spPr>
           <a:xfrm>
-            <a:off x="30749964" y="7114032"/>
-            <a:ext cx="12801600" cy="7315200"/>
+            <a:off x="33493164" y="7945297"/>
+            <a:ext cx="7315200" cy="5029200"/>
           </a:xfrm>
         </p:spPr>
-        <p:txBody>
-          <a:bodyPr/>
-          <a:lstStyle/>
-          <a:p>
-            <a:r>
-              <a:rPr lang="en-US" dirty="0" smtClean="0"/>
-              <a:t>PLACEHOLDER FOR HEATMAPS </a:t>
-            </a:r>
-            <a:r>
-              <a:rPr lang="mr-IN" dirty="0" smtClean="0"/>
-              <a:t>–</a:t>
-            </a:r>
-            <a:r>
-              <a:rPr lang="en-US" dirty="0" smtClean="0"/>
-              <a:t> include sample output with </a:t>
-            </a:r>
-            <a:r>
-              <a:rPr lang="en-US" dirty="0" err="1" smtClean="0"/>
-              <a:t>heatmap</a:t>
-            </a:r>
-            <a:r>
-              <a:rPr lang="en-US" dirty="0" smtClean="0"/>
-              <a:t> right below (one each for character, word and phrase-level networks)</a:t>
-            </a:r>
-            <a:endParaRPr lang="en-US" dirty="0"/>
-          </a:p>
-        </p:txBody>
-      </p:sp>
+      </p:pic>
       <p:pic>
         <p:nvPicPr>
           <p:cNvPr id="40" name="Picture Placeholder 39"/>
@@ -14782,7 +14771,7 @@
           </p:nvPr>
         </p:nvPicPr>
         <p:blipFill rotWithShape="1">
-          <a:blip r:embed="rId3">
+          <a:blip r:embed="rId4">
             <a:extLst>
               <a:ext uri="{28A0092B-C50C-407E-A947-70E740481C1C}">
                 <a14:useLocalDpi xmlns:a14="http://schemas.microsoft.com/office/drawing/2010/main" val="0"/>
@@ -15571,13 +15560,8 @@
           <a:p>
             <a:r>
               <a:rPr lang="en-US" sz="2400" b="1" dirty="0" smtClean="0"/>
-              <a:t>Model </a:t>
-            </a:r>
-            <a:r>
-              <a:rPr lang="en-US" sz="2400" b="1" dirty="0" smtClean="0"/>
-              <a:t>evaluation</a:t>
-            </a:r>
-            <a:endParaRPr lang="en-US" sz="2400" b="1" dirty="0" smtClean="0"/>
+              <a:t>Model evaluation</a:t>
+            </a:r>
           </a:p>
           <a:p>
             <a:endParaRPr lang="en-US" sz="2400" b="1" dirty="0"/>
@@ -16574,11 +16558,7 @@
             </a:pPr>
             <a:r>
               <a:rPr lang="en-US" sz="2000" dirty="0" smtClean="0"/>
-              <a:t>Adjusted the number </a:t>
-            </a:r>
-            <a:r>
-              <a:rPr lang="en-US" sz="2000" dirty="0" smtClean="0"/>
-              <a:t>of hidden neurons in the layers(128,256,512)</a:t>
+              <a:t>Adjusted the number of hidden neurons in the layers(128,256,512)</a:t>
             </a:r>
             <a:br>
               <a:rPr lang="en-US" sz="2000" dirty="0" smtClean="0"/>
@@ -16805,19 +16785,7 @@
             </a:pPr>
             <a:r>
               <a:rPr lang="en-US" sz="2000" dirty="0" smtClean="0"/>
-              <a:t>Input a </a:t>
-            </a:r>
-            <a:r>
-              <a:rPr lang="en-US" sz="2000" dirty="0" smtClean="0"/>
-              <a:t>recipe title or keyword and use it </a:t>
-            </a:r>
-            <a:r>
-              <a:rPr lang="en-US" sz="2000" dirty="0" smtClean="0"/>
-              <a:t>search </a:t>
-            </a:r>
-            <a:r>
-              <a:rPr lang="en-US" sz="2000" dirty="0" smtClean="0"/>
-              <a:t>the training data for a matching title. </a:t>
+              <a:t>Input a recipe title or keyword and use it search the training data for a matching title. </a:t>
             </a:r>
           </a:p>
           <a:p>
@@ -16852,27 +16820,7 @@
             </a:pPr>
             <a:r>
               <a:rPr lang="en-US" sz="2000" dirty="0" smtClean="0"/>
-              <a:t>Randomly select one recipe from the group of recipes that contain the keyword and </a:t>
-            </a:r>
-            <a:r>
-              <a:rPr lang="en-US" sz="2000" dirty="0" smtClean="0"/>
-              <a:t>use </a:t>
-            </a:r>
-            <a:r>
-              <a:rPr lang="en-US" sz="2000" dirty="0" smtClean="0"/>
-              <a:t>those words </a:t>
-            </a:r>
-            <a:r>
-              <a:rPr lang="en-US" sz="2000" dirty="0" smtClean="0"/>
-              <a:t>to seed recipe </a:t>
-            </a:r>
-            <a:r>
-              <a:rPr lang="en-US" sz="2000" dirty="0" smtClean="0"/>
-              <a:t>generation</a:t>
-            </a:r>
-            <a:r>
-              <a:rPr lang="en-US" sz="2000" dirty="0" smtClean="0"/>
-              <a:t/>
+              <a:t>Randomly select one recipe from the group of recipes that contain the keyword and use those words to seed recipe generation</a:t>
             </a:r>
             <a:br>
               <a:rPr lang="en-US" sz="2000" dirty="0" smtClean="0"/>
@@ -16895,11 +16843,7 @@
             </a:pPr>
             <a:r>
               <a:rPr lang="en-US" sz="2000" dirty="0" smtClean="0"/>
-              <a:t>Compare </a:t>
-            </a:r>
-            <a:r>
-              <a:rPr lang="en-US" sz="2000" dirty="0" smtClean="0"/>
-              <a:t>to actual recipe in training data to see how similar the recipe is</a:t>
+              <a:t>Compare to actual recipe in training data to see how similar the recipe is</a:t>
             </a:r>
           </a:p>
           <a:p>
@@ -17050,13 +16994,8 @@
             <a:pPr algn="ctr"/>
             <a:r>
               <a:rPr lang="en-US" sz="2400" b="1" dirty="0" smtClean="0"/>
-              <a:t>Profit</a:t>
-            </a:r>
-            <a:r>
-              <a:rPr lang="en-US" sz="2400" b="1" dirty="0" smtClean="0"/>
-              <a:t>.</a:t>
-            </a:r>
-            <a:endParaRPr lang="en-US" sz="2400" b="1" dirty="0" smtClean="0"/>
+              <a:t>Profit.</a:t>
+            </a:r>
           </a:p>
         </p:txBody>
       </p:sp>
@@ -17086,7 +17025,6 @@
               <a:rPr lang="en-US" sz="3200" b="1" dirty="0" smtClean="0"/>
               <a:t>Current Approach</a:t>
             </a:r>
-            <a:endParaRPr lang="en-US" sz="3200" b="1" dirty="0" smtClean="0"/>
           </a:p>
           <a:p>
             <a:pPr marL="457200" indent="-457200">
@@ -17095,23 +17033,7 @@
             </a:pPr>
             <a:r>
               <a:rPr lang="en-US" sz="3200" dirty="0" smtClean="0"/>
-              <a:t>Recurrent Neural </a:t>
-            </a:r>
-            <a:r>
-              <a:rPr lang="en-US" sz="3200" dirty="0" smtClean="0"/>
-              <a:t>Network (RNN): </a:t>
-            </a:r>
-            <a:r>
-              <a:rPr lang="en-US" sz="3200" dirty="0" smtClean="0"/>
-              <a:t>connections between units form a direct cycle so that it </a:t>
-            </a:r>
-            <a:r>
-              <a:rPr lang="en-US" sz="3200" dirty="0" smtClean="0"/>
-              <a:t>can exhibit </a:t>
-            </a:r>
-            <a:r>
-              <a:rPr lang="en-US" sz="3200" dirty="0" smtClean="0"/>
-              <a:t>dynamic temporal behavior</a:t>
+              <a:t>Recurrent Neural Network (RNN): connections between units form a direct cycle so that it can exhibit dynamic temporal behavior</a:t>
             </a:r>
           </a:p>
           <a:p>
@@ -17176,19 +17098,7 @@
             </a:pPr>
             <a:r>
               <a:rPr lang="en-US" sz="3200" dirty="0" smtClean="0"/>
-              <a:t>Long short-term memory (LSTM) </a:t>
-            </a:r>
-            <a:r>
-              <a:rPr lang="en-US" sz="3200" dirty="0" smtClean="0"/>
-              <a:t>improves </a:t>
-            </a:r>
-            <a:r>
-              <a:rPr lang="en-US" sz="3200" dirty="0" smtClean="0"/>
-              <a:t>upon RNNs using </a:t>
-            </a:r>
-            <a:r>
-              <a:rPr lang="en-US" sz="3200" dirty="0" smtClean="0"/>
-              <a:t>memory cells that remember long-term values</a:t>
+              <a:t>Long short-term memory (LSTM) improves upon RNNs using memory cells that remember long-term values</a:t>
             </a:r>
           </a:p>
           <a:p>
@@ -17198,27 +17108,7 @@
             </a:pPr>
             <a:r>
               <a:rPr lang="en-US" sz="3200" dirty="0" smtClean="0"/>
-              <a:t>Gated recurrent units’ (GRUs) </a:t>
-            </a:r>
-            <a:r>
-              <a:rPr lang="en-US" sz="3200" dirty="0" smtClean="0"/>
-              <a:t>performance </a:t>
-            </a:r>
-            <a:r>
-              <a:rPr lang="en-US" sz="3200" dirty="0" smtClean="0"/>
-              <a:t>is similar to </a:t>
-            </a:r>
-            <a:r>
-              <a:rPr lang="en-US" sz="3200" dirty="0" smtClean="0"/>
-              <a:t>LSTM but </a:t>
-            </a:r>
-            <a:r>
-              <a:rPr lang="en-US" sz="3200" dirty="0" smtClean="0"/>
-              <a:t>the model has fewer </a:t>
-            </a:r>
-            <a:r>
-              <a:rPr lang="en-US" sz="3200" dirty="0" smtClean="0"/>
-              <a:t>parameters, as they lack an output gate</a:t>
+              <a:t>Gated recurrent units’ (GRUs) performance is similar to LSTM but the model has fewer parameters, as they lack an output gate</a:t>
             </a:r>
           </a:p>
         </p:txBody>
@@ -17232,7 +17122,7 @@
           <p:nvPr/>
         </p:nvPicPr>
         <p:blipFill>
-          <a:blip r:embed="rId4">
+          <a:blip r:embed="rId5">
             <a:extLst>
               <a:ext uri="{28A0092B-C50C-407E-A947-70E740481C1C}">
                 <a14:useLocalDpi xmlns:a14="http://schemas.microsoft.com/office/drawing/2010/main" val="0"/>
@@ -17262,7 +17152,7 @@
           <p:nvPr/>
         </p:nvPicPr>
         <p:blipFill>
-          <a:blip r:embed="rId5">
+          <a:blip r:embed="rId6">
             <a:extLst>
               <a:ext uri="{28A0092B-C50C-407E-A947-70E740481C1C}">
                 <a14:useLocalDpi xmlns:a14="http://schemas.microsoft.com/office/drawing/2010/main" val="0"/>
@@ -17292,7 +17182,7 @@
           <p:nvPr/>
         </p:nvPicPr>
         <p:blipFill>
-          <a:blip r:embed="rId6">
+          <a:blip r:embed="rId7">
             <a:extLst>
               <a:ext uri="{28A0092B-C50C-407E-A947-70E740481C1C}">
                 <a14:useLocalDpi xmlns:a14="http://schemas.microsoft.com/office/drawing/2010/main" val="0"/>
@@ -17322,7 +17212,7 @@
           <p:nvPr/>
         </p:nvPicPr>
         <p:blipFill>
-          <a:blip r:embed="rId7">
+          <a:blip r:embed="rId8">
             <a:extLst>
               <a:ext uri="{28A0092B-C50C-407E-A947-70E740481C1C}">
                 <a14:useLocalDpi xmlns:a14="http://schemas.microsoft.com/office/drawing/2010/main" val="0"/>
@@ -17352,7 +17242,7 @@
           <p:nvPr/>
         </p:nvPicPr>
         <p:blipFill>
-          <a:blip r:embed="rId8">
+          <a:blip r:embed="rId9">
             <a:extLst>
               <a:ext uri="{28A0092B-C50C-407E-A947-70E740481C1C}">
                 <a14:useLocalDpi xmlns:a14="http://schemas.microsoft.com/office/drawing/2010/main" val="0"/>
@@ -17435,11 +17325,7 @@
           <a:p>
             <a:r>
               <a:rPr lang="en-US" sz="3200" b="1" dirty="0" smtClean="0"/>
-              <a:t>Alternative </a:t>
-            </a:r>
-            <a:r>
-              <a:rPr lang="en-US" sz="3200" b="1" dirty="0" smtClean="0"/>
-              <a:t>Approach</a:t>
+              <a:t>Alternative Approach</a:t>
             </a:r>
           </a:p>
           <a:p>
@@ -17467,7 +17353,99 @@
               <a:rPr lang="en-US" sz="3200" dirty="0" smtClean="0"/>
               <a:t>output, so the output layer can get information from both past (left context) and future (right context) states</a:t>
             </a:r>
-            <a:endParaRPr lang="en-US" sz="3200" dirty="0" smtClean="0"/>
+          </a:p>
+        </p:txBody>
+      </p:sp>
+      <p:sp>
+        <p:nvSpPr>
+          <p:cNvPr id="41" name="Content Placeholder 5"/>
+          <p:cNvSpPr>
+            <a:spLocks noGrp="1"/>
+          </p:cNvSpPr>
+          <p:nvPr>
+            <p:ph sz="quarter" idx="33"/>
+          </p:nvPr>
+        </p:nvSpPr>
+        <p:spPr>
+          <a:xfrm>
+            <a:off x="30791620" y="13023096"/>
+            <a:ext cx="12801600" cy="1999595"/>
+          </a:xfrm>
+        </p:spPr>
+        <p:txBody>
+          <a:bodyPr>
+            <a:normAutofit/>
+          </a:bodyPr>
+          <a:lstStyle/>
+          <a:p>
+            <a:pPr marL="0" lvl="0" indent="0" defTabSz="914400">
+              <a:spcBef>
+                <a:spcPts val="0"/>
+              </a:spcBef>
+              <a:buClrTx/>
+              <a:buNone/>
+            </a:pPr>
+            <a:r>
+              <a:rPr lang="en-US" sz="2000" dirty="0"/>
+              <a:t>spoon baking soda,1 cup flaked coconut,2 teaspoons butter softened,1 teaspoon vanilla extract,1/2 cup softened butter,1/2 cup sugar,3/4 cup brown sugar packed,1 teaspoon vanilla extract,1/2 teaspoon ground nutmeg,3 large eggs,1/2 teaspoon grated filling,1 cup shortening,2 1/4 cups all purpose flour,1 teaspoon vanilla extract,1/2 teaspoon salt,1/4 teaspoon kosher salt,1 cup butter room temperature,1 1/2 tsp. ground cinnamon,2 cups </a:t>
+            </a:r>
+            <a:r>
+              <a:rPr lang="en-US" sz="2000" dirty="0" smtClean="0"/>
+              <a:t>white</a:t>
+            </a:r>
+          </a:p>
+          <a:p>
+            <a:pPr marL="0" lvl="0" indent="0" defTabSz="914400">
+              <a:spcBef>
+                <a:spcPts val="0"/>
+              </a:spcBef>
+              <a:buClrTx/>
+              <a:buNone/>
+            </a:pPr>
+            <a:endParaRPr lang="en-US" sz="2000" dirty="0"/>
+          </a:p>
+          <a:p>
+            <a:pPr marL="0" lvl="0" indent="0" defTabSz="914400">
+              <a:spcBef>
+                <a:spcPts val="0"/>
+              </a:spcBef>
+              <a:buClrTx/>
+              <a:buNone/>
+            </a:pPr>
+            <a:endParaRPr lang="en-US" sz="2400" dirty="0"/>
+          </a:p>
+        </p:txBody>
+      </p:sp>
+      <p:sp>
+        <p:nvSpPr>
+          <p:cNvPr id="42" name="Content Placeholder 5"/>
+          <p:cNvSpPr>
+            <a:spLocks noGrp="1"/>
+          </p:cNvSpPr>
+          <p:nvPr>
+            <p:ph sz="quarter" idx="33"/>
+          </p:nvPr>
+        </p:nvSpPr>
+        <p:spPr>
+          <a:xfrm>
+            <a:off x="30791620" y="7171688"/>
+            <a:ext cx="12801600" cy="5738632"/>
+          </a:xfrm>
+        </p:spPr>
+        <p:txBody>
+          <a:bodyPr>
+            <a:normAutofit/>
+          </a:bodyPr>
+          <a:lstStyle/>
+          <a:p>
+            <a:r>
+              <a:rPr lang="en-US" dirty="0" smtClean="0"/>
+              <a:t>Ran the character level CNN and got the following output with the associated heat map. </a:t>
+            </a:r>
+            <a:endParaRPr lang="en-US" dirty="0" smtClean="0"/>
+          </a:p>
+          <a:p>
+            <a:endParaRPr lang="en-US" dirty="0"/>
           </a:p>
         </p:txBody>
       </p:sp>

--- a/Convectional Neural Networks Poster.pptx
+++ b/Convectional Neural Networks Poster.pptx
@@ -203,7 +203,7 @@
           <a:p>
             <a:fld id="{F1C0B079-A316-4C9B-B165-DF9EA8325D2C}" type="datetimeFigureOut">
               <a:rPr lang="en-US" smtClean="0"/>
-              <a:t>5/27/17</a:t>
+              <a:t>5/30/17</a:t>
             </a:fld>
             <a:endParaRPr lang="en-US"/>
           </a:p>
@@ -368,7 +368,7 @@
           <a:p>
             <a:fld id="{38F28AB8-57D1-494F-9851-055AD867E790}" type="datetimeFigureOut">
               <a:rPr lang="en-US" smtClean="0"/>
-              <a:t>5/27/17</a:t>
+              <a:t>5/30/17</a:t>
             </a:fld>
             <a:endParaRPr lang="en-US"/>
           </a:p>
@@ -3916,7 +3916,7 @@
           <a:p>
             <a:fld id="{ECAA57DF-1C19-4726-AB84-014692BAD8F5}" type="datetimeFigureOut">
               <a:rPr lang="en-US" smtClean="0"/>
-              <a:t>5/27/17</a:t>
+              <a:t>5/30/17</a:t>
             </a:fld>
             <a:endParaRPr lang="en-US"/>
           </a:p>
@@ -4255,7 +4255,7 @@
             <a:fld id="{ECAA57DF-1C19-4726-AB84-014692BAD8F5}" type="datetimeFigureOut">
               <a:rPr lang="en-US" smtClean="0"/>
               <a:pPr/>
-              <a:t>5/27/17</a:t>
+              <a:t>5/30/17</a:t>
             </a:fld>
             <a:endParaRPr lang="en-US"/>
           </a:p>
@@ -5012,7 +5012,7 @@
         <p:spPr>
           <a:xfrm>
             <a:off x="457202" y="7323040"/>
-            <a:ext cx="12801600" cy="8898601"/>
+            <a:ext cx="12801600" cy="11168160"/>
           </a:xfrm>
         </p:spPr>
         <p:txBody>
@@ -5105,11 +5105,7 @@
           <a:p>
             <a:r>
               <a:rPr lang="en-US" dirty="0" smtClean="0"/>
-              <a:t>We see that the model performs fairly well because if the generated output is not a real word, the next most likely characters would form a word</a:t>
-            </a:r>
-            <a:r>
-              <a:rPr lang="en-US" dirty="0" smtClean="0"/>
-              <a:t>.</a:t>
+              <a:t>We see that the model performs fairly well because if the generated output is not a real word, the next most likely characters would form a word.</a:t>
             </a:r>
           </a:p>
           <a:p>
@@ -5198,16 +5194,21 @@
             <a:pPr lvl="1"/>
             <a:r>
               <a:rPr lang="en-US" dirty="0" smtClean="0"/>
-              <a:t>Difficult </a:t>
+              <a:t>Difficult to produce </a:t>
             </a:r>
             <a:r>
               <a:rPr lang="en-US" dirty="0" smtClean="0"/>
-              <a:t>to produce </a:t>
+              <a:t>legitimate recipes </a:t>
             </a:r>
             <a:r>
               <a:rPr lang="en-US" dirty="0" smtClean="0"/>
-              <a:t>understandable, legitimate recipes using char2vec</a:t>
-            </a:r>
+              <a:t>using </a:t>
+            </a:r>
+            <a:r>
+              <a:rPr lang="en-US" dirty="0" smtClean="0"/>
+              <a:t>character-level embedding</a:t>
+            </a:r>
+            <a:endParaRPr lang="en-US" dirty="0" smtClean="0"/>
           </a:p>
           <a:p>
             <a:pPr lvl="1"/>
@@ -5271,7 +5272,18 @@
             <a:pPr lvl="1"/>
             <a:r>
               <a:rPr lang="en-US" dirty="0" smtClean="0"/>
-              <a:t>Include directions to give full recipes</a:t>
+              <a:t>Include directions to give full </a:t>
+            </a:r>
+            <a:r>
+              <a:rPr lang="en-US" dirty="0" smtClean="0"/>
+              <a:t>recipes</a:t>
+            </a:r>
+          </a:p>
+          <a:p>
+            <a:pPr lvl="1"/>
+            <a:r>
+              <a:rPr lang="en-US" dirty="0" smtClean="0"/>
+              <a:t>Convert all fractions to decimals (e.g., ¾ to 0.75)</a:t>
             </a:r>
             <a:endParaRPr lang="en-US" dirty="0"/>
           </a:p>
@@ -5374,14 +5386,14 @@
           </a:ln>
           <a:extLst>
             <a:ext uri="{909E8E84-426E-40dd-AFC4-6F175D3DCCD1}">
-              <a14:hiddenFill xmlns="" xmlns:a14="http://schemas.microsoft.com/office/drawing/2010/main">
+              <a14:hiddenFill xmlns:a14="http://schemas.microsoft.com/office/drawing/2010/main" xmlns="">
                 <a:solidFill>
                   <a:srgbClr val="FFFFFF"/>
                 </a:solidFill>
               </a14:hiddenFill>
             </a:ext>
             <a:ext uri="{91240B29-F687-4f45-9708-019B960494DF}">
-              <a14:hiddenLine xmlns="" xmlns:a14="http://schemas.microsoft.com/office/drawing/2010/main" w="9525">
+              <a14:hiddenLine xmlns:a14="http://schemas.microsoft.com/office/drawing/2010/main" xmlns="" w="9525">
                 <a:solidFill>
                   <a:srgbClr val="000000"/>
                 </a:solidFill>
@@ -5613,11 +5625,8 @@
               <a:spcBef>
                 <a:spcPct val="0"/>
               </a:spcBef>
-              <a:spcAft>
-                <a:spcPct val="35000"/>
-              </a:spcAft>
             </a:pPr>
-            <a:endParaRPr lang="en-US" sz="2300" dirty="0"/>
+            <a:endParaRPr lang="en-US" sz="2400" dirty="0"/>
           </a:p>
           <a:p>
             <a:pPr marL="342900" indent="-342900" defTabSz="1022350">
@@ -5937,7 +5946,58 @@
             </a:pPr>
             <a:r>
               <a:rPr lang="en-US" sz="2000" dirty="0" smtClean="0"/>
-              <a:t>Used character, word and phrase level embedding.</a:t>
+              <a:t>Use phrase2vec with different levels of </a:t>
+            </a:r>
+            <a:r>
+              <a:rPr lang="en-US" sz="2000" dirty="0" err="1" smtClean="0"/>
+              <a:t>embeddings</a:t>
+            </a:r>
+            <a:r>
+              <a:rPr lang="en-US" sz="2000" dirty="0" smtClean="0"/>
+              <a:t>:</a:t>
+            </a:r>
+            <a:r>
+              <a:rPr lang="en-US" sz="2000" dirty="0" smtClean="0"/>
+              <a:t> </a:t>
+            </a:r>
+            <a:endParaRPr lang="en-US" sz="2000" dirty="0"/>
+          </a:p>
+          <a:p>
+            <a:pPr marL="906170" lvl="1" indent="-342900">
+              <a:buFont typeface="Arial" charset="0"/>
+              <a:buChar char="•"/>
+            </a:pPr>
+            <a:r>
+              <a:rPr lang="en-US" sz="2000" dirty="0" smtClean="0"/>
+              <a:t>c</a:t>
+            </a:r>
+            <a:r>
+              <a:rPr lang="en-US" sz="2000" dirty="0" smtClean="0"/>
+              <a:t>haracter-level</a:t>
+            </a:r>
+          </a:p>
+          <a:p>
+            <a:pPr marL="906170" lvl="1" indent="-342900">
+              <a:buFont typeface="Arial" charset="0"/>
+              <a:buChar char="•"/>
+            </a:pPr>
+            <a:r>
+              <a:rPr lang="en-US" sz="2000" dirty="0" smtClean="0"/>
+              <a:t>word-level</a:t>
+            </a:r>
+          </a:p>
+          <a:p>
+            <a:pPr marL="906170" lvl="1" indent="-342900">
+              <a:buFont typeface="Arial" charset="0"/>
+              <a:buChar char="•"/>
+            </a:pPr>
+            <a:r>
+              <a:rPr lang="en-US" sz="2000" dirty="0" smtClean="0"/>
+              <a:t>phrase-level</a:t>
+            </a:r>
+            <a:r>
+              <a:rPr lang="en-US" sz="2000" dirty="0" smtClean="0"/>
+              <a:t/>
             </a:r>
             <a:br>
               <a:rPr lang="en-US" sz="2000" dirty="0" smtClean="0"/>
@@ -5951,21 +6011,27 @@
             </a:pPr>
             <a:r>
               <a:rPr lang="en-US" sz="2000" dirty="0" smtClean="0"/>
-              <a:t>Used char2vec, word2vec and phrase2vec by encoding each ”sentence” as a sparse vector. </a:t>
-            </a:r>
-            <a:br>
+              <a:t>For </a:t>
+            </a:r>
+            <a:r>
               <a:rPr lang="en-US" sz="2000" dirty="0" smtClean="0"/>
-            </a:br>
-            <a:endParaRPr lang="en-US" sz="2000" dirty="0" smtClean="0"/>
-          </a:p>
-          <a:p>
-            <a:pPr marL="342900" indent="-342900">
-              <a:buFont typeface="Arial" charset="0"/>
-              <a:buChar char="•"/>
-            </a:pPr>
+              <a:t>character-level</a:t>
+            </a:r>
             <a:r>
               <a:rPr lang="en-US" sz="2000" dirty="0" smtClean="0"/>
-              <a:t>For char2vec, used a sentence of length 40 and a moving frame. For word2vec and phrase2vec, used a sentence of length 50. </a:t>
+              <a:t>, </a:t>
+            </a:r>
+            <a:r>
+              <a:rPr lang="en-US" sz="2000" dirty="0" smtClean="0"/>
+              <a:t>used a sentence of length 40 and a moving frame. For </a:t>
+            </a:r>
+            <a:r>
+              <a:rPr lang="en-US" sz="2000" dirty="0" smtClean="0"/>
+              <a:t>word- and phrase-level, </a:t>
+            </a:r>
+            <a:r>
+              <a:rPr lang="en-US" sz="2000" dirty="0" smtClean="0"/>
+              <a:t>used a sentence of length 50. </a:t>
             </a:r>
             <a:br>
               <a:rPr lang="en-US" sz="2000" dirty="0" smtClean="0"/>
@@ -6408,7 +6474,7 @@
         </p:nvSpPr>
         <p:spPr>
           <a:xfrm>
-            <a:off x="472442" y="16658989"/>
+            <a:off x="457202" y="18959929"/>
             <a:ext cx="12801600" cy="1280160"/>
           </a:xfrm>
           <a:solidFill>
@@ -6438,8 +6504,8 @@
         </p:nvSpPr>
         <p:spPr>
           <a:xfrm>
-            <a:off x="472442" y="18376498"/>
-            <a:ext cx="12801600" cy="13647270"/>
+            <a:off x="472442" y="20497800"/>
+            <a:ext cx="12801600" cy="11525968"/>
           </a:xfrm>
           <a:solidFill>
             <a:srgbClr val="E8E8E8"/>
@@ -7425,9 +7491,6 @@
               <a:spcBef>
                 <a:spcPct val="0"/>
               </a:spcBef>
-              <a:spcAft>
-                <a:spcPct val="35000"/>
-              </a:spcAft>
             </a:pPr>
             <a:endParaRPr lang="en-US" sz="2400" b="1" dirty="0" smtClean="0"/>
           </a:p>
@@ -7972,7 +8035,7 @@
         <p:spPr>
           <a:xfrm>
             <a:off x="14228139" y="26239418"/>
-            <a:ext cx="8936349" cy="3046988"/>
+            <a:ext cx="8936349" cy="3539430"/>
           </a:xfrm>
           <a:prstGeom prst="rect">
             <a:avLst/>
@@ -8013,8 +8076,23 @@
             </a:r>
             <a:r>
               <a:rPr lang="en-US" sz="3200" dirty="0" smtClean="0"/>
-              <a:t>output, so the output layer can get information from both past (left context) and future (right context) states</a:t>
-            </a:r>
+              <a:t>output, so the output layer can get information from both past (left context) and future (right context) </a:t>
+            </a:r>
+            <a:r>
+              <a:rPr lang="en-US" sz="3200" dirty="0" smtClean="0"/>
+              <a:t>states</a:t>
+            </a:r>
+          </a:p>
+          <a:p>
+            <a:pPr marL="457200" indent="-457200">
+              <a:buFont typeface="Arial" charset="0"/>
+              <a:buChar char="•"/>
+            </a:pPr>
+            <a:r>
+              <a:rPr lang="en-US" sz="3200" dirty="0" smtClean="0"/>
+              <a:t>Convolutional NN: </a:t>
+            </a:r>
+            <a:endParaRPr lang="en-US" sz="3200" dirty="0" smtClean="0"/>
           </a:p>
         </p:txBody>
       </p:sp>

--- a/Convectional Neural Networks Poster.pptx
+++ b/Convectional Neural Networks Poster.pptx
@@ -5012,7 +5012,7 @@
         <p:spPr>
           <a:xfrm>
             <a:off x="457202" y="7323040"/>
-            <a:ext cx="12801600" cy="11168160"/>
+            <a:ext cx="12801600" cy="12082560"/>
           </a:xfrm>
         </p:spPr>
         <p:txBody>
@@ -5023,19 +5023,109 @@
               <a:rPr lang="en-US" sz="3200" b="1" dirty="0" smtClean="0"/>
               <a:t>Problem: </a:t>
             </a:r>
+          </a:p>
+          <a:p>
+            <a:pPr marL="457200" indent="-457200">
+              <a:buClrTx/>
+              <a:buFont typeface="Arial" charset="0"/>
+              <a:buChar char="•"/>
+            </a:pPr>
+            <a:r>
+              <a:rPr lang="en-US" sz="3200" b="1" dirty="0"/>
+              <a:t>Creative </a:t>
+            </a:r>
+            <a:r>
+              <a:rPr lang="en-US" sz="3200" b="1" dirty="0" smtClean="0"/>
+              <a:t>combination </a:t>
+            </a:r>
             <a:r>
               <a:rPr lang="en-US" sz="3200" dirty="0" smtClean="0"/>
-              <a:t>Most people lack the cooking experience to be creative and experiment with different food combinations, but with the help of machine learning (and a lot of data), a model can generate new recipes for them to try. </a:t>
-            </a:r>
+              <a:t>of ingredients can be difficult </a:t>
+            </a:r>
+            <a:r>
+              <a:rPr lang="en-US" sz="3200" dirty="0"/>
+              <a:t>for most people who lack cooking </a:t>
+            </a:r>
+            <a:r>
+              <a:rPr lang="en-US" sz="3200" dirty="0" smtClean="0"/>
+              <a:t>experience.</a:t>
+            </a:r>
+            <a:endParaRPr lang="en-US" sz="3200" dirty="0"/>
+          </a:p>
+          <a:p>
+            <a:pPr marL="457200" indent="-457200">
+              <a:buClrTx/>
+              <a:buFont typeface="Arial" charset="0"/>
+              <a:buChar char="•"/>
+            </a:pPr>
+            <a:r>
+              <a:rPr lang="en-US" sz="3200" dirty="0" smtClean="0"/>
+              <a:t>With help </a:t>
+            </a:r>
+            <a:r>
+              <a:rPr lang="en-US" sz="3200" dirty="0"/>
+              <a:t>of </a:t>
+            </a:r>
+            <a:r>
+              <a:rPr lang="en-US" sz="3200" b="1" dirty="0"/>
+              <a:t>machine learning </a:t>
+            </a:r>
+            <a:r>
+              <a:rPr lang="en-US" sz="3200" dirty="0"/>
+              <a:t>(and a lot of data), a model can generate </a:t>
+            </a:r>
+            <a:r>
+              <a:rPr lang="en-US" sz="3200" b="1" dirty="0"/>
+              <a:t>new recipes </a:t>
+            </a:r>
+            <a:r>
+              <a:rPr lang="en-US" sz="3200" dirty="0"/>
+              <a:t>for them to </a:t>
+            </a:r>
+            <a:r>
+              <a:rPr lang="en-US" sz="3200" dirty="0" smtClean="0"/>
+              <a:t>experiment with. </a:t>
+            </a:r>
+            <a:endParaRPr lang="en-US" sz="3200" dirty="0"/>
           </a:p>
           <a:p>
             <a:r>
               <a:rPr lang="en-US" sz="3200" b="1" dirty="0" smtClean="0"/>
               <a:t>Difficulty: </a:t>
             </a:r>
+          </a:p>
+          <a:p>
+            <a:pPr marL="457200" indent="-457200">
+              <a:buClrTx/>
+              <a:buFont typeface="Arial" charset="0"/>
+              <a:buChar char="•"/>
+            </a:pPr>
             <a:r>
               <a:rPr lang="en-US" sz="3200" dirty="0" smtClean="0"/>
-              <a:t>Current machine learning models are effective at copying and regurgitating inputs, but they are less effective at generating original output from those inputs.</a:t>
+              <a:t>Current machine learning models are effective at copying and regurgitating inputs.</a:t>
+            </a:r>
+          </a:p>
+          <a:p>
+            <a:pPr marL="457200" indent="-457200">
+              <a:buClrTx/>
+              <a:buFont typeface="Arial" charset="0"/>
+              <a:buChar char="•"/>
+            </a:pPr>
+            <a:r>
+              <a:rPr lang="en-US" sz="3200" b="1" dirty="0" smtClean="0"/>
+              <a:t>Generating original output </a:t>
+            </a:r>
+            <a:r>
+              <a:rPr lang="en-US" sz="3200" dirty="0" smtClean="0"/>
+              <a:t>from those inputs can be bit more </a:t>
+            </a:r>
+            <a:r>
+              <a:rPr lang="en-US" sz="3200" b="1" dirty="0" smtClean="0"/>
+              <a:t>problematic</a:t>
+            </a:r>
+            <a:r>
+              <a:rPr lang="en-US" sz="3200" dirty="0" smtClean="0"/>
+              <a:t>.</a:t>
             </a:r>
           </a:p>
           <a:p>
@@ -5045,7 +5135,51 @@
             </a:r>
             <a:r>
               <a:rPr lang="en-US" sz="3200" dirty="0" smtClean="0"/>
-              <a:t> Others have tried to train models on a very general set of recipes that include multiple types of food that include both savory and sweet recipes. However, with a set that broad, the model may become confused because a common ingredient like salt appears in recipes as varied as cakes, burgers and pizzas. In addition, most have trained models including both directions and ingredients, which adds to the complexity and the models tending to learn format rather than content. Finally, most models have utilized character-level generation, which is the most granular and difficult level of generation with regard to text.</a:t>
+              <a:t> </a:t>
+            </a:r>
+          </a:p>
+          <a:p>
+            <a:pPr marL="457200" indent="-457200">
+              <a:buClrTx/>
+              <a:buFont typeface="Arial" charset="0"/>
+              <a:buChar char="•"/>
+            </a:pPr>
+            <a:r>
+              <a:rPr lang="en-US" sz="3200" dirty="0" smtClean="0"/>
+              <a:t>Models have been trained on a very general set of recipes including multiple types of food (both savory and sweet recipes).</a:t>
+            </a:r>
+          </a:p>
+          <a:p>
+            <a:pPr marL="457200" indent="-457200">
+              <a:buClrTx/>
+              <a:buFont typeface="Arial" charset="0"/>
+              <a:buChar char="•"/>
+            </a:pPr>
+            <a:r>
+              <a:rPr lang="en-US" sz="3200" dirty="0" smtClean="0"/>
+              <a:t>Some common ingredient like salt appears in recipes as varied as cakes, burgers and pizzas, confusing the model. </a:t>
+            </a:r>
+          </a:p>
+          <a:p>
+            <a:pPr marL="457200" indent="-457200">
+              <a:buClrTx/>
+              <a:buFont typeface="Arial" charset="0"/>
+              <a:buChar char="•"/>
+            </a:pPr>
+            <a:r>
+              <a:rPr lang="en-US" sz="3200" dirty="0" smtClean="0"/>
+              <a:t>Models trained with both directions and ingredients adds to the complexity and the models focused on learning format rather than content. </a:t>
+            </a:r>
+          </a:p>
+          <a:p>
+            <a:pPr marL="457200" indent="-457200">
+              <a:buClrTx/>
+              <a:buFont typeface="Arial" charset="0"/>
+              <a:buChar char="•"/>
+            </a:pPr>
+            <a:r>
+              <a:rPr lang="en-US" sz="3200" dirty="0" smtClean="0"/>
+              <a:t>Most previous models have utilized character-level generation, which is the most granular and difficult level of generation with regard to text.</a:t>
             </a:r>
             <a:endParaRPr lang="en-US" sz="3200" dirty="0"/>
           </a:p>
@@ -5093,8 +5227,8 @@
         </p:nvSpPr>
         <p:spPr>
           <a:xfrm>
-            <a:off x="30891544" y="15022691"/>
-            <a:ext cx="12801600" cy="5738632"/>
+            <a:off x="30791620" y="15519401"/>
+            <a:ext cx="12801600" cy="3886200"/>
           </a:xfrm>
         </p:spPr>
         <p:txBody>
@@ -5103,12 +5237,18 @@
           </a:bodyPr>
           <a:lstStyle/>
           <a:p>
+            <a:pPr>
+              <a:buClrTx/>
+            </a:pPr>
             <a:r>
               <a:rPr lang="en-US" dirty="0" smtClean="0"/>
               <a:t>We see that the model performs fairly well because if the generated output is not a real word, the next most likely characters would form a word.</a:t>
             </a:r>
           </a:p>
           <a:p>
+            <a:pPr>
+              <a:buClrTx/>
+            </a:pPr>
             <a:r>
               <a:rPr lang="en-US" dirty="0" smtClean="0">
                 <a:solidFill>
@@ -5181,6 +5321,9 @@
           </a:bodyPr>
           <a:lstStyle/>
           <a:p>
+            <a:pPr>
+              <a:buClrTx/>
+            </a:pPr>
             <a:r>
               <a:rPr lang="en-US" dirty="0"/>
               <a:t>Brief summary of what you discovered based on </a:t>
@@ -5191,27 +5334,18 @@
             </a:r>
           </a:p>
           <a:p>
-            <a:pPr lvl="1"/>
+            <a:pPr lvl="1">
+              <a:buClrTx/>
+            </a:pPr>
             <a:r>
               <a:rPr lang="en-US" dirty="0" smtClean="0"/>
-              <a:t>Difficult to produce </a:t>
-            </a:r>
-            <a:r>
-              <a:rPr lang="en-US" dirty="0" smtClean="0"/>
-              <a:t>legitimate recipes </a:t>
-            </a:r>
-            <a:r>
-              <a:rPr lang="en-US" dirty="0" smtClean="0"/>
-              <a:t>using </a:t>
-            </a:r>
-            <a:r>
-              <a:rPr lang="en-US" dirty="0" smtClean="0"/>
-              <a:t>character-level embedding</a:t>
-            </a:r>
-            <a:endParaRPr lang="en-US" dirty="0" smtClean="0"/>
-          </a:p>
-          <a:p>
-            <a:pPr lvl="1"/>
+              <a:t>Difficult to produce legitimate recipes using character-level embedding</a:t>
+            </a:r>
+          </a:p>
+          <a:p>
+            <a:pPr lvl="1">
+              <a:buClrTx/>
+            </a:pPr>
             <a:r>
               <a:rPr lang="en-US" dirty="0" smtClean="0"/>
               <a:t>Word2vec provides the best balance between legibility and creativity</a:t>
@@ -5219,6 +5353,9 @@
             <a:endParaRPr lang="en-US" dirty="0"/>
           </a:p>
           <a:p>
+            <a:pPr>
+              <a:buClrTx/>
+            </a:pPr>
             <a:r>
               <a:rPr lang="en-US" dirty="0"/>
               <a:t>Limitations of </a:t>
@@ -5229,7 +5366,9 @@
             </a:r>
           </a:p>
           <a:p>
-            <a:pPr lvl="1"/>
+            <a:pPr lvl="1">
+              <a:buClrTx/>
+            </a:pPr>
             <a:r>
               <a:rPr lang="en-US" dirty="0" smtClean="0"/>
               <a:t>Dictionary limited to those words/recipes available via the </a:t>
@@ -5245,6 +5384,9 @@
             <a:endParaRPr lang="en-US" dirty="0"/>
           </a:p>
           <a:p>
+            <a:pPr>
+              <a:buClrTx/>
+            </a:pPr>
             <a:r>
               <a:rPr lang="en-US" dirty="0"/>
               <a:t>How to improve/future </a:t>
@@ -5255,32 +5397,36 @@
             </a:r>
           </a:p>
           <a:p>
-            <a:pPr lvl="1"/>
+            <a:pPr lvl="1">
+              <a:buClrTx/>
+            </a:pPr>
             <a:r>
               <a:rPr lang="en-US" dirty="0" smtClean="0"/>
               <a:t>Generalize to include other types of food (e.g., muffins, cakes), then use combination of words specific to each type to seed recipe generation</a:t>
             </a:r>
           </a:p>
           <a:p>
-            <a:pPr lvl="1"/>
+            <a:pPr lvl="1">
+              <a:buClrTx/>
+            </a:pPr>
             <a:r>
               <a:rPr lang="en-US" dirty="0" smtClean="0"/>
               <a:t>Train model to classify recipes based on ingredients</a:t>
             </a:r>
           </a:p>
           <a:p>
-            <a:pPr lvl="1"/>
+            <a:pPr lvl="1">
+              <a:buClrTx/>
+            </a:pPr>
             <a:r>
               <a:rPr lang="en-US" dirty="0" smtClean="0"/>
-              <a:t>Include directions to give full </a:t>
-            </a:r>
-            <a:r>
-              <a:rPr lang="en-US" dirty="0" smtClean="0"/>
-              <a:t>recipes</a:t>
-            </a:r>
-          </a:p>
-          <a:p>
-            <a:pPr lvl="1"/>
+              <a:t>Include directions to give full recipes</a:t>
+            </a:r>
+          </a:p>
+          <a:p>
+            <a:pPr lvl="1">
+              <a:buClrTx/>
+            </a:pPr>
             <a:r>
               <a:rPr lang="en-US" dirty="0" smtClean="0"/>
               <a:t>Convert all fractions to decimals (e.g., ¾ to 0.75)</a:t>
@@ -5342,6 +5488,9 @@
           <a:bodyPr/>
           <a:lstStyle/>
           <a:p>
+            <a:pPr>
+              <a:buClrTx/>
+            </a:pPr>
             <a:r>
               <a:rPr lang="en-US" dirty="0" err="1" smtClean="0"/>
               <a:t>Karpathy</a:t>
@@ -5349,6 +5498,9 @@
             <a:endParaRPr lang="en-US" dirty="0" smtClean="0"/>
           </a:p>
           <a:p>
+            <a:pPr>
+              <a:buClrTx/>
+            </a:pPr>
             <a:endParaRPr lang="en-US" dirty="0"/>
           </a:p>
         </p:txBody>
@@ -5614,18 +5766,12 @@
             </a:pPr>
             <a:r>
               <a:rPr lang="en-US" sz="2300" b="1" kern="1200" dirty="0" smtClean="0"/>
-              <a:t>Preprocess the data</a:t>
-            </a:r>
-          </a:p>
-          <a:p>
-            <a:pPr lvl="0" defTabSz="1022350">
-              <a:lnSpc>
-                <a:spcPct val="90000"/>
-              </a:lnSpc>
-              <a:spcBef>
-                <a:spcPct val="0"/>
-              </a:spcBef>
-            </a:pPr>
+              <a:t>Preprocess the </a:t>
+            </a:r>
+            <a:r>
+              <a:rPr lang="en-US" sz="2300" b="1" kern="1200" dirty="0" smtClean="0"/>
+              <a:t>data</a:t>
+            </a:r>
             <a:endParaRPr lang="en-US" sz="2400" dirty="0"/>
           </a:p>
           <a:p>
@@ -5643,11 +5789,11 @@
               <a:buChar char="•"/>
             </a:pPr>
             <a:r>
-              <a:rPr lang="en-US" sz="2000" dirty="0"/>
+              <a:rPr lang="en-US" sz="2200" dirty="0"/>
               <a:t>Prepended the title of the recipe to the beginning of the recipe (within brackets) and tab-separated it from the ingredient list, which is comma </a:t>
             </a:r>
             <a:r>
-              <a:rPr lang="en-US" sz="2000" dirty="0" smtClean="0"/>
+              <a:rPr lang="en-US" sz="2200" dirty="0" smtClean="0"/>
               <a:t>separated</a:t>
             </a:r>
           </a:p>
@@ -5666,11 +5812,11 @@
               <a:buChar char="•"/>
             </a:pPr>
             <a:r>
-              <a:rPr lang="en-US" sz="2000" dirty="0" smtClean="0"/>
+              <a:rPr lang="en-US" sz="2200" dirty="0" smtClean="0"/>
               <a:t>Created </a:t>
             </a:r>
             <a:r>
-              <a:rPr lang="en-US" sz="2000" dirty="0"/>
+              <a:rPr lang="en-US" sz="2200" dirty="0"/>
               <a:t>synthetic data by shuffling the ingredient list for each recipe (while retaining the same title) to try and combat dependencies on ingredient order</a:t>
             </a:r>
           </a:p>
@@ -5931,13 +6077,10 @@
               <a:t>Consider </a:t>
             </a:r>
             <a:r>
-              <a:rPr lang="en-US" sz="2400" b="1" dirty="0" err="1" smtClean="0"/>
-              <a:t>embeddings</a:t>
-            </a:r>
-            <a:endParaRPr lang="en-US" sz="2400" b="1" dirty="0" smtClean="0"/>
-          </a:p>
-          <a:p>
-            <a:endParaRPr lang="en-US" sz="2400" b="1" dirty="0"/>
+              <a:rPr lang="en-US" sz="2400" b="1" dirty="0" smtClean="0"/>
+              <a:t>embedding</a:t>
+            </a:r>
+            <a:endParaRPr lang="en-US" sz="2100" b="1" dirty="0"/>
           </a:p>
           <a:p>
             <a:pPr marL="342900" indent="-342900">
@@ -5945,22 +6088,14 @@
               <a:buChar char="•"/>
             </a:pPr>
             <a:r>
-              <a:rPr lang="en-US" sz="2000" dirty="0" smtClean="0"/>
+              <a:rPr lang="en-US" sz="2100" dirty="0" smtClean="0"/>
               <a:t>Use phrase2vec with different levels of </a:t>
             </a:r>
             <a:r>
-              <a:rPr lang="en-US" sz="2000" dirty="0" err="1" smtClean="0"/>
-              <a:t>embeddings</a:t>
-            </a:r>
-            <a:r>
-              <a:rPr lang="en-US" sz="2000" dirty="0" smtClean="0"/>
-              <a:t>:</a:t>
-            </a:r>
-            <a:r>
-              <a:rPr lang="en-US" sz="2000" dirty="0" smtClean="0"/>
-              <a:t> </a:t>
-            </a:r>
-            <a:endParaRPr lang="en-US" sz="2000" dirty="0"/>
+              <a:rPr lang="en-US" sz="2100" dirty="0" smtClean="0"/>
+              <a:t>embedding: </a:t>
+            </a:r>
+            <a:endParaRPr lang="en-US" sz="2100" dirty="0"/>
           </a:p>
           <a:p>
             <a:pPr marL="906170" lvl="1" indent="-342900">
@@ -5968,12 +6103,8 @@
               <a:buChar char="•"/>
             </a:pPr>
             <a:r>
-              <a:rPr lang="en-US" sz="2000" dirty="0" smtClean="0"/>
-              <a:t>c</a:t>
-            </a:r>
-            <a:r>
-              <a:rPr lang="en-US" sz="2000" dirty="0" smtClean="0"/>
-              <a:t>haracter-level</a:t>
+              <a:rPr lang="en-US" sz="2100" dirty="0" smtClean="0"/>
+              <a:t>character-level</a:t>
             </a:r>
           </a:p>
           <a:p>
@@ -5982,7 +6113,7 @@
               <a:buChar char="•"/>
             </a:pPr>
             <a:r>
-              <a:rPr lang="en-US" sz="2000" dirty="0" smtClean="0"/>
+              <a:rPr lang="en-US" sz="2100" dirty="0" smtClean="0"/>
               <a:t>word-level</a:t>
             </a:r>
           </a:p>
@@ -5992,17 +6123,13 @@
               <a:buChar char="•"/>
             </a:pPr>
             <a:r>
-              <a:rPr lang="en-US" sz="2000" dirty="0" smtClean="0"/>
+              <a:rPr lang="en-US" sz="2100" dirty="0" smtClean="0"/>
               <a:t>phrase-level</a:t>
             </a:r>
-            <a:r>
-              <a:rPr lang="en-US" sz="2000" dirty="0" smtClean="0"/>
-              <a:t/>
-            </a:r>
             <a:br>
-              <a:rPr lang="en-US" sz="2000" dirty="0" smtClean="0"/>
+              <a:rPr lang="en-US" sz="2100" dirty="0" smtClean="0"/>
             </a:br>
-            <a:endParaRPr lang="en-US" sz="2000" dirty="0" smtClean="0"/>
+            <a:endParaRPr lang="en-US" sz="2100" dirty="0" smtClean="0"/>
           </a:p>
           <a:p>
             <a:pPr marL="342900" indent="-342900">
@@ -6010,28 +6137,12 @@
               <a:buChar char="•"/>
             </a:pPr>
             <a:r>
+              <a:rPr lang="en-US" sz="2100" dirty="0" smtClean="0"/>
+              <a:t>For character-level, used a sentence of length 40 and a moving frame. For word- and phrase-level, used a sentence of length 50. </a:t>
+            </a:r>
+            <a:r>
               <a:rPr lang="en-US" sz="2000" dirty="0" smtClean="0"/>
-              <a:t>For </a:t>
-            </a:r>
-            <a:r>
-              <a:rPr lang="en-US" sz="2000" dirty="0" smtClean="0"/>
-              <a:t>character-level</a:t>
-            </a:r>
-            <a:r>
-              <a:rPr lang="en-US" sz="2000" dirty="0" smtClean="0"/>
-              <a:t>, </a:t>
-            </a:r>
-            <a:r>
-              <a:rPr lang="en-US" sz="2000" dirty="0" smtClean="0"/>
-              <a:t>used a sentence of length 40 and a moving frame. For </a:t>
-            </a:r>
-            <a:r>
-              <a:rPr lang="en-US" sz="2000" dirty="0" smtClean="0"/>
-              <a:t>word- and phrase-level, </a:t>
-            </a:r>
-            <a:r>
-              <a:rPr lang="en-US" sz="2000" dirty="0" smtClean="0"/>
-              <a:t>used a sentence of length 50. </a:t>
+              <a:t/>
             </a:r>
             <a:br>
               <a:rPr lang="en-US" sz="2000" dirty="0" smtClean="0"/>
@@ -6300,21 +6411,29 @@
               <a:buChar char="•"/>
             </a:pPr>
             <a:r>
-              <a:rPr lang="en-US" sz="2000" dirty="0" smtClean="0"/>
-              <a:t>Ran the code with each of the </a:t>
-            </a:r>
-            <a:r>
-              <a:rPr lang="en-US" sz="2000" dirty="0" err="1" smtClean="0"/>
-              <a:t>embeddings</a:t>
-            </a:r>
-            <a:r>
-              <a:rPr lang="en-US" sz="2000" dirty="0" smtClean="0"/>
-              <a:t> for 100 epochs</a:t>
+              <a:rPr lang="en-US" sz="2400" dirty="0" smtClean="0"/>
+              <a:t>Ran the code with each </a:t>
+            </a:r>
+            <a:r>
+              <a:rPr lang="en-US" sz="2400" dirty="0" smtClean="0"/>
+              <a:t>levels of </a:t>
+            </a:r>
+            <a:r>
+              <a:rPr lang="en-US" sz="2400" dirty="0" smtClean="0"/>
+              <a:t>the </a:t>
+            </a:r>
+            <a:r>
+              <a:rPr lang="en-US" sz="2400" dirty="0" smtClean="0"/>
+              <a:t>embedding </a:t>
+            </a:r>
+            <a:r>
+              <a:rPr lang="en-US" sz="2400" dirty="0" smtClean="0"/>
+              <a:t>for 100 epochs</a:t>
             </a:r>
             <a:br>
-              <a:rPr lang="en-US" sz="2000" dirty="0" smtClean="0"/>
+              <a:rPr lang="en-US" sz="2400" dirty="0" smtClean="0"/>
             </a:br>
-            <a:endParaRPr lang="en-US" sz="2000" dirty="0" smtClean="0"/>
+            <a:endParaRPr lang="en-US" sz="2400" dirty="0" smtClean="0"/>
           </a:p>
           <a:p>
             <a:pPr marL="342900" indent="-342900">
@@ -6322,7 +6441,7 @@
               <a:buChar char="•"/>
             </a:pPr>
             <a:r>
-              <a:rPr lang="en-US" sz="2000" dirty="0" smtClean="0"/>
+              <a:rPr lang="en-US" sz="2400" dirty="0" smtClean="0"/>
               <a:t>Evaluate model success by looking at the novel recipes generated by the model</a:t>
             </a:r>
           </a:p>
@@ -6474,7 +6593,7 @@
         </p:nvSpPr>
         <p:spPr>
           <a:xfrm>
-            <a:off x="457202" y="18959929"/>
+            <a:off x="457202" y="19670653"/>
             <a:ext cx="12801600" cy="1280160"/>
           </a:xfrm>
           <a:solidFill>
@@ -6504,8 +6623,8 @@
         </p:nvSpPr>
         <p:spPr>
           <a:xfrm>
-            <a:off x="472442" y="20497800"/>
-            <a:ext cx="12801600" cy="11525968"/>
+            <a:off x="472442" y="21212348"/>
+            <a:ext cx="12801600" cy="10811420"/>
           </a:xfrm>
           <a:solidFill>
             <a:srgbClr val="E8E8E8"/>
@@ -6513,30 +6632,68 @@
         </p:spPr>
         <p:txBody>
           <a:bodyPr>
-            <a:normAutofit/>
+            <a:normAutofit lnSpcReduction="10000"/>
           </a:bodyPr>
           <a:lstStyle/>
           <a:p>
+            <a:pPr>
+              <a:buClrTx/>
+            </a:pPr>
+            <a:r>
+              <a:rPr lang="en-US" dirty="0" err="1" smtClean="0"/>
+              <a:t>Yummly’s</a:t>
+            </a:r>
             <a:r>
               <a:rPr lang="en-US" dirty="0" smtClean="0"/>
-              <a:t>Pulled 90,000 ingredient lists from </a:t>
-            </a:r>
-            <a:r>
-              <a:rPr lang="en-US" dirty="0" err="1" smtClean="0"/>
-              <a:t>Yummly</a:t>
+              <a:t> API (a </a:t>
+            </a:r>
+            <a:r>
+              <a:rPr lang="en-US" dirty="0"/>
+              <a:t>recipe repository) </a:t>
             </a:r>
             <a:r>
               <a:rPr lang="en-US" dirty="0" smtClean="0"/>
-              <a:t> (a recipe repository) using their API and specified ‘cookie’ as the search parameter</a:t>
-            </a:r>
-          </a:p>
-          <a:p>
+              <a:t>provided 90,000 </a:t>
+            </a:r>
+            <a:r>
+              <a:rPr lang="en-US" dirty="0"/>
+              <a:t>ingredient </a:t>
+            </a:r>
+            <a:r>
+              <a:rPr lang="en-US" dirty="0" smtClean="0"/>
+              <a:t>lists for </a:t>
+            </a:r>
+            <a:r>
+              <a:rPr lang="en-US" dirty="0"/>
+              <a:t>the search parameter ‘cookie</a:t>
+            </a:r>
+            <a:r>
+              <a:rPr lang="en-US" dirty="0" smtClean="0"/>
+              <a:t>’.</a:t>
+            </a:r>
+          </a:p>
+          <a:p>
+            <a:pPr>
+              <a:buClrTx/>
+            </a:pPr>
+            <a:r>
+              <a:rPr lang="en-US" dirty="0" smtClean="0"/>
+              <a:t>Data was cleaned for better performance:</a:t>
+            </a:r>
+          </a:p>
+          <a:p>
+            <a:pPr lvl="1">
+              <a:buClrTx/>
+            </a:pPr>
             <a:r>
               <a:rPr lang="en-US" dirty="0" smtClean="0"/>
               <a:t>Removed any recipes that didn’t have cookie in the title</a:t>
             </a:r>
           </a:p>
           <a:p>
+            <a:pPr lvl="1">
+              <a:buClrTx/>
+            </a:pPr>
             <a:r>
               <a:rPr lang="en-US" dirty="0"/>
               <a:t>Removed special characters and converted from Unicode to </a:t>
@@ -6547,6 +6704,9 @@
             </a:r>
           </a:p>
           <a:p>
+            <a:pPr lvl="1">
+              <a:buClrTx/>
+            </a:pPr>
             <a:r>
               <a:rPr lang="en-US" dirty="0" smtClean="0"/>
               <a:t>Created </a:t>
@@ -6561,108 +6721,60 @@
             </a:r>
           </a:p>
           <a:p>
+            <a:pPr lvl="1">
+              <a:buClrTx/>
+            </a:pPr>
             <a:r>
               <a:rPr lang="en-US" dirty="0" smtClean="0"/>
               <a:t>Inspected the final dictionary and removed any words that were instructions or were unrelated to cookies</a:t>
             </a:r>
           </a:p>
           <a:p>
+            <a:pPr lvl="1">
+              <a:buClrTx/>
+            </a:pPr>
             <a:r>
               <a:rPr lang="en-US" dirty="0" smtClean="0"/>
               <a:t>Removed any words not in the final dictionary from the corpus</a:t>
             </a:r>
           </a:p>
           <a:p>
+            <a:pPr>
+              <a:buClrTx/>
+            </a:pPr>
             <a:r>
               <a:rPr lang="en-US" dirty="0" smtClean="0"/>
               <a:t>Example raw observation: </a:t>
             </a:r>
           </a:p>
           <a:p>
-            <a:pPr lvl="1"/>
-            <a:r>
-              <a:rPr lang="en-US" dirty="0" smtClean="0"/>
-              <a:t>['2 </a:t>
-            </a:r>
-            <a:r>
-              <a:rPr lang="en-US" dirty="0"/>
-              <a:t>cups flour', </a:t>
-            </a:r>
-            <a:r>
-              <a:rPr lang="en-US" dirty="0" smtClean="0"/>
-              <a:t>'1 </a:t>
-            </a:r>
-            <a:r>
-              <a:rPr lang="en-US" dirty="0"/>
-              <a:t>teaspoon baking powder', </a:t>
-            </a:r>
-            <a:r>
-              <a:rPr lang="en-US" dirty="0" smtClean="0"/>
-              <a:t>'1 </a:t>
-            </a:r>
-            <a:r>
-              <a:rPr lang="en-US" dirty="0"/>
-              <a:t>teaspoon baking soda', </a:t>
-            </a:r>
-            <a:r>
-              <a:rPr lang="en-US" dirty="0" smtClean="0"/>
-              <a:t>'1 </a:t>
-            </a:r>
-            <a:r>
-              <a:rPr lang="en-US" dirty="0"/>
-              <a:t>teaspoon salt', </a:t>
-            </a:r>
-            <a:r>
-              <a:rPr lang="en-US" dirty="0" smtClean="0"/>
-              <a:t>'3/4 </a:t>
-            </a:r>
-            <a:r>
-              <a:rPr lang="en-US" dirty="0"/>
-              <a:t>cup butter, room temperature', </a:t>
-            </a:r>
-            <a:r>
-              <a:rPr lang="en-US" dirty="0" smtClean="0"/>
-              <a:t>'3/4 </a:t>
-            </a:r>
-            <a:r>
-              <a:rPr lang="en-US" dirty="0"/>
-              <a:t>cup brown sugar (packed)', </a:t>
-            </a:r>
-            <a:r>
-              <a:rPr lang="en-US" dirty="0" smtClean="0"/>
-              <a:t>'3/4 </a:t>
-            </a:r>
-            <a:r>
-              <a:rPr lang="en-US" dirty="0"/>
-              <a:t>cup granulated sugar', </a:t>
-            </a:r>
-            <a:r>
-              <a:rPr lang="en-US" dirty="0" smtClean="0"/>
-              <a:t>'2 </a:t>
-            </a:r>
-            <a:r>
-              <a:rPr lang="en-US" dirty="0"/>
-              <a:t>large eggs', u'2 teaspoons vanilla (or slightly more, to taste)', </a:t>
-            </a:r>
-            <a:r>
-              <a:rPr lang="en-US" dirty="0" smtClean="0"/>
-              <a:t>'3 </a:t>
-            </a:r>
-            <a:r>
-              <a:rPr lang="en-US" dirty="0"/>
-              <a:t>1/2 cups old-fashioned oatmeal', </a:t>
-            </a:r>
-            <a:r>
-              <a:rPr lang="en-US" dirty="0" smtClean="0"/>
-              <a:t>'2 </a:t>
-            </a:r>
-            <a:r>
-              <a:rPr lang="en-US" dirty="0"/>
-              <a:t>cups raisins (soaked in hot water flavored with vanilla, then drained)']</a:t>
-            </a:r>
+            <a:pPr>
+              <a:buClrTx/>
+            </a:pPr>
             <a:endParaRPr lang="en-US" dirty="0" smtClean="0"/>
           </a:p>
           <a:p>
+            <a:pPr>
+              <a:buClrTx/>
+            </a:pPr>
+            <a:endParaRPr lang="en-US" dirty="0" smtClean="0"/>
+          </a:p>
+          <a:p>
+            <a:pPr>
+              <a:buClrTx/>
+            </a:pPr>
+            <a:endParaRPr lang="en-US" sz="1800" dirty="0" smtClean="0"/>
+          </a:p>
+          <a:p>
+            <a:pPr>
+              <a:buClrTx/>
+            </a:pPr>
+            <a:endParaRPr lang="en-US" dirty="0" smtClean="0"/>
+          </a:p>
+          <a:p>
+            <a:pPr>
+              <a:buClrTx/>
+            </a:pPr>
             <a:r>
               <a:rPr lang="en-US" dirty="0" smtClean="0"/>
               <a:t>Example post-processed observation</a:t>
@@ -6671,27 +6783,38 @@
               <a:rPr lang="en-US" dirty="0"/>
               <a:t>: </a:t>
             </a:r>
-            <a:endParaRPr lang="en-US" dirty="0" smtClean="0"/>
-          </a:p>
-          <a:p>
-            <a:pPr lvl="1"/>
             <a:r>
               <a:rPr lang="en-US" dirty="0" smtClean="0"/>
-              <a:t>[</a:t>
-            </a:r>
-            <a:r>
-              <a:rPr lang="en-US" dirty="0"/>
-              <a:t>Favorite Oatmeal Raisin Cookies] </a:t>
-            </a:r>
-            <a:r>
+              <a:t/>
+            </a:r>
+            <a:br>
               <a:rPr lang="en-US" dirty="0" smtClean="0"/>
-              <a:t>    </a:t>
-            </a:r>
-            <a:r>
-              <a:rPr lang="en-US" dirty="0"/>
-              <a:t>2 cups flour,1 teaspoon baking powder,1 teaspoon baking soda,1 teaspoon salt,3/4 cup butter room temperature,3/4 cup brown sugar ,3/4 cup granulated sugar,2 large eggs,2 teaspoons vanilla ,3 1/2 cups old-fashioned oatmeal,2 cups raisins </a:t>
-            </a:r>
-            <a:endParaRPr lang="en-US" dirty="0" smtClean="0"/>
+            </a:br>
+            <a:r>
+              <a:rPr lang="en-US" dirty="0" smtClean="0"/>
+              <a:t/>
+            </a:r>
+            <a:br>
+              <a:rPr lang="en-US" dirty="0" smtClean="0"/>
+            </a:br>
+            <a:r>
+              <a:rPr lang="en-US" dirty="0" smtClean="0"/>
+              <a:t/>
+            </a:r>
+            <a:br>
+              <a:rPr lang="en-US" dirty="0" smtClean="0"/>
+            </a:br>
+            <a:r>
+              <a:rPr lang="en-US" dirty="0" smtClean="0"/>
+              <a:t/>
+            </a:r>
+            <a:br>
+              <a:rPr lang="en-US" dirty="0" smtClean="0"/>
+            </a:br>
+            <a:r>
+              <a:rPr lang="en-US" dirty="0" smtClean="0"/>
+              <a:t> </a:t>
+            </a:r>
           </a:p>
         </p:txBody>
       </p:sp>
@@ -7212,16 +7335,9 @@
               </a:spcAft>
             </a:pPr>
             <a:r>
-              <a:rPr lang="en-US" sz="2400" b="1" dirty="0" err="1" smtClean="0"/>
-              <a:t>Hyperparameter</a:t>
-            </a:r>
-            <a:r>
               <a:rPr lang="en-US" sz="2400" b="1" dirty="0" smtClean="0"/>
-              <a:t> Tuning</a:t>
-            </a:r>
-            <a:br>
-              <a:rPr lang="en-US" sz="2400" b="1" dirty="0" smtClean="0"/>
-            </a:br>
+              <a:t>Hyper-parameter Tuning</a:t>
+            </a:r>
             <a:endParaRPr lang="en-US" sz="2400" b="1" dirty="0" smtClean="0"/>
           </a:p>
           <a:p>
@@ -7239,13 +7355,13 @@
               <a:buChar char="•"/>
             </a:pPr>
             <a:r>
-              <a:rPr lang="en-US" sz="2000" dirty="0" smtClean="0"/>
+              <a:rPr lang="en-US" sz="2200" dirty="0" smtClean="0"/>
               <a:t>Compared GRU and LSTM performance</a:t>
             </a:r>
             <a:br>
-              <a:rPr lang="en-US" sz="2000" dirty="0" smtClean="0"/>
+              <a:rPr lang="en-US" sz="2200" dirty="0" smtClean="0"/>
             </a:br>
-            <a:endParaRPr lang="en-US" sz="2000" dirty="0" smtClean="0"/>
+            <a:endParaRPr lang="en-US" sz="2200" dirty="0" smtClean="0"/>
           </a:p>
           <a:p>
             <a:pPr marL="342900" lvl="0" indent="-342900" defTabSz="1022350">
@@ -7262,13 +7378,13 @@
               <a:buChar char="•"/>
             </a:pPr>
             <a:r>
-              <a:rPr lang="en-US" sz="2000" dirty="0" smtClean="0"/>
+              <a:rPr lang="en-US" sz="2200" dirty="0" smtClean="0"/>
               <a:t>Varied number of layers in the model (from 2 to 3)</a:t>
             </a:r>
             <a:br>
-              <a:rPr lang="en-US" sz="2000" dirty="0" smtClean="0"/>
+              <a:rPr lang="en-US" sz="2200" dirty="0" smtClean="0"/>
             </a:br>
-            <a:endParaRPr lang="en-US" sz="2000" dirty="0" smtClean="0"/>
+            <a:endParaRPr lang="en-US" sz="2200" dirty="0" smtClean="0"/>
           </a:p>
           <a:p>
             <a:pPr marL="342900" lvl="0" indent="-342900" defTabSz="1022350">
@@ -7285,13 +7401,13 @@
               <a:buChar char="•"/>
             </a:pPr>
             <a:r>
-              <a:rPr lang="en-US" sz="2000" dirty="0" smtClean="0"/>
+              <a:rPr lang="en-US" sz="2200" dirty="0" smtClean="0"/>
               <a:t>Adjusted the number of hidden neurons in the layers(128,256,512)</a:t>
             </a:r>
             <a:br>
-              <a:rPr lang="en-US" sz="2000" dirty="0" smtClean="0"/>
+              <a:rPr lang="en-US" sz="2200" dirty="0" smtClean="0"/>
             </a:br>
-            <a:endParaRPr lang="en-US" sz="2000" dirty="0" smtClean="0"/>
+            <a:endParaRPr lang="en-US" sz="2200" dirty="0" smtClean="0"/>
           </a:p>
           <a:p>
             <a:pPr marL="342900" lvl="0" indent="-342900" defTabSz="1022350">
@@ -7308,7 +7424,7 @@
               <a:buChar char="•"/>
             </a:pPr>
             <a:r>
-              <a:rPr lang="en-US" sz="2000" dirty="0" smtClean="0"/>
+              <a:rPr lang="en-US" sz="2200" dirty="0" smtClean="0"/>
               <a:t>Considered bidirectional LSTM for char-RNN model</a:t>
             </a:r>
           </a:p>
@@ -7480,18 +7596,12 @@
             </a:pPr>
             <a:r>
               <a:rPr lang="en-US" sz="2400" b="1" dirty="0" smtClean="0"/>
-              <a:t>Generate Recipes</a:t>
-            </a:r>
-          </a:p>
-          <a:p>
-            <a:pPr lvl="0" defTabSz="1022350">
-              <a:lnSpc>
-                <a:spcPct val="90000"/>
-              </a:lnSpc>
-              <a:spcBef>
-                <a:spcPct val="0"/>
-              </a:spcBef>
-            </a:pPr>
+              <a:t>Generate </a:t>
+            </a:r>
+            <a:r>
+              <a:rPr lang="en-US" sz="2400" b="1" dirty="0" smtClean="0"/>
+              <a:t>Recipes</a:t>
+            </a:r>
             <a:endParaRPr lang="en-US" sz="2400" b="1" dirty="0" smtClean="0"/>
           </a:p>
           <a:p>
@@ -7509,7 +7619,7 @@
               <a:buChar char="•"/>
             </a:pPr>
             <a:r>
-              <a:rPr lang="en-US" sz="2000" dirty="0" smtClean="0"/>
+              <a:rPr lang="en-US" sz="2100" dirty="0" smtClean="0"/>
               <a:t>Input a recipe title or keyword and use it search the training data for a matching title. </a:t>
             </a:r>
           </a:p>
@@ -7527,7 +7637,7 @@
               <a:buFont typeface="Arial" charset="0"/>
               <a:buChar char="•"/>
             </a:pPr>
-            <a:endParaRPr lang="en-US" sz="2000" dirty="0"/>
+            <a:endParaRPr lang="en-US" sz="2100" dirty="0"/>
           </a:p>
           <a:p>
             <a:pPr marL="342900" lvl="0" indent="-342900" defTabSz="1022350">
@@ -7544,13 +7654,13 @@
               <a:buChar char="•"/>
             </a:pPr>
             <a:r>
-              <a:rPr lang="en-US" sz="2000" dirty="0" smtClean="0"/>
+              <a:rPr lang="en-US" sz="2100" dirty="0" smtClean="0"/>
               <a:t>Randomly select one recipe from the group of recipes that contain the keyword and use those words to seed recipe generation</a:t>
             </a:r>
             <a:br>
-              <a:rPr lang="en-US" sz="2000" dirty="0" smtClean="0"/>
+              <a:rPr lang="en-US" sz="2100" dirty="0" smtClean="0"/>
             </a:br>
-            <a:endParaRPr lang="en-US" sz="2000" dirty="0" smtClean="0"/>
+            <a:endParaRPr lang="en-US" sz="2100" dirty="0" smtClean="0"/>
           </a:p>
           <a:p>
             <a:pPr marL="342900" lvl="0" indent="-342900" defTabSz="1022350">
@@ -7567,7 +7677,7 @@
               <a:buChar char="•"/>
             </a:pPr>
             <a:r>
-              <a:rPr lang="en-US" sz="2000" dirty="0" smtClean="0"/>
+              <a:rPr lang="en-US" sz="2100" dirty="0" smtClean="0"/>
               <a:t>Compare to actual recipe in training data to see how similar the recipe is</a:t>
             </a:r>
           </a:p>
@@ -7696,29 +7806,29 @@
           </a:bodyPr>
           <a:lstStyle/>
           <a:p>
-            <a:endParaRPr lang="en-US" sz="2400" dirty="0" smtClean="0"/>
-          </a:p>
-          <a:p>
-            <a:endParaRPr lang="en-US" sz="2400" dirty="0"/>
+            <a:endParaRPr lang="en-US" sz="3200" dirty="0" smtClean="0"/>
+          </a:p>
+          <a:p>
+            <a:endParaRPr lang="en-US" sz="3200" dirty="0"/>
           </a:p>
           <a:p>
             <a:pPr algn="ctr"/>
             <a:r>
-              <a:rPr lang="en-US" sz="2400" b="1" dirty="0" smtClean="0"/>
+              <a:rPr lang="en-US" sz="3200" b="1" dirty="0" smtClean="0"/>
               <a:t>Bake cookies.</a:t>
             </a:r>
           </a:p>
           <a:p>
             <a:pPr algn="ctr"/>
             <a:r>
-              <a:rPr lang="en-US" sz="2400" b="1" dirty="0" smtClean="0"/>
+              <a:rPr lang="en-US" sz="3200" b="1" dirty="0" smtClean="0"/>
               <a:t>Eat cookies.</a:t>
             </a:r>
           </a:p>
           <a:p>
             <a:pPr algn="ctr"/>
             <a:r>
-              <a:rPr lang="en-US" sz="2400" b="1" dirty="0" smtClean="0"/>
+              <a:rPr lang="en-US" sz="3200" b="1" dirty="0" smtClean="0"/>
               <a:t>Profit.</a:t>
             </a:r>
           </a:p>
@@ -8034,7 +8144,7 @@
         </p:nvSpPr>
         <p:spPr>
           <a:xfrm>
-            <a:off x="14228139" y="26239418"/>
+            <a:off x="14228139" y="26603482"/>
             <a:ext cx="8936349" cy="3539430"/>
           </a:xfrm>
           <a:prstGeom prst="rect">
@@ -8076,11 +8186,7 @@
             </a:r>
             <a:r>
               <a:rPr lang="en-US" sz="3200" dirty="0" smtClean="0"/>
-              <a:t>output, so the output layer can get information from both past (left context) and future (right context) </a:t>
-            </a:r>
-            <a:r>
-              <a:rPr lang="en-US" sz="3200" dirty="0" smtClean="0"/>
-              <a:t>states</a:t>
+              <a:t>output, so the output layer can get information from both past (left context) and future (right context) states</a:t>
             </a:r>
           </a:p>
           <a:p>
@@ -8092,7 +8198,6 @@
               <a:rPr lang="en-US" sz="3200" dirty="0" smtClean="0"/>
               <a:t>Convolutional NN: </a:t>
             </a:r>
-            <a:endParaRPr lang="en-US" sz="3200" dirty="0" smtClean="0"/>
           </a:p>
         </p:txBody>
       </p:sp>
@@ -8114,7 +8219,7 @@
         </p:spPr>
         <p:txBody>
           <a:bodyPr>
-            <a:normAutofit/>
+            <a:noAutofit/>
           </a:bodyPr>
           <a:lstStyle/>
           <a:p>
@@ -8126,11 +8231,11 @@
               <a:buNone/>
             </a:pPr>
             <a:r>
-              <a:rPr lang="en-US" sz="2000" dirty="0"/>
+              <a:rPr lang="en-US" sz="2400" dirty="0"/>
               <a:t>spoon baking soda,1 cup flaked coconut,2 teaspoons butter softened,1 teaspoon vanilla extract,1/2 cup softened butter,1/2 cup sugar,3/4 cup brown sugar packed,1 teaspoon vanilla extract,1/2 teaspoon ground nutmeg,3 large eggs,1/2 teaspoon grated filling,1 cup shortening,2 1/4 cups all purpose flour,1 teaspoon vanilla extract,1/2 teaspoon salt,1/4 teaspoon kosher salt,1 cup butter room temperature,1 1/2 tsp. ground cinnamon,2 cups </a:t>
             </a:r>
             <a:r>
-              <a:rPr lang="en-US" sz="2000" dirty="0" smtClean="0"/>
+              <a:rPr lang="en-US" sz="2400" dirty="0" smtClean="0"/>
               <a:t>white</a:t>
             </a:r>
           </a:p>
@@ -8142,7 +8247,7 @@
               <a:buClrTx/>
               <a:buNone/>
             </a:pPr>
-            <a:endParaRPr lang="en-US" sz="2000" dirty="0"/>
+            <a:endParaRPr lang="en-US" sz="2400" dirty="0"/>
           </a:p>
           <a:p>
             <a:pPr marL="0" lvl="0" indent="0" defTabSz="914400">
@@ -8152,7 +8257,7 @@
               <a:buClrTx/>
               <a:buNone/>
             </a:pPr>
-            <a:endParaRPr lang="en-US" sz="2400" dirty="0"/>
+            <a:endParaRPr lang="en-US" sz="2800" dirty="0"/>
           </a:p>
         </p:txBody>
       </p:sp>
@@ -8178,13 +8283,144 @@
           </a:bodyPr>
           <a:lstStyle/>
           <a:p>
+            <a:pPr>
+              <a:buClrTx/>
+            </a:pPr>
             <a:r>
               <a:rPr lang="en-US" dirty="0" smtClean="0"/>
               <a:t>Ran the character level CNN and got the following output with the associated heat map. </a:t>
             </a:r>
           </a:p>
           <a:p>
+            <a:pPr>
+              <a:buClrTx/>
+            </a:pPr>
             <a:endParaRPr lang="en-US" dirty="0"/>
+          </a:p>
+        </p:txBody>
+      </p:sp>
+      <p:sp>
+        <p:nvSpPr>
+          <p:cNvPr id="12" name="TextBox 11"/>
+          <p:cNvSpPr txBox="1"/>
+          <p:nvPr/>
+        </p:nvSpPr>
+        <p:spPr>
+          <a:xfrm>
+            <a:off x="1158240" y="27043060"/>
+            <a:ext cx="11368099" cy="1938992"/>
+          </a:xfrm>
+          <a:prstGeom prst="rect">
+            <a:avLst/>
+          </a:prstGeom>
+          <a:solidFill>
+            <a:schemeClr val="bg1"/>
+          </a:solidFill>
+        </p:spPr>
+        <p:txBody>
+          <a:bodyPr wrap="square" rtlCol="0">
+            <a:spAutoFit/>
+          </a:bodyPr>
+          <a:lstStyle/>
+          <a:p>
+            <a:pPr marL="0" lvl="1">
+              <a:buClrTx/>
+            </a:pPr>
+            <a:r>
+              <a:rPr lang="en-US" sz="2400" dirty="0"/>
+              <a:t>['2 cups flour', '1 teaspoon baking powder', '1 teaspoon baking soda', '1 teaspoon salt', '3/4 cup butter, room temperature', '3/4 cup brown sugar </a:t>
+            </a:r>
+            <a:r>
+              <a:rPr lang="en-US" sz="2400" dirty="0">
+                <a:solidFill>
+                  <a:srgbClr val="FF0000"/>
+                </a:solidFill>
+              </a:rPr>
+              <a:t>(packed)</a:t>
+            </a:r>
+            <a:r>
+              <a:rPr lang="en-US" sz="2400" dirty="0"/>
+              <a:t>', '3/4 cup granulated sugar', '2 large eggs', u'2 teaspoons vanilla </a:t>
+            </a:r>
+            <a:r>
+              <a:rPr lang="en-US" sz="2400" dirty="0">
+                <a:solidFill>
+                  <a:srgbClr val="FF0000"/>
+                </a:solidFill>
+              </a:rPr>
+              <a:t>(or slightly more, to taste)</a:t>
+            </a:r>
+            <a:r>
+              <a:rPr lang="en-US" sz="2400" dirty="0"/>
+              <a:t>', '3 1/2 cups old-fashioned oatmeal', '2 cups raisins </a:t>
+            </a:r>
+            <a:r>
+              <a:rPr lang="en-US" sz="2400" dirty="0">
+                <a:solidFill>
+                  <a:srgbClr val="FF0000"/>
+                </a:solidFill>
+              </a:rPr>
+              <a:t>(soaked in hot water flavored with vanilla, then drained)</a:t>
+            </a:r>
+            <a:r>
+              <a:rPr lang="en-US" sz="2400" dirty="0"/>
+              <a:t>']</a:t>
+            </a:r>
+          </a:p>
+        </p:txBody>
+      </p:sp>
+      <p:sp>
+        <p:nvSpPr>
+          <p:cNvPr id="44" name="TextBox 43"/>
+          <p:cNvSpPr txBox="1"/>
+          <p:nvPr/>
+        </p:nvSpPr>
+        <p:spPr>
+          <a:xfrm>
+            <a:off x="1158239" y="29819304"/>
+            <a:ext cx="11368099" cy="1569660"/>
+          </a:xfrm>
+          <a:prstGeom prst="rect">
+            <a:avLst/>
+          </a:prstGeom>
+          <a:solidFill>
+            <a:schemeClr val="bg1"/>
+          </a:solidFill>
+        </p:spPr>
+        <p:txBody>
+          <a:bodyPr wrap="square" rtlCol="0">
+            <a:spAutoFit/>
+          </a:bodyPr>
+          <a:lstStyle/>
+          <a:p>
+            <a:pPr marL="0" lvl="1">
+              <a:buClrTx/>
+            </a:pPr>
+            <a:r>
+              <a:rPr lang="en-US" sz="2400" b="1" dirty="0" smtClean="0"/>
+              <a:t>[</a:t>
+            </a:r>
+            <a:r>
+              <a:rPr lang="en-US" sz="2400" b="1" dirty="0" smtClean="0">
+                <a:solidFill>
+                  <a:srgbClr val="0070C0"/>
+                </a:solidFill>
+              </a:rPr>
+              <a:t>Favorite Oatmeal Raisin Cookies</a:t>
+            </a:r>
+            <a:r>
+              <a:rPr lang="en-US" sz="2400" b="1" dirty="0" smtClean="0"/>
+              <a:t>] </a:t>
+            </a:r>
+            <a:r>
+              <a:rPr lang="en-US" sz="2400" dirty="0" smtClean="0"/>
+              <a:t>    </a:t>
+            </a:r>
+            <a:r>
+              <a:rPr lang="en-US" sz="2400" dirty="0"/>
+              <a:t>2 cups flour,1 teaspoon baking powder,1 teaspoon baking soda,1 teaspoon salt,3/4 cup butter room temperature,3/4 cup brown sugar ,3/4 cup granulated sugar,2 large eggs,2 teaspoons vanilla ,3 1/2 cups old-fashioned oatmeal,2 cups raisins</a:t>
+            </a:r>
+            <a:endParaRPr lang="en-US" sz="2400" dirty="0"/>
           </a:p>
         </p:txBody>
       </p:sp>

--- a/Convectional Neural Networks Poster.pptx
+++ b/Convectional Neural Networks Poster.pptx
@@ -5538,14 +5538,14 @@
           </a:ln>
           <a:extLst>
             <a:ext uri="{909E8E84-426E-40dd-AFC4-6F175D3DCCD1}">
-              <a14:hiddenFill xmlns:a14="http://schemas.microsoft.com/office/drawing/2010/main" xmlns="">
+              <a14:hiddenFill xmlns="" xmlns:a14="http://schemas.microsoft.com/office/drawing/2010/main">
                 <a:solidFill>
                   <a:srgbClr val="FFFFFF"/>
                 </a:solidFill>
               </a14:hiddenFill>
             </a:ext>
             <a:ext uri="{91240B29-F687-4f45-9708-019B960494DF}">
-              <a14:hiddenLine xmlns:a14="http://schemas.microsoft.com/office/drawing/2010/main" xmlns="" w="9525">
+              <a14:hiddenLine xmlns="" xmlns:a14="http://schemas.microsoft.com/office/drawing/2010/main" w="9525">
                 <a:solidFill>
                   <a:srgbClr val="000000"/>
                 </a:solidFill>
@@ -5766,11 +5766,7 @@
             </a:pPr>
             <a:r>
               <a:rPr lang="en-US" sz="2300" b="1" kern="1200" dirty="0" smtClean="0"/>
-              <a:t>Preprocess the </a:t>
-            </a:r>
-            <a:r>
-              <a:rPr lang="en-US" sz="2300" b="1" kern="1200" dirty="0" smtClean="0"/>
-              <a:t>data</a:t>
+              <a:t>Preprocess the data</a:t>
             </a:r>
             <a:endParaRPr lang="en-US" sz="2400" dirty="0"/>
           </a:p>
@@ -6074,11 +6070,7 @@
           <a:p>
             <a:r>
               <a:rPr lang="en-US" sz="2400" b="1" dirty="0" smtClean="0"/>
-              <a:t>Consider </a:t>
-            </a:r>
-            <a:r>
-              <a:rPr lang="en-US" sz="2400" b="1" dirty="0" smtClean="0"/>
-              <a:t>embedding</a:t>
+              <a:t>Consider embedding</a:t>
             </a:r>
             <a:endParaRPr lang="en-US" sz="2100" b="1" dirty="0"/>
           </a:p>
@@ -6089,11 +6081,7 @@
             </a:pPr>
             <a:r>
               <a:rPr lang="en-US" sz="2100" dirty="0" smtClean="0"/>
-              <a:t>Use phrase2vec with different levels of </a:t>
-            </a:r>
-            <a:r>
-              <a:rPr lang="en-US" sz="2100" dirty="0" smtClean="0"/>
-              <a:t>embedding: </a:t>
+              <a:t>Use phrase2vec with different levels of embedding: </a:t>
             </a:r>
             <a:endParaRPr lang="en-US" sz="2100" dirty="0"/>
           </a:p>
@@ -6412,23 +6400,7 @@
             </a:pPr>
             <a:r>
               <a:rPr lang="en-US" sz="2400" dirty="0" smtClean="0"/>
-              <a:t>Ran the code with each </a:t>
-            </a:r>
-            <a:r>
-              <a:rPr lang="en-US" sz="2400" dirty="0" smtClean="0"/>
-              <a:t>levels of </a:t>
-            </a:r>
-            <a:r>
-              <a:rPr lang="en-US" sz="2400" dirty="0" smtClean="0"/>
-              <a:t>the </a:t>
-            </a:r>
-            <a:r>
-              <a:rPr lang="en-US" sz="2400" dirty="0" smtClean="0"/>
-              <a:t>embedding </a:t>
-            </a:r>
-            <a:r>
-              <a:rPr lang="en-US" sz="2400" dirty="0" smtClean="0"/>
-              <a:t>for 100 epochs</a:t>
+              <a:t>Ran the code with each levels of the embedding for 100 epochs</a:t>
             </a:r>
             <a:br>
               <a:rPr lang="en-US" sz="2400" dirty="0" smtClean="0"/>
@@ -7338,7 +7310,6 @@
               <a:rPr lang="en-US" sz="2400" b="1" dirty="0" smtClean="0"/>
               <a:t>Hyper-parameter Tuning</a:t>
             </a:r>
-            <a:endParaRPr lang="en-US" sz="2400" b="1" dirty="0" smtClean="0"/>
           </a:p>
           <a:p>
             <a:pPr marL="342900" lvl="0" indent="-342900" defTabSz="1022350">
@@ -7596,13 +7567,8 @@
             </a:pPr>
             <a:r>
               <a:rPr lang="en-US" sz="2400" b="1" dirty="0" smtClean="0"/>
-              <a:t>Generate </a:t>
-            </a:r>
-            <a:r>
-              <a:rPr lang="en-US" sz="2400" b="1" dirty="0" smtClean="0"/>
-              <a:t>Recipes</a:t>
-            </a:r>
-            <a:endParaRPr lang="en-US" sz="2400" b="1" dirty="0" smtClean="0"/>
+              <a:t>Generate Recipes</a:t>
+            </a:r>
           </a:p>
           <a:p>
             <a:pPr marL="342900" lvl="0" indent="-342900" defTabSz="1022350">
@@ -8145,7 +8111,7 @@
         <p:spPr>
           <a:xfrm>
             <a:off x="14228139" y="26603482"/>
-            <a:ext cx="8936349" cy="3539430"/>
+            <a:ext cx="8936349" cy="5016758"/>
           </a:xfrm>
           <a:prstGeom prst="rect">
             <a:avLst/>
@@ -8195,9 +8161,190 @@
               <a:buChar char="•"/>
             </a:pPr>
             <a:r>
+              <a:rPr lang="en-US" altLang="zh-CN" sz="3200" dirty="0" smtClean="0"/>
+              <a:t>Dynamic</a:t>
+            </a:r>
+            <a:r>
+              <a:rPr lang="zh-CN" altLang="en-US" sz="3200" dirty="0" smtClean="0"/>
+              <a:t> </a:t>
+            </a:r>
+            <a:r>
               <a:rPr lang="en-US" sz="3200" dirty="0" smtClean="0"/>
-              <a:t>Convolutional NN: </a:t>
-            </a:r>
+              <a:t>Convolutional </a:t>
+            </a:r>
+            <a:r>
+              <a:rPr lang="en-US" sz="3200" dirty="0" smtClean="0"/>
+              <a:t>NN: </a:t>
+            </a:r>
+            <a:r>
+              <a:rPr lang="en-US" altLang="zh-CN" sz="3200" dirty="0" smtClean="0"/>
+              <a:t>the</a:t>
+            </a:r>
+            <a:r>
+              <a:rPr lang="zh-CN" altLang="en-US" sz="3200" dirty="0" smtClean="0"/>
+              <a:t> </a:t>
+            </a:r>
+            <a:r>
+              <a:rPr lang="en-US" altLang="zh-CN" sz="3200" dirty="0" smtClean="0"/>
+              <a:t>connectivity</a:t>
+            </a:r>
+            <a:r>
+              <a:rPr lang="zh-CN" altLang="en-US" sz="3200" dirty="0" smtClean="0"/>
+              <a:t> </a:t>
+            </a:r>
+            <a:r>
+              <a:rPr lang="en-US" altLang="zh-CN" sz="3200" dirty="0" smtClean="0"/>
+              <a:t>pattern</a:t>
+            </a:r>
+            <a:r>
+              <a:rPr lang="zh-CN" altLang="en-US" sz="3200" dirty="0" smtClean="0"/>
+              <a:t> </a:t>
+            </a:r>
+            <a:r>
+              <a:rPr lang="en-US" altLang="zh-CN" sz="3200" dirty="0" smtClean="0"/>
+              <a:t>between</a:t>
+            </a:r>
+            <a:r>
+              <a:rPr lang="zh-CN" altLang="en-US" sz="3200" dirty="0" smtClean="0"/>
+              <a:t> </a:t>
+            </a:r>
+            <a:r>
+              <a:rPr lang="en-US" altLang="zh-CN" sz="3200" dirty="0" smtClean="0"/>
+              <a:t>its</a:t>
+            </a:r>
+            <a:r>
+              <a:rPr lang="zh-CN" altLang="en-US" sz="3200" dirty="0" smtClean="0"/>
+              <a:t> </a:t>
+            </a:r>
+            <a:r>
+              <a:rPr lang="en-US" altLang="zh-CN" sz="3200" dirty="0" smtClean="0"/>
+              <a:t>neurons</a:t>
+            </a:r>
+            <a:r>
+              <a:rPr lang="zh-CN" altLang="en-US" sz="3200" dirty="0" smtClean="0"/>
+              <a:t> </a:t>
+            </a:r>
+            <a:r>
+              <a:rPr lang="en-US" altLang="zh-CN" sz="3200" dirty="0" smtClean="0"/>
+              <a:t>is</a:t>
+            </a:r>
+            <a:r>
+              <a:rPr lang="zh-CN" altLang="en-US" sz="3200" dirty="0" smtClean="0"/>
+              <a:t> </a:t>
+            </a:r>
+            <a:r>
+              <a:rPr lang="en-US" altLang="zh-CN" sz="3200" dirty="0" smtClean="0"/>
+              <a:t>just</a:t>
+            </a:r>
+            <a:r>
+              <a:rPr lang="zh-CN" altLang="en-US" sz="3200" dirty="0" smtClean="0"/>
+              <a:t> </a:t>
+            </a:r>
+            <a:r>
+              <a:rPr lang="en-US" altLang="zh-CN" sz="3200" dirty="0" smtClean="0"/>
+              <a:t>like</a:t>
+            </a:r>
+            <a:r>
+              <a:rPr lang="zh-CN" altLang="en-US" sz="3200" dirty="0" smtClean="0"/>
+              <a:t> </a:t>
+            </a:r>
+            <a:r>
+              <a:rPr lang="en-US" altLang="zh-CN" sz="3200" dirty="0" smtClean="0"/>
+              <a:t>animal</a:t>
+            </a:r>
+            <a:r>
+              <a:rPr lang="zh-CN" altLang="en-US" sz="3200" dirty="0" smtClean="0"/>
+              <a:t> </a:t>
+            </a:r>
+            <a:r>
+              <a:rPr lang="en-US" altLang="zh-CN" sz="3200" dirty="0" smtClean="0"/>
+              <a:t>visual</a:t>
+            </a:r>
+            <a:r>
+              <a:rPr lang="zh-CN" altLang="en-US" sz="3200" dirty="0" smtClean="0"/>
+              <a:t> </a:t>
+            </a:r>
+            <a:r>
+              <a:rPr lang="en-US" altLang="zh-CN" sz="3200" dirty="0" smtClean="0"/>
+              <a:t>cortex.</a:t>
+            </a:r>
+            <a:r>
+              <a:rPr lang="zh-CN" altLang="en-US" sz="3200" dirty="0" smtClean="0"/>
+              <a:t> </a:t>
+            </a:r>
+            <a:r>
+              <a:rPr lang="en-US" altLang="zh-CN" sz="3200" dirty="0" smtClean="0"/>
+              <a:t>This</a:t>
+            </a:r>
+            <a:r>
+              <a:rPr lang="zh-CN" altLang="en-US" sz="3200" dirty="0"/>
+              <a:t> </a:t>
+            </a:r>
+            <a:r>
+              <a:rPr lang="en-US" altLang="zh-CN" sz="3200" dirty="0" smtClean="0"/>
+              <a:t>network</a:t>
+            </a:r>
+            <a:r>
+              <a:rPr lang="zh-CN" altLang="en-US" sz="3200" dirty="0" smtClean="0"/>
+              <a:t> </a:t>
+            </a:r>
+            <a:r>
+              <a:rPr lang="en-US" altLang="zh-CN" sz="3200" dirty="0" smtClean="0"/>
+              <a:t>can</a:t>
+            </a:r>
+            <a:r>
+              <a:rPr lang="zh-CN" altLang="en-US" sz="3200" dirty="0" smtClean="0"/>
+              <a:t> </a:t>
+            </a:r>
+            <a:r>
+              <a:rPr lang="en-US" altLang="zh-CN" sz="3200" dirty="0" smtClean="0"/>
+              <a:t>be</a:t>
+            </a:r>
+            <a:r>
+              <a:rPr lang="zh-CN" altLang="en-US" sz="3200" dirty="0" smtClean="0"/>
+              <a:t> </a:t>
+            </a:r>
+            <a:r>
+              <a:rPr lang="en-US" altLang="zh-CN" sz="3200" dirty="0" smtClean="0"/>
+              <a:t>used</a:t>
+            </a:r>
+            <a:r>
+              <a:rPr lang="zh-CN" altLang="en-US" sz="3200" dirty="0" smtClean="0"/>
+              <a:t> </a:t>
+            </a:r>
+            <a:r>
+              <a:rPr lang="en-US" altLang="zh-CN" sz="3200" dirty="0" smtClean="0"/>
+              <a:t>to</a:t>
+            </a:r>
+            <a:r>
+              <a:rPr lang="zh-CN" altLang="en-US" sz="3200" dirty="0" smtClean="0"/>
+              <a:t> </a:t>
+            </a:r>
+            <a:r>
+              <a:rPr lang="en-US" altLang="zh-CN" sz="3200" dirty="0" smtClean="0"/>
+              <a:t>do</a:t>
+            </a:r>
+            <a:r>
+              <a:rPr lang="zh-CN" altLang="en-US" sz="3200" dirty="0" smtClean="0"/>
+              <a:t> </a:t>
+            </a:r>
+            <a:r>
+              <a:rPr lang="en-US" altLang="zh-CN" sz="3200" dirty="0" smtClean="0"/>
+              <a:t>sentence</a:t>
+            </a:r>
+            <a:r>
+              <a:rPr lang="zh-CN" altLang="en-US" sz="3200" dirty="0" smtClean="0"/>
+              <a:t> </a:t>
+            </a:r>
+            <a:r>
+              <a:rPr lang="en-US" altLang="zh-CN" sz="3200" dirty="0" smtClean="0"/>
+              <a:t>modeling.</a:t>
+            </a:r>
+            <a:r>
+              <a:rPr lang="zh-CN" altLang="en-US" sz="3200" dirty="0" smtClean="0"/>
+              <a:t> </a:t>
+            </a:r>
+            <a:endParaRPr lang="en-US" sz="3200" dirty="0" smtClean="0"/>
           </a:p>
         </p:txBody>
       </p:sp>
@@ -8420,7 +8567,6 @@
               <a:rPr lang="en-US" sz="2400" dirty="0"/>
               <a:t>2 cups flour,1 teaspoon baking powder,1 teaspoon baking soda,1 teaspoon salt,3/4 cup butter room temperature,3/4 cup brown sugar ,3/4 cup granulated sugar,2 large eggs,2 teaspoons vanilla ,3 1/2 cups old-fashioned oatmeal,2 cups raisins</a:t>
             </a:r>
-            <a:endParaRPr lang="en-US" sz="2400" dirty="0"/>
           </a:p>
         </p:txBody>
       </p:sp>

--- a/Convectional Neural Networks Poster.pptx
+++ b/Convectional Neural Networks Poster.pptx
@@ -4982,7 +4982,7 @@
         <p:spPr>
           <a:xfrm>
             <a:off x="457202" y="5669280"/>
-            <a:ext cx="12801600" cy="1280160"/>
+            <a:ext cx="12801600" cy="1219200"/>
           </a:xfrm>
           <a:solidFill>
             <a:srgbClr val="520063"/>
@@ -5227,8 +5227,8 @@
         </p:nvSpPr>
         <p:spPr>
           <a:xfrm>
-            <a:off x="30791620" y="15519401"/>
-            <a:ext cx="12801600" cy="3886200"/>
+            <a:off x="30791620" y="13436820"/>
+            <a:ext cx="12801600" cy="1153899"/>
           </a:xfrm>
         </p:spPr>
         <p:txBody>
@@ -5242,20 +5242,7 @@
             </a:pPr>
             <a:r>
               <a:rPr lang="en-US" dirty="0" smtClean="0"/>
-              <a:t>We see that the model performs fairly well because if the generated output is not a real word, the next most likely characters would form a word.</a:t>
-            </a:r>
-          </a:p>
-          <a:p>
-            <a:pPr>
-              <a:buClrTx/>
-            </a:pPr>
-            <a:r>
-              <a:rPr lang="en-US" dirty="0" smtClean="0">
-                <a:solidFill>
-                  <a:srgbClr val="FF0000"/>
-                </a:solidFill>
-              </a:rPr>
-              <a:t>WILL UPDATE WITH HEATMAPS FOR word-level model (may possibly include phrase-level model</a:t>
+              <a:t>Character level embedding with LSTM</a:t>
             </a:r>
             <a:endParaRPr lang="en-US" dirty="0">
               <a:solidFill>
@@ -5289,10 +5276,9 @@
           <a:lstStyle/>
           <a:p>
             <a:r>
-              <a:rPr lang="en-US"/>
+              <a:rPr lang="en-US" dirty="0"/>
               <a:t>Conclusion</a:t>
             </a:r>
-            <a:endParaRPr lang="en-US" dirty="0"/>
           </a:p>
         </p:txBody>
       </p:sp>
@@ -5485,23 +5471,142 @@
           </a:solidFill>
         </p:spPr>
         <p:txBody>
-          <a:bodyPr/>
+          <a:bodyPr>
+            <a:normAutofit/>
+          </a:bodyPr>
           <a:lstStyle/>
           <a:p>
             <a:pPr>
               <a:buClrTx/>
             </a:pPr>
             <a:r>
-              <a:rPr lang="en-US" dirty="0" err="1" smtClean="0"/>
-              <a:t>Karpathy</a:t>
-            </a:r>
-            <a:endParaRPr lang="en-US" dirty="0" smtClean="0"/>
+              <a:rPr lang="en-US" sz="2000" dirty="0" smtClean="0"/>
+              <a:t>Do Androids Dream of Cooking? (Tom </a:t>
+            </a:r>
+            <a:r>
+              <a:rPr lang="en-US" sz="2000" dirty="0" err="1" smtClean="0"/>
+              <a:t>Brewe</a:t>
+            </a:r>
+            <a:r>
+              <a:rPr lang="en-US" sz="2000" dirty="0" smtClean="0"/>
+              <a:t>)</a:t>
+            </a:r>
           </a:p>
           <a:p>
             <a:pPr>
               <a:buClrTx/>
             </a:pPr>
-            <a:endParaRPr lang="en-US" dirty="0"/>
+            <a:r>
+              <a:rPr lang="en-US" sz="2000" dirty="0" err="1" smtClean="0"/>
+              <a:t>Keras</a:t>
+            </a:r>
+            <a:r>
+              <a:rPr lang="en-US" sz="2000" dirty="0" smtClean="0"/>
+              <a:t> LSTM Text Generation Example Code (Fran</a:t>
+            </a:r>
+            <a:r>
+              <a:rPr lang="tr-TR" sz="2000" dirty="0" err="1" smtClean="0"/>
+              <a:t>çois</a:t>
+            </a:r>
+            <a:r>
+              <a:rPr lang="tr-TR" sz="2000" dirty="0" smtClean="0"/>
+              <a:t> </a:t>
+            </a:r>
+            <a:r>
+              <a:rPr lang="tr-TR" sz="2000" dirty="0" err="1" smtClean="0"/>
+              <a:t>Chollet</a:t>
+            </a:r>
+            <a:r>
+              <a:rPr lang="tr-TR" sz="2000" dirty="0" smtClean="0"/>
+              <a:t>)</a:t>
+            </a:r>
+          </a:p>
+          <a:p>
+            <a:pPr>
+              <a:buClrTx/>
+            </a:pPr>
+            <a:r>
+              <a:rPr lang="tr-TR" sz="2000" dirty="0" smtClean="0"/>
+              <a:t>Word RNN </a:t>
+            </a:r>
+            <a:r>
+              <a:rPr lang="tr-TR" sz="2000" dirty="0" err="1" smtClean="0"/>
+              <a:t>Tensorflow</a:t>
+            </a:r>
+            <a:r>
+              <a:rPr lang="tr-TR" sz="2000" dirty="0" smtClean="0"/>
+              <a:t> </a:t>
+            </a:r>
+            <a:r>
+              <a:rPr lang="tr-TR" sz="2000" dirty="0" err="1" smtClean="0"/>
+              <a:t>Code</a:t>
+            </a:r>
+            <a:r>
+              <a:rPr lang="tr-TR" sz="2000" dirty="0" smtClean="0"/>
+              <a:t> (</a:t>
+            </a:r>
+            <a:r>
+              <a:rPr lang="tr-TR" sz="2000" dirty="0" err="1" smtClean="0"/>
+              <a:t>Sung</a:t>
+            </a:r>
+            <a:r>
+              <a:rPr lang="tr-TR" sz="2000" smtClean="0"/>
+              <a:t> Kim)</a:t>
+            </a:r>
+            <a:endParaRPr lang="en-US" sz="2000" dirty="0" smtClean="0"/>
+          </a:p>
+          <a:p>
+            <a:pPr>
+              <a:buClrTx/>
+            </a:pPr>
+            <a:r>
+              <a:rPr lang="en-US" sz="2000" dirty="0" smtClean="0"/>
+              <a:t>The </a:t>
+            </a:r>
+            <a:r>
+              <a:rPr lang="en-US" sz="2000" dirty="0"/>
+              <a:t>Unreasonable Effectiveness of Recurrent Neural </a:t>
+            </a:r>
+            <a:r>
+              <a:rPr lang="en-US" sz="2000" dirty="0" smtClean="0"/>
+              <a:t>Networks (Andrej </a:t>
+            </a:r>
+            <a:r>
+              <a:rPr lang="en-US" sz="2000" dirty="0" err="1" smtClean="0"/>
+              <a:t>Karpathy</a:t>
+            </a:r>
+            <a:r>
+              <a:rPr lang="en-US" sz="2000" dirty="0" smtClean="0"/>
+              <a:t>)</a:t>
+            </a:r>
+          </a:p>
+          <a:p>
+            <a:pPr>
+              <a:buClrTx/>
+            </a:pPr>
+            <a:r>
+              <a:rPr lang="en-US" sz="2000" dirty="0"/>
+              <a:t>Generating Text with Recurrent Neural </a:t>
+            </a:r>
+            <a:r>
+              <a:rPr lang="en-US" sz="2000" dirty="0" smtClean="0"/>
+              <a:t>Networks (Ilya </a:t>
+            </a:r>
+            <a:r>
+              <a:rPr lang="en-US" sz="2000" dirty="0" err="1" smtClean="0"/>
+              <a:t>Sutskever</a:t>
+            </a:r>
+            <a:r>
+              <a:rPr lang="en-US" sz="2000" dirty="0" smtClean="0"/>
+              <a:t>, James Martens, Geoffrey Hinton</a:t>
+            </a:r>
+            <a:endParaRPr lang="en-US" sz="2000" dirty="0"/>
+          </a:p>
+          <a:p>
+            <a:pPr>
+              <a:buClrTx/>
+            </a:pPr>
+            <a:endParaRPr lang="en-US" sz="2000" dirty="0" smtClean="0"/>
           </a:p>
         </p:txBody>
       </p:sp>
@@ -5538,14 +5643,14 @@
           </a:ln>
           <a:extLst>
             <a:ext uri="{909E8E84-426E-40dd-AFC4-6F175D3DCCD1}">
-              <a14:hiddenFill xmlns="" xmlns:a14="http://schemas.microsoft.com/office/drawing/2010/main">
+              <a14:hiddenFill xmlns:a14="http://schemas.microsoft.com/office/drawing/2010/main" xmlns="">
                 <a:solidFill>
                   <a:srgbClr val="FFFFFF"/>
                 </a:solidFill>
               </a14:hiddenFill>
             </a:ext>
             <a:ext uri="{91240B29-F687-4f45-9708-019B960494DF}">
-              <a14:hiddenLine xmlns="" xmlns:a14="http://schemas.microsoft.com/office/drawing/2010/main" w="9525">
+              <a14:hiddenLine xmlns:a14="http://schemas.microsoft.com/office/drawing/2010/main" xmlns="" w="9525">
                 <a:solidFill>
                   <a:srgbClr val="000000"/>
                 </a:solidFill>
@@ -5555,35 +5660,6 @@
               </a14:hiddenLine>
             </a:ext>
           </a:extLst>
-        </p:spPr>
-      </p:pic>
-      <p:pic>
-        <p:nvPicPr>
-          <p:cNvPr id="7" name="Content Placeholder 6"/>
-          <p:cNvPicPr>
-            <a:picLocks noGrp="1" noChangeAspect="1"/>
-          </p:cNvPicPr>
-          <p:nvPr>
-            <p:ph sz="quarter" idx="32"/>
-          </p:nvPr>
-        </p:nvPicPr>
-        <p:blipFill>
-          <a:blip r:embed="rId3">
-            <a:extLst>
-              <a:ext uri="{28A0092B-C50C-407E-A947-70E740481C1C}">
-                <a14:useLocalDpi xmlns:a14="http://schemas.microsoft.com/office/drawing/2010/main" val="0"/>
-              </a:ext>
-            </a:extLst>
-          </a:blip>
-          <a:stretch>
-            <a:fillRect/>
-          </a:stretch>
-        </p:blipFill>
-        <p:spPr>
-          <a:xfrm>
-            <a:off x="33493164" y="7945297"/>
-            <a:ext cx="7315200" cy="5029200"/>
-          </a:xfrm>
         </p:spPr>
       </p:pic>
       <p:pic>
@@ -5597,7 +5673,7 @@
           </p:nvPr>
         </p:nvPicPr>
         <p:blipFill rotWithShape="1">
-          <a:blip r:embed="rId4">
+          <a:blip r:embed="rId3">
             <a:extLst>
               <a:ext uri="{28A0092B-C50C-407E-A947-70E740481C1C}">
                 <a14:useLocalDpi xmlns:a14="http://schemas.microsoft.com/office/drawing/2010/main" val="0"/>
@@ -5626,7 +5702,7 @@
         </p:nvSpPr>
         <p:spPr>
           <a:xfrm>
-            <a:off x="14254555" y="5728703"/>
+            <a:off x="14228139" y="5669280"/>
             <a:ext cx="15541312" cy="1219200"/>
           </a:xfrm>
           <a:solidFill>
@@ -7923,7 +7999,7 @@
           <p:nvPr/>
         </p:nvPicPr>
         <p:blipFill>
-          <a:blip r:embed="rId5">
+          <a:blip r:embed="rId4">
             <a:extLst>
               <a:ext uri="{28A0092B-C50C-407E-A947-70E740481C1C}">
                 <a14:useLocalDpi xmlns:a14="http://schemas.microsoft.com/office/drawing/2010/main" val="0"/>
@@ -7953,7 +8029,7 @@
           <p:nvPr/>
         </p:nvPicPr>
         <p:blipFill>
-          <a:blip r:embed="rId6">
+          <a:blip r:embed="rId5">
             <a:extLst>
               <a:ext uri="{28A0092B-C50C-407E-A947-70E740481C1C}">
                 <a14:useLocalDpi xmlns:a14="http://schemas.microsoft.com/office/drawing/2010/main" val="0"/>
@@ -7983,7 +8059,7 @@
           <p:nvPr/>
         </p:nvPicPr>
         <p:blipFill>
-          <a:blip r:embed="rId7">
+          <a:blip r:embed="rId6">
             <a:extLst>
               <a:ext uri="{28A0092B-C50C-407E-A947-70E740481C1C}">
                 <a14:useLocalDpi xmlns:a14="http://schemas.microsoft.com/office/drawing/2010/main" val="0"/>
@@ -8013,7 +8089,7 @@
           <p:nvPr/>
         </p:nvPicPr>
         <p:blipFill>
-          <a:blip r:embed="rId8">
+          <a:blip r:embed="rId7">
             <a:extLst>
               <a:ext uri="{28A0092B-C50C-407E-A947-70E740481C1C}">
                 <a14:useLocalDpi xmlns:a14="http://schemas.microsoft.com/office/drawing/2010/main" val="0"/>
@@ -8043,7 +8119,7 @@
           <p:nvPr/>
         </p:nvPicPr>
         <p:blipFill>
-          <a:blip r:embed="rId9">
+          <a:blip r:embed="rId8">
             <a:extLst>
               <a:ext uri="{28A0092B-C50C-407E-A947-70E740481C1C}">
                 <a14:useLocalDpi xmlns:a14="http://schemas.microsoft.com/office/drawing/2010/main" val="0"/>
@@ -8170,11 +8246,7 @@
             </a:r>
             <a:r>
               <a:rPr lang="en-US" sz="3200" dirty="0" smtClean="0"/>
-              <a:t>Convolutional </a:t>
-            </a:r>
-            <a:r>
-              <a:rPr lang="en-US" sz="3200" dirty="0" smtClean="0"/>
-              <a:t>NN: </a:t>
+              <a:t>Convolutional NN: </a:t>
             </a:r>
             <a:r>
               <a:rPr lang="en-US" altLang="zh-CN" sz="3200" dirty="0" smtClean="0"/>
@@ -8345,66 +8417,6 @@
               <a:t> </a:t>
             </a:r>
             <a:endParaRPr lang="en-US" sz="3200" dirty="0" smtClean="0"/>
-          </a:p>
-        </p:txBody>
-      </p:sp>
-      <p:sp>
-        <p:nvSpPr>
-          <p:cNvPr id="41" name="Content Placeholder 5"/>
-          <p:cNvSpPr>
-            <a:spLocks noGrp="1"/>
-          </p:cNvSpPr>
-          <p:nvPr>
-            <p:ph sz="quarter" idx="33"/>
-          </p:nvPr>
-        </p:nvSpPr>
-        <p:spPr>
-          <a:xfrm>
-            <a:off x="30791620" y="13023096"/>
-            <a:ext cx="12801600" cy="1999595"/>
-          </a:xfrm>
-        </p:spPr>
-        <p:txBody>
-          <a:bodyPr>
-            <a:noAutofit/>
-          </a:bodyPr>
-          <a:lstStyle/>
-          <a:p>
-            <a:pPr marL="0" lvl="0" indent="0" defTabSz="914400">
-              <a:spcBef>
-                <a:spcPts val="0"/>
-              </a:spcBef>
-              <a:buClrTx/>
-              <a:buNone/>
-            </a:pPr>
-            <a:r>
-              <a:rPr lang="en-US" sz="2400" dirty="0"/>
-              <a:t>spoon baking soda,1 cup flaked coconut,2 teaspoons butter softened,1 teaspoon vanilla extract,1/2 cup softened butter,1/2 cup sugar,3/4 cup brown sugar packed,1 teaspoon vanilla extract,1/2 teaspoon ground nutmeg,3 large eggs,1/2 teaspoon grated filling,1 cup shortening,2 1/4 cups all purpose flour,1 teaspoon vanilla extract,1/2 teaspoon salt,1/4 teaspoon kosher salt,1 cup butter room temperature,1 1/2 tsp. ground cinnamon,2 cups </a:t>
-            </a:r>
-            <a:r>
-              <a:rPr lang="en-US" sz="2400" dirty="0" smtClean="0"/>
-              <a:t>white</a:t>
-            </a:r>
-          </a:p>
-          <a:p>
-            <a:pPr marL="0" lvl="0" indent="0" defTabSz="914400">
-              <a:spcBef>
-                <a:spcPts val="0"/>
-              </a:spcBef>
-              <a:buClrTx/>
-              <a:buNone/>
-            </a:pPr>
-            <a:endParaRPr lang="en-US" sz="2400" dirty="0"/>
-          </a:p>
-          <a:p>
-            <a:pPr marL="0" lvl="0" indent="0" defTabSz="914400">
-              <a:spcBef>
-                <a:spcPts val="0"/>
-              </a:spcBef>
-              <a:buClrTx/>
-              <a:buNone/>
-            </a:pPr>
-            <a:endParaRPr lang="en-US" sz="2800" dirty="0"/>
           </a:p>
         </p:txBody>
       </p:sp>
@@ -8420,8 +8432,8 @@
         </p:nvSpPr>
         <p:spPr>
           <a:xfrm>
-            <a:off x="30791620" y="7171688"/>
-            <a:ext cx="12801600" cy="5738632"/>
+            <a:off x="30776379" y="7613490"/>
+            <a:ext cx="12801600" cy="1255220"/>
           </a:xfrm>
         </p:spPr>
         <p:txBody>
@@ -8435,13 +8447,8 @@
             </a:pPr>
             <a:r>
               <a:rPr lang="en-US" dirty="0" smtClean="0"/>
-              <a:t>Ran the character level CNN and got the following output with the associated heat map. </a:t>
-            </a:r>
-          </a:p>
-          <a:p>
-            <a:pPr>
-              <a:buClrTx/>
-            </a:pPr>
+              <a:t>Character level embedding with CNN </a:t>
+            </a:r>
             <a:endParaRPr lang="en-US" dirty="0"/>
           </a:p>
         </p:txBody>
@@ -8567,6 +8574,357 @@
               <a:rPr lang="en-US" sz="2400" dirty="0"/>
               <a:t>2 cups flour,1 teaspoon baking powder,1 teaspoon baking soda,1 teaspoon salt,3/4 cup butter room temperature,3/4 cup brown sugar ,3/4 cup granulated sugar,2 large eggs,2 teaspoons vanilla ,3 1/2 cups old-fashioned oatmeal,2 cups raisins</a:t>
             </a:r>
+          </a:p>
+        </p:txBody>
+      </p:sp>
+      <p:pic>
+        <p:nvPicPr>
+          <p:cNvPr id="8" name="Content Placeholder 7"/>
+          <p:cNvPicPr>
+            <a:picLocks noGrp="1" noChangeAspect="1"/>
+          </p:cNvPicPr>
+          <p:nvPr>
+            <p:ph sz="quarter" idx="32"/>
+          </p:nvPr>
+        </p:nvPicPr>
+        <p:blipFill>
+          <a:blip r:embed="rId9">
+            <a:extLst>
+              <a:ext uri="{28A0092B-C50C-407E-A947-70E740481C1C}">
+                <a14:useLocalDpi xmlns:a14="http://schemas.microsoft.com/office/drawing/2010/main" val="0"/>
+              </a:ext>
+            </a:extLst>
+          </a:blip>
+          <a:stretch>
+            <a:fillRect/>
+          </a:stretch>
+        </p:blipFill>
+        <p:spPr>
+          <a:xfrm>
+            <a:off x="31382567" y="8469313"/>
+            <a:ext cx="6024417" cy="4141787"/>
+          </a:xfrm>
+        </p:spPr>
+      </p:pic>
+      <p:pic>
+        <p:nvPicPr>
+          <p:cNvPr id="14" name="Content Placeholder 13"/>
+          <p:cNvPicPr>
+            <a:picLocks noGrp="1" noChangeAspect="1"/>
+          </p:cNvPicPr>
+          <p:nvPr>
+            <p:ph sz="quarter" idx="32"/>
+          </p:nvPr>
+        </p:nvPicPr>
+        <p:blipFill>
+          <a:blip r:embed="rId10">
+            <a:extLst>
+              <a:ext uri="{28A0092B-C50C-407E-A947-70E740481C1C}">
+                <a14:useLocalDpi xmlns:a14="http://schemas.microsoft.com/office/drawing/2010/main" val="0"/>
+              </a:ext>
+            </a:extLst>
+          </a:blip>
+          <a:stretch>
+            <a:fillRect/>
+          </a:stretch>
+        </p:blipFill>
+        <p:spPr>
+          <a:xfrm>
+            <a:off x="37406984" y="8492331"/>
+            <a:ext cx="6026727" cy="4143375"/>
+          </a:xfrm>
+        </p:spPr>
+      </p:pic>
+      <p:pic>
+        <p:nvPicPr>
+          <p:cNvPr id="51" name="Content Placeholder 7"/>
+          <p:cNvPicPr>
+            <a:picLocks noGrp="1" noChangeAspect="1"/>
+          </p:cNvPicPr>
+          <p:nvPr>
+            <p:ph sz="quarter" idx="32"/>
+          </p:nvPr>
+        </p:nvPicPr>
+        <p:blipFill>
+          <a:blip r:embed="rId11">
+            <a:extLst>
+              <a:ext uri="{28A0092B-C50C-407E-A947-70E740481C1C}">
+                <a14:useLocalDpi xmlns:a14="http://schemas.microsoft.com/office/drawing/2010/main" val="0"/>
+              </a:ext>
+            </a:extLst>
+          </a:blip>
+          <a:stretch>
+            <a:fillRect/>
+          </a:stretch>
+        </p:blipFill>
+        <p:spPr>
+          <a:xfrm>
+            <a:off x="31382567" y="14172270"/>
+            <a:ext cx="6024417" cy="4141786"/>
+          </a:xfrm>
+        </p:spPr>
+      </p:pic>
+      <p:sp>
+        <p:nvSpPr>
+          <p:cNvPr id="52" name="Content Placeholder 5"/>
+          <p:cNvSpPr>
+            <a:spLocks noGrp="1"/>
+          </p:cNvSpPr>
+          <p:nvPr>
+            <p:ph sz="quarter" idx="33"/>
+          </p:nvPr>
+        </p:nvSpPr>
+        <p:spPr>
+          <a:xfrm>
+            <a:off x="30791620" y="6917029"/>
+            <a:ext cx="12801600" cy="749582"/>
+          </a:xfrm>
+        </p:spPr>
+        <p:txBody>
+          <a:bodyPr>
+            <a:normAutofit fontScale="85000" lnSpcReduction="10000"/>
+          </a:bodyPr>
+          <a:lstStyle/>
+          <a:p>
+            <a:pPr marL="0" marR="0" lvl="0" indent="0" defTabSz="914400" eaLnBrk="1" fontAlgn="auto" latinLnBrk="0" hangingPunct="1">
+              <a:lnSpc>
+                <a:spcPct val="100000"/>
+              </a:lnSpc>
+              <a:spcBef>
+                <a:spcPts val="0"/>
+              </a:spcBef>
+              <a:spcAft>
+                <a:spcPts val="0"/>
+              </a:spcAft>
+              <a:buClrTx/>
+              <a:buSzTx/>
+              <a:buFontTx/>
+              <a:buNone/>
+              <a:tabLst/>
+              <a:defRPr/>
+            </a:pPr>
+            <a:r>
+              <a:rPr lang="en-US" dirty="0" smtClean="0"/>
+              <a:t>Seed text generated from first 40 characters of oatmeal raisin cookie recipe.</a:t>
+            </a:r>
+            <a:endParaRPr lang="en-US" dirty="0"/>
+          </a:p>
+        </p:txBody>
+      </p:sp>
+      <p:sp>
+        <p:nvSpPr>
+          <p:cNvPr id="53" name="Content Placeholder 5"/>
+          <p:cNvSpPr>
+            <a:spLocks noGrp="1"/>
+          </p:cNvSpPr>
+          <p:nvPr>
+            <p:ph sz="quarter" idx="33"/>
+          </p:nvPr>
+        </p:nvSpPr>
+        <p:spPr>
+          <a:xfrm>
+            <a:off x="32003355" y="12369988"/>
+            <a:ext cx="4260380" cy="774027"/>
+          </a:xfrm>
+        </p:spPr>
+        <p:txBody>
+          <a:bodyPr>
+            <a:normAutofit/>
+          </a:bodyPr>
+          <a:lstStyle/>
+          <a:p>
+            <a:pPr marL="0" marR="0" lvl="0" indent="0" algn="ctr" defTabSz="914400" eaLnBrk="1" fontAlgn="auto" latinLnBrk="0" hangingPunct="1">
+              <a:lnSpc>
+                <a:spcPct val="100000"/>
+              </a:lnSpc>
+              <a:spcBef>
+                <a:spcPts val="0"/>
+              </a:spcBef>
+              <a:spcAft>
+                <a:spcPts val="0"/>
+              </a:spcAft>
+              <a:buClrTx/>
+              <a:buSzTx/>
+              <a:buFontTx/>
+              <a:buNone/>
+              <a:tabLst/>
+              <a:defRPr/>
+            </a:pPr>
+            <a:r>
+              <a:rPr lang="en-US" sz="2000" dirty="0" smtClean="0"/>
+              <a:t>Heat map with diversity = 0.2</a:t>
+            </a:r>
+            <a:endParaRPr lang="en-US" sz="2000" dirty="0"/>
+          </a:p>
+        </p:txBody>
+      </p:sp>
+      <p:sp>
+        <p:nvSpPr>
+          <p:cNvPr id="54" name="Content Placeholder 5"/>
+          <p:cNvSpPr>
+            <a:spLocks noGrp="1"/>
+          </p:cNvSpPr>
+          <p:nvPr>
+            <p:ph sz="quarter" idx="33"/>
+          </p:nvPr>
+        </p:nvSpPr>
+        <p:spPr>
+          <a:xfrm>
+            <a:off x="38180172" y="18018901"/>
+            <a:ext cx="4260380" cy="774027"/>
+          </a:xfrm>
+        </p:spPr>
+        <p:txBody>
+          <a:bodyPr>
+            <a:normAutofit/>
+          </a:bodyPr>
+          <a:lstStyle/>
+          <a:p>
+            <a:pPr marL="0" marR="0" lvl="0" indent="0" algn="ctr" defTabSz="914400" eaLnBrk="1" fontAlgn="auto" latinLnBrk="0" hangingPunct="1">
+              <a:lnSpc>
+                <a:spcPct val="100000"/>
+              </a:lnSpc>
+              <a:spcBef>
+                <a:spcPts val="0"/>
+              </a:spcBef>
+              <a:spcAft>
+                <a:spcPts val="0"/>
+              </a:spcAft>
+              <a:buClrTx/>
+              <a:buSzTx/>
+              <a:buFontTx/>
+              <a:buNone/>
+              <a:tabLst/>
+              <a:defRPr/>
+            </a:pPr>
+            <a:r>
+              <a:rPr lang="en-US" sz="2000" dirty="0" smtClean="0"/>
+              <a:t>Heat map with diversity = 1.2</a:t>
+            </a:r>
+            <a:endParaRPr lang="en-US" sz="2000" dirty="0"/>
+          </a:p>
+        </p:txBody>
+      </p:sp>
+      <p:pic>
+        <p:nvPicPr>
+          <p:cNvPr id="56" name="Content Placeholder 7"/>
+          <p:cNvPicPr>
+            <a:picLocks noGrp="1" noChangeAspect="1"/>
+          </p:cNvPicPr>
+          <p:nvPr>
+            <p:ph sz="quarter" idx="32"/>
+          </p:nvPr>
+        </p:nvPicPr>
+        <p:blipFill>
+          <a:blip r:embed="rId12">
+            <a:extLst>
+              <a:ext uri="{28A0092B-C50C-407E-A947-70E740481C1C}">
+                <a14:useLocalDpi xmlns:a14="http://schemas.microsoft.com/office/drawing/2010/main" val="0"/>
+              </a:ext>
+            </a:extLst>
+          </a:blip>
+          <a:stretch>
+            <a:fillRect/>
+          </a:stretch>
+        </p:blipFill>
+        <p:spPr>
+          <a:xfrm>
+            <a:off x="37409294" y="14082410"/>
+            <a:ext cx="6024416" cy="4141786"/>
+          </a:xfrm>
+        </p:spPr>
+      </p:pic>
+      <p:sp>
+        <p:nvSpPr>
+          <p:cNvPr id="57" name="Content Placeholder 5"/>
+          <p:cNvSpPr>
+            <a:spLocks noGrp="1"/>
+          </p:cNvSpPr>
+          <p:nvPr>
+            <p:ph sz="quarter" idx="33"/>
+          </p:nvPr>
+        </p:nvSpPr>
+        <p:spPr>
+          <a:xfrm>
+            <a:off x="32003355" y="18199271"/>
+            <a:ext cx="4260380" cy="774027"/>
+          </a:xfrm>
+        </p:spPr>
+        <p:txBody>
+          <a:bodyPr>
+            <a:normAutofit/>
+          </a:bodyPr>
+          <a:lstStyle/>
+          <a:p>
+            <a:pPr marL="0" marR="0" lvl="0" indent="0" algn="ctr" defTabSz="914400" eaLnBrk="1" fontAlgn="auto" latinLnBrk="0" hangingPunct="1">
+              <a:lnSpc>
+                <a:spcPct val="100000"/>
+              </a:lnSpc>
+              <a:spcBef>
+                <a:spcPts val="0"/>
+              </a:spcBef>
+              <a:spcAft>
+                <a:spcPts val="0"/>
+              </a:spcAft>
+              <a:buClrTx/>
+              <a:buSzTx/>
+              <a:buFontTx/>
+              <a:buNone/>
+              <a:tabLst/>
+              <a:defRPr/>
+            </a:pPr>
+            <a:r>
+              <a:rPr lang="en-US" sz="2000" dirty="0" smtClean="0"/>
+              <a:t>Heat map with diversity = 0.2</a:t>
+            </a:r>
+            <a:endParaRPr lang="en-US" sz="2000" dirty="0"/>
+          </a:p>
+        </p:txBody>
+      </p:sp>
+      <p:sp>
+        <p:nvSpPr>
+          <p:cNvPr id="59" name="Content Placeholder 5"/>
+          <p:cNvSpPr>
+            <a:spLocks noGrp="1"/>
+          </p:cNvSpPr>
+          <p:nvPr>
+            <p:ph sz="quarter" idx="33"/>
+          </p:nvPr>
+        </p:nvSpPr>
+        <p:spPr>
+          <a:xfrm>
+            <a:off x="38180172" y="12522387"/>
+            <a:ext cx="4260380" cy="774027"/>
+          </a:xfrm>
+        </p:spPr>
+        <p:txBody>
+          <a:bodyPr>
+            <a:normAutofit/>
+          </a:bodyPr>
+          <a:lstStyle/>
+          <a:p>
+            <a:pPr marL="0" marR="0" lvl="0" indent="0" algn="ctr" defTabSz="914400" eaLnBrk="1" fontAlgn="auto" latinLnBrk="0" hangingPunct="1">
+              <a:lnSpc>
+                <a:spcPct val="100000"/>
+              </a:lnSpc>
+              <a:spcBef>
+                <a:spcPts val="0"/>
+              </a:spcBef>
+              <a:spcAft>
+                <a:spcPts val="0"/>
+              </a:spcAft>
+              <a:buClrTx/>
+              <a:buSzTx/>
+              <a:buFontTx/>
+              <a:buNone/>
+              <a:tabLst/>
+              <a:defRPr/>
+            </a:pPr>
+            <a:r>
+              <a:rPr lang="en-US" sz="2000" dirty="0" smtClean="0"/>
+              <a:t>Heat map with diversity = 1.2</a:t>
+            </a:r>
+            <a:endParaRPr lang="en-US" sz="2000" dirty="0"/>
           </a:p>
         </p:txBody>
       </p:sp>

--- a/Convectional Neural Networks Poster.pptx
+++ b/Convectional Neural Networks Poster.pptx
@@ -5227,7 +5227,7 @@
         </p:nvSpPr>
         <p:spPr>
           <a:xfrm>
-            <a:off x="30791620" y="13436820"/>
+            <a:off x="30791620" y="12894373"/>
             <a:ext cx="12801600" cy="1153899"/>
           </a:xfrm>
         </p:spPr>
@@ -5242,7 +5242,19 @@
             </a:pPr>
             <a:r>
               <a:rPr lang="en-US" dirty="0" smtClean="0"/>
-              <a:t>Character level embedding with LSTM</a:t>
+              <a:t>Character </a:t>
+            </a:r>
+            <a:r>
+              <a:rPr lang="en-US" dirty="0" smtClean="0"/>
+              <a:t>level </a:t>
+            </a:r>
+            <a:r>
+              <a:rPr lang="en-US" dirty="0" smtClean="0"/>
+              <a:t>embedding with </a:t>
+            </a:r>
+            <a:r>
+              <a:rPr lang="en-US" dirty="0" smtClean="0"/>
+              <a:t>LSTM</a:t>
             </a:r>
             <a:endParaRPr lang="en-US" dirty="0">
               <a:solidFill>
@@ -5643,14 +5655,14 @@
           </a:ln>
           <a:extLst>
             <a:ext uri="{909E8E84-426E-40dd-AFC4-6F175D3DCCD1}">
-              <a14:hiddenFill xmlns:a14="http://schemas.microsoft.com/office/drawing/2010/main" xmlns="">
+              <a14:hiddenFill xmlns="" xmlns:a14="http://schemas.microsoft.com/office/drawing/2010/main">
                 <a:solidFill>
                   <a:srgbClr val="FFFFFF"/>
                 </a:solidFill>
               </a14:hiddenFill>
             </a:ext>
             <a:ext uri="{91240B29-F687-4f45-9708-019B960494DF}">
-              <a14:hiddenLine xmlns:a14="http://schemas.microsoft.com/office/drawing/2010/main" xmlns="" w="9525">
+              <a14:hiddenLine xmlns="" xmlns:a14="http://schemas.microsoft.com/office/drawing/2010/main" w="9525">
                 <a:solidFill>
                   <a:srgbClr val="000000"/>
                 </a:solidFill>
@@ -8659,7 +8671,7 @@
         </p:blipFill>
         <p:spPr>
           <a:xfrm>
-            <a:off x="31382567" y="14172270"/>
+            <a:off x="31382567" y="13629823"/>
             <a:ext cx="6024417" cy="4141786"/>
           </a:xfrm>
         </p:spPr>
@@ -8760,7 +8772,7 @@
       </p:sp>
       <p:sp>
         <p:nvSpPr>
-          <p:cNvPr id="54" name="Content Placeholder 5"/>
+          <p:cNvPr id="57" name="Content Placeholder 5"/>
           <p:cNvSpPr>
             <a:spLocks noGrp="1"/>
           </p:cNvSpPr>
@@ -8770,7 +8782,54 @@
         </p:nvSpPr>
         <p:spPr>
           <a:xfrm>
-            <a:off x="38180172" y="18018901"/>
+            <a:off x="32003355" y="17517342"/>
+            <a:ext cx="4260380" cy="774027"/>
+          </a:xfrm>
+        </p:spPr>
+        <p:txBody>
+          <a:bodyPr>
+            <a:normAutofit/>
+          </a:bodyPr>
+          <a:lstStyle/>
+          <a:p>
+            <a:pPr marL="0" marR="0" lvl="0" indent="0" algn="ctr" defTabSz="914400" eaLnBrk="1" fontAlgn="auto" latinLnBrk="0" hangingPunct="1">
+              <a:lnSpc>
+                <a:spcPct val="100000"/>
+              </a:lnSpc>
+              <a:spcBef>
+                <a:spcPts val="0"/>
+              </a:spcBef>
+              <a:spcAft>
+                <a:spcPts val="0"/>
+              </a:spcAft>
+              <a:buClrTx/>
+              <a:buSzTx/>
+              <a:buFontTx/>
+              <a:buNone/>
+              <a:tabLst/>
+              <a:defRPr/>
+            </a:pPr>
+            <a:r>
+              <a:rPr lang="en-US" sz="2000" dirty="0" smtClean="0"/>
+              <a:t>Heat map with diversity = 0.2</a:t>
+            </a:r>
+            <a:endParaRPr lang="en-US" sz="2000" dirty="0"/>
+          </a:p>
+        </p:txBody>
+      </p:sp>
+      <p:sp>
+        <p:nvSpPr>
+          <p:cNvPr id="59" name="Content Placeholder 5"/>
+          <p:cNvSpPr>
+            <a:spLocks noGrp="1"/>
+          </p:cNvSpPr>
+          <p:nvPr>
+            <p:ph sz="quarter" idx="33"/>
+          </p:nvPr>
+        </p:nvSpPr>
+        <p:spPr>
+          <a:xfrm>
+            <a:off x="38106068" y="12319844"/>
             <a:ext cx="4260380" cy="774027"/>
           </a:xfrm>
         </p:spPr>
@@ -8829,14 +8888,14 @@
         </p:blipFill>
         <p:spPr>
           <a:xfrm>
-            <a:off x="37409294" y="14082410"/>
+            <a:off x="37406984" y="13629823"/>
             <a:ext cx="6024416" cy="4141786"/>
           </a:xfrm>
         </p:spPr>
       </p:pic>
       <p:sp>
         <p:nvSpPr>
-          <p:cNvPr id="57" name="Content Placeholder 5"/>
+          <p:cNvPr id="54" name="Content Placeholder 5"/>
           <p:cNvSpPr>
             <a:spLocks noGrp="1"/>
           </p:cNvSpPr>
@@ -8846,7 +8905,7 @@
         </p:nvSpPr>
         <p:spPr>
           <a:xfrm>
-            <a:off x="32003355" y="18199271"/>
+            <a:off x="37997931" y="17517341"/>
             <a:ext cx="4260380" cy="774027"/>
           </a:xfrm>
         </p:spPr>
@@ -8875,7 +8934,7 @@
             </a:pPr>
             <a:r>
               <a:rPr lang="en-US" sz="2000" dirty="0" smtClean="0"/>
-              <a:t>Heat map with diversity = 0.2</a:t>
+              <a:t>Heat map with diversity = 1.2</a:t>
             </a:r>
             <a:endParaRPr lang="en-US" sz="2000" dirty="0"/>
           </a:p>
@@ -8883,7 +8942,7 @@
       </p:sp>
       <p:sp>
         <p:nvSpPr>
-          <p:cNvPr id="59" name="Content Placeholder 5"/>
+          <p:cNvPr id="55" name="Content Placeholder 5"/>
           <p:cNvSpPr>
             <a:spLocks noGrp="1"/>
           </p:cNvSpPr>
@@ -8893,38 +8952,66 @@
         </p:nvSpPr>
         <p:spPr>
           <a:xfrm>
-            <a:off x="38180172" y="12522387"/>
-            <a:ext cx="4260380" cy="774027"/>
+            <a:off x="31311887" y="18236780"/>
+            <a:ext cx="11556425" cy="1305264"/>
           </a:xfrm>
         </p:spPr>
         <p:txBody>
           <a:bodyPr>
-            <a:normAutofit/>
+            <a:normAutofit fontScale="85000" lnSpcReduction="20000"/>
           </a:bodyPr>
           <a:lstStyle/>
           <a:p>
-            <a:pPr marL="0" marR="0" lvl="0" indent="0" algn="ctr" defTabSz="914400" eaLnBrk="1" fontAlgn="auto" latinLnBrk="0" hangingPunct="1">
-              <a:lnSpc>
-                <a:spcPct val="100000"/>
-              </a:lnSpc>
-              <a:spcBef>
-                <a:spcPts val="0"/>
-              </a:spcBef>
-              <a:spcAft>
-                <a:spcPts val="0"/>
-              </a:spcAft>
+            <a:pPr marL="0" indent="0" defTabSz="914400">
+              <a:spcBef>
+                <a:spcPts val="0"/>
+              </a:spcBef>
               <a:buClrTx/>
-              <a:buSzTx/>
-              <a:buFontTx/>
-              <a:buNone/>
-              <a:tabLst/>
+              <a:buNone/>
               <a:defRPr/>
             </a:pPr>
             <a:r>
+              <a:rPr lang="en-US" sz="2400" b="1" dirty="0"/>
+              <a:t>Example </a:t>
+            </a:r>
+            <a:r>
+              <a:rPr lang="en-US" sz="2400" b="1" dirty="0" smtClean="0"/>
+              <a:t>Output:</a:t>
+            </a:r>
+            <a:r>
               <a:rPr lang="en-US" sz="2000" dirty="0" smtClean="0"/>
-              <a:t>Heat map with diversity = 1.2</a:t>
-            </a:r>
-            <a:endParaRPr lang="en-US" sz="2000" dirty="0"/>
+              <a:t/>
+            </a:r>
+            <a:br>
+              <a:rPr lang="en-US" sz="2000" dirty="0" smtClean="0"/>
+            </a:br>
+            <a:r>
+              <a:rPr lang="en-US" sz="1900" dirty="0" smtClean="0"/>
+              <a:t>1/2 </a:t>
+            </a:r>
+            <a:r>
+              <a:rPr lang="en-US" sz="1900" dirty="0"/>
+              <a:t>tsp. baking soda,1 tsp. vanilla extract,1 cup all purpose flour,1 teaspoon baking soda,1 teaspoon salt,6 tablespoons brown sugar,2 cups candy covered plus  1/4 finely diced,1/2 cup firmly packed brown sugar,1 egg  1 3/4 cups sugar,2 la 1/2 tsp. baking soda,1 tsp. vanilla extract  2 cups chocolate chips,1/2 cup agave nectar,1 teaspoon coconut extract ,1 teaspoon salt,1 cup </a:t>
+            </a:r>
+            <a:r>
+              <a:rPr lang="en-US" sz="1900" dirty="0" err="1"/>
+              <a:t>nutella</a:t>
+            </a:r>
+            <a:r>
+              <a:rPr lang="en-US" sz="1900" dirty="0"/>
+              <a:t>, 1/2 cup rainbow sprinkles of chopped nuts,1/3 cup chocolate hot cocoa powder,1 tsp vanilla </a:t>
+            </a:r>
+          </a:p>
+          <a:p>
+            <a:pPr marL="0" lvl="0" indent="0" defTabSz="914400">
+              <a:spcBef>
+                <a:spcPts val="0"/>
+              </a:spcBef>
+              <a:buClrTx/>
+              <a:buNone/>
+              <a:defRPr/>
+            </a:pPr>
+            <a:endParaRPr lang="en-US" sz="1900" dirty="0"/>
           </a:p>
         </p:txBody>
       </p:sp>
